--- a/pq-pdq.pptx
+++ b/pq-pdq.pptx
@@ -39,7 +39,7 @@
       <p:boldItalic r:id="rId25"/>
     </p:embeddedFont>
     <p:embeddedFont>
-      <p:font typeface="Gidole" panose="02000503000000000000" pitchFamily="2" charset="0"/>
+      <p:font typeface="Gidole" panose="020B0604020202020204" charset="0"/>
       <p:regular r:id="rId26"/>
     </p:embeddedFont>
     <p:embeddedFont>
@@ -266,7 +266,7 @@
           <a:p>
             <a:fld id="{17A98A70-FA8C-4354-959C-C70678AC9BCF}" type="datetimeFigureOut">
               <a:rPr lang="en-US" smtClean="0"/>
-              <a:t>8/11/2022</a:t>
+              <a:t>8/12/2022</a:t>
             </a:fld>
             <a:endParaRPr lang="en-US"/>
           </a:p>
@@ -577,36 +577,6 @@
           <a:bodyPr/>
           <a:lstStyle/>
           <a:p>
-            <a:r>
-              <a:rPr lang="en-US" dirty="0"/>
-              <a:t>This is an Excel class, so we won’t be looking at PowerPoint the whole time – to follow along, you will see that all assets are divided by section.</a:t>
-            </a:r>
-          </a:p>
-          <a:p>
-            <a:r>
-              <a:rPr lang="en-US" dirty="0"/>
-              <a:t>Some of our Excel time will be Demos – for this I will be walking through some procedure in Excel.</a:t>
-            </a:r>
-          </a:p>
-          <a:p>
-            <a:r>
-              <a:rPr lang="en-US" dirty="0"/>
-              <a:t>If you need any datasets they will be included in each sub-folder. </a:t>
-            </a:r>
-          </a:p>
-          <a:p>
-            <a:r>
-              <a:rPr lang="en-US" dirty="0"/>
-              <a:t>Then there may be a Drill where you will work on it for yourself during some specified period of time. </a:t>
-            </a:r>
-          </a:p>
-          <a:p>
-            <a:r>
-              <a:rPr lang="en-US" dirty="0"/>
-              <a:t>	I have provided written notes/instructions about the Demos which you can refer to while working on the Drills. </a:t>
-            </a:r>
-          </a:p>
-          <a:p>
             <a:endParaRPr lang="en-US" dirty="0"/>
           </a:p>
         </p:txBody>
@@ -628,7 +598,7 @@
           <a:p>
             <a:fld id="{FFB500C5-13F7-48FC-8160-C29AECF6C602}" type="slidenum">
               <a:rPr lang="en-US" smtClean="0"/>
-              <a:t>3</a:t>
+              <a:t>2</a:t>
             </a:fld>
             <a:endParaRPr lang="en-US"/>
           </a:p>
@@ -637,7 +607,7 @@
     </p:spTree>
     <p:extLst>
       <p:ext uri="{BB962C8B-B14F-4D97-AF65-F5344CB8AC3E}">
-        <p14:creationId xmlns:p14="http://schemas.microsoft.com/office/powerpoint/2010/main" val="949741743"/>
+        <p14:creationId xmlns:p14="http://schemas.microsoft.com/office/powerpoint/2010/main" val="1532573276"/>
       </p:ext>
     </p:extLst>
   </p:cSld>
@@ -691,10 +661,30 @@
           <a:bodyPr/>
           <a:lstStyle/>
           <a:p>
+            <a:pPr marL="0" marR="0" lvl="0" indent="0" algn="l" defTabSz="914400" rtl="0" eaLnBrk="1" fontAlgn="auto" latinLnBrk="0" hangingPunct="1">
+              <a:lnSpc>
+                <a:spcPct val="100000"/>
+              </a:lnSpc>
+              <a:spcBef>
+                <a:spcPts val="0"/>
+              </a:spcBef>
+              <a:spcAft>
+                <a:spcPts val="0"/>
+              </a:spcAft>
+              <a:buClrTx/>
+              <a:buSzTx/>
+              <a:buFontTx/>
+              <a:buNone/>
+              <a:tabLst/>
+              <a:defRPr/>
+            </a:pPr>
             <a:r>
               <a:rPr lang="en-US" dirty="0"/>
-              <a:t>Now you are hyped up Power Query, I think you are going to love it and it will be hard for you to remember the days when you didn’t have it. So let’s think about what we would do without Power Query. </a:t>
-            </a:r>
+              <a:t>Here is an example of that, a blog post about analyzing 50 million records using Excel. 50 million is pretty significant for most anyone, and Excel could handle it, so dismissing Excel out of hand on account of performance is just not as true anymore with Power Query. </a:t>
+            </a:r>
+          </a:p>
+          <a:p>
+            <a:endParaRPr lang="en-US" dirty="0"/>
           </a:p>
         </p:txBody>
       </p:sp>
@@ -715,7 +705,7 @@
           <a:p>
             <a:fld id="{FFB500C5-13F7-48FC-8160-C29AECF6C602}" type="slidenum">
               <a:rPr lang="en-US" smtClean="0"/>
-              <a:t>12</a:t>
+              <a:t>11</a:t>
             </a:fld>
             <a:endParaRPr lang="en-US"/>
           </a:p>
@@ -724,7 +714,7 @@
     </p:spTree>
     <p:extLst>
       <p:ext uri="{BB962C8B-B14F-4D97-AF65-F5344CB8AC3E}">
-        <p14:creationId xmlns:p14="http://schemas.microsoft.com/office/powerpoint/2010/main" val="3535360720"/>
+        <p14:creationId xmlns:p14="http://schemas.microsoft.com/office/powerpoint/2010/main" val="2689248062"/>
       </p:ext>
     </p:extLst>
   </p:cSld>
@@ -778,7 +768,10 @@
           <a:bodyPr/>
           <a:lstStyle/>
           <a:p>
-            <a:endParaRPr lang="en-US" dirty="0"/>
+            <a:r>
+              <a:rPr lang="en-US" dirty="0"/>
+              <a:t>Now you are hyped up Power Query, I think you are going to love it and it will be hard for you to remember the days when you didn’t have it. So let’s think about what we would do without Power Query. </a:t>
+            </a:r>
           </a:p>
         </p:txBody>
       </p:sp>
@@ -799,7 +792,7 @@
           <a:p>
             <a:fld id="{FFB500C5-13F7-48FC-8160-C29AECF6C602}" type="slidenum">
               <a:rPr lang="en-US" smtClean="0"/>
-              <a:t>13</a:t>
+              <a:t>12</a:t>
             </a:fld>
             <a:endParaRPr lang="en-US"/>
           </a:p>
@@ -808,7 +801,7 @@
     </p:spTree>
     <p:extLst>
       <p:ext uri="{BB962C8B-B14F-4D97-AF65-F5344CB8AC3E}">
-        <p14:creationId xmlns:p14="http://schemas.microsoft.com/office/powerpoint/2010/main" val="3625376761"/>
+        <p14:creationId xmlns:p14="http://schemas.microsoft.com/office/powerpoint/2010/main" val="3535360720"/>
       </p:ext>
     </p:extLst>
   </p:cSld>
@@ -862,14 +855,6 @@
           <a:bodyPr/>
           <a:lstStyle/>
           <a:p>
-            <a:r>
-              <a:rPr lang="en-US" dirty="0"/>
-              <a:t>Open this file. We will get </a:t>
-            </a:r>
-            <a:r>
-              <a:rPr lang="en-US"/>
-              <a:t>into Power Query now. </a:t>
-            </a:r>
             <a:endParaRPr lang="en-US" dirty="0"/>
           </a:p>
         </p:txBody>
@@ -891,7 +876,7 @@
           <a:p>
             <a:fld id="{FFB500C5-13F7-48FC-8160-C29AECF6C602}" type="slidenum">
               <a:rPr lang="en-US" smtClean="0"/>
-              <a:t>14</a:t>
+              <a:t>13</a:t>
             </a:fld>
             <a:endParaRPr lang="en-US"/>
           </a:p>
@@ -900,7 +885,7 @@
     </p:spTree>
     <p:extLst>
       <p:ext uri="{BB962C8B-B14F-4D97-AF65-F5344CB8AC3E}">
-        <p14:creationId xmlns:p14="http://schemas.microsoft.com/office/powerpoint/2010/main" val="3097664856"/>
+        <p14:creationId xmlns:p14="http://schemas.microsoft.com/office/powerpoint/2010/main" val="3625376761"/>
       </p:ext>
     </p:extLst>
   </p:cSld>
@@ -956,8 +941,13 @@
           <a:p>
             <a:r>
               <a:rPr lang="en-US" dirty="0"/>
-              <a:t>Any questions on descriptive statistics? </a:t>
-            </a:r>
+              <a:t>Open this file. We will get </a:t>
+            </a:r>
+            <a:r>
+              <a:rPr lang="en-US"/>
+              <a:t>into Power Query now. </a:t>
+            </a:r>
+            <a:endParaRPr lang="en-US" dirty="0"/>
           </a:p>
         </p:txBody>
       </p:sp>
@@ -978,7 +968,7 @@
           <a:p>
             <a:fld id="{FFB500C5-13F7-48FC-8160-C29AECF6C602}" type="slidenum">
               <a:rPr lang="en-US" smtClean="0"/>
-              <a:t>15</a:t>
+              <a:t>14</a:t>
             </a:fld>
             <a:endParaRPr lang="en-US"/>
           </a:p>
@@ -987,7 +977,7 @@
     </p:spTree>
     <p:extLst>
       <p:ext uri="{BB962C8B-B14F-4D97-AF65-F5344CB8AC3E}">
-        <p14:creationId xmlns:p14="http://schemas.microsoft.com/office/powerpoint/2010/main" val="1531584346"/>
+        <p14:creationId xmlns:p14="http://schemas.microsoft.com/office/powerpoint/2010/main" val="3097664856"/>
       </p:ext>
     </p:extLst>
   </p:cSld>
@@ -1041,34 +1031,9 @@
           <a:bodyPr/>
           <a:lstStyle/>
           <a:p>
-            <a:pPr marL="0" marR="0" lvl="0" indent="0" algn="l" defTabSz="914400" rtl="0" eaLnBrk="1" fontAlgn="auto" latinLnBrk="0" hangingPunct="1">
-              <a:lnSpc>
-                <a:spcPct val="100000"/>
-              </a:lnSpc>
-              <a:spcBef>
-                <a:spcPts val="0"/>
-              </a:spcBef>
-              <a:spcAft>
-                <a:spcPts val="0"/>
-              </a:spcAft>
-              <a:buClrTx/>
-              <a:buSzTx/>
-              <a:buFontTx/>
-              <a:buNone/>
-              <a:tabLst/>
-              <a:defRPr/>
-            </a:pPr>
-            <a:r>
-              <a:rPr lang="en-US" sz="1200" kern="1200" dirty="0">
-                <a:solidFill>
-                  <a:schemeClr val="tx1"/>
-                </a:solidFill>
-                <a:effectLst/>
-                <a:latin typeface="+mn-lt"/>
-                <a:ea typeface="+mn-ea"/>
-                <a:cs typeface="+mn-cs"/>
-              </a:rPr>
-              <a:t>This one is a little more user friendly, it focuses on Excel and you will also learn about Power Pivot as well. </a:t>
+            <a:r>
+              <a:rPr lang="en-US" dirty="0"/>
+              <a:t>Any questions on descriptive statistics? </a:t>
             </a:r>
           </a:p>
         </p:txBody>
@@ -1090,7 +1055,7 @@
           <a:p>
             <a:fld id="{FFB500C5-13F7-48FC-8160-C29AECF6C602}" type="slidenum">
               <a:rPr lang="en-US" smtClean="0"/>
-              <a:t>16</a:t>
+              <a:t>15</a:t>
             </a:fld>
             <a:endParaRPr lang="en-US"/>
           </a:p>
@@ -1099,7 +1064,7 @@
     </p:spTree>
     <p:extLst>
       <p:ext uri="{BB962C8B-B14F-4D97-AF65-F5344CB8AC3E}">
-        <p14:creationId xmlns:p14="http://schemas.microsoft.com/office/powerpoint/2010/main" val="3644834246"/>
+        <p14:creationId xmlns:p14="http://schemas.microsoft.com/office/powerpoint/2010/main" val="1531584346"/>
       </p:ext>
     </p:extLst>
   </p:cSld>
@@ -1202,7 +1167,7 @@
           <a:p>
             <a:fld id="{FFB500C5-13F7-48FC-8160-C29AECF6C602}" type="slidenum">
               <a:rPr lang="en-US" smtClean="0"/>
-              <a:t>17</a:t>
+              <a:t>16</a:t>
             </a:fld>
             <a:endParaRPr lang="en-US"/>
           </a:p>
@@ -1211,7 +1176,7 @@
     </p:spTree>
     <p:extLst>
       <p:ext uri="{BB962C8B-B14F-4D97-AF65-F5344CB8AC3E}">
-        <p14:creationId xmlns:p14="http://schemas.microsoft.com/office/powerpoint/2010/main" val="1199767389"/>
+        <p14:creationId xmlns:p14="http://schemas.microsoft.com/office/powerpoint/2010/main" val="3644834246"/>
       </p:ext>
     </p:extLst>
   </p:cSld>
@@ -1265,6 +1230,118 @@
           <a:bodyPr/>
           <a:lstStyle/>
           <a:p>
+            <a:pPr marL="0" marR="0" lvl="0" indent="0" algn="l" defTabSz="914400" rtl="0" eaLnBrk="1" fontAlgn="auto" latinLnBrk="0" hangingPunct="1">
+              <a:lnSpc>
+                <a:spcPct val="100000"/>
+              </a:lnSpc>
+              <a:spcBef>
+                <a:spcPts val="0"/>
+              </a:spcBef>
+              <a:spcAft>
+                <a:spcPts val="0"/>
+              </a:spcAft>
+              <a:buClrTx/>
+              <a:buSzTx/>
+              <a:buFontTx/>
+              <a:buNone/>
+              <a:tabLst/>
+              <a:defRPr/>
+            </a:pPr>
+            <a:r>
+              <a:rPr lang="en-US" sz="1200" kern="1200" dirty="0">
+                <a:solidFill>
+                  <a:schemeClr val="tx1"/>
+                </a:solidFill>
+                <a:effectLst/>
+                <a:latin typeface="+mn-lt"/>
+                <a:ea typeface="+mn-ea"/>
+                <a:cs typeface="+mn-cs"/>
+              </a:rPr>
+              <a:t>This one is a little more user friendly, it focuses on Excel and you will also learn about Power Pivot as well. </a:t>
+            </a:r>
+          </a:p>
+        </p:txBody>
+      </p:sp>
+      <p:sp>
+        <p:nvSpPr>
+          <p:cNvPr id="4" name="Slide Number Placeholder 3"/>
+          <p:cNvSpPr>
+            <a:spLocks noGrp="1"/>
+          </p:cNvSpPr>
+          <p:nvPr>
+            <p:ph type="sldNum" sz="quarter" idx="5"/>
+          </p:nvPr>
+        </p:nvSpPr>
+        <p:spPr/>
+        <p:txBody>
+          <a:bodyPr/>
+          <a:lstStyle/>
+          <a:p>
+            <a:fld id="{FFB500C5-13F7-48FC-8160-C29AECF6C602}" type="slidenum">
+              <a:rPr lang="en-US" smtClean="0"/>
+              <a:t>17</a:t>
+            </a:fld>
+            <a:endParaRPr lang="en-US"/>
+          </a:p>
+        </p:txBody>
+      </p:sp>
+    </p:spTree>
+    <p:extLst>
+      <p:ext uri="{BB962C8B-B14F-4D97-AF65-F5344CB8AC3E}">
+        <p14:creationId xmlns:p14="http://schemas.microsoft.com/office/powerpoint/2010/main" val="1199767389"/>
+      </p:ext>
+    </p:extLst>
+  </p:cSld>
+  <p:clrMapOvr>
+    <a:masterClrMapping/>
+  </p:clrMapOvr>
+</p:notes>
+</file>
+
+<file path=ppt/notesSlides/notesSlide17.xml><?xml version="1.0" encoding="utf-8"?>
+<p:notes xmlns:a="http://schemas.openxmlformats.org/drawingml/2006/main" xmlns:r="http://schemas.openxmlformats.org/officeDocument/2006/relationships" xmlns:p="http://schemas.openxmlformats.org/presentationml/2006/main">
+  <p:cSld>
+    <p:spTree>
+      <p:nvGrpSpPr>
+        <p:cNvPr id="1" name=""/>
+        <p:cNvGrpSpPr/>
+        <p:nvPr/>
+      </p:nvGrpSpPr>
+      <p:grpSpPr>
+        <a:xfrm>
+          <a:off x="0" y="0"/>
+          <a:ext cx="0" cy="0"/>
+          <a:chOff x="0" y="0"/>
+          <a:chExt cx="0" cy="0"/>
+        </a:xfrm>
+      </p:grpSpPr>
+      <p:sp>
+        <p:nvSpPr>
+          <p:cNvPr id="2" name="Slide Image Placeholder 1"/>
+          <p:cNvSpPr>
+            <a:spLocks noGrp="1" noRot="1" noChangeAspect="1"/>
+          </p:cNvSpPr>
+          <p:nvPr>
+            <p:ph type="sldImg"/>
+          </p:nvPr>
+        </p:nvSpPr>
+        <p:spPr/>
+      </p:sp>
+      <p:sp>
+        <p:nvSpPr>
+          <p:cNvPr id="3" name="Notes Placeholder 2"/>
+          <p:cNvSpPr>
+            <a:spLocks noGrp="1"/>
+          </p:cNvSpPr>
+          <p:nvPr>
+            <p:ph type="body" idx="1"/>
+          </p:nvPr>
+        </p:nvSpPr>
+        <p:spPr/>
+        <p:txBody>
+          <a:bodyPr/>
+          <a:lstStyle/>
+          <a:p>
             <a:r>
               <a:rPr lang="en-US" dirty="0"/>
               <a:t>Thanks for coming! Feel free to contact me anytime, find me on LinkedIn, I also write frequently on this stuff so check out my website too. </a:t>
@@ -1308,7 +1385,7 @@
 </p:notes>
 </file>
 
-<file path=ppt/notesSlides/notesSlide17.xml><?xml version="1.0" encoding="utf-8"?>
+<file path=ppt/notesSlides/notesSlide18.xml><?xml version="1.0" encoding="utf-8"?>
 <p:notes xmlns:a="http://schemas.openxmlformats.org/drawingml/2006/main" xmlns:r="http://schemas.openxmlformats.org/officeDocument/2006/relationships" xmlns:p="http://schemas.openxmlformats.org/presentationml/2006/main">
   <p:cSld>
     <p:spTree>
@@ -1441,8 +1518,35 @@
           <a:p>
             <a:r>
               <a:rPr lang="en-US" dirty="0"/>
-              <a:t>Now I’m going to be very scientific here and go to Wikipedia to explain how extract, transform, load or ETL methodologies work.</a:t>
-            </a:r>
+              <a:t>This is an Excel class, so we won’t be looking at PowerPoint the whole time – to follow along, you will see that all assets are divided by section.</a:t>
+            </a:r>
+          </a:p>
+          <a:p>
+            <a:r>
+              <a:rPr lang="en-US" dirty="0"/>
+              <a:t>Some of our Excel time will be Demos – for this I will be walking through some procedure in Excel.</a:t>
+            </a:r>
+          </a:p>
+          <a:p>
+            <a:r>
+              <a:rPr lang="en-US" dirty="0"/>
+              <a:t>If you need any datasets they will be included in each sub-folder. </a:t>
+            </a:r>
+          </a:p>
+          <a:p>
+            <a:r>
+              <a:rPr lang="en-US" dirty="0"/>
+              <a:t>Then there may be a Drill where you will work on it for yourself during some specified period of time. </a:t>
+            </a:r>
+          </a:p>
+          <a:p>
+            <a:r>
+              <a:rPr lang="en-US" dirty="0"/>
+              <a:t>	I have provided written notes/instructions about the Demos which you can refer to while working on the Drills. </a:t>
+            </a:r>
+          </a:p>
+          <a:p>
+            <a:endParaRPr lang="en-US" dirty="0"/>
           </a:p>
         </p:txBody>
       </p:sp>
@@ -1463,7 +1567,7 @@
           <a:p>
             <a:fld id="{FFB500C5-13F7-48FC-8160-C29AECF6C602}" type="slidenum">
               <a:rPr lang="en-US" smtClean="0"/>
-              <a:t>4</a:t>
+              <a:t>3</a:t>
             </a:fld>
             <a:endParaRPr lang="en-US"/>
           </a:p>
@@ -1472,7 +1576,7 @@
     </p:spTree>
     <p:extLst>
       <p:ext uri="{BB962C8B-B14F-4D97-AF65-F5344CB8AC3E}">
-        <p14:creationId xmlns:p14="http://schemas.microsoft.com/office/powerpoint/2010/main" val="1543694555"/>
+        <p14:creationId xmlns:p14="http://schemas.microsoft.com/office/powerpoint/2010/main" val="949741743"/>
       </p:ext>
     </p:extLst>
   </p:cSld>
@@ -1528,58 +1632,7 @@
           <a:p>
             <a:r>
               <a:rPr lang="en-US" dirty="0"/>
-              <a:t>So, you can see ETL achieves quite a few purposes, and as the name implies it works in three steps:</a:t>
-            </a:r>
-          </a:p>
-          <a:p>
-            <a:r>
-              <a:rPr lang="en-US" dirty="0"/>
-              <a:t>- First, you want to extract the information from some outside source, this can be anything from a database to a web page.</a:t>
-            </a:r>
-          </a:p>
-          <a:p>
-            <a:r>
-              <a:rPr lang="en-US" dirty="0"/>
-              <a:t>- Then, you want to transform it. This could be cleaning the data, filtering it, checking for assumptions, you get the idea.</a:t>
-            </a:r>
-          </a:p>
-          <a:p>
-            <a:r>
-              <a:rPr lang="en-US" dirty="0"/>
-              <a:t>- Finally, loading the data, this places it in a format that is accessible for end users to work with. </a:t>
-            </a:r>
-          </a:p>
-          <a:p>
-            <a:endParaRPr lang="en-US" dirty="0"/>
-          </a:p>
-          <a:p>
-            <a:endParaRPr lang="en-US" dirty="0"/>
-          </a:p>
-          <a:p>
-            <a:endParaRPr lang="en-US" dirty="0"/>
-          </a:p>
-          <a:p>
-            <a:r>
-              <a:rPr lang="en-US" dirty="0"/>
-              <a:t>https://unsplash.com/photos/QUHlPs4y8PQ  </a:t>
-            </a:r>
-          </a:p>
-          <a:p>
-            <a:r>
-              <a:rPr lang="en-US" dirty="0"/>
-              <a:t>https://pixabay.com/photos/tee-tea-bags-teas-drink-herbal-tea-1252397/  </a:t>
-            </a:r>
-          </a:p>
-          <a:p>
-            <a:r>
-              <a:rPr lang="en-US" dirty="0"/>
-              <a:t>https://pixabay.com/photos/construction-worker-welding-welder-1717893/  </a:t>
-            </a:r>
-          </a:p>
-          <a:p>
-            <a:r>
-              <a:rPr lang="en-US" dirty="0"/>
-              <a:t>https://pixabay.com/photos/gift-box-gifts-packaging-box-2458012/  </a:t>
+              <a:t>Now I’m going to be very scientific here and go to Wikipedia to explain how extract, transform, load or ETL methodologies work.</a:t>
             </a:r>
           </a:p>
         </p:txBody>
@@ -1601,7 +1654,7 @@
           <a:p>
             <a:fld id="{FFB500C5-13F7-48FC-8160-C29AECF6C602}" type="slidenum">
               <a:rPr lang="en-US" smtClean="0"/>
-              <a:t>5</a:t>
+              <a:t>4</a:t>
             </a:fld>
             <a:endParaRPr lang="en-US"/>
           </a:p>
@@ -1610,7 +1663,7 @@
     </p:spTree>
     <p:extLst>
       <p:ext uri="{BB962C8B-B14F-4D97-AF65-F5344CB8AC3E}">
-        <p14:creationId xmlns:p14="http://schemas.microsoft.com/office/powerpoint/2010/main" val="3195903179"/>
+        <p14:creationId xmlns:p14="http://schemas.microsoft.com/office/powerpoint/2010/main" val="1543694555"/>
       </p:ext>
     </p:extLst>
   </p:cSld>
@@ -1666,7 +1719,58 @@
           <a:p>
             <a:r>
               <a:rPr lang="en-US" dirty="0"/>
-              <a:t>As I mentioned, ETL is all over the IT landscape and is considered a best practice when you are working with large amounts of disparate data that need to be “fit for general office consumption.” It’s not just an Excel thing, and in fact this is a pretty disruptive tool to have in Excel, and it really busts a lot of the myths about what Excel can and can’t be which I would like to cover right now.</a:t>
+              <a:t>So, you can see ETL achieves quite a few purposes, and as the name implies it works in three steps:</a:t>
+            </a:r>
+          </a:p>
+          <a:p>
+            <a:r>
+              <a:rPr lang="en-US" dirty="0"/>
+              <a:t>- First, you want to extract the information from some outside source, this can be anything from a database to a web page.</a:t>
+            </a:r>
+          </a:p>
+          <a:p>
+            <a:r>
+              <a:rPr lang="en-US" dirty="0"/>
+              <a:t>- Then, you want to transform it. This could be cleaning the data, filtering it, checking for assumptions, you get the idea.</a:t>
+            </a:r>
+          </a:p>
+          <a:p>
+            <a:r>
+              <a:rPr lang="en-US" dirty="0"/>
+              <a:t>- Finally, loading the data, this places it in a format that is accessible for end users to work with. </a:t>
+            </a:r>
+          </a:p>
+          <a:p>
+            <a:endParaRPr lang="en-US" dirty="0"/>
+          </a:p>
+          <a:p>
+            <a:endParaRPr lang="en-US" dirty="0"/>
+          </a:p>
+          <a:p>
+            <a:endParaRPr lang="en-US" dirty="0"/>
+          </a:p>
+          <a:p>
+            <a:r>
+              <a:rPr lang="en-US" dirty="0"/>
+              <a:t>https://unsplash.com/photos/QUHlPs4y8PQ  </a:t>
+            </a:r>
+          </a:p>
+          <a:p>
+            <a:r>
+              <a:rPr lang="en-US" dirty="0"/>
+              <a:t>https://pixabay.com/photos/tee-tea-bags-teas-drink-herbal-tea-1252397/  </a:t>
+            </a:r>
+          </a:p>
+          <a:p>
+            <a:r>
+              <a:rPr lang="en-US" dirty="0"/>
+              <a:t>https://pixabay.com/photos/construction-worker-welding-welder-1717893/  </a:t>
+            </a:r>
+          </a:p>
+          <a:p>
+            <a:r>
+              <a:rPr lang="en-US" dirty="0"/>
+              <a:t>https://pixabay.com/photos/gift-box-gifts-packaging-box-2458012/  </a:t>
             </a:r>
           </a:p>
         </p:txBody>
@@ -1688,7 +1792,7 @@
           <a:p>
             <a:fld id="{FFB500C5-13F7-48FC-8160-C29AECF6C602}" type="slidenum">
               <a:rPr lang="en-US" smtClean="0"/>
-              <a:t>6</a:t>
+              <a:t>5</a:t>
             </a:fld>
             <a:endParaRPr lang="en-US"/>
           </a:p>
@@ -1697,7 +1801,7 @@
     </p:spTree>
     <p:extLst>
       <p:ext uri="{BB962C8B-B14F-4D97-AF65-F5344CB8AC3E}">
-        <p14:creationId xmlns:p14="http://schemas.microsoft.com/office/powerpoint/2010/main" val="3810581289"/>
+        <p14:creationId xmlns:p14="http://schemas.microsoft.com/office/powerpoint/2010/main" val="3195903179"/>
       </p:ext>
     </p:extLst>
   </p:cSld>
@@ -1753,29 +1857,8 @@
           <a:p>
             <a:r>
               <a:rPr lang="en-US" dirty="0"/>
-              <a:t>https://pixabay.com/photos/laboratory-analysis-chemistry-2815641/  </a:t>
-            </a:r>
-          </a:p>
-          <a:p>
-            <a:endParaRPr lang="en-US" dirty="0"/>
-          </a:p>
-          <a:p>
-            <a:r>
-              <a:rPr lang="en-US" dirty="0"/>
-              <a:t>Now, the idea of reproducibility is that, the process of getting to some output is fully transparent and it’s possible to walk through each step of the process and get the same result at the end. A lot of typical Excel reporting is not fully reproducible, for example consider a report that depends on you deleting columns A through C to work. Now, if I was going into that final report to understand how it was built, there would really be no way for me to know that, right? On the other hand, a fully reproducible report would show me that, and ideally I’d just click a button and it would do it for me.</a:t>
-            </a:r>
-          </a:p>
-          <a:p>
-            <a:endParaRPr lang="en-US" dirty="0"/>
-          </a:p>
-          <a:p>
-            <a:r>
-              <a:rPr lang="en-US" dirty="0"/>
-              <a:t>In data work, reproducibility is often achieved by powering an analysis with code, so that you can indeed run a script and watch the results emerge one line at a time. Now, the nice thing about Power Query is that it is a code-driven process, so it is reproducible. So does this mean you need to learn how to code in this class? Not necessarily right now. For everyday data cleaning processes, we can use menu-driven options, that will produce code in a Microsoft computer language called M, and now our data-cleaning steps are fully reproducible, in Excel, with no code needed. So that is really cool and a huge myth busted. </a:t>
-            </a:r>
-          </a:p>
-          <a:p>
-            <a:endParaRPr lang="en-US" dirty="0"/>
+              <a:t>As I mentioned, ETL is all over the IT landscape and is considered a best practice when you are working with large amounts of disparate data that need to be “fit for general office consumption.” It’s not just an Excel thing, and in fact this is a pretty disruptive tool to have in Excel, and it really busts a lot of the myths about what Excel can and can’t be which I would like to cover right now.</a:t>
+            </a:r>
           </a:p>
         </p:txBody>
       </p:sp>
@@ -1796,7 +1879,7 @@
           <a:p>
             <a:fld id="{FFB500C5-13F7-48FC-8160-C29AECF6C602}" type="slidenum">
               <a:rPr lang="en-US" smtClean="0"/>
-              <a:t>7</a:t>
+              <a:t>6</a:t>
             </a:fld>
             <a:endParaRPr lang="en-US"/>
           </a:p>
@@ -1805,7 +1888,7 @@
     </p:spTree>
     <p:extLst>
       <p:ext uri="{BB962C8B-B14F-4D97-AF65-F5344CB8AC3E}">
-        <p14:creationId xmlns:p14="http://schemas.microsoft.com/office/powerpoint/2010/main" val="1487233448"/>
+        <p14:creationId xmlns:p14="http://schemas.microsoft.com/office/powerpoint/2010/main" val="3810581289"/>
       </p:ext>
     </p:extLst>
   </p:cSld>
@@ -1861,13 +1944,16 @@
           <a:p>
             <a:r>
               <a:rPr lang="en-US" dirty="0"/>
-              <a:t>https://pixabay.com/illustrations/grid-isolation-table-lamp-beetle-2088884/  </a:t>
-            </a:r>
+              <a:t>https://pixabay.com/photos/laboratory-analysis-chemistry-2815641/  </a:t>
+            </a:r>
+          </a:p>
+          <a:p>
+            <a:endParaRPr lang="en-US" dirty="0"/>
           </a:p>
           <a:p>
             <a:r>
               <a:rPr lang="en-US" dirty="0"/>
-              <a:t>This is the type of data that in fairness we are more used to working with in classic Excel, data that comes in a nice rectangular shape, usually coming from an Excel workbook or csv file. If the data were in a so-called “unstructured” format, such as song lyrics or a website structure, good luck with using Excel for that.</a:t>
+              <a:t>Now, the idea of reproducibility is that, the process of getting to some output is fully transparent and it’s possible to walk through each step of the process and get the same result at the end. A lot of typical Excel reporting is not fully reproducible, for example consider a report that depends on you deleting columns A through C to work. Now, if I was going into that final report to understand how it was built, there would really be no way for me to know that, right? On the other hand, a fully reproducible report would show me that, and ideally I’d just click a button and it would do it for me.</a:t>
             </a:r>
           </a:p>
           <a:p>
@@ -1876,8 +1962,11 @@
           <a:p>
             <a:r>
               <a:rPr lang="en-US" dirty="0"/>
-              <a:t>Come over to Power Query and there is quite an expanded range of possibilities for where data can come from [list on the next page]</a:t>
-            </a:r>
+              <a:t>In data work, reproducibility is often achieved by powering an analysis with code, so that you can indeed run a script and watch the results emerge one line at a time. Now, the nice thing about Power Query is that it is a code-driven process, so it is reproducible. So does this mean you need to learn how to code in this class? Not necessarily right now. For everyday data cleaning processes, we can use menu-driven options, that will produce code in a Microsoft computer language called M, and now our data-cleaning steps are fully reproducible, in Excel, with no code needed. So that is really cool and a huge myth busted. </a:t>
+            </a:r>
+          </a:p>
+          <a:p>
+            <a:endParaRPr lang="en-US" dirty="0"/>
           </a:p>
         </p:txBody>
       </p:sp>
@@ -1898,7 +1987,7 @@
           <a:p>
             <a:fld id="{FFB500C5-13F7-48FC-8160-C29AECF6C602}" type="slidenum">
               <a:rPr lang="en-US" smtClean="0"/>
-              <a:t>8</a:t>
+              <a:t>7</a:t>
             </a:fld>
             <a:endParaRPr lang="en-US"/>
           </a:p>
@@ -1907,7 +1996,7 @@
     </p:spTree>
     <p:extLst>
       <p:ext uri="{BB962C8B-B14F-4D97-AF65-F5344CB8AC3E}">
-        <p14:creationId xmlns:p14="http://schemas.microsoft.com/office/powerpoint/2010/main" val="3066094149"/>
+        <p14:creationId xmlns:p14="http://schemas.microsoft.com/office/powerpoint/2010/main" val="1487233448"/>
       </p:ext>
     </p:extLst>
   </p:cSld>
@@ -1963,7 +2052,22 @@
           <a:p>
             <a:r>
               <a:rPr lang="en-US" dirty="0"/>
-              <a:t>All these types of data and more are fair game to be loaded into Power Query. Where things get really interesting is you are able to combine data from these disparate sources into one consumable data source. </a:t>
+              <a:t>https://pixabay.com/illustrations/grid-isolation-table-lamp-beetle-2088884/  </a:t>
+            </a:r>
+          </a:p>
+          <a:p>
+            <a:r>
+              <a:rPr lang="en-US" dirty="0"/>
+              <a:t>This is the type of data that in fairness we are more used to working with in classic Excel, data that comes in a nice rectangular shape, usually coming from an Excel workbook or csv file. If the data were in a so-called “unstructured” format, such as song lyrics or a website structure, good luck with using Excel for that.</a:t>
+            </a:r>
+          </a:p>
+          <a:p>
+            <a:endParaRPr lang="en-US" dirty="0"/>
+          </a:p>
+          <a:p>
+            <a:r>
+              <a:rPr lang="en-US" dirty="0"/>
+              <a:t>Come over to Power Query and there is quite an expanded range of possibilities for where data can come from [list on the next page]</a:t>
             </a:r>
           </a:p>
         </p:txBody>
@@ -1985,7 +2089,7 @@
           <a:p>
             <a:fld id="{FFB500C5-13F7-48FC-8160-C29AECF6C602}" type="slidenum">
               <a:rPr lang="en-US" smtClean="0"/>
-              <a:t>9</a:t>
+              <a:t>8</a:t>
             </a:fld>
             <a:endParaRPr lang="en-US"/>
           </a:p>
@@ -1994,7 +2098,7 @@
     </p:spTree>
     <p:extLst>
       <p:ext uri="{BB962C8B-B14F-4D97-AF65-F5344CB8AC3E}">
-        <p14:creationId xmlns:p14="http://schemas.microsoft.com/office/powerpoint/2010/main" val="2508738023"/>
+        <p14:creationId xmlns:p14="http://schemas.microsoft.com/office/powerpoint/2010/main" val="3066094149"/>
       </p:ext>
     </p:extLst>
   </p:cSld>
@@ -2050,20 +2154,8 @@
           <a:p>
             <a:r>
               <a:rPr lang="en-US" dirty="0"/>
-              <a:t>And that’s the last myth I want to bust here, is that Excel can’t handle large datasets. Now, with “classical Excel” this was probably true, that Excel just couldn’t handle some of those bigger datasets that a lot of data analysts are working with these days, but that’s just not true when you are using Power Query [example on next slide]</a:t>
-            </a:r>
-          </a:p>
-          <a:p>
-            <a:endParaRPr lang="en-US" dirty="0"/>
-          </a:p>
-          <a:p>
-            <a:r>
-              <a:rPr lang="en-US" dirty="0"/>
-              <a:t>https://pixabay.com/photos/amphibian-turtle-animal-armor-blur-1850190/  </a:t>
-            </a:r>
-          </a:p>
-          <a:p>
-            <a:endParaRPr lang="en-US" dirty="0"/>
+              <a:t>All these types of data and more are fair game to be loaded into Power Query. Where things get really interesting is you are able to combine data from these disparate sources into one consumable data source. </a:t>
+            </a:r>
           </a:p>
         </p:txBody>
       </p:sp>
@@ -2084,7 +2176,7 @@
           <a:p>
             <a:fld id="{FFB500C5-13F7-48FC-8160-C29AECF6C602}" type="slidenum">
               <a:rPr lang="en-US" smtClean="0"/>
-              <a:t>10</a:t>
+              <a:t>9</a:t>
             </a:fld>
             <a:endParaRPr lang="en-US"/>
           </a:p>
@@ -2093,7 +2185,7 @@
     </p:spTree>
     <p:extLst>
       <p:ext uri="{BB962C8B-B14F-4D97-AF65-F5344CB8AC3E}">
-        <p14:creationId xmlns:p14="http://schemas.microsoft.com/office/powerpoint/2010/main" val="2294406139"/>
+        <p14:creationId xmlns:p14="http://schemas.microsoft.com/office/powerpoint/2010/main" val="2508738023"/>
       </p:ext>
     </p:extLst>
   </p:cSld>
@@ -2147,26 +2239,18 @@
           <a:bodyPr/>
           <a:lstStyle/>
           <a:p>
-            <a:pPr marL="0" marR="0" lvl="0" indent="0" algn="l" defTabSz="914400" rtl="0" eaLnBrk="1" fontAlgn="auto" latinLnBrk="0" hangingPunct="1">
-              <a:lnSpc>
-                <a:spcPct val="100000"/>
-              </a:lnSpc>
-              <a:spcBef>
-                <a:spcPts val="0"/>
-              </a:spcBef>
-              <a:spcAft>
-                <a:spcPts val="0"/>
-              </a:spcAft>
-              <a:buClrTx/>
-              <a:buSzTx/>
-              <a:buFontTx/>
-              <a:buNone/>
-              <a:tabLst/>
-              <a:defRPr/>
-            </a:pPr>
             <a:r>
               <a:rPr lang="en-US" dirty="0"/>
-              <a:t>Here is an example of that, a blog post about analyzing 50 million records using Excel. 50 million is pretty significant for most anyone, and Excel could handle it, so dismissing Excel out of hand on account of performance is just not as true anymore with Power Query. </a:t>
+              <a:t>And that’s the last myth I want to bust here, is that Excel can’t handle large datasets. Now, with “classical Excel” this was probably true, that Excel just couldn’t handle some of those bigger datasets that a lot of data analysts are working with these days, but that’s just not true when you are using Power Query [example on next slide]</a:t>
+            </a:r>
+          </a:p>
+          <a:p>
+            <a:endParaRPr lang="en-US" dirty="0"/>
+          </a:p>
+          <a:p>
+            <a:r>
+              <a:rPr lang="en-US" dirty="0"/>
+              <a:t>https://pixabay.com/photos/amphibian-turtle-animal-armor-blur-1850190/  </a:t>
             </a:r>
           </a:p>
           <a:p>
@@ -2191,7 +2275,7 @@
           <a:p>
             <a:fld id="{FFB500C5-13F7-48FC-8160-C29AECF6C602}" type="slidenum">
               <a:rPr lang="en-US" smtClean="0"/>
-              <a:t>11</a:t>
+              <a:t>10</a:t>
             </a:fld>
             <a:endParaRPr lang="en-US"/>
           </a:p>
@@ -2200,7 +2284,7 @@
     </p:spTree>
     <p:extLst>
       <p:ext uri="{BB962C8B-B14F-4D97-AF65-F5344CB8AC3E}">
-        <p14:creationId xmlns:p14="http://schemas.microsoft.com/office/powerpoint/2010/main" val="2689248062"/>
+        <p14:creationId xmlns:p14="http://schemas.microsoft.com/office/powerpoint/2010/main" val="2294406139"/>
       </p:ext>
     </p:extLst>
   </p:cSld>
@@ -2390,7 +2474,7 @@
             <a:fld id="{1D8BD707-D9CF-40AE-B4C6-C98DA3205C09}" type="datetimeFigureOut">
               <a:rPr lang="en-US" smtClean="0"/>
               <a:pPr/>
-              <a:t>8/11/2022</a:t>
+              <a:t>8/12/2022</a:t>
             </a:fld>
             <a:endParaRPr lang="en-US"/>
           </a:p>
@@ -2555,7 +2639,7 @@
             <a:fld id="{1D8BD707-D9CF-40AE-B4C6-C98DA3205C09}" type="datetimeFigureOut">
               <a:rPr lang="en-US" smtClean="0"/>
               <a:pPr/>
-              <a:t>8/11/2022</a:t>
+              <a:t>8/12/2022</a:t>
             </a:fld>
             <a:endParaRPr lang="en-US"/>
           </a:p>
@@ -2730,7 +2814,7 @@
             <a:fld id="{1D8BD707-D9CF-40AE-B4C6-C98DA3205C09}" type="datetimeFigureOut">
               <a:rPr lang="en-US" smtClean="0"/>
               <a:pPr/>
-              <a:t>8/11/2022</a:t>
+              <a:t>8/12/2022</a:t>
             </a:fld>
             <a:endParaRPr lang="en-US"/>
           </a:p>
@@ -2895,7 +2979,7 @@
             <a:fld id="{1D8BD707-D9CF-40AE-B4C6-C98DA3205C09}" type="datetimeFigureOut">
               <a:rPr lang="en-US" smtClean="0"/>
               <a:pPr/>
-              <a:t>8/11/2022</a:t>
+              <a:t>8/12/2022</a:t>
             </a:fld>
             <a:endParaRPr lang="en-US"/>
           </a:p>
@@ -3137,7 +3221,7 @@
             <a:fld id="{1D8BD707-D9CF-40AE-B4C6-C98DA3205C09}" type="datetimeFigureOut">
               <a:rPr lang="en-US" smtClean="0"/>
               <a:pPr/>
-              <a:t>8/11/2022</a:t>
+              <a:t>8/12/2022</a:t>
             </a:fld>
             <a:endParaRPr lang="en-US"/>
           </a:p>
@@ -3419,7 +3503,7 @@
             <a:fld id="{1D8BD707-D9CF-40AE-B4C6-C98DA3205C09}" type="datetimeFigureOut">
               <a:rPr lang="en-US" smtClean="0"/>
               <a:pPr/>
-              <a:t>8/11/2022</a:t>
+              <a:t>8/12/2022</a:t>
             </a:fld>
             <a:endParaRPr lang="en-US"/>
           </a:p>
@@ -3835,7 +3919,7 @@
             <a:fld id="{1D8BD707-D9CF-40AE-B4C6-C98DA3205C09}" type="datetimeFigureOut">
               <a:rPr lang="en-US" smtClean="0"/>
               <a:pPr/>
-              <a:t>8/11/2022</a:t>
+              <a:t>8/12/2022</a:t>
             </a:fld>
             <a:endParaRPr lang="en-US"/>
           </a:p>
@@ -3949,7 +4033,7 @@
             <a:fld id="{1D8BD707-D9CF-40AE-B4C6-C98DA3205C09}" type="datetimeFigureOut">
               <a:rPr lang="en-US" smtClean="0"/>
               <a:pPr/>
-              <a:t>8/11/2022</a:t>
+              <a:t>8/12/2022</a:t>
             </a:fld>
             <a:endParaRPr lang="en-US"/>
           </a:p>
@@ -4041,7 +4125,7 @@
             <a:fld id="{1D8BD707-D9CF-40AE-B4C6-C98DA3205C09}" type="datetimeFigureOut">
               <a:rPr lang="en-US" smtClean="0"/>
               <a:pPr/>
-              <a:t>8/11/2022</a:t>
+              <a:t>8/12/2022</a:t>
             </a:fld>
             <a:endParaRPr lang="en-US"/>
           </a:p>
@@ -4313,7 +4397,7 @@
             <a:fld id="{1D8BD707-D9CF-40AE-B4C6-C98DA3205C09}" type="datetimeFigureOut">
               <a:rPr lang="en-US" smtClean="0"/>
               <a:pPr/>
-              <a:t>8/11/2022</a:t>
+              <a:t>8/12/2022</a:t>
             </a:fld>
             <a:endParaRPr lang="en-US"/>
           </a:p>
@@ -4562,7 +4646,7 @@
             <a:fld id="{1D8BD707-D9CF-40AE-B4C6-C98DA3205C09}" type="datetimeFigureOut">
               <a:rPr lang="en-US" smtClean="0"/>
               <a:pPr/>
-              <a:t>8/11/2022</a:t>
+              <a:t>8/12/2022</a:t>
             </a:fld>
             <a:endParaRPr lang="en-US"/>
           </a:p>
@@ -4775,7 +4859,7 @@
             <a:fld id="{1D8BD707-D9CF-40AE-B4C6-C98DA3205C09}" type="datetimeFigureOut">
               <a:rPr lang="en-US" smtClean="0"/>
               <a:pPr/>
-              <a:t>8/11/2022</a:t>
+              <a:t>8/12/2022</a:t>
             </a:fld>
             <a:endParaRPr lang="en-US"/>
           </a:p>
@@ -6296,7 +6380,7 @@
                 </a:solidFill>
                 <a:latin typeface="Open Sans Extra Bold"/>
               </a:rPr>
-              <a:t>DEMO</a:t>
+              <a:t>DEMO: PROFILING DATA</a:t>
             </a:r>
           </a:p>
         </p:txBody>
@@ -6510,7 +6594,7 @@
                 </a:solidFill>
                 <a:latin typeface="Open Sans Extra Bold"/>
               </a:rPr>
-              <a:t>DEMO</a:t>
+              <a:t>DEMO: MANIPULATING ROWS</a:t>
             </a:r>
           </a:p>
         </p:txBody>
@@ -7223,15 +7307,15 @@
       </p:sp>
       <p:pic>
         <p:nvPicPr>
-          <p:cNvPr id="11" name="Picture 10" descr="Text&#10;&#10;Description automatically generated">
+          <p:cNvPr id="1026" name="Picture 2">
             <a:extLst>
               <a:ext uri="{FF2B5EF4-FFF2-40B4-BE49-F238E27FC236}">
-                <a16:creationId xmlns:a16="http://schemas.microsoft.com/office/drawing/2014/main" id="{CC63AF5D-F1F6-42F4-9D4F-22122B252B1C}"/>
+                <a16:creationId xmlns:a16="http://schemas.microsoft.com/office/drawing/2014/main" id="{8E09213A-AB87-F0C6-CFA8-14817A8A4F32}"/>
               </a:ext>
             </a:extLst>
           </p:cNvPr>
           <p:cNvPicPr>
-            <a:picLocks noChangeAspect="1"/>
+            <a:picLocks noChangeAspect="1" noChangeArrowheads="1"/>
           </p:cNvPicPr>
           <p:nvPr/>
         </p:nvPicPr>
@@ -7243,18 +7327,29 @@
               </a:ext>
             </a:extLst>
           </a:blip>
+          <a:srcRect/>
           <a:stretch>
             <a:fillRect/>
           </a:stretch>
         </p:blipFill>
-        <p:spPr>
-          <a:xfrm>
-            <a:off x="9994915" y="2390871"/>
-            <a:ext cx="9245257" cy="5200457"/>
+        <p:spPr bwMode="auto">
+          <a:xfrm>
+            <a:off x="10520304" y="942975"/>
+            <a:ext cx="7110124" cy="7110124"/>
           </a:xfrm>
           <a:prstGeom prst="rect">
             <a:avLst/>
           </a:prstGeom>
+          <a:noFill/>
+          <a:extLst>
+            <a:ext uri="{909E8E84-426E-40DD-AFC4-6F175D3DCCD1}">
+              <a14:hiddenFill xmlns:a14="http://schemas.microsoft.com/office/drawing/2010/main">
+                <a:solidFill>
+                  <a:srgbClr val="FFFFFF"/>
+                </a:solidFill>
+              </a14:hiddenFill>
+            </a:ext>
+          </a:extLst>
         </p:spPr>
       </p:pic>
     </p:spTree>
@@ -7955,7 +8050,7 @@
         <p:spPr>
           <a:xfrm>
             <a:off x="857250" y="1943100"/>
-            <a:ext cx="12877800" cy="2554545"/>
+            <a:ext cx="12877800" cy="3785652"/>
           </a:xfrm>
           <a:prstGeom prst="rect">
             <a:avLst/>
@@ -7990,6 +8085,32 @@
               </a:rPr>
               <a:t>A recap email with recording, survey and more will be coming…</a:t>
             </a:r>
+          </a:p>
+          <a:p>
+            <a:endParaRPr lang="en-US" sz="4000" dirty="0">
+              <a:latin typeface="Gidole" panose="02000503000000000000" pitchFamily="2" charset="0"/>
+              <a:ea typeface="Roboto Mono" pitchFamily="2" charset="0"/>
+            </a:endParaRPr>
+          </a:p>
+          <a:p>
+            <a:r>
+              <a:rPr lang="en-US" sz="4000" dirty="0">
+                <a:latin typeface="Gidole" panose="02000503000000000000" pitchFamily="2" charset="0"/>
+                <a:ea typeface="Roboto Mono" pitchFamily="2" charset="0"/>
+              </a:rPr>
+              <a:t>The recording stays up </a:t>
+            </a:r>
+            <a:r>
+              <a:rPr lang="en-US" sz="4000">
+                <a:latin typeface="Gidole" panose="02000503000000000000" pitchFamily="2" charset="0"/>
+                <a:ea typeface="Roboto Mono" pitchFamily="2" charset="0"/>
+              </a:rPr>
+              <a:t>for seven days!</a:t>
+            </a:r>
+            <a:endParaRPr lang="en-US" sz="4000" dirty="0">
+              <a:latin typeface="Gidole" panose="02000503000000000000" pitchFamily="2" charset="0"/>
+              <a:ea typeface="Roboto Mono" pitchFamily="2" charset="0"/>
+            </a:endParaRPr>
           </a:p>
         </p:txBody>
       </p:sp>
@@ -8155,7 +8276,7 @@
           <p:nvPr/>
         </p:nvPicPr>
         <p:blipFill>
-          <a:blip r:embed="rId2"/>
+          <a:blip r:embed="rId3"/>
           <a:srcRect/>
           <a:stretch>
             <a:fillRect/>
@@ -8217,8 +8338,8 @@
         </p:nvSpPr>
         <p:spPr>
           <a:xfrm rot="-5400000">
-            <a:off x="-436430" y="7018749"/>
-            <a:ext cx="3650350" cy="828753"/>
+            <a:off x="-436430" y="7232974"/>
+            <a:ext cx="3650350" cy="400302"/>
           </a:xfrm>
           <a:prstGeom prst="rect">
             <a:avLst/>
@@ -8242,7 +8363,7 @@
                 </a:solidFill>
                 <a:latin typeface="Gidole"/>
               </a:rPr>
-              <a:t>First Steps with Power Query for Microsoft Excel</a:t>
+              <a:t>Power Query PDQ!</a:t>
             </a:r>
           </a:p>
         </p:txBody>
@@ -8255,23 +8376,25 @@
         </p:nvSpPr>
         <p:spPr>
           <a:xfrm>
-            <a:off x="3420038" y="3316520"/>
-            <a:ext cx="5905084" cy="4346062"/>
+            <a:off x="2819400" y="2400300"/>
+            <a:ext cx="9243139" cy="7279493"/>
           </a:xfrm>
           <a:prstGeom prst="rect">
             <a:avLst/>
           </a:prstGeom>
         </p:spPr>
         <p:txBody>
-          <a:bodyPr lIns="0" tIns="0" rIns="0" bIns="0" rtlCol="0" anchor="t">
+          <a:bodyPr wrap="square" lIns="0" tIns="0" rIns="0" bIns="0" rtlCol="0" anchor="t">
             <a:spAutoFit/>
           </a:bodyPr>
           <a:lstStyle/>
           <a:p>
-            <a:pPr>
+            <a:pPr marL="457200" indent="-457200">
               <a:lnSpc>
                 <a:spcPts val="3750"/>
               </a:lnSpc>
+              <a:buFont typeface="Arial" panose="020B0604020202020204" pitchFamily="34" charset="0"/>
+              <a:buChar char="•"/>
             </a:pPr>
             <a:r>
               <a:rPr lang="en-US" sz="3000" spc="30" dirty="0">
@@ -8280,14 +8403,112 @@
                 </a:solidFill>
                 <a:latin typeface="Gidole"/>
               </a:rPr>
-              <a:t>Load data from Excel workbooks and csv files into Power Query</a:t>
-            </a:r>
-          </a:p>
-          <a:p>
-            <a:pPr>
+              <a:t>How tables serve as the "missing link" between Excel and Power Query</a:t>
+            </a:r>
+            <a:br>
+              <a:rPr lang="en-US" sz="3000" spc="30" dirty="0">
+                <a:solidFill>
+                  <a:srgbClr val="000000"/>
+                </a:solidFill>
+                <a:latin typeface="Gidole"/>
+              </a:rPr>
+            </a:br>
+            <a:endParaRPr lang="en-US" sz="3000" spc="30" dirty="0">
+              <a:solidFill>
+                <a:srgbClr val="000000"/>
+              </a:solidFill>
+              <a:latin typeface="Gidole"/>
+            </a:endParaRPr>
+          </a:p>
+          <a:p>
+            <a:pPr marL="457200" indent="-457200">
               <a:lnSpc>
                 <a:spcPts val="3750"/>
               </a:lnSpc>
+              <a:buFont typeface="Arial" panose="020B0604020202020204" pitchFamily="34" charset="0"/>
+              <a:buChar char="•"/>
+            </a:pPr>
+            <a:r>
+              <a:rPr lang="en-US" sz="3000" spc="30" dirty="0">
+                <a:solidFill>
+                  <a:srgbClr val="000000"/>
+                </a:solidFill>
+                <a:latin typeface="Gidole"/>
+              </a:rPr>
+              <a:t>How Power Query serves as an "extract, transform, load" tool</a:t>
+            </a:r>
+            <a:br>
+              <a:rPr lang="en-US" sz="3000" spc="30" dirty="0">
+                <a:solidFill>
+                  <a:srgbClr val="000000"/>
+                </a:solidFill>
+                <a:latin typeface="Gidole"/>
+              </a:rPr>
+            </a:br>
+            <a:endParaRPr lang="en-US" sz="3000" spc="30" dirty="0">
+              <a:solidFill>
+                <a:srgbClr val="000000"/>
+              </a:solidFill>
+              <a:latin typeface="Gidole"/>
+            </a:endParaRPr>
+          </a:p>
+          <a:p>
+            <a:pPr marL="457200" indent="-457200">
+              <a:lnSpc>
+                <a:spcPts val="3750"/>
+              </a:lnSpc>
+              <a:buFont typeface="Arial" panose="020B0604020202020204" pitchFamily="34" charset="0"/>
+              <a:buChar char="•"/>
+            </a:pPr>
+            <a:r>
+              <a:rPr lang="en-US" sz="3000" spc="30" dirty="0">
+                <a:solidFill>
+                  <a:srgbClr val="000000"/>
+                </a:solidFill>
+                <a:latin typeface="Gidole"/>
+              </a:rPr>
+              <a:t>How to load your first data sources into Power Query... including how to find the menu for this (not so easy!)</a:t>
+            </a:r>
+            <a:br>
+              <a:rPr lang="en-US" sz="3000" spc="30" dirty="0">
+                <a:solidFill>
+                  <a:srgbClr val="000000"/>
+                </a:solidFill>
+                <a:latin typeface="Gidole"/>
+              </a:rPr>
+            </a:br>
+            <a:endParaRPr lang="en-US" sz="3000" spc="30" dirty="0">
+              <a:solidFill>
+                <a:srgbClr val="000000"/>
+              </a:solidFill>
+              <a:latin typeface="Gidole"/>
+            </a:endParaRPr>
+          </a:p>
+          <a:p>
+            <a:pPr marL="457200" indent="-457200">
+              <a:lnSpc>
+                <a:spcPts val="3750"/>
+              </a:lnSpc>
+              <a:buFont typeface="Arial" panose="020B0604020202020204" pitchFamily="34" charset="0"/>
+              <a:buChar char="•"/>
+            </a:pPr>
+            <a:r>
+              <a:rPr lang="en-US" sz="3000" spc="30" dirty="0">
+                <a:solidFill>
+                  <a:srgbClr val="000000"/>
+                </a:solidFill>
+                <a:latin typeface="Gidole"/>
+              </a:rPr>
+              <a:t>How to explore and profile your data right from Power Query</a:t>
+            </a:r>
+          </a:p>
+          <a:p>
+            <a:pPr marL="457200" indent="-457200">
+              <a:lnSpc>
+                <a:spcPts val="3750"/>
+              </a:lnSpc>
+              <a:buFont typeface="Arial" panose="020B0604020202020204" pitchFamily="34" charset="0"/>
+              <a:buChar char="•"/>
             </a:pPr>
             <a:endParaRPr lang="en-US" sz="3000" spc="30" dirty="0">
               <a:solidFill>
@@ -8297,10 +8518,12 @@
             </a:endParaRPr>
           </a:p>
           <a:p>
-            <a:pPr>
+            <a:pPr marL="457200" indent="-457200">
               <a:lnSpc>
                 <a:spcPts val="3750"/>
               </a:lnSpc>
+              <a:buFont typeface="Arial" panose="020B0604020202020204" pitchFamily="34" charset="0"/>
+              <a:buChar char="•"/>
             </a:pPr>
             <a:r>
               <a:rPr lang="en-US" sz="3000" spc="30" dirty="0">
@@ -8309,50 +8532,8 @@
                 </a:solidFill>
                 <a:latin typeface="Gidole"/>
               </a:rPr>
-              <a:t>Perform common data wrangling and cleaning tasks</a:t>
-            </a:r>
-          </a:p>
-          <a:p>
-            <a:pPr>
-              <a:lnSpc>
-                <a:spcPts val="3750"/>
-              </a:lnSpc>
-            </a:pPr>
-            <a:endParaRPr lang="en-US" sz="3000" spc="30" dirty="0">
-              <a:solidFill>
-                <a:srgbClr val="000000"/>
-              </a:solidFill>
-              <a:latin typeface="Gidole"/>
-            </a:endParaRPr>
-          </a:p>
-          <a:p>
-            <a:pPr>
-              <a:lnSpc>
-                <a:spcPts val="3750"/>
-              </a:lnSpc>
-            </a:pPr>
-            <a:r>
-              <a:rPr lang="en-US" sz="3000" spc="30" dirty="0">
-                <a:solidFill>
-                  <a:srgbClr val="000000"/>
-                </a:solidFill>
-                <a:latin typeface="Gidole"/>
-              </a:rPr>
-              <a:t>Combine data from multiple sources</a:t>
-            </a:r>
-          </a:p>
-          <a:p>
-            <a:pPr>
-              <a:lnSpc>
-                <a:spcPts val="3750"/>
-              </a:lnSpc>
-            </a:pPr>
-            <a:endParaRPr lang="en-US" sz="3000" spc="30" dirty="0">
-              <a:solidFill>
-                <a:srgbClr val="000000"/>
-              </a:solidFill>
-              <a:latin typeface="Gidole"/>
-            </a:endParaRPr>
+              <a:t>How to perform repeatable data cleaning operations... no code or formulas required.</a:t>
+            </a:r>
           </a:p>
           <a:p>
             <a:pPr>
@@ -8588,8 +8769,8 @@
         </p:nvSpPr>
         <p:spPr>
           <a:xfrm rot="-5400000">
-            <a:off x="-436430" y="7015930"/>
-            <a:ext cx="3650350" cy="834390"/>
+            <a:off x="-436430" y="7232974"/>
+            <a:ext cx="3650350" cy="400302"/>
           </a:xfrm>
           <a:prstGeom prst="rect">
             <a:avLst/>
@@ -8613,7 +8794,7 @@
                 </a:solidFill>
                 <a:latin typeface="Gidole"/>
               </a:rPr>
-              <a:t>First Steps with Power Query for Microsoft Excel</a:t>
+              <a:t>Power Query PDQ!</a:t>
             </a:r>
           </a:p>
         </p:txBody>
@@ -8627,42 +8808,61 @@
         <p:spPr>
           <a:xfrm>
             <a:off x="3420038" y="3316520"/>
-            <a:ext cx="5905084" cy="4833374"/>
+            <a:ext cx="8314762" cy="7571303"/>
           </a:xfrm>
           <a:prstGeom prst="rect">
             <a:avLst/>
           </a:prstGeom>
         </p:spPr>
         <p:txBody>
-          <a:bodyPr lIns="0" tIns="0" rIns="0" bIns="0" rtlCol="0" anchor="t">
+          <a:bodyPr wrap="square" lIns="0" tIns="0" rIns="0" bIns="0" rtlCol="0" anchor="t">
             <a:spAutoFit/>
           </a:bodyPr>
           <a:lstStyle/>
           <a:p>
-            <a:pPr marL="457200" indent="-457200">
-              <a:lnSpc>
-                <a:spcPts val="3750"/>
-              </a:lnSpc>
-              <a:buFont typeface="Arial" panose="020B0604020202020204" pitchFamily="34" charset="0"/>
-              <a:buChar char="•"/>
-            </a:pPr>
-            <a:r>
-              <a:rPr lang="en-US" sz="3200" spc="30" dirty="0">
+            <a:r>
+              <a:rPr lang="en-US" sz="6600" spc="30" dirty="0">
                 <a:solidFill>
                   <a:srgbClr val="000000"/>
                 </a:solidFill>
                 <a:latin typeface="Gidole"/>
               </a:rPr>
-              <a:t>Each section is a sub-folder</a:t>
-            </a:r>
-          </a:p>
-          <a:p>
-            <a:pPr>
-              <a:lnSpc>
-                <a:spcPts val="3750"/>
-              </a:lnSpc>
-            </a:pPr>
-            <a:endParaRPr lang="en-US" sz="3200" spc="30" dirty="0">
+              <a:t>Download resources:</a:t>
+            </a:r>
+          </a:p>
+          <a:p>
+            <a:r>
+              <a:rPr lang="en-US" sz="8000" spc="30" dirty="0">
+                <a:solidFill>
+                  <a:srgbClr val="000000"/>
+                </a:solidFill>
+                <a:latin typeface="Gidole"/>
+              </a:rPr>
+              <a:t> </a:t>
+            </a:r>
+            <a:r>
+              <a:rPr lang="en-US" sz="8000" spc="30" dirty="0">
+                <a:solidFill>
+                  <a:srgbClr val="000000"/>
+                </a:solidFill>
+                <a:latin typeface="Gidole"/>
+                <a:hlinkClick r:id="rId4"/>
+              </a:rPr>
+              <a:t>https://swiy.co/pq-pdq-zip</a:t>
+            </a:r>
+            <a:r>
+              <a:rPr lang="en-US" sz="8000" spc="30" dirty="0">
+                <a:solidFill>
+                  <a:srgbClr val="000000"/>
+                </a:solidFill>
+                <a:latin typeface="Gidole"/>
+              </a:rPr>
+              <a:t>  </a:t>
+            </a:r>
+          </a:p>
+          <a:p>
+            <a:pPr lvl="1"/>
+            <a:endParaRPr lang="en-US" sz="6600" spc="30" dirty="0">
               <a:solidFill>
                 <a:srgbClr val="000000"/>
               </a:solidFill>
@@ -8670,32 +8870,7 @@
             </a:endParaRPr>
           </a:p>
           <a:p>
-            <a:pPr marL="457200" indent="-457200">
-              <a:lnSpc>
-                <a:spcPts val="3750"/>
-              </a:lnSpc>
-              <a:buFont typeface="Arial" panose="020B0604020202020204" pitchFamily="34" charset="0"/>
-              <a:buChar char="•"/>
-            </a:pPr>
-            <a:r>
-              <a:rPr lang="en-US" sz="3200" spc="30" dirty="0">
-                <a:solidFill>
-                  <a:srgbClr val="000000"/>
-                </a:solidFill>
-                <a:latin typeface="Gidole"/>
-              </a:rPr>
-              <a:t>Demos = follow along with me</a:t>
-            </a:r>
-          </a:p>
-          <a:p>
-            <a:pPr marL="457200" indent="-457200">
-              <a:lnSpc>
-                <a:spcPts val="3750"/>
-              </a:lnSpc>
-              <a:buFont typeface="Arial" panose="020B0604020202020204" pitchFamily="34" charset="0"/>
-              <a:buChar char="•"/>
-            </a:pPr>
-            <a:endParaRPr lang="en-US" sz="3200" spc="30" dirty="0">
+            <a:endParaRPr lang="en-US" sz="6000" spc="30" dirty="0">
               <a:solidFill>
                 <a:srgbClr val="000000"/>
               </a:solidFill>
@@ -8703,74 +8878,7 @@
             </a:endParaRPr>
           </a:p>
           <a:p>
-            <a:pPr marL="457200" indent="-457200">
-              <a:lnSpc>
-                <a:spcPts val="3750"/>
-              </a:lnSpc>
-              <a:buFont typeface="Arial" panose="020B0604020202020204" pitchFamily="34" charset="0"/>
-              <a:buChar char="•"/>
-            </a:pPr>
-            <a:r>
-              <a:rPr lang="en-US" sz="3200" spc="30" dirty="0">
-                <a:solidFill>
-                  <a:srgbClr val="000000"/>
-                </a:solidFill>
-                <a:latin typeface="Gidole"/>
-              </a:rPr>
-              <a:t>Drills = try it yourself</a:t>
-            </a:r>
-          </a:p>
-          <a:p>
-            <a:pPr marL="914400" lvl="1" indent="-457200">
-              <a:lnSpc>
-                <a:spcPts val="3750"/>
-              </a:lnSpc>
-              <a:buFont typeface="Arial" panose="020B0604020202020204" pitchFamily="34" charset="0"/>
-              <a:buChar char="•"/>
-            </a:pPr>
-            <a:r>
-              <a:rPr lang="en-US" sz="3200" spc="30" dirty="0">
-                <a:solidFill>
-                  <a:srgbClr val="000000"/>
-                </a:solidFill>
-                <a:latin typeface="Gidole"/>
-              </a:rPr>
-              <a:t>Refresh your memory with the demo notes</a:t>
-            </a:r>
-          </a:p>
-          <a:p>
-            <a:pPr lvl="1">
-              <a:lnSpc>
-                <a:spcPts val="3750"/>
-              </a:lnSpc>
-            </a:pPr>
-            <a:endParaRPr lang="en-US" sz="3200" spc="30" dirty="0">
-              <a:solidFill>
-                <a:srgbClr val="000000"/>
-              </a:solidFill>
-              <a:latin typeface="Gidole"/>
-            </a:endParaRPr>
-          </a:p>
-          <a:p>
-            <a:pPr>
-              <a:lnSpc>
-                <a:spcPts val="3750"/>
-              </a:lnSpc>
-            </a:pPr>
-            <a:endParaRPr lang="en-US" sz="3000" spc="30" dirty="0">
-              <a:solidFill>
-                <a:srgbClr val="000000"/>
-              </a:solidFill>
-              <a:latin typeface="Gidole"/>
-            </a:endParaRPr>
-          </a:p>
-          <a:p>
-            <a:pPr>
-              <a:lnSpc>
-                <a:spcPts val="3750"/>
-              </a:lnSpc>
-            </a:pPr>
-            <a:endParaRPr lang="en-US" sz="3000" spc="30" dirty="0">
+            <a:endParaRPr lang="en-US" sz="6000" spc="30" dirty="0">
               <a:solidFill>
                 <a:srgbClr val="000000"/>
               </a:solidFill>

--- a/pq-pdq.pptx
+++ b/pq-pdq.pptx
@@ -266,7 +266,7 @@
           <a:p>
             <a:fld id="{17A98A70-FA8C-4354-959C-C70678AC9BCF}" type="datetimeFigureOut">
               <a:rPr lang="en-US" smtClean="0"/>
-              <a:t>8/12/2022</a:t>
+              <a:t>8/18/2022</a:t>
             </a:fld>
             <a:endParaRPr lang="en-US"/>
           </a:p>
@@ -2474,7 +2474,7 @@
             <a:fld id="{1D8BD707-D9CF-40AE-B4C6-C98DA3205C09}" type="datetimeFigureOut">
               <a:rPr lang="en-US" smtClean="0"/>
               <a:pPr/>
-              <a:t>8/12/2022</a:t>
+              <a:t>8/18/2022</a:t>
             </a:fld>
             <a:endParaRPr lang="en-US"/>
           </a:p>
@@ -2639,7 +2639,7 @@
             <a:fld id="{1D8BD707-D9CF-40AE-B4C6-C98DA3205C09}" type="datetimeFigureOut">
               <a:rPr lang="en-US" smtClean="0"/>
               <a:pPr/>
-              <a:t>8/12/2022</a:t>
+              <a:t>8/18/2022</a:t>
             </a:fld>
             <a:endParaRPr lang="en-US"/>
           </a:p>
@@ -2814,7 +2814,7 @@
             <a:fld id="{1D8BD707-D9CF-40AE-B4C6-C98DA3205C09}" type="datetimeFigureOut">
               <a:rPr lang="en-US" smtClean="0"/>
               <a:pPr/>
-              <a:t>8/12/2022</a:t>
+              <a:t>8/18/2022</a:t>
             </a:fld>
             <a:endParaRPr lang="en-US"/>
           </a:p>
@@ -2979,7 +2979,7 @@
             <a:fld id="{1D8BD707-D9CF-40AE-B4C6-C98DA3205C09}" type="datetimeFigureOut">
               <a:rPr lang="en-US" smtClean="0"/>
               <a:pPr/>
-              <a:t>8/12/2022</a:t>
+              <a:t>8/18/2022</a:t>
             </a:fld>
             <a:endParaRPr lang="en-US"/>
           </a:p>
@@ -3221,7 +3221,7 @@
             <a:fld id="{1D8BD707-D9CF-40AE-B4C6-C98DA3205C09}" type="datetimeFigureOut">
               <a:rPr lang="en-US" smtClean="0"/>
               <a:pPr/>
-              <a:t>8/12/2022</a:t>
+              <a:t>8/18/2022</a:t>
             </a:fld>
             <a:endParaRPr lang="en-US"/>
           </a:p>
@@ -3503,7 +3503,7 @@
             <a:fld id="{1D8BD707-D9CF-40AE-B4C6-C98DA3205C09}" type="datetimeFigureOut">
               <a:rPr lang="en-US" smtClean="0"/>
               <a:pPr/>
-              <a:t>8/12/2022</a:t>
+              <a:t>8/18/2022</a:t>
             </a:fld>
             <a:endParaRPr lang="en-US"/>
           </a:p>
@@ -3919,7 +3919,7 @@
             <a:fld id="{1D8BD707-D9CF-40AE-B4C6-C98DA3205C09}" type="datetimeFigureOut">
               <a:rPr lang="en-US" smtClean="0"/>
               <a:pPr/>
-              <a:t>8/12/2022</a:t>
+              <a:t>8/18/2022</a:t>
             </a:fld>
             <a:endParaRPr lang="en-US"/>
           </a:p>
@@ -4033,7 +4033,7 @@
             <a:fld id="{1D8BD707-D9CF-40AE-B4C6-C98DA3205C09}" type="datetimeFigureOut">
               <a:rPr lang="en-US" smtClean="0"/>
               <a:pPr/>
-              <a:t>8/12/2022</a:t>
+              <a:t>8/18/2022</a:t>
             </a:fld>
             <a:endParaRPr lang="en-US"/>
           </a:p>
@@ -4125,7 +4125,7 @@
             <a:fld id="{1D8BD707-D9CF-40AE-B4C6-C98DA3205C09}" type="datetimeFigureOut">
               <a:rPr lang="en-US" smtClean="0"/>
               <a:pPr/>
-              <a:t>8/12/2022</a:t>
+              <a:t>8/18/2022</a:t>
             </a:fld>
             <a:endParaRPr lang="en-US"/>
           </a:p>
@@ -4397,7 +4397,7 @@
             <a:fld id="{1D8BD707-D9CF-40AE-B4C6-C98DA3205C09}" type="datetimeFigureOut">
               <a:rPr lang="en-US" smtClean="0"/>
               <a:pPr/>
-              <a:t>8/12/2022</a:t>
+              <a:t>8/18/2022</a:t>
             </a:fld>
             <a:endParaRPr lang="en-US"/>
           </a:p>
@@ -4646,7 +4646,7 @@
             <a:fld id="{1D8BD707-D9CF-40AE-B4C6-C98DA3205C09}" type="datetimeFigureOut">
               <a:rPr lang="en-US" smtClean="0"/>
               <a:pPr/>
-              <a:t>8/12/2022</a:t>
+              <a:t>8/18/2022</a:t>
             </a:fld>
             <a:endParaRPr lang="en-US"/>
           </a:p>
@@ -4859,7 +4859,7 @@
             <a:fld id="{1D8BD707-D9CF-40AE-B4C6-C98DA3205C09}" type="datetimeFigureOut">
               <a:rPr lang="en-US" smtClean="0"/>
               <a:pPr/>
-              <a:t>8/12/2022</a:t>
+              <a:t>8/18/2022</a:t>
             </a:fld>
             <a:endParaRPr lang="en-US"/>
           </a:p>
@@ -8769,7 +8769,7 @@
         </p:nvSpPr>
         <p:spPr>
           <a:xfrm rot="-5400000">
-            <a:off x="-436430" y="7232974"/>
+            <a:off x="-1091624" y="7232974"/>
             <a:ext cx="3650350" cy="400302"/>
           </a:xfrm>
           <a:prstGeom prst="rect">
@@ -8807,8 +8807,8 @@
         </p:nvSpPr>
         <p:spPr>
           <a:xfrm>
-            <a:off x="3420038" y="3316520"/>
-            <a:ext cx="8314762" cy="7571303"/>
+            <a:off x="2112471" y="3337024"/>
+            <a:ext cx="6943162" cy="8371523"/>
           </a:xfrm>
           <a:prstGeom prst="rect">
             <a:avLst/>
@@ -8827,19 +8827,10 @@
                 </a:solidFill>
                 <a:latin typeface="Gidole"/>
               </a:rPr>
-              <a:t>Download resources:</a:t>
-            </a:r>
-          </a:p>
-          <a:p>
-            <a:r>
-              <a:rPr lang="en-US" sz="8000" spc="30" dirty="0">
-                <a:solidFill>
-                  <a:srgbClr val="000000"/>
-                </a:solidFill>
-                <a:latin typeface="Gidole"/>
-              </a:rPr>
-              <a:t> </a:t>
-            </a:r>
+              <a:t>Download resources with link or QR code:</a:t>
+            </a:r>
+          </a:p>
+          <a:p>
             <a:r>
               <a:rPr lang="en-US" sz="8000" spc="30" dirty="0">
                 <a:solidFill>
@@ -8887,6 +8878,42 @@
           </a:p>
         </p:txBody>
       </p:sp>
+      <p:pic>
+        <p:nvPicPr>
+          <p:cNvPr id="12" name="Picture 11" descr="Shape&#10;&#10;Description automatically generated with low confidence">
+            <a:extLst>
+              <a:ext uri="{FF2B5EF4-FFF2-40B4-BE49-F238E27FC236}">
+                <a16:creationId xmlns:a16="http://schemas.microsoft.com/office/drawing/2014/main" id="{8683169C-5C13-042C-F338-A104DC324D89}"/>
+              </a:ext>
+            </a:extLst>
+          </p:cNvPr>
+          <p:cNvPicPr>
+            <a:picLocks noChangeAspect="1"/>
+          </p:cNvPicPr>
+          <p:nvPr/>
+        </p:nvPicPr>
+        <p:blipFill>
+          <a:blip r:embed="rId5" cstate="print">
+            <a:extLst>
+              <a:ext uri="{28A0092B-C50C-407E-A947-70E740481C1C}">
+                <a14:useLocalDpi xmlns:a14="http://schemas.microsoft.com/office/drawing/2010/main" val="0"/>
+              </a:ext>
+            </a:extLst>
+          </a:blip>
+          <a:stretch>
+            <a:fillRect/>
+          </a:stretch>
+        </p:blipFill>
+        <p:spPr>
+          <a:xfrm>
+            <a:off x="9529252" y="2476500"/>
+            <a:ext cx="3962400" cy="3962400"/>
+          </a:xfrm>
+          <a:prstGeom prst="rect">
+            <a:avLst/>
+          </a:prstGeom>
+        </p:spPr>
+      </p:pic>
     </p:spTree>
     <p:extLst>
       <p:ext uri="{BB962C8B-B14F-4D97-AF65-F5344CB8AC3E}">

--- a/pq-pdq.pptx
+++ b/pq-pdq.pptx
@@ -5,57 +5,59 @@
     <p:sldMasterId id="2147483648" r:id="rId1"/>
   </p:sldMasterIdLst>
   <p:notesMasterIdLst>
-    <p:notesMasterId r:id="rId21"/>
+    <p:notesMasterId r:id="rId23"/>
   </p:notesMasterIdLst>
   <p:sldIdLst>
     <p:sldId id="256" r:id="rId2"/>
     <p:sldId id="258" r:id="rId3"/>
-    <p:sldId id="348" r:id="rId4"/>
-    <p:sldId id="261" r:id="rId5"/>
-    <p:sldId id="351" r:id="rId6"/>
-    <p:sldId id="262" r:id="rId7"/>
-    <p:sldId id="263" r:id="rId8"/>
-    <p:sldId id="352" r:id="rId9"/>
-    <p:sldId id="353" r:id="rId10"/>
-    <p:sldId id="354" r:id="rId11"/>
-    <p:sldId id="355" r:id="rId12"/>
-    <p:sldId id="282" r:id="rId13"/>
-    <p:sldId id="365" r:id="rId14"/>
-    <p:sldId id="368" r:id="rId15"/>
-    <p:sldId id="371" r:id="rId16"/>
-    <p:sldId id="305" r:id="rId17"/>
-    <p:sldId id="401" r:id="rId18"/>
-    <p:sldId id="390" r:id="rId19"/>
-    <p:sldId id="400" r:id="rId20"/>
+    <p:sldId id="403" r:id="rId4"/>
+    <p:sldId id="348" r:id="rId5"/>
+    <p:sldId id="261" r:id="rId6"/>
+    <p:sldId id="351" r:id="rId7"/>
+    <p:sldId id="262" r:id="rId8"/>
+    <p:sldId id="263" r:id="rId9"/>
+    <p:sldId id="352" r:id="rId10"/>
+    <p:sldId id="353" r:id="rId11"/>
+    <p:sldId id="354" r:id="rId12"/>
+    <p:sldId id="355" r:id="rId13"/>
+    <p:sldId id="282" r:id="rId14"/>
+    <p:sldId id="365" r:id="rId15"/>
+    <p:sldId id="368" r:id="rId16"/>
+    <p:sldId id="371" r:id="rId17"/>
+    <p:sldId id="305" r:id="rId18"/>
+    <p:sldId id="401" r:id="rId19"/>
+    <p:sldId id="390" r:id="rId20"/>
+    <p:sldId id="400" r:id="rId21"/>
+    <p:sldId id="402" r:id="rId22"/>
   </p:sldIdLst>
   <p:sldSz cx="18288000" cy="10287000"/>
   <p:notesSz cx="6858000" cy="9144000"/>
   <p:embeddedFontLst>
     <p:embeddedFont>
       <p:font typeface="Calibri" panose="020F0502020204030204" pitchFamily="34" charset="0"/>
-      <p:regular r:id="rId22"/>
-      <p:bold r:id="rId23"/>
-      <p:italic r:id="rId24"/>
-      <p:boldItalic r:id="rId25"/>
+      <p:regular r:id="rId24"/>
+      <p:bold r:id="rId25"/>
+      <p:italic r:id="rId26"/>
+      <p:boldItalic r:id="rId27"/>
     </p:embeddedFont>
     <p:embeddedFont>
-      <p:font typeface="Gidole" panose="020B0604020202020204" charset="0"/>
-      <p:regular r:id="rId26"/>
+      <p:font typeface="Gidole" panose="02000503000000000000" pitchFamily="2" charset="0"/>
+      <p:regular r:id="rId28"/>
     </p:embeddedFont>
     <p:embeddedFont>
       <p:font typeface="League Spartan" panose="020B0604020202020204" charset="0"/>
-      <p:regular r:id="rId27"/>
+      <p:regular r:id="rId29"/>
     </p:embeddedFont>
     <p:embeddedFont>
       <p:font typeface="Open Sans Extra Bold" panose="020B0604020202020204" charset="0"/>
-      <p:regular r:id="rId28"/>
+      <p:regular r:id="rId30"/>
     </p:embeddedFont>
     <p:embeddedFont>
       <p:font typeface="Roboto Mono" panose="020B0604020202020204" charset="0"/>
-      <p:regular r:id="rId29"/>
-      <p:bold r:id="rId30"/>
-      <p:italic r:id="rId31"/>
-      <p:boldItalic r:id="rId32"/>
+      <p:regular r:id="rId31"/>
+      <p:bold r:id="rId32"/>
+      <p:italic r:id="rId33"/>
+      <p:boldItalic r:id="rId34"/>
     </p:embeddedFont>
   </p:embeddedFontLst>
   <p:defaultTextStyle>
@@ -266,7 +268,7 @@
           <a:p>
             <a:fld id="{17A98A70-FA8C-4354-959C-C70678AC9BCF}" type="datetimeFigureOut">
               <a:rPr lang="en-US" smtClean="0"/>
-              <a:t>8/18/2022</a:t>
+              <a:t>8/23/2022</a:t>
             </a:fld>
             <a:endParaRPr lang="en-US"/>
           </a:p>
@@ -661,26 +663,18 @@
           <a:bodyPr/>
           <a:lstStyle/>
           <a:p>
-            <a:pPr marL="0" marR="0" lvl="0" indent="0" algn="l" defTabSz="914400" rtl="0" eaLnBrk="1" fontAlgn="auto" latinLnBrk="0" hangingPunct="1">
-              <a:lnSpc>
-                <a:spcPct val="100000"/>
-              </a:lnSpc>
-              <a:spcBef>
-                <a:spcPts val="0"/>
-              </a:spcBef>
-              <a:spcAft>
-                <a:spcPts val="0"/>
-              </a:spcAft>
-              <a:buClrTx/>
-              <a:buSzTx/>
-              <a:buFontTx/>
-              <a:buNone/>
-              <a:tabLst/>
-              <a:defRPr/>
-            </a:pPr>
             <a:r>
               <a:rPr lang="en-US" dirty="0"/>
-              <a:t>Here is an example of that, a blog post about analyzing 50 million records using Excel. 50 million is pretty significant for most anyone, and Excel could handle it, so dismissing Excel out of hand on account of performance is just not as true anymore with Power Query. </a:t>
+              <a:t>And that’s the last myth I want to bust here, is that Excel can’t handle large datasets. Now, with “classical Excel” this was probably true, that Excel just couldn’t handle some of those bigger datasets that a lot of data analysts are working with these days, but that’s just not true when you are using Power Query [example on next slide]</a:t>
+            </a:r>
+          </a:p>
+          <a:p>
+            <a:endParaRPr lang="en-US" dirty="0"/>
+          </a:p>
+          <a:p>
+            <a:r>
+              <a:rPr lang="en-US" dirty="0"/>
+              <a:t>https://pixabay.com/photos/amphibian-turtle-animal-armor-blur-1850190/  </a:t>
             </a:r>
           </a:p>
           <a:p>
@@ -714,7 +708,7 @@
     </p:spTree>
     <p:extLst>
       <p:ext uri="{BB962C8B-B14F-4D97-AF65-F5344CB8AC3E}">
-        <p14:creationId xmlns:p14="http://schemas.microsoft.com/office/powerpoint/2010/main" val="2689248062"/>
+        <p14:creationId xmlns:p14="http://schemas.microsoft.com/office/powerpoint/2010/main" val="2294406139"/>
       </p:ext>
     </p:extLst>
   </p:cSld>
@@ -768,10 +762,30 @@
           <a:bodyPr/>
           <a:lstStyle/>
           <a:p>
+            <a:pPr marL="0" marR="0" lvl="0" indent="0" algn="l" defTabSz="914400" rtl="0" eaLnBrk="1" fontAlgn="auto" latinLnBrk="0" hangingPunct="1">
+              <a:lnSpc>
+                <a:spcPct val="100000"/>
+              </a:lnSpc>
+              <a:spcBef>
+                <a:spcPts val="0"/>
+              </a:spcBef>
+              <a:spcAft>
+                <a:spcPts val="0"/>
+              </a:spcAft>
+              <a:buClrTx/>
+              <a:buSzTx/>
+              <a:buFontTx/>
+              <a:buNone/>
+              <a:tabLst/>
+              <a:defRPr/>
+            </a:pPr>
             <a:r>
               <a:rPr lang="en-US" dirty="0"/>
-              <a:t>Now you are hyped up Power Query, I think you are going to love it and it will be hard for you to remember the days when you didn’t have it. So let’s think about what we would do without Power Query. </a:t>
-            </a:r>
+              <a:t>Here is an example of that, a blog post about analyzing 50 million records using Excel. 50 million is pretty significant for most anyone, and Excel could handle it, so dismissing Excel out of hand on account of performance is just not as true anymore with Power Query. </a:t>
+            </a:r>
+          </a:p>
+          <a:p>
+            <a:endParaRPr lang="en-US" dirty="0"/>
           </a:p>
         </p:txBody>
       </p:sp>
@@ -801,7 +815,7 @@
     </p:spTree>
     <p:extLst>
       <p:ext uri="{BB962C8B-B14F-4D97-AF65-F5344CB8AC3E}">
-        <p14:creationId xmlns:p14="http://schemas.microsoft.com/office/powerpoint/2010/main" val="3535360720"/>
+        <p14:creationId xmlns:p14="http://schemas.microsoft.com/office/powerpoint/2010/main" val="2689248062"/>
       </p:ext>
     </p:extLst>
   </p:cSld>
@@ -855,7 +869,10 @@
           <a:bodyPr/>
           <a:lstStyle/>
           <a:p>
-            <a:endParaRPr lang="en-US" dirty="0"/>
+            <a:r>
+              <a:rPr lang="en-US" dirty="0"/>
+              <a:t>Now you are hyped up Power Query, I think you are going to love it and it will be hard for you to remember the days when you didn’t have it. So let’s think about what we would do without Power Query. </a:t>
+            </a:r>
           </a:p>
         </p:txBody>
       </p:sp>
@@ -885,7 +902,7 @@
     </p:spTree>
     <p:extLst>
       <p:ext uri="{BB962C8B-B14F-4D97-AF65-F5344CB8AC3E}">
-        <p14:creationId xmlns:p14="http://schemas.microsoft.com/office/powerpoint/2010/main" val="3625376761"/>
+        <p14:creationId xmlns:p14="http://schemas.microsoft.com/office/powerpoint/2010/main" val="3535360720"/>
       </p:ext>
     </p:extLst>
   </p:cSld>
@@ -939,14 +956,6 @@
           <a:bodyPr/>
           <a:lstStyle/>
           <a:p>
-            <a:r>
-              <a:rPr lang="en-US" dirty="0"/>
-              <a:t>Open this file. We will get </a:t>
-            </a:r>
-            <a:r>
-              <a:rPr lang="en-US"/>
-              <a:t>into Power Query now. </a:t>
-            </a:r>
             <a:endParaRPr lang="en-US" dirty="0"/>
           </a:p>
         </p:txBody>
@@ -977,7 +986,7 @@
     </p:spTree>
     <p:extLst>
       <p:ext uri="{BB962C8B-B14F-4D97-AF65-F5344CB8AC3E}">
-        <p14:creationId xmlns:p14="http://schemas.microsoft.com/office/powerpoint/2010/main" val="3097664856"/>
+        <p14:creationId xmlns:p14="http://schemas.microsoft.com/office/powerpoint/2010/main" val="3625376761"/>
       </p:ext>
     </p:extLst>
   </p:cSld>
@@ -1033,8 +1042,13 @@
           <a:p>
             <a:r>
               <a:rPr lang="en-US" dirty="0"/>
-              <a:t>Any questions on descriptive statistics? </a:t>
-            </a:r>
+              <a:t>Open this file. We will get </a:t>
+            </a:r>
+            <a:r>
+              <a:rPr lang="en-US"/>
+              <a:t>into Power Query now. </a:t>
+            </a:r>
+            <a:endParaRPr lang="en-US" dirty="0"/>
           </a:p>
         </p:txBody>
       </p:sp>
@@ -1064,7 +1078,7 @@
     </p:spTree>
     <p:extLst>
       <p:ext uri="{BB962C8B-B14F-4D97-AF65-F5344CB8AC3E}">
-        <p14:creationId xmlns:p14="http://schemas.microsoft.com/office/powerpoint/2010/main" val="1531584346"/>
+        <p14:creationId xmlns:p14="http://schemas.microsoft.com/office/powerpoint/2010/main" val="3097664856"/>
       </p:ext>
     </p:extLst>
   </p:cSld>
@@ -1118,34 +1132,9 @@
           <a:bodyPr/>
           <a:lstStyle/>
           <a:p>
-            <a:pPr marL="0" marR="0" lvl="0" indent="0" algn="l" defTabSz="914400" rtl="0" eaLnBrk="1" fontAlgn="auto" latinLnBrk="0" hangingPunct="1">
-              <a:lnSpc>
-                <a:spcPct val="100000"/>
-              </a:lnSpc>
-              <a:spcBef>
-                <a:spcPts val="0"/>
-              </a:spcBef>
-              <a:spcAft>
-                <a:spcPts val="0"/>
-              </a:spcAft>
-              <a:buClrTx/>
-              <a:buSzTx/>
-              <a:buFontTx/>
-              <a:buNone/>
-              <a:tabLst/>
-              <a:defRPr/>
-            </a:pPr>
-            <a:r>
-              <a:rPr lang="en-US" sz="1200" kern="1200" dirty="0">
-                <a:solidFill>
-                  <a:schemeClr val="tx1"/>
-                </a:solidFill>
-                <a:effectLst/>
-                <a:latin typeface="+mn-lt"/>
-                <a:ea typeface="+mn-ea"/>
-                <a:cs typeface="+mn-cs"/>
-              </a:rPr>
-              <a:t>This one is a little more user friendly, it focuses on Excel and you will also learn about Power Pivot as well. </a:t>
+            <a:r>
+              <a:rPr lang="en-US" dirty="0"/>
+              <a:t>Any questions on descriptive statistics? </a:t>
             </a:r>
           </a:p>
         </p:txBody>
@@ -1176,7 +1165,7 @@
     </p:spTree>
     <p:extLst>
       <p:ext uri="{BB962C8B-B14F-4D97-AF65-F5344CB8AC3E}">
-        <p14:creationId xmlns:p14="http://schemas.microsoft.com/office/powerpoint/2010/main" val="3644834246"/>
+        <p14:creationId xmlns:p14="http://schemas.microsoft.com/office/powerpoint/2010/main" val="1531584346"/>
       </p:ext>
     </p:extLst>
   </p:cSld>
@@ -1288,7 +1277,7 @@
     </p:spTree>
     <p:extLst>
       <p:ext uri="{BB962C8B-B14F-4D97-AF65-F5344CB8AC3E}">
-        <p14:creationId xmlns:p14="http://schemas.microsoft.com/office/powerpoint/2010/main" val="1199767389"/>
+        <p14:creationId xmlns:p14="http://schemas.microsoft.com/office/powerpoint/2010/main" val="3644834246"/>
       </p:ext>
     </p:extLst>
   </p:cSld>
@@ -1342,9 +1331,34 @@
           <a:bodyPr/>
           <a:lstStyle/>
           <a:p>
-            <a:r>
-              <a:rPr lang="en-US" dirty="0"/>
-              <a:t>Thanks for coming! Feel free to contact me anytime, find me on LinkedIn, I also write frequently on this stuff so check out my website too. </a:t>
+            <a:pPr marL="0" marR="0" lvl="0" indent="0" algn="l" defTabSz="914400" rtl="0" eaLnBrk="1" fontAlgn="auto" latinLnBrk="0" hangingPunct="1">
+              <a:lnSpc>
+                <a:spcPct val="100000"/>
+              </a:lnSpc>
+              <a:spcBef>
+                <a:spcPts val="0"/>
+              </a:spcBef>
+              <a:spcAft>
+                <a:spcPts val="0"/>
+              </a:spcAft>
+              <a:buClrTx/>
+              <a:buSzTx/>
+              <a:buFontTx/>
+              <a:buNone/>
+              <a:tabLst/>
+              <a:defRPr/>
+            </a:pPr>
+            <a:r>
+              <a:rPr lang="en-US" sz="1200" kern="1200" dirty="0">
+                <a:solidFill>
+                  <a:schemeClr val="tx1"/>
+                </a:solidFill>
+                <a:effectLst/>
+                <a:latin typeface="+mn-lt"/>
+                <a:ea typeface="+mn-ea"/>
+                <a:cs typeface="+mn-cs"/>
+              </a:rPr>
+              <a:t>This one is a little more user friendly, it focuses on Excel and you will also learn about Power Pivot as well. </a:t>
             </a:r>
           </a:p>
         </p:txBody>
@@ -1375,7 +1389,7 @@
     </p:spTree>
     <p:extLst>
       <p:ext uri="{BB962C8B-B14F-4D97-AF65-F5344CB8AC3E}">
-        <p14:creationId xmlns:p14="http://schemas.microsoft.com/office/powerpoint/2010/main" val="2404527324"/>
+        <p14:creationId xmlns:p14="http://schemas.microsoft.com/office/powerpoint/2010/main" val="1199767389"/>
       </p:ext>
     </p:extLst>
   </p:cSld>
@@ -1431,7 +1445,7 @@
           <a:p>
             <a:r>
               <a:rPr lang="en-US" dirty="0"/>
-              <a:t>Any questions on descriptive statistics? </a:t>
+              <a:t>Thanks for coming! Feel free to contact me anytime, find me on LinkedIn, I also write frequently on this stuff so check out my website too. </a:t>
             </a:r>
           </a:p>
         </p:txBody>
@@ -1454,6 +1468,93 @@
             <a:fld id="{FFB500C5-13F7-48FC-8160-C29AECF6C602}" type="slidenum">
               <a:rPr lang="en-US" smtClean="0"/>
               <a:t>19</a:t>
+            </a:fld>
+            <a:endParaRPr lang="en-US"/>
+          </a:p>
+        </p:txBody>
+      </p:sp>
+    </p:spTree>
+    <p:extLst>
+      <p:ext uri="{BB962C8B-B14F-4D97-AF65-F5344CB8AC3E}">
+        <p14:creationId xmlns:p14="http://schemas.microsoft.com/office/powerpoint/2010/main" val="2404527324"/>
+      </p:ext>
+    </p:extLst>
+  </p:cSld>
+  <p:clrMapOvr>
+    <a:masterClrMapping/>
+  </p:clrMapOvr>
+</p:notes>
+</file>
+
+<file path=ppt/notesSlides/notesSlide19.xml><?xml version="1.0" encoding="utf-8"?>
+<p:notes xmlns:a="http://schemas.openxmlformats.org/drawingml/2006/main" xmlns:r="http://schemas.openxmlformats.org/officeDocument/2006/relationships" xmlns:p="http://schemas.openxmlformats.org/presentationml/2006/main">
+  <p:cSld>
+    <p:spTree>
+      <p:nvGrpSpPr>
+        <p:cNvPr id="1" name=""/>
+        <p:cNvGrpSpPr/>
+        <p:nvPr/>
+      </p:nvGrpSpPr>
+      <p:grpSpPr>
+        <a:xfrm>
+          <a:off x="0" y="0"/>
+          <a:ext cx="0" cy="0"/>
+          <a:chOff x="0" y="0"/>
+          <a:chExt cx="0" cy="0"/>
+        </a:xfrm>
+      </p:grpSpPr>
+      <p:sp>
+        <p:nvSpPr>
+          <p:cNvPr id="2" name="Slide Image Placeholder 1"/>
+          <p:cNvSpPr>
+            <a:spLocks noGrp="1" noRot="1" noChangeAspect="1"/>
+          </p:cNvSpPr>
+          <p:nvPr>
+            <p:ph type="sldImg"/>
+          </p:nvPr>
+        </p:nvSpPr>
+        <p:spPr/>
+      </p:sp>
+      <p:sp>
+        <p:nvSpPr>
+          <p:cNvPr id="3" name="Notes Placeholder 2"/>
+          <p:cNvSpPr>
+            <a:spLocks noGrp="1"/>
+          </p:cNvSpPr>
+          <p:nvPr>
+            <p:ph type="body" idx="1"/>
+          </p:nvPr>
+        </p:nvSpPr>
+        <p:spPr/>
+        <p:txBody>
+          <a:bodyPr/>
+          <a:lstStyle/>
+          <a:p>
+            <a:r>
+              <a:rPr lang="en-US" dirty="0"/>
+              <a:t>Any questions on descriptive statistics? </a:t>
+            </a:r>
+          </a:p>
+        </p:txBody>
+      </p:sp>
+      <p:sp>
+        <p:nvSpPr>
+          <p:cNvPr id="4" name="Slide Number Placeholder 3"/>
+          <p:cNvSpPr>
+            <a:spLocks noGrp="1"/>
+          </p:cNvSpPr>
+          <p:nvPr>
+            <p:ph type="sldNum" sz="quarter" idx="5"/>
+          </p:nvPr>
+        </p:nvSpPr>
+        <p:spPr/>
+        <p:txBody>
+          <a:bodyPr/>
+          <a:lstStyle/>
+          <a:p>
+            <a:fld id="{FFB500C5-13F7-48FC-8160-C29AECF6C602}" type="slidenum">
+              <a:rPr lang="en-US" smtClean="0"/>
+              <a:t>20</a:t>
             </a:fld>
             <a:endParaRPr lang="en-US"/>
           </a:p>
@@ -1516,36 +1617,6 @@
           <a:bodyPr/>
           <a:lstStyle/>
           <a:p>
-            <a:r>
-              <a:rPr lang="en-US" dirty="0"/>
-              <a:t>This is an Excel class, so we won’t be looking at PowerPoint the whole time – to follow along, you will see that all assets are divided by section.</a:t>
-            </a:r>
-          </a:p>
-          <a:p>
-            <a:r>
-              <a:rPr lang="en-US" dirty="0"/>
-              <a:t>Some of our Excel time will be Demos – for this I will be walking through some procedure in Excel.</a:t>
-            </a:r>
-          </a:p>
-          <a:p>
-            <a:r>
-              <a:rPr lang="en-US" dirty="0"/>
-              <a:t>If you need any datasets they will be included in each sub-folder. </a:t>
-            </a:r>
-          </a:p>
-          <a:p>
-            <a:r>
-              <a:rPr lang="en-US" dirty="0"/>
-              <a:t>Then there may be a Drill where you will work on it for yourself during some specified period of time. </a:t>
-            </a:r>
-          </a:p>
-          <a:p>
-            <a:r>
-              <a:rPr lang="en-US" dirty="0"/>
-              <a:t>	I have provided written notes/instructions about the Demos which you can refer to while working on the Drills. </a:t>
-            </a:r>
-          </a:p>
-          <a:p>
             <a:endParaRPr lang="en-US" dirty="0"/>
           </a:p>
         </p:txBody>
@@ -1576,7 +1647,94 @@
     </p:spTree>
     <p:extLst>
       <p:ext uri="{BB962C8B-B14F-4D97-AF65-F5344CB8AC3E}">
-        <p14:creationId xmlns:p14="http://schemas.microsoft.com/office/powerpoint/2010/main" val="949741743"/>
+        <p14:creationId xmlns:p14="http://schemas.microsoft.com/office/powerpoint/2010/main" val="425649686"/>
+      </p:ext>
+    </p:extLst>
+  </p:cSld>
+  <p:clrMapOvr>
+    <a:masterClrMapping/>
+  </p:clrMapOvr>
+</p:notes>
+</file>
+
+<file path=ppt/notesSlides/notesSlide20.xml><?xml version="1.0" encoding="utf-8"?>
+<p:notes xmlns:a="http://schemas.openxmlformats.org/drawingml/2006/main" xmlns:r="http://schemas.openxmlformats.org/officeDocument/2006/relationships" xmlns:p="http://schemas.openxmlformats.org/presentationml/2006/main">
+  <p:cSld>
+    <p:spTree>
+      <p:nvGrpSpPr>
+        <p:cNvPr id="1" name=""/>
+        <p:cNvGrpSpPr/>
+        <p:nvPr/>
+      </p:nvGrpSpPr>
+      <p:grpSpPr>
+        <a:xfrm>
+          <a:off x="0" y="0"/>
+          <a:ext cx="0" cy="0"/>
+          <a:chOff x="0" y="0"/>
+          <a:chExt cx="0" cy="0"/>
+        </a:xfrm>
+      </p:grpSpPr>
+      <p:sp>
+        <p:nvSpPr>
+          <p:cNvPr id="2" name="Slide Image Placeholder 1"/>
+          <p:cNvSpPr>
+            <a:spLocks noGrp="1" noRot="1" noChangeAspect="1"/>
+          </p:cNvSpPr>
+          <p:nvPr>
+            <p:ph type="sldImg"/>
+          </p:nvPr>
+        </p:nvSpPr>
+        <p:spPr/>
+      </p:sp>
+      <p:sp>
+        <p:nvSpPr>
+          <p:cNvPr id="3" name="Notes Placeholder 2"/>
+          <p:cNvSpPr>
+            <a:spLocks noGrp="1"/>
+          </p:cNvSpPr>
+          <p:nvPr>
+            <p:ph type="body" idx="1"/>
+          </p:nvPr>
+        </p:nvSpPr>
+        <p:spPr/>
+        <p:txBody>
+          <a:bodyPr/>
+          <a:lstStyle/>
+          <a:p>
+            <a:r>
+              <a:rPr lang="en-US" dirty="0"/>
+              <a:t>Any questions on descriptive statistics? </a:t>
+            </a:r>
+          </a:p>
+        </p:txBody>
+      </p:sp>
+      <p:sp>
+        <p:nvSpPr>
+          <p:cNvPr id="4" name="Slide Number Placeholder 3"/>
+          <p:cNvSpPr>
+            <a:spLocks noGrp="1"/>
+          </p:cNvSpPr>
+          <p:nvPr>
+            <p:ph type="sldNum" sz="quarter" idx="5"/>
+          </p:nvPr>
+        </p:nvSpPr>
+        <p:spPr/>
+        <p:txBody>
+          <a:bodyPr/>
+          <a:lstStyle/>
+          <a:p>
+            <a:fld id="{FFB500C5-13F7-48FC-8160-C29AECF6C602}" type="slidenum">
+              <a:rPr lang="en-US" smtClean="0"/>
+              <a:t>21</a:t>
+            </a:fld>
+            <a:endParaRPr lang="en-US"/>
+          </a:p>
+        </p:txBody>
+      </p:sp>
+    </p:spTree>
+    <p:extLst>
+      <p:ext uri="{BB962C8B-B14F-4D97-AF65-F5344CB8AC3E}">
+        <p14:creationId xmlns:p14="http://schemas.microsoft.com/office/powerpoint/2010/main" val="3885250660"/>
       </p:ext>
     </p:extLst>
   </p:cSld>
@@ -1632,8 +1790,35 @@
           <a:p>
             <a:r>
               <a:rPr lang="en-US" dirty="0"/>
-              <a:t>Now I’m going to be very scientific here and go to Wikipedia to explain how extract, transform, load or ETL methodologies work.</a:t>
-            </a:r>
+              <a:t>This is an Excel class, so we won’t be looking at PowerPoint the whole time – to follow along, you will see that all assets are divided by section.</a:t>
+            </a:r>
+          </a:p>
+          <a:p>
+            <a:r>
+              <a:rPr lang="en-US" dirty="0"/>
+              <a:t>Some of our Excel time will be Demos – for this I will be walking through some procedure in Excel.</a:t>
+            </a:r>
+          </a:p>
+          <a:p>
+            <a:r>
+              <a:rPr lang="en-US" dirty="0"/>
+              <a:t>If you need any datasets they will be included in each sub-folder. </a:t>
+            </a:r>
+          </a:p>
+          <a:p>
+            <a:r>
+              <a:rPr lang="en-US" dirty="0"/>
+              <a:t>Then there may be a Drill where you will work on it for yourself during some specified period of time. </a:t>
+            </a:r>
+          </a:p>
+          <a:p>
+            <a:r>
+              <a:rPr lang="en-US" dirty="0"/>
+              <a:t>	I have provided written notes/instructions about the Demos which you can refer to while working on the Drills. </a:t>
+            </a:r>
+          </a:p>
+          <a:p>
+            <a:endParaRPr lang="en-US" dirty="0"/>
           </a:p>
         </p:txBody>
       </p:sp>
@@ -1663,7 +1848,7 @@
     </p:spTree>
     <p:extLst>
       <p:ext uri="{BB962C8B-B14F-4D97-AF65-F5344CB8AC3E}">
-        <p14:creationId xmlns:p14="http://schemas.microsoft.com/office/powerpoint/2010/main" val="1543694555"/>
+        <p14:creationId xmlns:p14="http://schemas.microsoft.com/office/powerpoint/2010/main" val="949741743"/>
       </p:ext>
     </p:extLst>
   </p:cSld>
@@ -1719,58 +1904,7 @@
           <a:p>
             <a:r>
               <a:rPr lang="en-US" dirty="0"/>
-              <a:t>So, you can see ETL achieves quite a few purposes, and as the name implies it works in three steps:</a:t>
-            </a:r>
-          </a:p>
-          <a:p>
-            <a:r>
-              <a:rPr lang="en-US" dirty="0"/>
-              <a:t>- First, you want to extract the information from some outside source, this can be anything from a database to a web page.</a:t>
-            </a:r>
-          </a:p>
-          <a:p>
-            <a:r>
-              <a:rPr lang="en-US" dirty="0"/>
-              <a:t>- Then, you want to transform it. This could be cleaning the data, filtering it, checking for assumptions, you get the idea.</a:t>
-            </a:r>
-          </a:p>
-          <a:p>
-            <a:r>
-              <a:rPr lang="en-US" dirty="0"/>
-              <a:t>- Finally, loading the data, this places it in a format that is accessible for end users to work with. </a:t>
-            </a:r>
-          </a:p>
-          <a:p>
-            <a:endParaRPr lang="en-US" dirty="0"/>
-          </a:p>
-          <a:p>
-            <a:endParaRPr lang="en-US" dirty="0"/>
-          </a:p>
-          <a:p>
-            <a:endParaRPr lang="en-US" dirty="0"/>
-          </a:p>
-          <a:p>
-            <a:r>
-              <a:rPr lang="en-US" dirty="0"/>
-              <a:t>https://unsplash.com/photos/QUHlPs4y8PQ  </a:t>
-            </a:r>
-          </a:p>
-          <a:p>
-            <a:r>
-              <a:rPr lang="en-US" dirty="0"/>
-              <a:t>https://pixabay.com/photos/tee-tea-bags-teas-drink-herbal-tea-1252397/  </a:t>
-            </a:r>
-          </a:p>
-          <a:p>
-            <a:r>
-              <a:rPr lang="en-US" dirty="0"/>
-              <a:t>https://pixabay.com/photos/construction-worker-welding-welder-1717893/  </a:t>
-            </a:r>
-          </a:p>
-          <a:p>
-            <a:r>
-              <a:rPr lang="en-US" dirty="0"/>
-              <a:t>https://pixabay.com/photos/gift-box-gifts-packaging-box-2458012/  </a:t>
+              <a:t>Now I’m going to be very scientific here and go to Wikipedia to explain how extract, transform, load or ETL methodologies work.</a:t>
             </a:r>
           </a:p>
         </p:txBody>
@@ -1801,7 +1935,7 @@
     </p:spTree>
     <p:extLst>
       <p:ext uri="{BB962C8B-B14F-4D97-AF65-F5344CB8AC3E}">
-        <p14:creationId xmlns:p14="http://schemas.microsoft.com/office/powerpoint/2010/main" val="3195903179"/>
+        <p14:creationId xmlns:p14="http://schemas.microsoft.com/office/powerpoint/2010/main" val="1543694555"/>
       </p:ext>
     </p:extLst>
   </p:cSld>
@@ -1857,7 +1991,58 @@
           <a:p>
             <a:r>
               <a:rPr lang="en-US" dirty="0"/>
-              <a:t>As I mentioned, ETL is all over the IT landscape and is considered a best practice when you are working with large amounts of disparate data that need to be “fit for general office consumption.” It’s not just an Excel thing, and in fact this is a pretty disruptive tool to have in Excel, and it really busts a lot of the myths about what Excel can and can’t be which I would like to cover right now.</a:t>
+              <a:t>So, you can see ETL achieves quite a few purposes, and as the name implies it works in three steps:</a:t>
+            </a:r>
+          </a:p>
+          <a:p>
+            <a:r>
+              <a:rPr lang="en-US" dirty="0"/>
+              <a:t>- First, you want to extract the information from some outside source, this can be anything from a database to a web page.</a:t>
+            </a:r>
+          </a:p>
+          <a:p>
+            <a:r>
+              <a:rPr lang="en-US" dirty="0"/>
+              <a:t>- Then, you want to transform it. This could be cleaning the data, filtering it, checking for assumptions, you get the idea.</a:t>
+            </a:r>
+          </a:p>
+          <a:p>
+            <a:r>
+              <a:rPr lang="en-US" dirty="0"/>
+              <a:t>- Finally, loading the data, this places it in a format that is accessible for end users to work with. </a:t>
+            </a:r>
+          </a:p>
+          <a:p>
+            <a:endParaRPr lang="en-US" dirty="0"/>
+          </a:p>
+          <a:p>
+            <a:endParaRPr lang="en-US" dirty="0"/>
+          </a:p>
+          <a:p>
+            <a:endParaRPr lang="en-US" dirty="0"/>
+          </a:p>
+          <a:p>
+            <a:r>
+              <a:rPr lang="en-US" dirty="0"/>
+              <a:t>https://unsplash.com/photos/QUHlPs4y8PQ  </a:t>
+            </a:r>
+          </a:p>
+          <a:p>
+            <a:r>
+              <a:rPr lang="en-US" dirty="0"/>
+              <a:t>https://pixabay.com/photos/tee-tea-bags-teas-drink-herbal-tea-1252397/  </a:t>
+            </a:r>
+          </a:p>
+          <a:p>
+            <a:r>
+              <a:rPr lang="en-US" dirty="0"/>
+              <a:t>https://pixabay.com/photos/construction-worker-welding-welder-1717893/  </a:t>
+            </a:r>
+          </a:p>
+          <a:p>
+            <a:r>
+              <a:rPr lang="en-US" dirty="0"/>
+              <a:t>https://pixabay.com/photos/gift-box-gifts-packaging-box-2458012/  </a:t>
             </a:r>
           </a:p>
         </p:txBody>
@@ -1888,7 +2073,7 @@
     </p:spTree>
     <p:extLst>
       <p:ext uri="{BB962C8B-B14F-4D97-AF65-F5344CB8AC3E}">
-        <p14:creationId xmlns:p14="http://schemas.microsoft.com/office/powerpoint/2010/main" val="3810581289"/>
+        <p14:creationId xmlns:p14="http://schemas.microsoft.com/office/powerpoint/2010/main" val="3195903179"/>
       </p:ext>
     </p:extLst>
   </p:cSld>
@@ -1944,29 +2129,8 @@
           <a:p>
             <a:r>
               <a:rPr lang="en-US" dirty="0"/>
-              <a:t>https://pixabay.com/photos/laboratory-analysis-chemistry-2815641/  </a:t>
-            </a:r>
-          </a:p>
-          <a:p>
-            <a:endParaRPr lang="en-US" dirty="0"/>
-          </a:p>
-          <a:p>
-            <a:r>
-              <a:rPr lang="en-US" dirty="0"/>
-              <a:t>Now, the idea of reproducibility is that, the process of getting to some output is fully transparent and it’s possible to walk through each step of the process and get the same result at the end. A lot of typical Excel reporting is not fully reproducible, for example consider a report that depends on you deleting columns A through C to work. Now, if I was going into that final report to understand how it was built, there would really be no way for me to know that, right? On the other hand, a fully reproducible report would show me that, and ideally I’d just click a button and it would do it for me.</a:t>
-            </a:r>
-          </a:p>
-          <a:p>
-            <a:endParaRPr lang="en-US" dirty="0"/>
-          </a:p>
-          <a:p>
-            <a:r>
-              <a:rPr lang="en-US" dirty="0"/>
-              <a:t>In data work, reproducibility is often achieved by powering an analysis with code, so that you can indeed run a script and watch the results emerge one line at a time. Now, the nice thing about Power Query is that it is a code-driven process, so it is reproducible. So does this mean you need to learn how to code in this class? Not necessarily right now. For everyday data cleaning processes, we can use menu-driven options, that will produce code in a Microsoft computer language called M, and now our data-cleaning steps are fully reproducible, in Excel, with no code needed. So that is really cool and a huge myth busted. </a:t>
-            </a:r>
-          </a:p>
-          <a:p>
-            <a:endParaRPr lang="en-US" dirty="0"/>
+              <a:t>As I mentioned, ETL is all over the IT landscape and is considered a best practice when you are working with large amounts of disparate data that need to be “fit for general office consumption.” It’s not just an Excel thing, and in fact this is a pretty disruptive tool to have in Excel, and it really busts a lot of the myths about what Excel can and can’t be which I would like to cover right now.</a:t>
+            </a:r>
           </a:p>
         </p:txBody>
       </p:sp>
@@ -1996,7 +2160,7 @@
     </p:spTree>
     <p:extLst>
       <p:ext uri="{BB962C8B-B14F-4D97-AF65-F5344CB8AC3E}">
-        <p14:creationId xmlns:p14="http://schemas.microsoft.com/office/powerpoint/2010/main" val="1487233448"/>
+        <p14:creationId xmlns:p14="http://schemas.microsoft.com/office/powerpoint/2010/main" val="3810581289"/>
       </p:ext>
     </p:extLst>
   </p:cSld>
@@ -2052,13 +2216,16 @@
           <a:p>
             <a:r>
               <a:rPr lang="en-US" dirty="0"/>
-              <a:t>https://pixabay.com/illustrations/grid-isolation-table-lamp-beetle-2088884/  </a:t>
-            </a:r>
+              <a:t>https://pixabay.com/photos/laboratory-analysis-chemistry-2815641/  </a:t>
+            </a:r>
+          </a:p>
+          <a:p>
+            <a:endParaRPr lang="en-US" dirty="0"/>
           </a:p>
           <a:p>
             <a:r>
               <a:rPr lang="en-US" dirty="0"/>
-              <a:t>This is the type of data that in fairness we are more used to working with in classic Excel, data that comes in a nice rectangular shape, usually coming from an Excel workbook or csv file. If the data were in a so-called “unstructured” format, such as song lyrics or a website structure, good luck with using Excel for that.</a:t>
+              <a:t>Now, the idea of reproducibility is that, the process of getting to some output is fully transparent and it’s possible to walk through each step of the process and get the same result at the end. A lot of typical Excel reporting is not fully reproducible, for example consider a report that depends on you deleting columns A through C to work. Now, if I was going into that final report to understand how it was built, there would really be no way for me to know that, right? On the other hand, a fully reproducible report would show me that, and ideally I’d just click a button and it would do it for me.</a:t>
             </a:r>
           </a:p>
           <a:p>
@@ -2067,8 +2234,11 @@
           <a:p>
             <a:r>
               <a:rPr lang="en-US" dirty="0"/>
-              <a:t>Come over to Power Query and there is quite an expanded range of possibilities for where data can come from [list on the next page]</a:t>
-            </a:r>
+              <a:t>In data work, reproducibility is often achieved by powering an analysis with code, so that you can indeed run a script and watch the results emerge one line at a time. Now, the nice thing about Power Query is that it is a code-driven process, so it is reproducible. So does this mean you need to learn how to code in this class? Not necessarily right now. For everyday data cleaning processes, we can use menu-driven options, that will produce code in a Microsoft computer language called M, and now our data-cleaning steps are fully reproducible, in Excel, with no code needed. So that is really cool and a huge myth busted. </a:t>
+            </a:r>
+          </a:p>
+          <a:p>
+            <a:endParaRPr lang="en-US" dirty="0"/>
           </a:p>
         </p:txBody>
       </p:sp>
@@ -2098,7 +2268,7 @@
     </p:spTree>
     <p:extLst>
       <p:ext uri="{BB962C8B-B14F-4D97-AF65-F5344CB8AC3E}">
-        <p14:creationId xmlns:p14="http://schemas.microsoft.com/office/powerpoint/2010/main" val="3066094149"/>
+        <p14:creationId xmlns:p14="http://schemas.microsoft.com/office/powerpoint/2010/main" val="1487233448"/>
       </p:ext>
     </p:extLst>
   </p:cSld>
@@ -2154,7 +2324,22 @@
           <a:p>
             <a:r>
               <a:rPr lang="en-US" dirty="0"/>
-              <a:t>All these types of data and more are fair game to be loaded into Power Query. Where things get really interesting is you are able to combine data from these disparate sources into one consumable data source. </a:t>
+              <a:t>https://pixabay.com/illustrations/grid-isolation-table-lamp-beetle-2088884/  </a:t>
+            </a:r>
+          </a:p>
+          <a:p>
+            <a:r>
+              <a:rPr lang="en-US" dirty="0"/>
+              <a:t>This is the type of data that in fairness we are more used to working with in classic Excel, data that comes in a nice rectangular shape, usually coming from an Excel workbook or csv file. If the data were in a so-called “unstructured” format, such as song lyrics or a website structure, good luck with using Excel for that.</a:t>
+            </a:r>
+          </a:p>
+          <a:p>
+            <a:endParaRPr lang="en-US" dirty="0"/>
+          </a:p>
+          <a:p>
+            <a:r>
+              <a:rPr lang="en-US" dirty="0"/>
+              <a:t>Come over to Power Query and there is quite an expanded range of possibilities for where data can come from [list on the next page]</a:t>
             </a:r>
           </a:p>
         </p:txBody>
@@ -2185,7 +2370,7 @@
     </p:spTree>
     <p:extLst>
       <p:ext uri="{BB962C8B-B14F-4D97-AF65-F5344CB8AC3E}">
-        <p14:creationId xmlns:p14="http://schemas.microsoft.com/office/powerpoint/2010/main" val="2508738023"/>
+        <p14:creationId xmlns:p14="http://schemas.microsoft.com/office/powerpoint/2010/main" val="3066094149"/>
       </p:ext>
     </p:extLst>
   </p:cSld>
@@ -2241,20 +2426,8 @@
           <a:p>
             <a:r>
               <a:rPr lang="en-US" dirty="0"/>
-              <a:t>And that’s the last myth I want to bust here, is that Excel can’t handle large datasets. Now, with “classical Excel” this was probably true, that Excel just couldn’t handle some of those bigger datasets that a lot of data analysts are working with these days, but that’s just not true when you are using Power Query [example on next slide]</a:t>
-            </a:r>
-          </a:p>
-          <a:p>
-            <a:endParaRPr lang="en-US" dirty="0"/>
-          </a:p>
-          <a:p>
-            <a:r>
-              <a:rPr lang="en-US" dirty="0"/>
-              <a:t>https://pixabay.com/photos/amphibian-turtle-animal-armor-blur-1850190/  </a:t>
-            </a:r>
-          </a:p>
-          <a:p>
-            <a:endParaRPr lang="en-US" dirty="0"/>
+              <a:t>All these types of data and more are fair game to be loaded into Power Query. Where things get really interesting is you are able to combine data from these disparate sources into one consumable data source. </a:t>
+            </a:r>
           </a:p>
         </p:txBody>
       </p:sp>
@@ -2284,7 +2457,7 @@
     </p:spTree>
     <p:extLst>
       <p:ext uri="{BB962C8B-B14F-4D97-AF65-F5344CB8AC3E}">
-        <p14:creationId xmlns:p14="http://schemas.microsoft.com/office/powerpoint/2010/main" val="2294406139"/>
+        <p14:creationId xmlns:p14="http://schemas.microsoft.com/office/powerpoint/2010/main" val="2508738023"/>
       </p:ext>
     </p:extLst>
   </p:cSld>
@@ -2474,7 +2647,7 @@
             <a:fld id="{1D8BD707-D9CF-40AE-B4C6-C98DA3205C09}" type="datetimeFigureOut">
               <a:rPr lang="en-US" smtClean="0"/>
               <a:pPr/>
-              <a:t>8/18/2022</a:t>
+              <a:t>8/23/2022</a:t>
             </a:fld>
             <a:endParaRPr lang="en-US"/>
           </a:p>
@@ -2639,7 +2812,7 @@
             <a:fld id="{1D8BD707-D9CF-40AE-B4C6-C98DA3205C09}" type="datetimeFigureOut">
               <a:rPr lang="en-US" smtClean="0"/>
               <a:pPr/>
-              <a:t>8/18/2022</a:t>
+              <a:t>8/23/2022</a:t>
             </a:fld>
             <a:endParaRPr lang="en-US"/>
           </a:p>
@@ -2814,7 +2987,7 @@
             <a:fld id="{1D8BD707-D9CF-40AE-B4C6-C98DA3205C09}" type="datetimeFigureOut">
               <a:rPr lang="en-US" smtClean="0"/>
               <a:pPr/>
-              <a:t>8/18/2022</a:t>
+              <a:t>8/23/2022</a:t>
             </a:fld>
             <a:endParaRPr lang="en-US"/>
           </a:p>
@@ -2979,7 +3152,7 @@
             <a:fld id="{1D8BD707-D9CF-40AE-B4C6-C98DA3205C09}" type="datetimeFigureOut">
               <a:rPr lang="en-US" smtClean="0"/>
               <a:pPr/>
-              <a:t>8/18/2022</a:t>
+              <a:t>8/23/2022</a:t>
             </a:fld>
             <a:endParaRPr lang="en-US"/>
           </a:p>
@@ -3221,7 +3394,7 @@
             <a:fld id="{1D8BD707-D9CF-40AE-B4C6-C98DA3205C09}" type="datetimeFigureOut">
               <a:rPr lang="en-US" smtClean="0"/>
               <a:pPr/>
-              <a:t>8/18/2022</a:t>
+              <a:t>8/23/2022</a:t>
             </a:fld>
             <a:endParaRPr lang="en-US"/>
           </a:p>
@@ -3503,7 +3676,7 @@
             <a:fld id="{1D8BD707-D9CF-40AE-B4C6-C98DA3205C09}" type="datetimeFigureOut">
               <a:rPr lang="en-US" smtClean="0"/>
               <a:pPr/>
-              <a:t>8/18/2022</a:t>
+              <a:t>8/23/2022</a:t>
             </a:fld>
             <a:endParaRPr lang="en-US"/>
           </a:p>
@@ -3919,7 +4092,7 @@
             <a:fld id="{1D8BD707-D9CF-40AE-B4C6-C98DA3205C09}" type="datetimeFigureOut">
               <a:rPr lang="en-US" smtClean="0"/>
               <a:pPr/>
-              <a:t>8/18/2022</a:t>
+              <a:t>8/23/2022</a:t>
             </a:fld>
             <a:endParaRPr lang="en-US"/>
           </a:p>
@@ -4033,7 +4206,7 @@
             <a:fld id="{1D8BD707-D9CF-40AE-B4C6-C98DA3205C09}" type="datetimeFigureOut">
               <a:rPr lang="en-US" smtClean="0"/>
               <a:pPr/>
-              <a:t>8/18/2022</a:t>
+              <a:t>8/23/2022</a:t>
             </a:fld>
             <a:endParaRPr lang="en-US"/>
           </a:p>
@@ -4125,7 +4298,7 @@
             <a:fld id="{1D8BD707-D9CF-40AE-B4C6-C98DA3205C09}" type="datetimeFigureOut">
               <a:rPr lang="en-US" smtClean="0"/>
               <a:pPr/>
-              <a:t>8/18/2022</a:t>
+              <a:t>8/23/2022</a:t>
             </a:fld>
             <a:endParaRPr lang="en-US"/>
           </a:p>
@@ -4397,7 +4570,7 @@
             <a:fld id="{1D8BD707-D9CF-40AE-B4C6-C98DA3205C09}" type="datetimeFigureOut">
               <a:rPr lang="en-US" smtClean="0"/>
               <a:pPr/>
-              <a:t>8/18/2022</a:t>
+              <a:t>8/23/2022</a:t>
             </a:fld>
             <a:endParaRPr lang="en-US"/>
           </a:p>
@@ -4646,7 +4819,7 @@
             <a:fld id="{1D8BD707-D9CF-40AE-B4C6-C98DA3205C09}" type="datetimeFigureOut">
               <a:rPr lang="en-US" smtClean="0"/>
               <a:pPr/>
-              <a:t>8/18/2022</a:t>
+              <a:t>8/23/2022</a:t>
             </a:fld>
             <a:endParaRPr lang="en-US"/>
           </a:p>
@@ -4859,7 +5032,7 @@
             <a:fld id="{1D8BD707-D9CF-40AE-B4C6-C98DA3205C09}" type="datetimeFigureOut">
               <a:rPr lang="en-US" smtClean="0"/>
               <a:pPr/>
-              <a:t>8/18/2022</a:t>
+              <a:t>8/23/2022</a:t>
             </a:fld>
             <a:endParaRPr lang="en-US"/>
           </a:p>
@@ -5406,6 +5579,512 @@
           <a:chExt cx="0" cy="0"/>
         </a:xfrm>
       </p:grpSpPr>
+      <p:grpSp>
+        <p:nvGrpSpPr>
+          <p:cNvPr id="2" name="Group 2"/>
+          <p:cNvGrpSpPr/>
+          <p:nvPr/>
+        </p:nvGrpSpPr>
+        <p:grpSpPr>
+          <a:xfrm rot="5400000">
+            <a:off x="-2322" y="2322"/>
+            <a:ext cx="2902170" cy="2897526"/>
+            <a:chOff x="0" y="0"/>
+            <a:chExt cx="6350000" cy="6339840"/>
+          </a:xfrm>
+        </p:grpSpPr>
+        <p:sp>
+          <p:nvSpPr>
+            <p:cNvPr id="3" name="Freeform 3"/>
+            <p:cNvSpPr/>
+            <p:nvPr/>
+          </p:nvSpPr>
+          <p:spPr>
+            <a:xfrm>
+              <a:off x="0" y="0"/>
+              <a:ext cx="6350000" cy="6339840"/>
+            </a:xfrm>
+            <a:custGeom>
+              <a:avLst/>
+              <a:gdLst/>
+              <a:ahLst/>
+              <a:cxnLst/>
+              <a:rect l="l" t="t" r="r" b="b"/>
+              <a:pathLst>
+                <a:path w="6350000" h="6339840">
+                  <a:moveTo>
+                    <a:pt x="6350000" y="6339840"/>
+                  </a:moveTo>
+                  <a:lnTo>
+                    <a:pt x="0" y="6339840"/>
+                  </a:lnTo>
+                  <a:lnTo>
+                    <a:pt x="0" y="0"/>
+                  </a:lnTo>
+                  <a:close/>
+                </a:path>
+              </a:pathLst>
+            </a:custGeom>
+            <a:solidFill>
+              <a:srgbClr val="CF3338"/>
+            </a:solidFill>
+          </p:spPr>
+        </p:sp>
+      </p:grpSp>
+      <p:sp>
+        <p:nvSpPr>
+          <p:cNvPr id="4" name="TextBox 4"/>
+          <p:cNvSpPr txBox="1"/>
+          <p:nvPr/>
+        </p:nvSpPr>
+        <p:spPr>
+          <a:xfrm>
+            <a:off x="1448763" y="2705100"/>
+            <a:ext cx="8076237" cy="4417876"/>
+          </a:xfrm>
+          <a:prstGeom prst="rect">
+            <a:avLst/>
+          </a:prstGeom>
+        </p:spPr>
+        <p:txBody>
+          <a:bodyPr wrap="square" lIns="0" tIns="0" rIns="0" bIns="0" rtlCol="0" anchor="t">
+            <a:spAutoFit/>
+          </a:bodyPr>
+          <a:lstStyle/>
+          <a:p>
+            <a:pPr marL="721360" lvl="1" indent="-457200">
+              <a:lnSpc>
+                <a:spcPts val="3840"/>
+              </a:lnSpc>
+              <a:buFont typeface="Arial" panose="020B0604020202020204" pitchFamily="34" charset="0"/>
+              <a:buChar char="•"/>
+            </a:pPr>
+            <a:r>
+              <a:rPr lang="en-US" sz="5400" spc="160" dirty="0">
+                <a:solidFill>
+                  <a:srgbClr val="000000"/>
+                </a:solidFill>
+                <a:latin typeface="Gidole" panose="02000503000000000000" pitchFamily="50" charset="0"/>
+              </a:rPr>
+              <a:t>Access</a:t>
+            </a:r>
+          </a:p>
+          <a:p>
+            <a:pPr marL="721360" lvl="1" indent="-457200">
+              <a:lnSpc>
+                <a:spcPts val="3840"/>
+              </a:lnSpc>
+              <a:buFont typeface="Arial" panose="020B0604020202020204" pitchFamily="34" charset="0"/>
+              <a:buChar char="•"/>
+            </a:pPr>
+            <a:endParaRPr lang="en-US" sz="5400" spc="160" dirty="0">
+              <a:solidFill>
+                <a:srgbClr val="000000"/>
+              </a:solidFill>
+              <a:latin typeface="Gidole" panose="02000503000000000000" pitchFamily="50" charset="0"/>
+            </a:endParaRPr>
+          </a:p>
+          <a:p>
+            <a:pPr marL="721360" lvl="1" indent="-457200">
+              <a:lnSpc>
+                <a:spcPts val="3840"/>
+              </a:lnSpc>
+              <a:buFont typeface="Arial" panose="020B0604020202020204" pitchFamily="34" charset="0"/>
+              <a:buChar char="•"/>
+            </a:pPr>
+            <a:r>
+              <a:rPr lang="en-US" sz="5400" spc="160" dirty="0">
+                <a:solidFill>
+                  <a:srgbClr val="000000"/>
+                </a:solidFill>
+                <a:latin typeface="Gidole" panose="02000503000000000000" pitchFamily="50" charset="0"/>
+                <a:ea typeface="Roboto Mono" pitchFamily="2" charset="0"/>
+              </a:rPr>
+              <a:t>.txt</a:t>
+            </a:r>
+            <a:r>
+              <a:rPr lang="en-US" sz="5400" spc="160" dirty="0">
+                <a:solidFill>
+                  <a:srgbClr val="000000"/>
+                </a:solidFill>
+                <a:latin typeface="Gidole" panose="02000503000000000000" pitchFamily="50" charset="0"/>
+              </a:rPr>
+              <a:t> and </a:t>
+            </a:r>
+            <a:r>
+              <a:rPr lang="en-US" sz="5400" spc="160" dirty="0">
+                <a:solidFill>
+                  <a:srgbClr val="000000"/>
+                </a:solidFill>
+                <a:latin typeface="Gidole" panose="02000503000000000000" pitchFamily="50" charset="0"/>
+                <a:ea typeface="Roboto Mono" pitchFamily="2" charset="0"/>
+              </a:rPr>
+              <a:t>.csv</a:t>
+            </a:r>
+            <a:r>
+              <a:rPr lang="en-US" sz="5400" spc="160" dirty="0">
+                <a:solidFill>
+                  <a:srgbClr val="000000"/>
+                </a:solidFill>
+                <a:latin typeface="Gidole" panose="02000503000000000000" pitchFamily="50" charset="0"/>
+              </a:rPr>
+              <a:t> files</a:t>
+            </a:r>
+          </a:p>
+          <a:p>
+            <a:pPr marL="721360" lvl="1" indent="-457200">
+              <a:lnSpc>
+                <a:spcPts val="3840"/>
+              </a:lnSpc>
+              <a:buFont typeface="Arial" panose="020B0604020202020204" pitchFamily="34" charset="0"/>
+              <a:buChar char="•"/>
+            </a:pPr>
+            <a:endParaRPr lang="en-US" sz="5400" spc="160" dirty="0">
+              <a:solidFill>
+                <a:srgbClr val="000000"/>
+              </a:solidFill>
+              <a:latin typeface="Gidole" panose="02000503000000000000" pitchFamily="50" charset="0"/>
+            </a:endParaRPr>
+          </a:p>
+          <a:p>
+            <a:pPr marL="721360" lvl="1" indent="-457200">
+              <a:lnSpc>
+                <a:spcPts val="3840"/>
+              </a:lnSpc>
+              <a:buFont typeface="Arial" panose="020B0604020202020204" pitchFamily="34" charset="0"/>
+              <a:buChar char="•"/>
+            </a:pPr>
+            <a:r>
+              <a:rPr lang="en-US" sz="5400" spc="160" dirty="0">
+                <a:solidFill>
+                  <a:srgbClr val="000000"/>
+                </a:solidFill>
+                <a:latin typeface="Gidole" panose="02000503000000000000" pitchFamily="50" charset="0"/>
+              </a:rPr>
+              <a:t>SQL Server &amp; other relational databases</a:t>
+            </a:r>
+          </a:p>
+          <a:p>
+            <a:pPr marL="721360" lvl="1" indent="-457200">
+              <a:lnSpc>
+                <a:spcPts val="3840"/>
+              </a:lnSpc>
+              <a:buFont typeface="Arial" panose="020B0604020202020204" pitchFamily="34" charset="0"/>
+              <a:buChar char="•"/>
+            </a:pPr>
+            <a:endParaRPr lang="en-US" sz="5400" spc="160" dirty="0">
+              <a:solidFill>
+                <a:srgbClr val="000000"/>
+              </a:solidFill>
+              <a:latin typeface="Gidole" panose="02000503000000000000" pitchFamily="50" charset="0"/>
+            </a:endParaRPr>
+          </a:p>
+          <a:p>
+            <a:pPr marL="721360" lvl="1" indent="-457200">
+              <a:lnSpc>
+                <a:spcPts val="3840"/>
+              </a:lnSpc>
+              <a:buFont typeface="Arial" panose="020B0604020202020204" pitchFamily="34" charset="0"/>
+              <a:buChar char="•"/>
+            </a:pPr>
+            <a:r>
+              <a:rPr lang="en-US" sz="5400" spc="160" dirty="0">
+                <a:solidFill>
+                  <a:srgbClr val="000000"/>
+                </a:solidFill>
+                <a:latin typeface="Gidole" panose="02000503000000000000" pitchFamily="50" charset="0"/>
+              </a:rPr>
+              <a:t>XML, HTML &amp; Web data</a:t>
+            </a:r>
+            <a:br>
+              <a:rPr lang="en-US" sz="4000" spc="160" dirty="0">
+                <a:solidFill>
+                  <a:srgbClr val="000000"/>
+                </a:solidFill>
+                <a:latin typeface="Gidole" panose="02000503000000000000" pitchFamily="50" charset="0"/>
+              </a:rPr>
+            </a:br>
+            <a:endParaRPr lang="en-US" sz="4000" spc="160" dirty="0">
+              <a:solidFill>
+                <a:srgbClr val="000000"/>
+              </a:solidFill>
+              <a:latin typeface="Gidole" panose="02000503000000000000" pitchFamily="50" charset="0"/>
+            </a:endParaRPr>
+          </a:p>
+        </p:txBody>
+      </p:sp>
+      <p:grpSp>
+        <p:nvGrpSpPr>
+          <p:cNvPr id="5" name="Group 5"/>
+          <p:cNvGrpSpPr/>
+          <p:nvPr/>
+        </p:nvGrpSpPr>
+        <p:grpSpPr>
+          <a:xfrm rot="-5400000">
+            <a:off x="15388265" y="7387265"/>
+            <a:ext cx="2902057" cy="2897414"/>
+            <a:chOff x="0" y="0"/>
+            <a:chExt cx="6350000" cy="6339840"/>
+          </a:xfrm>
+        </p:grpSpPr>
+        <p:sp>
+          <p:nvSpPr>
+            <p:cNvPr id="6" name="Freeform 6"/>
+            <p:cNvSpPr/>
+            <p:nvPr/>
+          </p:nvSpPr>
+          <p:spPr>
+            <a:xfrm>
+              <a:off x="0" y="0"/>
+              <a:ext cx="6350000" cy="6339840"/>
+            </a:xfrm>
+            <a:custGeom>
+              <a:avLst/>
+              <a:gdLst/>
+              <a:ahLst/>
+              <a:cxnLst/>
+              <a:rect l="l" t="t" r="r" b="b"/>
+              <a:pathLst>
+                <a:path w="6350000" h="6339840">
+                  <a:moveTo>
+                    <a:pt x="6350000" y="6339840"/>
+                  </a:moveTo>
+                  <a:lnTo>
+                    <a:pt x="0" y="6339840"/>
+                  </a:lnTo>
+                  <a:lnTo>
+                    <a:pt x="0" y="0"/>
+                  </a:lnTo>
+                  <a:close/>
+                </a:path>
+              </a:pathLst>
+            </a:custGeom>
+            <a:solidFill>
+              <a:srgbClr val="CF3338"/>
+            </a:solidFill>
+          </p:spPr>
+        </p:sp>
+      </p:grpSp>
+      <p:pic>
+        <p:nvPicPr>
+          <p:cNvPr id="7" name="Picture 7"/>
+          <p:cNvPicPr>
+            <a:picLocks noChangeAspect="1"/>
+          </p:cNvPicPr>
+          <p:nvPr/>
+        </p:nvPicPr>
+        <p:blipFill>
+          <a:blip r:embed="rId3"/>
+          <a:srcRect/>
+          <a:stretch>
+            <a:fillRect/>
+          </a:stretch>
+        </p:blipFill>
+        <p:spPr>
+          <a:xfrm>
+            <a:off x="16100583" y="9258300"/>
+            <a:ext cx="2005783" cy="1470490"/>
+          </a:xfrm>
+          <a:prstGeom prst="rect">
+            <a:avLst/>
+          </a:prstGeom>
+        </p:spPr>
+      </p:pic>
+      <p:sp>
+        <p:nvSpPr>
+          <p:cNvPr id="12" name="TextBox 4">
+            <a:extLst>
+              <a:ext uri="{FF2B5EF4-FFF2-40B4-BE49-F238E27FC236}">
+                <a16:creationId xmlns:a16="http://schemas.microsoft.com/office/drawing/2014/main" id="{71BA053E-E136-4594-B75B-B9B532460B87}"/>
+              </a:ext>
+            </a:extLst>
+          </p:cNvPr>
+          <p:cNvSpPr txBox="1"/>
+          <p:nvPr/>
+        </p:nvSpPr>
+        <p:spPr>
+          <a:xfrm>
+            <a:off x="9144000" y="2705100"/>
+            <a:ext cx="8076237" cy="4385816"/>
+          </a:xfrm>
+          <a:prstGeom prst="rect">
+            <a:avLst/>
+          </a:prstGeom>
+        </p:spPr>
+        <p:txBody>
+          <a:bodyPr wrap="square" lIns="0" tIns="0" rIns="0" bIns="0" rtlCol="0" anchor="t">
+            <a:spAutoFit/>
+          </a:bodyPr>
+          <a:lstStyle/>
+          <a:p>
+            <a:pPr marL="721360" lvl="1" indent="-457200">
+              <a:lnSpc>
+                <a:spcPts val="3840"/>
+              </a:lnSpc>
+              <a:buFont typeface="Arial" panose="020B0604020202020204" pitchFamily="34" charset="0"/>
+              <a:buChar char="•"/>
+            </a:pPr>
+            <a:r>
+              <a:rPr lang="en-US" sz="5400" spc="160" dirty="0">
+                <a:solidFill>
+                  <a:srgbClr val="000000"/>
+                </a:solidFill>
+                <a:latin typeface="Gidole" panose="02000503000000000000" pitchFamily="50" charset="0"/>
+              </a:rPr>
+              <a:t>SharePoint</a:t>
+            </a:r>
+          </a:p>
+          <a:p>
+            <a:pPr marL="721360" lvl="1" indent="-457200">
+              <a:lnSpc>
+                <a:spcPts val="3840"/>
+              </a:lnSpc>
+              <a:buFont typeface="Arial" panose="020B0604020202020204" pitchFamily="34" charset="0"/>
+              <a:buChar char="•"/>
+            </a:pPr>
+            <a:endParaRPr lang="en-US" sz="5400" spc="160" dirty="0">
+              <a:solidFill>
+                <a:srgbClr val="000000"/>
+              </a:solidFill>
+              <a:latin typeface="Gidole" panose="02000503000000000000" pitchFamily="50" charset="0"/>
+            </a:endParaRPr>
+          </a:p>
+          <a:p>
+            <a:pPr marL="721360" lvl="1" indent="-457200">
+              <a:lnSpc>
+                <a:spcPts val="3840"/>
+              </a:lnSpc>
+              <a:buFont typeface="Arial" panose="020B0604020202020204" pitchFamily="34" charset="0"/>
+              <a:buChar char="•"/>
+            </a:pPr>
+            <a:r>
+              <a:rPr lang="en-US" sz="5400" spc="160" dirty="0">
+                <a:solidFill>
+                  <a:srgbClr val="000000"/>
+                </a:solidFill>
+                <a:latin typeface="Gidole" panose="02000503000000000000" pitchFamily="50" charset="0"/>
+              </a:rPr>
+              <a:t>Hadoop</a:t>
+            </a:r>
+          </a:p>
+          <a:p>
+            <a:pPr marL="721360" lvl="1" indent="-457200">
+              <a:lnSpc>
+                <a:spcPts val="3840"/>
+              </a:lnSpc>
+              <a:buFont typeface="Arial" panose="020B0604020202020204" pitchFamily="34" charset="0"/>
+              <a:buChar char="•"/>
+            </a:pPr>
+            <a:endParaRPr lang="en-US" sz="5400" spc="160" dirty="0">
+              <a:solidFill>
+                <a:srgbClr val="000000"/>
+              </a:solidFill>
+              <a:latin typeface="Gidole" panose="02000503000000000000" pitchFamily="50" charset="0"/>
+            </a:endParaRPr>
+          </a:p>
+          <a:p>
+            <a:pPr marL="721360" lvl="1" indent="-457200">
+              <a:lnSpc>
+                <a:spcPts val="3840"/>
+              </a:lnSpc>
+              <a:buFont typeface="Arial" panose="020B0604020202020204" pitchFamily="34" charset="0"/>
+              <a:buChar char="•"/>
+            </a:pPr>
+            <a:r>
+              <a:rPr lang="en-US" sz="5400" spc="160" dirty="0" err="1">
+                <a:solidFill>
+                  <a:srgbClr val="000000"/>
+                </a:solidFill>
+                <a:latin typeface="Gidole" panose="02000503000000000000" pitchFamily="50" charset="0"/>
+              </a:rPr>
+              <a:t>oData</a:t>
+            </a:r>
+            <a:endParaRPr lang="en-US" sz="5400" spc="160" dirty="0">
+              <a:solidFill>
+                <a:srgbClr val="000000"/>
+              </a:solidFill>
+              <a:latin typeface="Gidole" panose="02000503000000000000" pitchFamily="50" charset="0"/>
+            </a:endParaRPr>
+          </a:p>
+          <a:p>
+            <a:pPr marL="721360" lvl="1" indent="-457200">
+              <a:lnSpc>
+                <a:spcPts val="3840"/>
+              </a:lnSpc>
+              <a:buFont typeface="Arial" panose="020B0604020202020204" pitchFamily="34" charset="0"/>
+              <a:buChar char="•"/>
+            </a:pPr>
+            <a:endParaRPr lang="en-US" sz="5400" spc="160" dirty="0">
+              <a:solidFill>
+                <a:srgbClr val="000000"/>
+              </a:solidFill>
+              <a:latin typeface="Gidole" panose="02000503000000000000" pitchFamily="50" charset="0"/>
+            </a:endParaRPr>
+          </a:p>
+          <a:p>
+            <a:pPr marL="721360" lvl="1" indent="-457200">
+              <a:lnSpc>
+                <a:spcPts val="3840"/>
+              </a:lnSpc>
+              <a:buFont typeface="Arial" panose="020B0604020202020204" pitchFamily="34" charset="0"/>
+              <a:buChar char="•"/>
+            </a:pPr>
+            <a:r>
+              <a:rPr lang="en-US" sz="5400" i="1" spc="160" dirty="0">
+                <a:solidFill>
+                  <a:srgbClr val="000000"/>
+                </a:solidFill>
+                <a:latin typeface="Gidole" panose="02000503000000000000" pitchFamily="50" charset="0"/>
+              </a:rPr>
+              <a:t>Combinations of the above…</a:t>
+            </a:r>
+            <a:br>
+              <a:rPr lang="en-US" sz="4000" i="1" spc="160" dirty="0">
+                <a:solidFill>
+                  <a:srgbClr val="000000"/>
+                </a:solidFill>
+                <a:latin typeface="Gidole" panose="02000503000000000000" pitchFamily="50" charset="0"/>
+              </a:rPr>
+            </a:br>
+            <a:endParaRPr lang="en-US" sz="4000" i="1" spc="160" dirty="0">
+              <a:solidFill>
+                <a:srgbClr val="000000"/>
+              </a:solidFill>
+              <a:latin typeface="Gidole" panose="02000503000000000000" pitchFamily="50" charset="0"/>
+            </a:endParaRPr>
+          </a:p>
+        </p:txBody>
+      </p:sp>
+    </p:spTree>
+    <p:extLst>
+      <p:ext uri="{BB962C8B-B14F-4D97-AF65-F5344CB8AC3E}">
+        <p14:creationId xmlns:p14="http://schemas.microsoft.com/office/powerpoint/2010/main" val="3426836902"/>
+      </p:ext>
+    </p:extLst>
+  </p:cSld>
+  <p:clrMapOvr>
+    <a:masterClrMapping/>
+  </p:clrMapOvr>
+</p:sld>
+</file>
+
+<file path=ppt/slides/slide11.xml><?xml version="1.0" encoding="utf-8"?>
+<p:sld xmlns:a="http://schemas.openxmlformats.org/drawingml/2006/main" xmlns:r="http://schemas.openxmlformats.org/officeDocument/2006/relationships" xmlns:p="http://schemas.openxmlformats.org/presentationml/2006/main">
+  <p:cSld>
+    <p:spTree>
+      <p:nvGrpSpPr>
+        <p:cNvPr id="1" name=""/>
+        <p:cNvGrpSpPr/>
+        <p:nvPr/>
+      </p:nvGrpSpPr>
+      <p:grpSpPr>
+        <a:xfrm>
+          <a:off x="0" y="0"/>
+          <a:ext cx="0" cy="0"/>
+          <a:chOff x="0" y="0"/>
+          <a:chExt cx="0" cy="0"/>
+        </a:xfrm>
+      </p:grpSpPr>
       <p:sp>
         <p:nvSpPr>
           <p:cNvPr id="3" name="AutoShape 3"/>
@@ -5654,7 +6333,7 @@
 </p:sld>
 </file>
 
-<file path=ppt/slides/slide11.xml><?xml version="1.0" encoding="utf-8"?>
+<file path=ppt/slides/slide12.xml><?xml version="1.0" encoding="utf-8"?>
 <p:sld xmlns:a="http://schemas.openxmlformats.org/drawingml/2006/main" xmlns:r="http://schemas.openxmlformats.org/officeDocument/2006/relationships" xmlns:p="http://schemas.openxmlformats.org/presentationml/2006/main">
   <p:cSld>
     <p:spTree>
@@ -5887,7 +6566,7 @@
 </p:sld>
 </file>
 
-<file path=ppt/slides/slide12.xml><?xml version="1.0" encoding="utf-8"?>
+<file path=ppt/slides/slide13.xml><?xml version="1.0" encoding="utf-8"?>
 <p:sld xmlns:a="http://schemas.openxmlformats.org/drawingml/2006/main" xmlns:r="http://schemas.openxmlformats.org/officeDocument/2006/relationships" xmlns:p="http://schemas.openxmlformats.org/presentationml/2006/main">
   <p:cSld>
     <p:spTree>
@@ -6175,133 +6854,6 @@
 </p:sld>
 </file>
 
-<file path=ppt/slides/slide13.xml><?xml version="1.0" encoding="utf-8"?>
-<p:sld xmlns:a="http://schemas.openxmlformats.org/drawingml/2006/main" xmlns:r="http://schemas.openxmlformats.org/officeDocument/2006/relationships" xmlns:p="http://schemas.openxmlformats.org/presentationml/2006/main">
-  <p:cSld>
-    <p:spTree>
-      <p:nvGrpSpPr>
-        <p:cNvPr id="1" name=""/>
-        <p:cNvGrpSpPr/>
-        <p:nvPr/>
-      </p:nvGrpSpPr>
-      <p:grpSpPr>
-        <a:xfrm>
-          <a:off x="0" y="0"/>
-          <a:ext cx="0" cy="0"/>
-          <a:chOff x="0" y="0"/>
-          <a:chExt cx="0" cy="0"/>
-        </a:xfrm>
-      </p:grpSpPr>
-      <p:pic>
-        <p:nvPicPr>
-          <p:cNvPr id="8" name="Picture 8"/>
-          <p:cNvPicPr>
-            <a:picLocks noChangeAspect="1"/>
-          </p:cNvPicPr>
-          <p:nvPr/>
-        </p:nvPicPr>
-        <p:blipFill>
-          <a:blip r:embed="rId3"/>
-          <a:srcRect/>
-          <a:stretch>
-            <a:fillRect/>
-          </a:stretch>
-        </p:blipFill>
-        <p:spPr>
-          <a:xfrm>
-            <a:off x="16459200" y="-99077"/>
-            <a:ext cx="2005783" cy="1470490"/>
-          </a:xfrm>
-          <a:prstGeom prst="rect">
-            <a:avLst/>
-          </a:prstGeom>
-        </p:spPr>
-      </p:pic>
-      <p:sp>
-        <p:nvSpPr>
-          <p:cNvPr id="9" name="TextBox 9"/>
-          <p:cNvSpPr txBox="1"/>
-          <p:nvPr/>
-        </p:nvSpPr>
-        <p:spPr>
-          <a:xfrm>
-            <a:off x="838200" y="617118"/>
-            <a:ext cx="15631206" cy="1209818"/>
-          </a:xfrm>
-          <a:prstGeom prst="rect">
-            <a:avLst/>
-          </a:prstGeom>
-        </p:spPr>
-        <p:txBody>
-          <a:bodyPr wrap="square" lIns="0" tIns="0" rIns="0" bIns="0" rtlCol="0" anchor="t">
-            <a:spAutoFit/>
-          </a:bodyPr>
-          <a:lstStyle/>
-          <a:p>
-            <a:pPr>
-              <a:lnSpc>
-                <a:spcPts val="10080"/>
-              </a:lnSpc>
-              <a:spcBef>
-                <a:spcPct val="0"/>
-              </a:spcBef>
-            </a:pPr>
-            <a:r>
-              <a:rPr lang="en-US" sz="7200" dirty="0">
-                <a:solidFill>
-                  <a:srgbClr val="000000"/>
-                </a:solidFill>
-                <a:latin typeface="Open Sans Extra Bold"/>
-              </a:rPr>
-              <a:t>QUESTIONS?</a:t>
-            </a:r>
-          </a:p>
-        </p:txBody>
-      </p:sp>
-      <p:pic>
-        <p:nvPicPr>
-          <p:cNvPr id="5" name="Picture 6">
-            <a:extLst>
-              <a:ext uri="{FF2B5EF4-FFF2-40B4-BE49-F238E27FC236}">
-                <a16:creationId xmlns:a16="http://schemas.microsoft.com/office/drawing/2014/main" id="{01C401A0-8EBC-47CA-B2DE-F204DE6EEF54}"/>
-              </a:ext>
-            </a:extLst>
-          </p:cNvPr>
-          <p:cNvPicPr>
-            <a:picLocks noChangeAspect="1"/>
-          </p:cNvPicPr>
-          <p:nvPr/>
-        </p:nvPicPr>
-        <p:blipFill>
-          <a:blip r:embed="rId4"/>
-          <a:srcRect b="44190"/>
-          <a:stretch>
-            <a:fillRect/>
-          </a:stretch>
-        </p:blipFill>
-        <p:spPr>
-          <a:xfrm>
-            <a:off x="16095120" y="9265255"/>
-            <a:ext cx="2013122" cy="823680"/>
-          </a:xfrm>
-          <a:prstGeom prst="rect">
-            <a:avLst/>
-          </a:prstGeom>
-        </p:spPr>
-      </p:pic>
-    </p:spTree>
-    <p:extLst>
-      <p:ext uri="{BB962C8B-B14F-4D97-AF65-F5344CB8AC3E}">
-        <p14:creationId xmlns:p14="http://schemas.microsoft.com/office/powerpoint/2010/main" val="2269851195"/>
-      </p:ext>
-    </p:extLst>
-  </p:cSld>
-  <p:clrMapOvr>
-    <a:masterClrMapping/>
-  </p:clrMapOvr>
-</p:sld>
-</file>
-
 <file path=ppt/slides/slide14.xml><?xml version="1.0" encoding="utf-8"?>
 <p:sld xmlns:a="http://schemas.openxmlformats.org/drawingml/2006/main" xmlns:r="http://schemas.openxmlformats.org/officeDocument/2006/relationships" xmlns:p="http://schemas.openxmlformats.org/presentationml/2006/main">
   <p:cSld>
@@ -6380,7 +6932,7 @@
                 </a:solidFill>
                 <a:latin typeface="Open Sans Extra Bold"/>
               </a:rPr>
-              <a:t>DEMO: PROFILING DATA</a:t>
+              <a:t>QUESTIONS?</a:t>
             </a:r>
           </a:p>
         </p:txBody>
@@ -6416,97 +6968,10 @@
           </a:prstGeom>
         </p:spPr>
       </p:pic>
-      <p:sp>
-        <p:nvSpPr>
-          <p:cNvPr id="2" name="TextBox 1">
-            <a:extLst>
-              <a:ext uri="{FF2B5EF4-FFF2-40B4-BE49-F238E27FC236}">
-                <a16:creationId xmlns:a16="http://schemas.microsoft.com/office/drawing/2014/main" id="{DA7E4D39-AF17-46FE-A0C7-071D1DD526E8}"/>
-              </a:ext>
-            </a:extLst>
-          </p:cNvPr>
-          <p:cNvSpPr txBox="1"/>
-          <p:nvPr/>
-        </p:nvSpPr>
-        <p:spPr>
-          <a:xfrm>
-            <a:off x="857250" y="1943100"/>
-            <a:ext cx="12877800" cy="2554545"/>
-          </a:xfrm>
-          <a:prstGeom prst="rect">
-            <a:avLst/>
-          </a:prstGeom>
-          <a:noFill/>
-        </p:spPr>
-        <p:txBody>
-          <a:bodyPr wrap="square" rtlCol="0">
-            <a:spAutoFit/>
-          </a:bodyPr>
-          <a:lstStyle/>
-          <a:p>
-            <a:pPr marL="571500" indent="-571500">
-              <a:buFont typeface="Arial" panose="020B0604020202020204" pitchFamily="34" charset="0"/>
-              <a:buChar char="•"/>
-            </a:pPr>
-            <a:r>
-              <a:rPr lang="en-US" sz="4000" dirty="0">
-                <a:latin typeface="Gidole" panose="02000503000000000000" pitchFamily="50" charset="0"/>
-              </a:rPr>
-              <a:t>File: </a:t>
-            </a:r>
-            <a:r>
-              <a:rPr lang="en-US" sz="4000" dirty="0">
-                <a:latin typeface="Roboto Mono" pitchFamily="2" charset="0"/>
-                <a:ea typeface="Roboto Mono" pitchFamily="2" charset="0"/>
-              </a:rPr>
-              <a:t>star.xlsx</a:t>
-            </a:r>
-          </a:p>
-          <a:p>
-            <a:pPr marL="571500" indent="-571500">
-              <a:buFont typeface="Arial" panose="020B0604020202020204" pitchFamily="34" charset="0"/>
-              <a:buChar char="•"/>
-            </a:pPr>
-            <a:r>
-              <a:rPr lang="en-US" sz="4000" dirty="0">
-                <a:latin typeface="Gidole" panose="02000503000000000000" pitchFamily="50" charset="0"/>
-                <a:ea typeface="Roboto Mono" pitchFamily="2" charset="0"/>
-              </a:rPr>
-              <a:t>Load into Power Query</a:t>
-            </a:r>
-          </a:p>
-          <a:p>
-            <a:pPr marL="571500" indent="-571500">
-              <a:buFont typeface="Arial" panose="020B0604020202020204" pitchFamily="34" charset="0"/>
-              <a:buChar char="•"/>
-            </a:pPr>
-            <a:r>
-              <a:rPr lang="en-US" sz="4000" dirty="0">
-                <a:latin typeface="Gidole" panose="02000503000000000000" pitchFamily="50" charset="0"/>
-                <a:ea typeface="Roboto Mono" pitchFamily="2" charset="0"/>
-              </a:rPr>
-              <a:t>Explore via Data Preview</a:t>
-            </a:r>
-          </a:p>
-          <a:p>
-            <a:pPr marL="571500" indent="-571500">
-              <a:buFont typeface="Arial" panose="020B0604020202020204" pitchFamily="34" charset="0"/>
-              <a:buChar char="•"/>
-            </a:pPr>
-            <a:r>
-              <a:rPr lang="en-US" sz="4000" i="1" dirty="0">
-                <a:latin typeface="Gidole" panose="02000503000000000000" pitchFamily="50" charset="0"/>
-                <a:ea typeface="Roboto Mono" pitchFamily="2" charset="0"/>
-              </a:rPr>
-              <a:t>Refer to demo notes</a:t>
-            </a:r>
-          </a:p>
-        </p:txBody>
-      </p:sp>
     </p:spTree>
     <p:extLst>
       <p:ext uri="{BB962C8B-B14F-4D97-AF65-F5344CB8AC3E}">
-        <p14:creationId xmlns:p14="http://schemas.microsoft.com/office/powerpoint/2010/main" val="1901009749"/>
+        <p14:creationId xmlns:p14="http://schemas.microsoft.com/office/powerpoint/2010/main" val="2269851195"/>
       </p:ext>
     </p:extLst>
   </p:cSld>
@@ -6594,6 +7059,220 @@
                 </a:solidFill>
                 <a:latin typeface="Open Sans Extra Bold"/>
               </a:rPr>
+              <a:t>DEMO: PROFILING DATA</a:t>
+            </a:r>
+          </a:p>
+        </p:txBody>
+      </p:sp>
+      <p:pic>
+        <p:nvPicPr>
+          <p:cNvPr id="5" name="Picture 6">
+            <a:extLst>
+              <a:ext uri="{FF2B5EF4-FFF2-40B4-BE49-F238E27FC236}">
+                <a16:creationId xmlns:a16="http://schemas.microsoft.com/office/drawing/2014/main" id="{01C401A0-8EBC-47CA-B2DE-F204DE6EEF54}"/>
+              </a:ext>
+            </a:extLst>
+          </p:cNvPr>
+          <p:cNvPicPr>
+            <a:picLocks noChangeAspect="1"/>
+          </p:cNvPicPr>
+          <p:nvPr/>
+        </p:nvPicPr>
+        <p:blipFill>
+          <a:blip r:embed="rId4"/>
+          <a:srcRect b="44190"/>
+          <a:stretch>
+            <a:fillRect/>
+          </a:stretch>
+        </p:blipFill>
+        <p:spPr>
+          <a:xfrm>
+            <a:off x="16095120" y="9265255"/>
+            <a:ext cx="2013122" cy="823680"/>
+          </a:xfrm>
+          <a:prstGeom prst="rect">
+            <a:avLst/>
+          </a:prstGeom>
+        </p:spPr>
+      </p:pic>
+      <p:sp>
+        <p:nvSpPr>
+          <p:cNvPr id="2" name="TextBox 1">
+            <a:extLst>
+              <a:ext uri="{FF2B5EF4-FFF2-40B4-BE49-F238E27FC236}">
+                <a16:creationId xmlns:a16="http://schemas.microsoft.com/office/drawing/2014/main" id="{DA7E4D39-AF17-46FE-A0C7-071D1DD526E8}"/>
+              </a:ext>
+            </a:extLst>
+          </p:cNvPr>
+          <p:cNvSpPr txBox="1"/>
+          <p:nvPr/>
+        </p:nvSpPr>
+        <p:spPr>
+          <a:xfrm>
+            <a:off x="857250" y="1943100"/>
+            <a:ext cx="12877800" cy="2554545"/>
+          </a:xfrm>
+          <a:prstGeom prst="rect">
+            <a:avLst/>
+          </a:prstGeom>
+          <a:noFill/>
+        </p:spPr>
+        <p:txBody>
+          <a:bodyPr wrap="square" rtlCol="0">
+            <a:spAutoFit/>
+          </a:bodyPr>
+          <a:lstStyle/>
+          <a:p>
+            <a:pPr marL="571500" indent="-571500">
+              <a:buFont typeface="Arial" panose="020B0604020202020204" pitchFamily="34" charset="0"/>
+              <a:buChar char="•"/>
+            </a:pPr>
+            <a:r>
+              <a:rPr lang="en-US" sz="4000" dirty="0">
+                <a:latin typeface="Gidole" panose="02000503000000000000" pitchFamily="50" charset="0"/>
+              </a:rPr>
+              <a:t>File: </a:t>
+            </a:r>
+            <a:r>
+              <a:rPr lang="en-US" sz="4000" dirty="0">
+                <a:latin typeface="Roboto Mono" pitchFamily="2" charset="0"/>
+                <a:ea typeface="Roboto Mono" pitchFamily="2" charset="0"/>
+              </a:rPr>
+              <a:t>star.xlsx</a:t>
+            </a:r>
+          </a:p>
+          <a:p>
+            <a:pPr marL="571500" indent="-571500">
+              <a:buFont typeface="Arial" panose="020B0604020202020204" pitchFamily="34" charset="0"/>
+              <a:buChar char="•"/>
+            </a:pPr>
+            <a:r>
+              <a:rPr lang="en-US" sz="4000" dirty="0">
+                <a:latin typeface="Gidole" panose="02000503000000000000" pitchFamily="50" charset="0"/>
+                <a:ea typeface="Roboto Mono" pitchFamily="2" charset="0"/>
+              </a:rPr>
+              <a:t>Load into Power Query</a:t>
+            </a:r>
+          </a:p>
+          <a:p>
+            <a:pPr marL="571500" indent="-571500">
+              <a:buFont typeface="Arial" panose="020B0604020202020204" pitchFamily="34" charset="0"/>
+              <a:buChar char="•"/>
+            </a:pPr>
+            <a:r>
+              <a:rPr lang="en-US" sz="4000" dirty="0">
+                <a:latin typeface="Gidole" panose="02000503000000000000" pitchFamily="50" charset="0"/>
+                <a:ea typeface="Roboto Mono" pitchFamily="2" charset="0"/>
+              </a:rPr>
+              <a:t>Explore via Data Preview</a:t>
+            </a:r>
+          </a:p>
+          <a:p>
+            <a:pPr marL="571500" indent="-571500">
+              <a:buFont typeface="Arial" panose="020B0604020202020204" pitchFamily="34" charset="0"/>
+              <a:buChar char="•"/>
+            </a:pPr>
+            <a:r>
+              <a:rPr lang="en-US" sz="4000" i="1" dirty="0">
+                <a:latin typeface="Gidole" panose="02000503000000000000" pitchFamily="50" charset="0"/>
+                <a:ea typeface="Roboto Mono" pitchFamily="2" charset="0"/>
+              </a:rPr>
+              <a:t>Refer to demo notes</a:t>
+            </a:r>
+          </a:p>
+        </p:txBody>
+      </p:sp>
+    </p:spTree>
+    <p:extLst>
+      <p:ext uri="{BB962C8B-B14F-4D97-AF65-F5344CB8AC3E}">
+        <p14:creationId xmlns:p14="http://schemas.microsoft.com/office/powerpoint/2010/main" val="1901009749"/>
+      </p:ext>
+    </p:extLst>
+  </p:cSld>
+  <p:clrMapOvr>
+    <a:masterClrMapping/>
+  </p:clrMapOvr>
+</p:sld>
+</file>
+
+<file path=ppt/slides/slide16.xml><?xml version="1.0" encoding="utf-8"?>
+<p:sld xmlns:a="http://schemas.openxmlformats.org/drawingml/2006/main" xmlns:r="http://schemas.openxmlformats.org/officeDocument/2006/relationships" xmlns:p="http://schemas.openxmlformats.org/presentationml/2006/main">
+  <p:cSld>
+    <p:spTree>
+      <p:nvGrpSpPr>
+        <p:cNvPr id="1" name=""/>
+        <p:cNvGrpSpPr/>
+        <p:nvPr/>
+      </p:nvGrpSpPr>
+      <p:grpSpPr>
+        <a:xfrm>
+          <a:off x="0" y="0"/>
+          <a:ext cx="0" cy="0"/>
+          <a:chOff x="0" y="0"/>
+          <a:chExt cx="0" cy="0"/>
+        </a:xfrm>
+      </p:grpSpPr>
+      <p:pic>
+        <p:nvPicPr>
+          <p:cNvPr id="8" name="Picture 8"/>
+          <p:cNvPicPr>
+            <a:picLocks noChangeAspect="1"/>
+          </p:cNvPicPr>
+          <p:nvPr/>
+        </p:nvPicPr>
+        <p:blipFill>
+          <a:blip r:embed="rId3"/>
+          <a:srcRect/>
+          <a:stretch>
+            <a:fillRect/>
+          </a:stretch>
+        </p:blipFill>
+        <p:spPr>
+          <a:xfrm>
+            <a:off x="16459200" y="-99077"/>
+            <a:ext cx="2005783" cy="1470490"/>
+          </a:xfrm>
+          <a:prstGeom prst="rect">
+            <a:avLst/>
+          </a:prstGeom>
+        </p:spPr>
+      </p:pic>
+      <p:sp>
+        <p:nvSpPr>
+          <p:cNvPr id="9" name="TextBox 9"/>
+          <p:cNvSpPr txBox="1"/>
+          <p:nvPr/>
+        </p:nvSpPr>
+        <p:spPr>
+          <a:xfrm>
+            <a:off x="838200" y="617118"/>
+            <a:ext cx="15631206" cy="1209818"/>
+          </a:xfrm>
+          <a:prstGeom prst="rect">
+            <a:avLst/>
+          </a:prstGeom>
+        </p:spPr>
+        <p:txBody>
+          <a:bodyPr wrap="square" lIns="0" tIns="0" rIns="0" bIns="0" rtlCol="0" anchor="t">
+            <a:spAutoFit/>
+          </a:bodyPr>
+          <a:lstStyle/>
+          <a:p>
+            <a:pPr>
+              <a:lnSpc>
+                <a:spcPts val="10080"/>
+              </a:lnSpc>
+              <a:spcBef>
+                <a:spcPct val="0"/>
+              </a:spcBef>
+            </a:pPr>
+            <a:r>
+              <a:rPr lang="en-US" sz="7200" dirty="0">
+                <a:solidFill>
+                  <a:srgbClr val="000000"/>
+                </a:solidFill>
+                <a:latin typeface="Open Sans Extra Bold"/>
+              </a:rPr>
               <a:t>DEMO: MANIPULATING ROWS</a:t>
             </a:r>
           </a:p>
@@ -6691,7 +7370,7 @@
 </p:sld>
 </file>
 
-<file path=ppt/slides/slide16.xml><?xml version="1.0" encoding="utf-8"?>
+<file path=ppt/slides/slide17.xml><?xml version="1.0" encoding="utf-8"?>
 <p:sld xmlns:a="http://schemas.openxmlformats.org/drawingml/2006/main" xmlns:r="http://schemas.openxmlformats.org/officeDocument/2006/relationships" xmlns:p="http://schemas.openxmlformats.org/presentationml/2006/main">
   <p:cSld>
     <p:spTree>
@@ -7008,7 +7687,7 @@
 </p:sld>
 </file>
 
-<file path=ppt/slides/slide17.xml><?xml version="1.0" encoding="utf-8"?>
+<file path=ppt/slides/slide18.xml><?xml version="1.0" encoding="utf-8"?>
 <p:sld xmlns:a="http://schemas.openxmlformats.org/drawingml/2006/main" xmlns:r="http://schemas.openxmlformats.org/officeDocument/2006/relationships" xmlns:p="http://schemas.openxmlformats.org/presentationml/2006/main">
   <p:cSld>
     <p:spTree>
@@ -7365,7 +8044,7 @@
 </p:sld>
 </file>
 
-<file path=ppt/slides/slide18.xml><?xml version="1.0" encoding="utf-8"?>
+<file path=ppt/slides/slide19.xml><?xml version="1.0" encoding="utf-8"?>
 <p:sld xmlns:a="http://schemas.openxmlformats.org/drawingml/2006/main" xmlns:r="http://schemas.openxmlformats.org/officeDocument/2006/relationships" xmlns:p="http://schemas.openxmlformats.org/presentationml/2006/main">
   <p:cSld>
     <p:bg>
@@ -7921,212 +8600,6 @@
 </p:sld>
 </file>
 
-<file path=ppt/slides/slide19.xml><?xml version="1.0" encoding="utf-8"?>
-<p:sld xmlns:a="http://schemas.openxmlformats.org/drawingml/2006/main" xmlns:r="http://schemas.openxmlformats.org/officeDocument/2006/relationships" xmlns:p="http://schemas.openxmlformats.org/presentationml/2006/main">
-  <p:cSld>
-    <p:spTree>
-      <p:nvGrpSpPr>
-        <p:cNvPr id="1" name=""/>
-        <p:cNvGrpSpPr/>
-        <p:nvPr/>
-      </p:nvGrpSpPr>
-      <p:grpSpPr>
-        <a:xfrm>
-          <a:off x="0" y="0"/>
-          <a:ext cx="0" cy="0"/>
-          <a:chOff x="0" y="0"/>
-          <a:chExt cx="0" cy="0"/>
-        </a:xfrm>
-      </p:grpSpPr>
-      <p:pic>
-        <p:nvPicPr>
-          <p:cNvPr id="8" name="Picture 8"/>
-          <p:cNvPicPr>
-            <a:picLocks noChangeAspect="1"/>
-          </p:cNvPicPr>
-          <p:nvPr/>
-        </p:nvPicPr>
-        <p:blipFill>
-          <a:blip r:embed="rId3"/>
-          <a:srcRect/>
-          <a:stretch>
-            <a:fillRect/>
-          </a:stretch>
-        </p:blipFill>
-        <p:spPr>
-          <a:xfrm>
-            <a:off x="16459200" y="-99077"/>
-            <a:ext cx="2005783" cy="1470490"/>
-          </a:xfrm>
-          <a:prstGeom prst="rect">
-            <a:avLst/>
-          </a:prstGeom>
-        </p:spPr>
-      </p:pic>
-      <p:sp>
-        <p:nvSpPr>
-          <p:cNvPr id="9" name="TextBox 9"/>
-          <p:cNvSpPr txBox="1"/>
-          <p:nvPr/>
-        </p:nvSpPr>
-        <p:spPr>
-          <a:xfrm>
-            <a:off x="838200" y="617118"/>
-            <a:ext cx="15631206" cy="1209818"/>
-          </a:xfrm>
-          <a:prstGeom prst="rect">
-            <a:avLst/>
-          </a:prstGeom>
-        </p:spPr>
-        <p:txBody>
-          <a:bodyPr wrap="square" lIns="0" tIns="0" rIns="0" bIns="0" rtlCol="0" anchor="t">
-            <a:spAutoFit/>
-          </a:bodyPr>
-          <a:lstStyle/>
-          <a:p>
-            <a:pPr>
-              <a:lnSpc>
-                <a:spcPts val="10080"/>
-              </a:lnSpc>
-              <a:spcBef>
-                <a:spcPct val="0"/>
-              </a:spcBef>
-            </a:pPr>
-            <a:r>
-              <a:rPr lang="en-US" sz="7200" dirty="0">
-                <a:solidFill>
-                  <a:srgbClr val="000000"/>
-                </a:solidFill>
-                <a:latin typeface="Open Sans Extra Bold"/>
-              </a:rPr>
-              <a:t>QUESTIONS?</a:t>
-            </a:r>
-          </a:p>
-        </p:txBody>
-      </p:sp>
-      <p:pic>
-        <p:nvPicPr>
-          <p:cNvPr id="5" name="Picture 6">
-            <a:extLst>
-              <a:ext uri="{FF2B5EF4-FFF2-40B4-BE49-F238E27FC236}">
-                <a16:creationId xmlns:a16="http://schemas.microsoft.com/office/drawing/2014/main" id="{01C401A0-8EBC-47CA-B2DE-F204DE6EEF54}"/>
-              </a:ext>
-            </a:extLst>
-          </p:cNvPr>
-          <p:cNvPicPr>
-            <a:picLocks noChangeAspect="1"/>
-          </p:cNvPicPr>
-          <p:nvPr/>
-        </p:nvPicPr>
-        <p:blipFill>
-          <a:blip r:embed="rId4"/>
-          <a:srcRect b="44190"/>
-          <a:stretch>
-            <a:fillRect/>
-          </a:stretch>
-        </p:blipFill>
-        <p:spPr>
-          <a:xfrm>
-            <a:off x="16095120" y="9265255"/>
-            <a:ext cx="2013122" cy="823680"/>
-          </a:xfrm>
-          <a:prstGeom prst="rect">
-            <a:avLst/>
-          </a:prstGeom>
-        </p:spPr>
-      </p:pic>
-      <p:sp>
-        <p:nvSpPr>
-          <p:cNvPr id="6" name="TextBox 5">
-            <a:extLst>
-              <a:ext uri="{FF2B5EF4-FFF2-40B4-BE49-F238E27FC236}">
-                <a16:creationId xmlns:a16="http://schemas.microsoft.com/office/drawing/2014/main" id="{B72B56F1-579F-4CEC-BF86-0455EEB5C6F1}"/>
-              </a:ext>
-            </a:extLst>
-          </p:cNvPr>
-          <p:cNvSpPr txBox="1"/>
-          <p:nvPr/>
-        </p:nvSpPr>
-        <p:spPr>
-          <a:xfrm>
-            <a:off x="857250" y="1943100"/>
-            <a:ext cx="12877800" cy="3785652"/>
-          </a:xfrm>
-          <a:prstGeom prst="rect">
-            <a:avLst/>
-          </a:prstGeom>
-          <a:noFill/>
-        </p:spPr>
-        <p:txBody>
-          <a:bodyPr wrap="square" rtlCol="0">
-            <a:spAutoFit/>
-          </a:bodyPr>
-          <a:lstStyle/>
-          <a:p>
-            <a:r>
-              <a:rPr lang="en-US" sz="4000" dirty="0">
-                <a:latin typeface="Gidole" panose="02000503000000000000" pitchFamily="2" charset="0"/>
-                <a:ea typeface="Roboto Mono" pitchFamily="2" charset="0"/>
-              </a:rPr>
-              <a:t>Thanks for joining! </a:t>
-            </a:r>
-          </a:p>
-          <a:p>
-            <a:endParaRPr lang="en-US" sz="4000" dirty="0">
-              <a:latin typeface="Gidole" panose="02000503000000000000" pitchFamily="2" charset="0"/>
-              <a:ea typeface="Roboto Mono" pitchFamily="2" charset="0"/>
-            </a:endParaRPr>
-          </a:p>
-          <a:p>
-            <a:r>
-              <a:rPr lang="en-US" sz="4000" dirty="0">
-                <a:latin typeface="Gidole" panose="02000503000000000000" pitchFamily="2" charset="0"/>
-                <a:ea typeface="Roboto Mono" pitchFamily="2" charset="0"/>
-              </a:rPr>
-              <a:t>A recap email with recording, survey and more will be coming…</a:t>
-            </a:r>
-          </a:p>
-          <a:p>
-            <a:endParaRPr lang="en-US" sz="4000" dirty="0">
-              <a:latin typeface="Gidole" panose="02000503000000000000" pitchFamily="2" charset="0"/>
-              <a:ea typeface="Roboto Mono" pitchFamily="2" charset="0"/>
-            </a:endParaRPr>
-          </a:p>
-          <a:p>
-            <a:r>
-              <a:rPr lang="en-US" sz="4000" dirty="0">
-                <a:latin typeface="Gidole" panose="02000503000000000000" pitchFamily="2" charset="0"/>
-                <a:ea typeface="Roboto Mono" pitchFamily="2" charset="0"/>
-              </a:rPr>
-              <a:t>The recording stays up </a:t>
-            </a:r>
-            <a:r>
-              <a:rPr lang="en-US" sz="4000">
-                <a:latin typeface="Gidole" panose="02000503000000000000" pitchFamily="2" charset="0"/>
-                <a:ea typeface="Roboto Mono" pitchFamily="2" charset="0"/>
-              </a:rPr>
-              <a:t>for seven days!</a:t>
-            </a:r>
-            <a:endParaRPr lang="en-US" sz="4000" dirty="0">
-              <a:latin typeface="Gidole" panose="02000503000000000000" pitchFamily="2" charset="0"/>
-              <a:ea typeface="Roboto Mono" pitchFamily="2" charset="0"/>
-            </a:endParaRPr>
-          </a:p>
-        </p:txBody>
-      </p:sp>
-    </p:spTree>
-    <p:extLst>
-      <p:ext uri="{BB962C8B-B14F-4D97-AF65-F5344CB8AC3E}">
-        <p14:creationId xmlns:p14="http://schemas.microsoft.com/office/powerpoint/2010/main" val="3032095955"/>
-      </p:ext>
-    </p:extLst>
-  </p:cSld>
-  <p:clrMapOvr>
-    <a:masterClrMapping/>
-  </p:clrMapOvr>
-</p:sld>
-</file>
-
 <file path=ppt/slides/slide2.xml><?xml version="1.0" encoding="utf-8"?>
 <p:sld xmlns:a="http://schemas.openxmlformats.org/drawingml/2006/main" xmlns:r="http://schemas.openxmlformats.org/officeDocument/2006/relationships" xmlns:p="http://schemas.openxmlformats.org/presentationml/2006/main">
   <p:cSld>
@@ -8301,14 +8774,14 @@
         <p:spPr>
           <a:xfrm>
             <a:off x="1028700" y="1028700"/>
-            <a:ext cx="7567947" cy="1154162"/>
+            <a:ext cx="9105900" cy="1154162"/>
           </a:xfrm>
           <a:prstGeom prst="rect">
             <a:avLst/>
           </a:prstGeom>
         </p:spPr>
         <p:txBody>
-          <a:bodyPr lIns="0" tIns="0" rIns="0" bIns="0" rtlCol="0" anchor="t">
+          <a:bodyPr wrap="square" lIns="0" tIns="0" rIns="0" bIns="0" rtlCol="0" anchor="t">
             <a:spAutoFit/>
           </a:bodyPr>
           <a:lstStyle/>
@@ -8325,7 +8798,7 @@
                 </a:solidFill>
                 <a:latin typeface="League Spartan Bold"/>
               </a:rPr>
-              <a:t>OBJECTIVES</a:t>
+              <a:t>HI, I’M GEORGE</a:t>
             </a:r>
           </a:p>
         </p:txBody>
@@ -8368,20 +8841,211 @@
           </a:p>
         </p:txBody>
       </p:sp>
-      <p:sp>
-        <p:nvSpPr>
-          <p:cNvPr id="10" name="TextBox 10"/>
-          <p:cNvSpPr txBox="1"/>
-          <p:nvPr/>
-        </p:nvSpPr>
-        <p:spPr>
-          <a:xfrm>
-            <a:off x="2819400" y="2400300"/>
-            <a:ext cx="9243139" cy="7279493"/>
+      <p:pic>
+        <p:nvPicPr>
+          <p:cNvPr id="1026" name="Picture 2" descr="Stringfest Analytics main logo">
+            <a:extLst>
+              <a:ext uri="{FF2B5EF4-FFF2-40B4-BE49-F238E27FC236}">
+                <a16:creationId xmlns:a16="http://schemas.microsoft.com/office/drawing/2014/main" id="{91E3DBD0-9F19-4DA0-9F7B-706217532F3D}"/>
+              </a:ext>
+            </a:extLst>
+          </p:cNvPr>
+          <p:cNvPicPr>
+            <a:picLocks noChangeAspect="1" noChangeArrowheads="1"/>
+          </p:cNvPicPr>
+          <p:nvPr/>
+        </p:nvPicPr>
+        <p:blipFill>
+          <a:blip r:embed="rId4">
+            <a:extLst>
+              <a:ext uri="{28A0092B-C50C-407E-A947-70E740481C1C}">
+                <a14:useLocalDpi xmlns:a14="http://schemas.microsoft.com/office/drawing/2010/main" val="0"/>
+              </a:ext>
+            </a:extLst>
+          </a:blip>
+          <a:srcRect/>
+          <a:stretch>
+            <a:fillRect/>
+          </a:stretch>
+        </p:blipFill>
+        <p:spPr bwMode="auto">
+          <a:xfrm>
+            <a:off x="5581650" y="6302842"/>
+            <a:ext cx="5733655" cy="4205054"/>
           </a:xfrm>
           <a:prstGeom prst="rect">
             <a:avLst/>
           </a:prstGeom>
+          <a:noFill/>
+          <a:extLst>
+            <a:ext uri="{909E8E84-426E-40DD-AFC4-6F175D3DCCD1}">
+              <a14:hiddenFill xmlns:a14="http://schemas.microsoft.com/office/drawing/2010/main">
+                <a:solidFill>
+                  <a:srgbClr val="FFFFFF"/>
+                </a:solidFill>
+              </a14:hiddenFill>
+            </a:ext>
+          </a:extLst>
+        </p:spPr>
+      </p:pic>
+      <p:pic>
+        <p:nvPicPr>
+          <p:cNvPr id="1028" name="Picture 4" descr="Advancing into Analytics Cover Image">
+            <a:extLst>
+              <a:ext uri="{FF2B5EF4-FFF2-40B4-BE49-F238E27FC236}">
+                <a16:creationId xmlns:a16="http://schemas.microsoft.com/office/drawing/2014/main" id="{4CA8B8A9-7FAE-4585-84F4-FB5AE1188654}"/>
+              </a:ext>
+            </a:extLst>
+          </p:cNvPr>
+          <p:cNvPicPr>
+            <a:picLocks noChangeAspect="1" noChangeArrowheads="1"/>
+          </p:cNvPicPr>
+          <p:nvPr/>
+        </p:nvPicPr>
+        <p:blipFill>
+          <a:blip r:embed="rId5" cstate="print">
+            <a:extLst>
+              <a:ext uri="{28A0092B-C50C-407E-A947-70E740481C1C}">
+                <a14:useLocalDpi xmlns:a14="http://schemas.microsoft.com/office/drawing/2010/main" val="0"/>
+              </a:ext>
+            </a:extLst>
+          </a:blip>
+          <a:srcRect/>
+          <a:stretch>
+            <a:fillRect/>
+          </a:stretch>
+        </p:blipFill>
+        <p:spPr bwMode="auto">
+          <a:xfrm>
+            <a:off x="10697860" y="2721308"/>
+            <a:ext cx="3010084" cy="3931538"/>
+          </a:xfrm>
+          <a:prstGeom prst="rect">
+            <a:avLst/>
+          </a:prstGeom>
+          <a:noFill/>
+          <a:extLst>
+            <a:ext uri="{909E8E84-426E-40DD-AFC4-6F175D3DCCD1}">
+              <a14:hiddenFill xmlns:a14="http://schemas.microsoft.com/office/drawing/2010/main">
+                <a:solidFill>
+                  <a:srgbClr val="FFFFFF"/>
+                </a:solidFill>
+              </a14:hiddenFill>
+            </a:ext>
+          </a:extLst>
+        </p:spPr>
+      </p:pic>
+      <p:pic>
+        <p:nvPicPr>
+          <p:cNvPr id="1030" name="Picture 6" descr="Free photos of Cleveland">
+            <a:extLst>
+              <a:ext uri="{FF2B5EF4-FFF2-40B4-BE49-F238E27FC236}">
+                <a16:creationId xmlns:a16="http://schemas.microsoft.com/office/drawing/2014/main" id="{84DDC70F-AE5C-4A4D-B6B2-116E4B5D0A8D}"/>
+              </a:ext>
+            </a:extLst>
+          </p:cNvPr>
+          <p:cNvPicPr>
+            <a:picLocks noChangeAspect="1" noChangeArrowheads="1"/>
+          </p:cNvPicPr>
+          <p:nvPr/>
+        </p:nvPicPr>
+        <p:blipFill>
+          <a:blip r:embed="rId6">
+            <a:extLst>
+              <a:ext uri="{28A0092B-C50C-407E-A947-70E740481C1C}">
+                <a14:useLocalDpi xmlns:a14="http://schemas.microsoft.com/office/drawing/2010/main" val="0"/>
+              </a:ext>
+            </a:extLst>
+          </a:blip>
+          <a:srcRect/>
+          <a:stretch>
+            <a:fillRect/>
+          </a:stretch>
+        </p:blipFill>
+        <p:spPr bwMode="auto">
+          <a:xfrm>
+            <a:off x="2027323" y="2721307"/>
+            <a:ext cx="5673334" cy="3776313"/>
+          </a:xfrm>
+          <a:prstGeom prst="rect">
+            <a:avLst/>
+          </a:prstGeom>
+          <a:noFill/>
+          <a:extLst>
+            <a:ext uri="{909E8E84-426E-40DD-AFC4-6F175D3DCCD1}">
+              <a14:hiddenFill xmlns:a14="http://schemas.microsoft.com/office/drawing/2010/main">
+                <a:solidFill>
+                  <a:srgbClr val="FFFFFF"/>
+                </a:solidFill>
+              </a14:hiddenFill>
+            </a:ext>
+          </a:extLst>
+        </p:spPr>
+      </p:pic>
+    </p:spTree>
+  </p:cSld>
+  <p:clrMapOvr>
+    <a:masterClrMapping/>
+  </p:clrMapOvr>
+</p:sld>
+</file>
+
+<file path=ppt/slides/slide20.xml><?xml version="1.0" encoding="utf-8"?>
+<p:sld xmlns:a="http://schemas.openxmlformats.org/drawingml/2006/main" xmlns:r="http://schemas.openxmlformats.org/officeDocument/2006/relationships" xmlns:p="http://schemas.openxmlformats.org/presentationml/2006/main">
+  <p:cSld>
+    <p:spTree>
+      <p:nvGrpSpPr>
+        <p:cNvPr id="1" name=""/>
+        <p:cNvGrpSpPr/>
+        <p:nvPr/>
+      </p:nvGrpSpPr>
+      <p:grpSpPr>
+        <a:xfrm>
+          <a:off x="0" y="0"/>
+          <a:ext cx="0" cy="0"/>
+          <a:chOff x="0" y="0"/>
+          <a:chExt cx="0" cy="0"/>
+        </a:xfrm>
+      </p:grpSpPr>
+      <p:pic>
+        <p:nvPicPr>
+          <p:cNvPr id="8" name="Picture 8"/>
+          <p:cNvPicPr>
+            <a:picLocks noChangeAspect="1"/>
+          </p:cNvPicPr>
+          <p:nvPr/>
+        </p:nvPicPr>
+        <p:blipFill>
+          <a:blip r:embed="rId3"/>
+          <a:srcRect/>
+          <a:stretch>
+            <a:fillRect/>
+          </a:stretch>
+        </p:blipFill>
+        <p:spPr>
+          <a:xfrm>
+            <a:off x="16459200" y="-99077"/>
+            <a:ext cx="2005783" cy="1470490"/>
+          </a:xfrm>
+          <a:prstGeom prst="rect">
+            <a:avLst/>
+          </a:prstGeom>
+        </p:spPr>
+      </p:pic>
+      <p:sp>
+        <p:nvSpPr>
+          <p:cNvPr id="9" name="TextBox 9"/>
+          <p:cNvSpPr txBox="1"/>
+          <p:nvPr/>
+        </p:nvSpPr>
+        <p:spPr>
+          <a:xfrm>
+            <a:off x="838200" y="617118"/>
+            <a:ext cx="15631206" cy="1209818"/>
+          </a:xfrm>
+          <a:prstGeom prst="rect">
+            <a:avLst/>
+          </a:prstGeom>
         </p:spPr>
         <p:txBody>
           <a:bodyPr wrap="square" lIns="0" tIns="0" rIns="0" bIns="0" rtlCol="0" anchor="t">
@@ -8389,168 +9053,422 @@
           </a:bodyPr>
           <a:lstStyle/>
           <a:p>
-            <a:pPr marL="457200" indent="-457200">
+            <a:pPr>
               <a:lnSpc>
-                <a:spcPts val="3750"/>
+                <a:spcPts val="10080"/>
               </a:lnSpc>
-              <a:buFont typeface="Arial" panose="020B0604020202020204" pitchFamily="34" charset="0"/>
-              <a:buChar char="•"/>
+              <a:spcBef>
+                <a:spcPct val="0"/>
+              </a:spcBef>
             </a:pPr>
             <a:r>
-              <a:rPr lang="en-US" sz="3000" spc="30" dirty="0">
+              <a:rPr lang="en-US" sz="7200" dirty="0">
                 <a:solidFill>
                   <a:srgbClr val="000000"/>
                 </a:solidFill>
-                <a:latin typeface="Gidole"/>
+                <a:latin typeface="Open Sans Extra Bold"/>
               </a:rPr>
-              <a:t>How tables serve as the "missing link" between Excel and Power Query</a:t>
-            </a:r>
-            <a:br>
-              <a:rPr lang="en-US" sz="3000" spc="30" dirty="0">
+              <a:t>QUESTIONS?</a:t>
+            </a:r>
+          </a:p>
+        </p:txBody>
+      </p:sp>
+      <p:pic>
+        <p:nvPicPr>
+          <p:cNvPr id="5" name="Picture 6">
+            <a:extLst>
+              <a:ext uri="{FF2B5EF4-FFF2-40B4-BE49-F238E27FC236}">
+                <a16:creationId xmlns:a16="http://schemas.microsoft.com/office/drawing/2014/main" id="{01C401A0-8EBC-47CA-B2DE-F204DE6EEF54}"/>
+              </a:ext>
+            </a:extLst>
+          </p:cNvPr>
+          <p:cNvPicPr>
+            <a:picLocks noChangeAspect="1"/>
+          </p:cNvPicPr>
+          <p:nvPr/>
+        </p:nvPicPr>
+        <p:blipFill>
+          <a:blip r:embed="rId4"/>
+          <a:srcRect b="44190"/>
+          <a:stretch>
+            <a:fillRect/>
+          </a:stretch>
+        </p:blipFill>
+        <p:spPr>
+          <a:xfrm>
+            <a:off x="16095120" y="9265255"/>
+            <a:ext cx="2013122" cy="823680"/>
+          </a:xfrm>
+          <a:prstGeom prst="rect">
+            <a:avLst/>
+          </a:prstGeom>
+        </p:spPr>
+      </p:pic>
+      <p:sp>
+        <p:nvSpPr>
+          <p:cNvPr id="6" name="TextBox 5">
+            <a:extLst>
+              <a:ext uri="{FF2B5EF4-FFF2-40B4-BE49-F238E27FC236}">
+                <a16:creationId xmlns:a16="http://schemas.microsoft.com/office/drawing/2014/main" id="{B72B56F1-579F-4CEC-BF86-0455EEB5C6F1}"/>
+              </a:ext>
+            </a:extLst>
+          </p:cNvPr>
+          <p:cNvSpPr txBox="1"/>
+          <p:nvPr/>
+        </p:nvSpPr>
+        <p:spPr>
+          <a:xfrm>
+            <a:off x="857250" y="1943100"/>
+            <a:ext cx="12877800" cy="3785652"/>
+          </a:xfrm>
+          <a:prstGeom prst="rect">
+            <a:avLst/>
+          </a:prstGeom>
+          <a:noFill/>
+        </p:spPr>
+        <p:txBody>
+          <a:bodyPr wrap="square" rtlCol="0">
+            <a:spAutoFit/>
+          </a:bodyPr>
+          <a:lstStyle/>
+          <a:p>
+            <a:r>
+              <a:rPr lang="en-US" sz="4000" dirty="0">
+                <a:latin typeface="Gidole" panose="02000503000000000000" pitchFamily="2" charset="0"/>
+                <a:ea typeface="Roboto Mono" pitchFamily="2" charset="0"/>
+              </a:rPr>
+              <a:t>Thanks for joining! </a:t>
+            </a:r>
+          </a:p>
+          <a:p>
+            <a:endParaRPr lang="en-US" sz="4000" dirty="0">
+              <a:latin typeface="Gidole" panose="02000503000000000000" pitchFamily="2" charset="0"/>
+              <a:ea typeface="Roboto Mono" pitchFamily="2" charset="0"/>
+            </a:endParaRPr>
+          </a:p>
+          <a:p>
+            <a:r>
+              <a:rPr lang="en-US" sz="4000" dirty="0">
+                <a:latin typeface="Gidole" panose="02000503000000000000" pitchFamily="2" charset="0"/>
+                <a:ea typeface="Roboto Mono" pitchFamily="2" charset="0"/>
+              </a:rPr>
+              <a:t>A recap email with recording, survey and more will be coming…</a:t>
+            </a:r>
+          </a:p>
+          <a:p>
+            <a:endParaRPr lang="en-US" sz="4000" dirty="0">
+              <a:latin typeface="Gidole" panose="02000503000000000000" pitchFamily="2" charset="0"/>
+              <a:ea typeface="Roboto Mono" pitchFamily="2" charset="0"/>
+            </a:endParaRPr>
+          </a:p>
+          <a:p>
+            <a:r>
+              <a:rPr lang="en-US" sz="4000" dirty="0">
+                <a:latin typeface="Gidole" panose="02000503000000000000" pitchFamily="2" charset="0"/>
+                <a:ea typeface="Roboto Mono" pitchFamily="2" charset="0"/>
+              </a:rPr>
+              <a:t>The recording stays up </a:t>
+            </a:r>
+            <a:r>
+              <a:rPr lang="en-US" sz="4000">
+                <a:latin typeface="Gidole" panose="02000503000000000000" pitchFamily="2" charset="0"/>
+                <a:ea typeface="Roboto Mono" pitchFamily="2" charset="0"/>
+              </a:rPr>
+              <a:t>for seven days!</a:t>
+            </a:r>
+            <a:endParaRPr lang="en-US" sz="4000" dirty="0">
+              <a:latin typeface="Gidole" panose="02000503000000000000" pitchFamily="2" charset="0"/>
+              <a:ea typeface="Roboto Mono" pitchFamily="2" charset="0"/>
+            </a:endParaRPr>
+          </a:p>
+        </p:txBody>
+      </p:sp>
+    </p:spTree>
+    <p:extLst>
+      <p:ext uri="{BB962C8B-B14F-4D97-AF65-F5344CB8AC3E}">
+        <p14:creationId xmlns:p14="http://schemas.microsoft.com/office/powerpoint/2010/main" val="3032095955"/>
+      </p:ext>
+    </p:extLst>
+  </p:cSld>
+  <p:clrMapOvr>
+    <a:masterClrMapping/>
+  </p:clrMapOvr>
+</p:sld>
+</file>
+
+<file path=ppt/slides/slide21.xml><?xml version="1.0" encoding="utf-8"?>
+<p:sld xmlns:a="http://schemas.openxmlformats.org/drawingml/2006/main" xmlns:r="http://schemas.openxmlformats.org/officeDocument/2006/relationships" xmlns:p="http://schemas.openxmlformats.org/presentationml/2006/main">
+  <p:cSld>
+    <p:spTree>
+      <p:nvGrpSpPr>
+        <p:cNvPr id="1" name=""/>
+        <p:cNvGrpSpPr/>
+        <p:nvPr/>
+      </p:nvGrpSpPr>
+      <p:grpSpPr>
+        <a:xfrm>
+          <a:off x="0" y="0"/>
+          <a:ext cx="0" cy="0"/>
+          <a:chOff x="0" y="0"/>
+          <a:chExt cx="0" cy="0"/>
+        </a:xfrm>
+      </p:grpSpPr>
+      <p:pic>
+        <p:nvPicPr>
+          <p:cNvPr id="8" name="Picture 8"/>
+          <p:cNvPicPr>
+            <a:picLocks noChangeAspect="1"/>
+          </p:cNvPicPr>
+          <p:nvPr/>
+        </p:nvPicPr>
+        <p:blipFill>
+          <a:blip r:embed="rId3"/>
+          <a:srcRect/>
+          <a:stretch>
+            <a:fillRect/>
+          </a:stretch>
+        </p:blipFill>
+        <p:spPr>
+          <a:xfrm>
+            <a:off x="16459200" y="-99077"/>
+            <a:ext cx="2005783" cy="1470490"/>
+          </a:xfrm>
+          <a:prstGeom prst="rect">
+            <a:avLst/>
+          </a:prstGeom>
+        </p:spPr>
+      </p:pic>
+      <p:sp>
+        <p:nvSpPr>
+          <p:cNvPr id="9" name="TextBox 9"/>
+          <p:cNvSpPr txBox="1"/>
+          <p:nvPr/>
+        </p:nvSpPr>
+        <p:spPr>
+          <a:xfrm>
+            <a:off x="838200" y="617118"/>
+            <a:ext cx="15631206" cy="1209818"/>
+          </a:xfrm>
+          <a:prstGeom prst="rect">
+            <a:avLst/>
+          </a:prstGeom>
+        </p:spPr>
+        <p:txBody>
+          <a:bodyPr wrap="square" lIns="0" tIns="0" rIns="0" bIns="0" rtlCol="0" anchor="t">
+            <a:spAutoFit/>
+          </a:bodyPr>
+          <a:lstStyle/>
+          <a:p>
+            <a:pPr>
+              <a:lnSpc>
+                <a:spcPts val="10080"/>
+              </a:lnSpc>
+              <a:spcBef>
+                <a:spcPct val="0"/>
+              </a:spcBef>
+            </a:pPr>
+            <a:r>
+              <a:rPr lang="en-US" sz="7200" dirty="0">
                 <a:solidFill>
                   <a:srgbClr val="000000"/>
                 </a:solidFill>
-                <a:latin typeface="Gidole"/>
+                <a:latin typeface="Open Sans Extra Bold"/>
               </a:rPr>
-            </a:br>
-            <a:endParaRPr lang="en-US" sz="3000" spc="30" dirty="0">
-              <a:solidFill>
-                <a:srgbClr val="000000"/>
-              </a:solidFill>
-              <a:latin typeface="Gidole"/>
+              <a:t>BUT WAIT THERE’S MORE</a:t>
+            </a:r>
+          </a:p>
+        </p:txBody>
+      </p:sp>
+      <p:pic>
+        <p:nvPicPr>
+          <p:cNvPr id="5" name="Picture 6">
+            <a:extLst>
+              <a:ext uri="{FF2B5EF4-FFF2-40B4-BE49-F238E27FC236}">
+                <a16:creationId xmlns:a16="http://schemas.microsoft.com/office/drawing/2014/main" id="{01C401A0-8EBC-47CA-B2DE-F204DE6EEF54}"/>
+              </a:ext>
+            </a:extLst>
+          </p:cNvPr>
+          <p:cNvPicPr>
+            <a:picLocks noChangeAspect="1"/>
+          </p:cNvPicPr>
+          <p:nvPr/>
+        </p:nvPicPr>
+        <p:blipFill>
+          <a:blip r:embed="rId4"/>
+          <a:srcRect b="44190"/>
+          <a:stretch>
+            <a:fillRect/>
+          </a:stretch>
+        </p:blipFill>
+        <p:spPr>
+          <a:xfrm>
+            <a:off x="16095120" y="9265255"/>
+            <a:ext cx="2013122" cy="823680"/>
+          </a:xfrm>
+          <a:prstGeom prst="rect">
+            <a:avLst/>
+          </a:prstGeom>
+        </p:spPr>
+      </p:pic>
+      <p:sp>
+        <p:nvSpPr>
+          <p:cNvPr id="6" name="TextBox 5">
+            <a:extLst>
+              <a:ext uri="{FF2B5EF4-FFF2-40B4-BE49-F238E27FC236}">
+                <a16:creationId xmlns:a16="http://schemas.microsoft.com/office/drawing/2014/main" id="{B72B56F1-579F-4CEC-BF86-0455EEB5C6F1}"/>
+              </a:ext>
+            </a:extLst>
+          </p:cNvPr>
+          <p:cNvSpPr txBox="1"/>
+          <p:nvPr/>
+        </p:nvSpPr>
+        <p:spPr>
+          <a:xfrm>
+            <a:off x="857250" y="1943100"/>
+            <a:ext cx="12877800" cy="2862322"/>
+          </a:xfrm>
+          <a:prstGeom prst="rect">
+            <a:avLst/>
+          </a:prstGeom>
+          <a:noFill/>
+        </p:spPr>
+        <p:txBody>
+          <a:bodyPr wrap="square" rtlCol="0">
+            <a:spAutoFit/>
+          </a:bodyPr>
+          <a:lstStyle/>
+          <a:p>
+            <a:r>
+              <a:rPr lang="en-US" sz="4400" dirty="0">
+                <a:latin typeface="Gidole" panose="02000503000000000000" pitchFamily="2" charset="0"/>
+                <a:ea typeface="Roboto Mono" pitchFamily="2" charset="0"/>
+              </a:rPr>
+              <a:t>50% OFF MY POWER QUERY COURSE THIS WEEK</a:t>
+            </a:r>
+          </a:p>
+          <a:p>
+            <a:r>
+              <a:rPr lang="en-US" sz="4800" b="1" dirty="0">
+                <a:latin typeface="Gidole" panose="02000503000000000000" pitchFamily="2" charset="0"/>
+                <a:ea typeface="Roboto Mono" pitchFamily="2" charset="0"/>
+              </a:rPr>
+              <a:t>PROMOCODE NOHARDCODES</a:t>
+            </a:r>
+          </a:p>
+          <a:p>
+            <a:endParaRPr lang="en-US" sz="4000" dirty="0">
+              <a:latin typeface="Gidole" panose="02000503000000000000" pitchFamily="2" charset="0"/>
+              <a:ea typeface="Roboto Mono" pitchFamily="2" charset="0"/>
             </a:endParaRPr>
           </a:p>
           <a:p>
-            <a:pPr marL="457200" indent="-457200">
-              <a:lnSpc>
-                <a:spcPts val="3750"/>
-              </a:lnSpc>
-              <a:buFont typeface="Arial" panose="020B0604020202020204" pitchFamily="34" charset="0"/>
-              <a:buChar char="•"/>
-            </a:pPr>
-            <a:r>
-              <a:rPr lang="en-US" sz="3000" spc="30" dirty="0">
+            <a:r>
+              <a:rPr lang="en-US" sz="4800" dirty="0">
+                <a:latin typeface="Gidole" panose="02000503000000000000" pitchFamily="2" charset="0"/>
+                <a:ea typeface="Roboto Mono" pitchFamily="2" charset="0"/>
+                <a:hlinkClick r:id="rId5"/>
+              </a:rPr>
+              <a:t>https://swiy.co/learn-pq</a:t>
+            </a:r>
+            <a:r>
+              <a:rPr lang="en-US" sz="4800" dirty="0">
+                <a:latin typeface="Gidole" panose="02000503000000000000" pitchFamily="2" charset="0"/>
+                <a:ea typeface="Roboto Mono" pitchFamily="2" charset="0"/>
+              </a:rPr>
+              <a:t> </a:t>
+            </a:r>
+          </a:p>
+        </p:txBody>
+      </p:sp>
+      <p:pic>
+        <p:nvPicPr>
+          <p:cNvPr id="1026" name="Picture 2">
+            <a:extLst>
+              <a:ext uri="{FF2B5EF4-FFF2-40B4-BE49-F238E27FC236}">
+                <a16:creationId xmlns:a16="http://schemas.microsoft.com/office/drawing/2014/main" id="{B2C410DE-B01C-44C6-A709-1F75782D035B}"/>
+              </a:ext>
+            </a:extLst>
+          </p:cNvPr>
+          <p:cNvPicPr>
+            <a:picLocks noChangeAspect="1" noChangeArrowheads="1"/>
+          </p:cNvPicPr>
+          <p:nvPr/>
+        </p:nvPicPr>
+        <p:blipFill>
+          <a:blip r:embed="rId6">
+            <a:extLst>
+              <a:ext uri="{28A0092B-C50C-407E-A947-70E740481C1C}">
+                <a14:useLocalDpi xmlns:a14="http://schemas.microsoft.com/office/drawing/2010/main" val="0"/>
+              </a:ext>
+            </a:extLst>
+          </a:blip>
+          <a:srcRect/>
+          <a:stretch>
+            <a:fillRect/>
+          </a:stretch>
+        </p:blipFill>
+        <p:spPr bwMode="auto">
+          <a:xfrm>
+            <a:off x="7302012" y="3873599"/>
+            <a:ext cx="10299291" cy="5793352"/>
+          </a:xfrm>
+          <a:prstGeom prst="rect">
+            <a:avLst/>
+          </a:prstGeom>
+          <a:noFill/>
+          <a:extLst>
+            <a:ext uri="{909E8E84-426E-40DD-AFC4-6F175D3DCCD1}">
+              <a14:hiddenFill xmlns:a14="http://schemas.microsoft.com/office/drawing/2010/main">
                 <a:solidFill>
-                  <a:srgbClr val="000000"/>
+                  <a:srgbClr val="FFFFFF"/>
                 </a:solidFill>
-                <a:latin typeface="Gidole"/>
-              </a:rPr>
-              <a:t>How Power Query serves as an "extract, transform, load" tool</a:t>
-            </a:r>
-            <a:br>
-              <a:rPr lang="en-US" sz="3000" spc="30" dirty="0">
-                <a:solidFill>
-                  <a:srgbClr val="000000"/>
-                </a:solidFill>
-                <a:latin typeface="Gidole"/>
-              </a:rPr>
-            </a:br>
-            <a:endParaRPr lang="en-US" sz="3000" spc="30" dirty="0">
-              <a:solidFill>
-                <a:srgbClr val="000000"/>
-              </a:solidFill>
-              <a:latin typeface="Gidole"/>
-            </a:endParaRPr>
-          </a:p>
-          <a:p>
-            <a:pPr marL="457200" indent="-457200">
-              <a:lnSpc>
-                <a:spcPts val="3750"/>
-              </a:lnSpc>
-              <a:buFont typeface="Arial" panose="020B0604020202020204" pitchFamily="34" charset="0"/>
-              <a:buChar char="•"/>
-            </a:pPr>
-            <a:r>
-              <a:rPr lang="en-US" sz="3000" spc="30" dirty="0">
-                <a:solidFill>
-                  <a:srgbClr val="000000"/>
-                </a:solidFill>
-                <a:latin typeface="Gidole"/>
-              </a:rPr>
-              <a:t>How to load your first data sources into Power Query... including how to find the menu for this (not so easy!)</a:t>
-            </a:r>
-            <a:br>
-              <a:rPr lang="en-US" sz="3000" spc="30" dirty="0">
-                <a:solidFill>
-                  <a:srgbClr val="000000"/>
-                </a:solidFill>
-                <a:latin typeface="Gidole"/>
-              </a:rPr>
-            </a:br>
-            <a:endParaRPr lang="en-US" sz="3000" spc="30" dirty="0">
-              <a:solidFill>
-                <a:srgbClr val="000000"/>
-              </a:solidFill>
-              <a:latin typeface="Gidole"/>
-            </a:endParaRPr>
-          </a:p>
-          <a:p>
-            <a:pPr marL="457200" indent="-457200">
-              <a:lnSpc>
-                <a:spcPts val="3750"/>
-              </a:lnSpc>
-              <a:buFont typeface="Arial" panose="020B0604020202020204" pitchFamily="34" charset="0"/>
-              <a:buChar char="•"/>
-            </a:pPr>
-            <a:r>
-              <a:rPr lang="en-US" sz="3000" spc="30" dirty="0">
-                <a:solidFill>
-                  <a:srgbClr val="000000"/>
-                </a:solidFill>
-                <a:latin typeface="Gidole"/>
-              </a:rPr>
-              <a:t>How to explore and profile your data right from Power Query</a:t>
-            </a:r>
-          </a:p>
-          <a:p>
-            <a:pPr marL="457200" indent="-457200">
-              <a:lnSpc>
-                <a:spcPts val="3750"/>
-              </a:lnSpc>
-              <a:buFont typeface="Arial" panose="020B0604020202020204" pitchFamily="34" charset="0"/>
-              <a:buChar char="•"/>
-            </a:pPr>
-            <a:endParaRPr lang="en-US" sz="3000" spc="30" dirty="0">
-              <a:solidFill>
-                <a:srgbClr val="000000"/>
-              </a:solidFill>
-              <a:latin typeface="Gidole"/>
-            </a:endParaRPr>
-          </a:p>
-          <a:p>
-            <a:pPr marL="457200" indent="-457200">
-              <a:lnSpc>
-                <a:spcPts val="3750"/>
-              </a:lnSpc>
-              <a:buFont typeface="Arial" panose="020B0604020202020204" pitchFamily="34" charset="0"/>
-              <a:buChar char="•"/>
-            </a:pPr>
-            <a:r>
-              <a:rPr lang="en-US" sz="3000" spc="30" dirty="0">
-                <a:solidFill>
-                  <a:srgbClr val="000000"/>
-                </a:solidFill>
-                <a:latin typeface="Gidole"/>
-              </a:rPr>
-              <a:t>How to perform repeatable data cleaning operations... no code or formulas required.</a:t>
-            </a:r>
-          </a:p>
-          <a:p>
-            <a:pPr>
-              <a:lnSpc>
-                <a:spcPts val="3750"/>
-              </a:lnSpc>
-            </a:pPr>
-            <a:endParaRPr lang="en-US" sz="3000" spc="30" dirty="0">
-              <a:solidFill>
-                <a:srgbClr val="000000"/>
-              </a:solidFill>
-              <a:latin typeface="Gidole"/>
-            </a:endParaRPr>
-          </a:p>
-        </p:txBody>
-      </p:sp>
+              </a14:hiddenFill>
+            </a:ext>
+          </a:extLst>
+        </p:spPr>
+      </p:pic>
+      <p:pic>
+        <p:nvPicPr>
+          <p:cNvPr id="4" name="Picture 3" descr="Shape&#10;&#10;Description automatically generated with low confidence">
+            <a:extLst>
+              <a:ext uri="{FF2B5EF4-FFF2-40B4-BE49-F238E27FC236}">
+                <a16:creationId xmlns:a16="http://schemas.microsoft.com/office/drawing/2014/main" id="{D73CBB4E-5DFC-455A-821A-20E365597395}"/>
+              </a:ext>
+            </a:extLst>
+          </p:cNvPr>
+          <p:cNvPicPr>
+            <a:picLocks noChangeAspect="1"/>
+          </p:cNvPicPr>
+          <p:nvPr/>
+        </p:nvPicPr>
+        <p:blipFill>
+          <a:blip r:embed="rId7" cstate="print">
+            <a:extLst>
+              <a:ext uri="{28A0092B-C50C-407E-A947-70E740481C1C}">
+                <a14:useLocalDpi xmlns:a14="http://schemas.microsoft.com/office/drawing/2010/main" val="0"/>
+              </a:ext>
+            </a:extLst>
+          </a:blip>
+          <a:stretch>
+            <a:fillRect/>
+          </a:stretch>
+        </p:blipFill>
+        <p:spPr>
+          <a:xfrm>
+            <a:off x="2133600" y="5691554"/>
+            <a:ext cx="2667000" cy="2667000"/>
+          </a:xfrm>
+          <a:prstGeom prst="rect">
+            <a:avLst/>
+          </a:prstGeom>
+        </p:spPr>
+      </p:pic>
     </p:spTree>
+    <p:extLst>
+      <p:ext uri="{BB962C8B-B14F-4D97-AF65-F5344CB8AC3E}">
+        <p14:creationId xmlns:p14="http://schemas.microsoft.com/office/powerpoint/2010/main" val="685776287"/>
+      </p:ext>
+    </p:extLst>
   </p:cSld>
   <p:clrMapOvr>
     <a:masterClrMapping/>
@@ -8732,6 +9650,442 @@
         <p:spPr>
           <a:xfrm>
             <a:off x="1028700" y="1028700"/>
+            <a:ext cx="7567947" cy="1154162"/>
+          </a:xfrm>
+          <a:prstGeom prst="rect">
+            <a:avLst/>
+          </a:prstGeom>
+        </p:spPr>
+        <p:txBody>
+          <a:bodyPr lIns="0" tIns="0" rIns="0" bIns="0" rtlCol="0" anchor="t">
+            <a:spAutoFit/>
+          </a:bodyPr>
+          <a:lstStyle/>
+          <a:p>
+            <a:pPr>
+              <a:lnSpc>
+                <a:spcPts val="9000"/>
+              </a:lnSpc>
+            </a:pPr>
+            <a:r>
+              <a:rPr lang="en-US" sz="7500" spc="375" dirty="0">
+                <a:solidFill>
+                  <a:srgbClr val="000000"/>
+                </a:solidFill>
+                <a:latin typeface="League Spartan Bold"/>
+              </a:rPr>
+              <a:t>OBJECTIVES</a:t>
+            </a:r>
+          </a:p>
+        </p:txBody>
+      </p:sp>
+      <p:sp>
+        <p:nvSpPr>
+          <p:cNvPr id="9" name="TextBox 9"/>
+          <p:cNvSpPr txBox="1"/>
+          <p:nvPr/>
+        </p:nvSpPr>
+        <p:spPr>
+          <a:xfrm rot="-5400000">
+            <a:off x="-436430" y="7232974"/>
+            <a:ext cx="3650350" cy="400302"/>
+          </a:xfrm>
+          <a:prstGeom prst="rect">
+            <a:avLst/>
+          </a:prstGeom>
+        </p:spPr>
+        <p:txBody>
+          <a:bodyPr lIns="0" tIns="0" rIns="0" bIns="0" rtlCol="0" anchor="t">
+            <a:spAutoFit/>
+          </a:bodyPr>
+          <a:lstStyle/>
+          <a:p>
+            <a:pPr>
+              <a:lnSpc>
+                <a:spcPts val="3359"/>
+              </a:lnSpc>
+            </a:pPr>
+            <a:r>
+              <a:rPr lang="en-US" sz="2400" spc="192" dirty="0">
+                <a:solidFill>
+                  <a:srgbClr val="000000"/>
+                </a:solidFill>
+                <a:latin typeface="Gidole"/>
+              </a:rPr>
+              <a:t>Power Query PDQ!</a:t>
+            </a:r>
+          </a:p>
+        </p:txBody>
+      </p:sp>
+      <p:sp>
+        <p:nvSpPr>
+          <p:cNvPr id="10" name="TextBox 10"/>
+          <p:cNvSpPr txBox="1"/>
+          <p:nvPr/>
+        </p:nvSpPr>
+        <p:spPr>
+          <a:xfrm>
+            <a:off x="2819400" y="2400300"/>
+            <a:ext cx="9243139" cy="7279493"/>
+          </a:xfrm>
+          <a:prstGeom prst="rect">
+            <a:avLst/>
+          </a:prstGeom>
+        </p:spPr>
+        <p:txBody>
+          <a:bodyPr wrap="square" lIns="0" tIns="0" rIns="0" bIns="0" rtlCol="0" anchor="t">
+            <a:spAutoFit/>
+          </a:bodyPr>
+          <a:lstStyle/>
+          <a:p>
+            <a:pPr marL="457200" indent="-457200">
+              <a:lnSpc>
+                <a:spcPts val="3750"/>
+              </a:lnSpc>
+              <a:buFont typeface="Arial" panose="020B0604020202020204" pitchFamily="34" charset="0"/>
+              <a:buChar char="•"/>
+            </a:pPr>
+            <a:r>
+              <a:rPr lang="en-US" sz="3000" spc="30" dirty="0">
+                <a:solidFill>
+                  <a:srgbClr val="000000"/>
+                </a:solidFill>
+                <a:latin typeface="Gidole"/>
+              </a:rPr>
+              <a:t>How tables serve as the "missing link" between Excel and Power Query</a:t>
+            </a:r>
+            <a:br>
+              <a:rPr lang="en-US" sz="3000" spc="30" dirty="0">
+                <a:solidFill>
+                  <a:srgbClr val="000000"/>
+                </a:solidFill>
+                <a:latin typeface="Gidole"/>
+              </a:rPr>
+            </a:br>
+            <a:endParaRPr lang="en-US" sz="3000" spc="30" dirty="0">
+              <a:solidFill>
+                <a:srgbClr val="000000"/>
+              </a:solidFill>
+              <a:latin typeface="Gidole"/>
+            </a:endParaRPr>
+          </a:p>
+          <a:p>
+            <a:pPr marL="457200" indent="-457200">
+              <a:lnSpc>
+                <a:spcPts val="3750"/>
+              </a:lnSpc>
+              <a:buFont typeface="Arial" panose="020B0604020202020204" pitchFamily="34" charset="0"/>
+              <a:buChar char="•"/>
+            </a:pPr>
+            <a:r>
+              <a:rPr lang="en-US" sz="3000" spc="30" dirty="0">
+                <a:solidFill>
+                  <a:srgbClr val="000000"/>
+                </a:solidFill>
+                <a:latin typeface="Gidole"/>
+              </a:rPr>
+              <a:t>How Power Query serves as an "extract, transform, load" tool</a:t>
+            </a:r>
+            <a:br>
+              <a:rPr lang="en-US" sz="3000" spc="30" dirty="0">
+                <a:solidFill>
+                  <a:srgbClr val="000000"/>
+                </a:solidFill>
+                <a:latin typeface="Gidole"/>
+              </a:rPr>
+            </a:br>
+            <a:endParaRPr lang="en-US" sz="3000" spc="30" dirty="0">
+              <a:solidFill>
+                <a:srgbClr val="000000"/>
+              </a:solidFill>
+              <a:latin typeface="Gidole"/>
+            </a:endParaRPr>
+          </a:p>
+          <a:p>
+            <a:pPr marL="457200" indent="-457200">
+              <a:lnSpc>
+                <a:spcPts val="3750"/>
+              </a:lnSpc>
+              <a:buFont typeface="Arial" panose="020B0604020202020204" pitchFamily="34" charset="0"/>
+              <a:buChar char="•"/>
+            </a:pPr>
+            <a:r>
+              <a:rPr lang="en-US" sz="3000" spc="30" dirty="0">
+                <a:solidFill>
+                  <a:srgbClr val="000000"/>
+                </a:solidFill>
+                <a:latin typeface="Gidole"/>
+              </a:rPr>
+              <a:t>How to load your first data sources into Power Query... including how to find the menu for this (not so easy!)</a:t>
+            </a:r>
+            <a:br>
+              <a:rPr lang="en-US" sz="3000" spc="30" dirty="0">
+                <a:solidFill>
+                  <a:srgbClr val="000000"/>
+                </a:solidFill>
+                <a:latin typeface="Gidole"/>
+              </a:rPr>
+            </a:br>
+            <a:endParaRPr lang="en-US" sz="3000" spc="30" dirty="0">
+              <a:solidFill>
+                <a:srgbClr val="000000"/>
+              </a:solidFill>
+              <a:latin typeface="Gidole"/>
+            </a:endParaRPr>
+          </a:p>
+          <a:p>
+            <a:pPr marL="457200" indent="-457200">
+              <a:lnSpc>
+                <a:spcPts val="3750"/>
+              </a:lnSpc>
+              <a:buFont typeface="Arial" panose="020B0604020202020204" pitchFamily="34" charset="0"/>
+              <a:buChar char="•"/>
+            </a:pPr>
+            <a:r>
+              <a:rPr lang="en-US" sz="3000" spc="30" dirty="0">
+                <a:solidFill>
+                  <a:srgbClr val="000000"/>
+                </a:solidFill>
+                <a:latin typeface="Gidole"/>
+              </a:rPr>
+              <a:t>How to explore and profile your data right from Power Query</a:t>
+            </a:r>
+          </a:p>
+          <a:p>
+            <a:pPr marL="457200" indent="-457200">
+              <a:lnSpc>
+                <a:spcPts val="3750"/>
+              </a:lnSpc>
+              <a:buFont typeface="Arial" panose="020B0604020202020204" pitchFamily="34" charset="0"/>
+              <a:buChar char="•"/>
+            </a:pPr>
+            <a:endParaRPr lang="en-US" sz="3000" spc="30" dirty="0">
+              <a:solidFill>
+                <a:srgbClr val="000000"/>
+              </a:solidFill>
+              <a:latin typeface="Gidole"/>
+            </a:endParaRPr>
+          </a:p>
+          <a:p>
+            <a:pPr marL="457200" indent="-457200">
+              <a:lnSpc>
+                <a:spcPts val="3750"/>
+              </a:lnSpc>
+              <a:buFont typeface="Arial" panose="020B0604020202020204" pitchFamily="34" charset="0"/>
+              <a:buChar char="•"/>
+            </a:pPr>
+            <a:r>
+              <a:rPr lang="en-US" sz="3000" spc="30" dirty="0">
+                <a:solidFill>
+                  <a:srgbClr val="000000"/>
+                </a:solidFill>
+                <a:latin typeface="Gidole"/>
+              </a:rPr>
+              <a:t>How to perform repeatable data cleaning operations... no code or formulas required.</a:t>
+            </a:r>
+          </a:p>
+          <a:p>
+            <a:pPr>
+              <a:lnSpc>
+                <a:spcPts val="3750"/>
+              </a:lnSpc>
+            </a:pPr>
+            <a:endParaRPr lang="en-US" sz="3000" spc="30" dirty="0">
+              <a:solidFill>
+                <a:srgbClr val="000000"/>
+              </a:solidFill>
+              <a:latin typeface="Gidole"/>
+            </a:endParaRPr>
+          </a:p>
+        </p:txBody>
+      </p:sp>
+    </p:spTree>
+    <p:extLst>
+      <p:ext uri="{BB962C8B-B14F-4D97-AF65-F5344CB8AC3E}">
+        <p14:creationId xmlns:p14="http://schemas.microsoft.com/office/powerpoint/2010/main" val="3353069847"/>
+      </p:ext>
+    </p:extLst>
+  </p:cSld>
+  <p:clrMapOvr>
+    <a:masterClrMapping/>
+  </p:clrMapOvr>
+</p:sld>
+</file>
+
+<file path=ppt/slides/slide4.xml><?xml version="1.0" encoding="utf-8"?>
+<p:sld xmlns:a="http://schemas.openxmlformats.org/drawingml/2006/main" xmlns:r="http://schemas.openxmlformats.org/officeDocument/2006/relationships" xmlns:p="http://schemas.openxmlformats.org/presentationml/2006/main">
+  <p:cSld>
+    <p:spTree>
+      <p:nvGrpSpPr>
+        <p:cNvPr id="1" name=""/>
+        <p:cNvGrpSpPr/>
+        <p:nvPr/>
+      </p:nvGrpSpPr>
+      <p:grpSpPr>
+        <a:xfrm>
+          <a:off x="0" y="0"/>
+          <a:ext cx="0" cy="0"/>
+          <a:chOff x="0" y="0"/>
+          <a:chExt cx="0" cy="0"/>
+        </a:xfrm>
+      </p:grpSpPr>
+      <p:grpSp>
+        <p:nvGrpSpPr>
+          <p:cNvPr id="2" name="Group 2"/>
+          <p:cNvGrpSpPr/>
+          <p:nvPr/>
+        </p:nvGrpSpPr>
+        <p:grpSpPr>
+          <a:xfrm rot="-5400000">
+            <a:off x="10728361" y="2727361"/>
+            <a:ext cx="7565692" cy="7553587"/>
+            <a:chOff x="0" y="0"/>
+            <a:chExt cx="6350000" cy="6339840"/>
+          </a:xfrm>
+        </p:grpSpPr>
+        <p:sp>
+          <p:nvSpPr>
+            <p:cNvPr id="3" name="Freeform 3"/>
+            <p:cNvSpPr/>
+            <p:nvPr/>
+          </p:nvSpPr>
+          <p:spPr>
+            <a:xfrm>
+              <a:off x="0" y="0"/>
+              <a:ext cx="6350000" cy="6339840"/>
+            </a:xfrm>
+            <a:custGeom>
+              <a:avLst/>
+              <a:gdLst/>
+              <a:ahLst/>
+              <a:cxnLst/>
+              <a:rect l="l" t="t" r="r" b="b"/>
+              <a:pathLst>
+                <a:path w="6350000" h="6339840">
+                  <a:moveTo>
+                    <a:pt x="6350000" y="6339840"/>
+                  </a:moveTo>
+                  <a:lnTo>
+                    <a:pt x="0" y="6339840"/>
+                  </a:lnTo>
+                  <a:lnTo>
+                    <a:pt x="0" y="0"/>
+                  </a:lnTo>
+                  <a:close/>
+                </a:path>
+              </a:pathLst>
+            </a:custGeom>
+            <a:solidFill>
+              <a:srgbClr val="CF3338"/>
+            </a:solidFill>
+          </p:spPr>
+        </p:sp>
+      </p:grpSp>
+      <p:grpSp>
+        <p:nvGrpSpPr>
+          <p:cNvPr id="4" name="Group 4"/>
+          <p:cNvGrpSpPr/>
+          <p:nvPr/>
+        </p:nvGrpSpPr>
+        <p:grpSpPr>
+          <a:xfrm rot="-10800000">
+            <a:off x="15566406" y="5573199"/>
+            <a:ext cx="5443189" cy="4713801"/>
+            <a:chOff x="0" y="0"/>
+            <a:chExt cx="6350000" cy="5499100"/>
+          </a:xfrm>
+        </p:grpSpPr>
+        <p:sp>
+          <p:nvSpPr>
+            <p:cNvPr id="5" name="Freeform 5"/>
+            <p:cNvSpPr/>
+            <p:nvPr/>
+          </p:nvSpPr>
+          <p:spPr>
+            <a:xfrm>
+              <a:off x="0" y="0"/>
+              <a:ext cx="6350000" cy="5499100"/>
+            </a:xfrm>
+            <a:custGeom>
+              <a:avLst/>
+              <a:gdLst/>
+              <a:ahLst/>
+              <a:cxnLst/>
+              <a:rect l="l" t="t" r="r" b="b"/>
+              <a:pathLst>
+                <a:path w="6350000" h="5499100">
+                  <a:moveTo>
+                    <a:pt x="0" y="5499100"/>
+                  </a:moveTo>
+                  <a:lnTo>
+                    <a:pt x="3175000" y="0"/>
+                  </a:lnTo>
+                  <a:lnTo>
+                    <a:pt x="6350000" y="5499100"/>
+                  </a:lnTo>
+                  <a:close/>
+                </a:path>
+              </a:pathLst>
+            </a:custGeom>
+            <a:solidFill>
+              <a:srgbClr val="3D3935"/>
+            </a:solidFill>
+          </p:spPr>
+        </p:sp>
+      </p:grpSp>
+      <p:sp>
+        <p:nvSpPr>
+          <p:cNvPr id="6" name="AutoShape 6"/>
+          <p:cNvSpPr/>
+          <p:nvPr/>
+        </p:nvSpPr>
+        <p:spPr>
+          <a:xfrm>
+            <a:off x="9144000" y="2143604"/>
+            <a:ext cx="9466400" cy="56192"/>
+          </a:xfrm>
+          <a:prstGeom prst="rect">
+            <a:avLst/>
+          </a:prstGeom>
+          <a:solidFill>
+            <a:srgbClr val="000000"/>
+          </a:solidFill>
+        </p:spPr>
+      </p:sp>
+      <p:pic>
+        <p:nvPicPr>
+          <p:cNvPr id="7" name="Picture 7"/>
+          <p:cNvPicPr>
+            <a:picLocks noChangeAspect="1"/>
+          </p:cNvPicPr>
+          <p:nvPr/>
+        </p:nvPicPr>
+        <p:blipFill>
+          <a:blip r:embed="rId3"/>
+          <a:srcRect/>
+          <a:stretch>
+            <a:fillRect/>
+          </a:stretch>
+        </p:blipFill>
+        <p:spPr>
+          <a:xfrm>
+            <a:off x="16100583" y="9258300"/>
+            <a:ext cx="2005783" cy="1470490"/>
+          </a:xfrm>
+          <a:prstGeom prst="rect">
+            <a:avLst/>
+          </a:prstGeom>
+        </p:spPr>
+      </p:pic>
+      <p:sp>
+        <p:nvSpPr>
+          <p:cNvPr id="8" name="TextBox 8"/>
+          <p:cNvSpPr txBox="1"/>
+          <p:nvPr/>
+        </p:nvSpPr>
+        <p:spPr>
+          <a:xfrm>
+            <a:off x="1028700" y="1028700"/>
             <a:ext cx="7567947" cy="2308324"/>
           </a:xfrm>
           <a:prstGeom prst="rect">
@@ -8927,7 +10281,7 @@
 </p:sld>
 </file>
 
-<file path=ppt/slides/slide4.xml><?xml version="1.0" encoding="utf-8"?>
+<file path=ppt/slides/slide5.xml><?xml version="1.0" encoding="utf-8"?>
 <p:sld xmlns:a="http://schemas.openxmlformats.org/drawingml/2006/main" xmlns:r="http://schemas.openxmlformats.org/officeDocument/2006/relationships" xmlns:p="http://schemas.openxmlformats.org/presentationml/2006/main">
   <p:cSld>
     <p:spTree>
@@ -9222,7 +10576,7 @@
 </p:sld>
 </file>
 
-<file path=ppt/slides/slide5.xml><?xml version="1.0" encoding="utf-8"?>
+<file path=ppt/slides/slide6.xml><?xml version="1.0" encoding="utf-8"?>
 <p:sld xmlns:a="http://schemas.openxmlformats.org/drawingml/2006/main" xmlns:r="http://schemas.openxmlformats.org/officeDocument/2006/relationships" xmlns:p="http://schemas.openxmlformats.org/presentationml/2006/main">
   <p:cSld>
     <p:spTree>
@@ -9861,7 +11215,7 @@
 </p:sld>
 </file>
 
-<file path=ppt/slides/slide6.xml><?xml version="1.0" encoding="utf-8"?>
+<file path=ppt/slides/slide7.xml><?xml version="1.0" encoding="utf-8"?>
 <p:sld xmlns:a="http://schemas.openxmlformats.org/drawingml/2006/main" xmlns:r="http://schemas.openxmlformats.org/officeDocument/2006/relationships" xmlns:p="http://schemas.openxmlformats.org/presentationml/2006/main">
   <p:cSld>
     <p:spTree>
@@ -10154,7 +11508,7 @@
 </p:sld>
 </file>
 
-<file path=ppt/slides/slide7.xml><?xml version="1.0" encoding="utf-8"?>
+<file path=ppt/slides/slide8.xml><?xml version="1.0" encoding="utf-8"?>
 <p:sld xmlns:a="http://schemas.openxmlformats.org/drawingml/2006/main" xmlns:r="http://schemas.openxmlformats.org/officeDocument/2006/relationships" xmlns:p="http://schemas.openxmlformats.org/presentationml/2006/main">
   <p:cSld>
     <p:spTree>
@@ -10414,7 +11768,7 @@
 </p:sld>
 </file>
 
-<file path=ppt/slides/slide8.xml><?xml version="1.0" encoding="utf-8"?>
+<file path=ppt/slides/slide9.xml><?xml version="1.0" encoding="utf-8"?>
 <p:sld xmlns:a="http://schemas.openxmlformats.org/drawingml/2006/main" xmlns:r="http://schemas.openxmlformats.org/officeDocument/2006/relationships" xmlns:p="http://schemas.openxmlformats.org/presentationml/2006/main">
   <p:cSld>
     <p:spTree>
@@ -10670,512 +12024,6 @@
     <p:extLst>
       <p:ext uri="{BB962C8B-B14F-4D97-AF65-F5344CB8AC3E}">
         <p14:creationId xmlns:p14="http://schemas.microsoft.com/office/powerpoint/2010/main" val="20249381"/>
-      </p:ext>
-    </p:extLst>
-  </p:cSld>
-  <p:clrMapOvr>
-    <a:masterClrMapping/>
-  </p:clrMapOvr>
-</p:sld>
-</file>
-
-<file path=ppt/slides/slide9.xml><?xml version="1.0" encoding="utf-8"?>
-<p:sld xmlns:a="http://schemas.openxmlformats.org/drawingml/2006/main" xmlns:r="http://schemas.openxmlformats.org/officeDocument/2006/relationships" xmlns:p="http://schemas.openxmlformats.org/presentationml/2006/main">
-  <p:cSld>
-    <p:spTree>
-      <p:nvGrpSpPr>
-        <p:cNvPr id="1" name=""/>
-        <p:cNvGrpSpPr/>
-        <p:nvPr/>
-      </p:nvGrpSpPr>
-      <p:grpSpPr>
-        <a:xfrm>
-          <a:off x="0" y="0"/>
-          <a:ext cx="0" cy="0"/>
-          <a:chOff x="0" y="0"/>
-          <a:chExt cx="0" cy="0"/>
-        </a:xfrm>
-      </p:grpSpPr>
-      <p:grpSp>
-        <p:nvGrpSpPr>
-          <p:cNvPr id="2" name="Group 2"/>
-          <p:cNvGrpSpPr/>
-          <p:nvPr/>
-        </p:nvGrpSpPr>
-        <p:grpSpPr>
-          <a:xfrm rot="5400000">
-            <a:off x="-2322" y="2322"/>
-            <a:ext cx="2902170" cy="2897526"/>
-            <a:chOff x="0" y="0"/>
-            <a:chExt cx="6350000" cy="6339840"/>
-          </a:xfrm>
-        </p:grpSpPr>
-        <p:sp>
-          <p:nvSpPr>
-            <p:cNvPr id="3" name="Freeform 3"/>
-            <p:cNvSpPr/>
-            <p:nvPr/>
-          </p:nvSpPr>
-          <p:spPr>
-            <a:xfrm>
-              <a:off x="0" y="0"/>
-              <a:ext cx="6350000" cy="6339840"/>
-            </a:xfrm>
-            <a:custGeom>
-              <a:avLst/>
-              <a:gdLst/>
-              <a:ahLst/>
-              <a:cxnLst/>
-              <a:rect l="l" t="t" r="r" b="b"/>
-              <a:pathLst>
-                <a:path w="6350000" h="6339840">
-                  <a:moveTo>
-                    <a:pt x="6350000" y="6339840"/>
-                  </a:moveTo>
-                  <a:lnTo>
-                    <a:pt x="0" y="6339840"/>
-                  </a:lnTo>
-                  <a:lnTo>
-                    <a:pt x="0" y="0"/>
-                  </a:lnTo>
-                  <a:close/>
-                </a:path>
-              </a:pathLst>
-            </a:custGeom>
-            <a:solidFill>
-              <a:srgbClr val="CF3338"/>
-            </a:solidFill>
-          </p:spPr>
-        </p:sp>
-      </p:grpSp>
-      <p:sp>
-        <p:nvSpPr>
-          <p:cNvPr id="4" name="TextBox 4"/>
-          <p:cNvSpPr txBox="1"/>
-          <p:nvPr/>
-        </p:nvSpPr>
-        <p:spPr>
-          <a:xfrm>
-            <a:off x="1448763" y="2705100"/>
-            <a:ext cx="8076237" cy="4417876"/>
-          </a:xfrm>
-          <a:prstGeom prst="rect">
-            <a:avLst/>
-          </a:prstGeom>
-        </p:spPr>
-        <p:txBody>
-          <a:bodyPr wrap="square" lIns="0" tIns="0" rIns="0" bIns="0" rtlCol="0" anchor="t">
-            <a:spAutoFit/>
-          </a:bodyPr>
-          <a:lstStyle/>
-          <a:p>
-            <a:pPr marL="721360" lvl="1" indent="-457200">
-              <a:lnSpc>
-                <a:spcPts val="3840"/>
-              </a:lnSpc>
-              <a:buFont typeface="Arial" panose="020B0604020202020204" pitchFamily="34" charset="0"/>
-              <a:buChar char="•"/>
-            </a:pPr>
-            <a:r>
-              <a:rPr lang="en-US" sz="5400" spc="160" dirty="0">
-                <a:solidFill>
-                  <a:srgbClr val="000000"/>
-                </a:solidFill>
-                <a:latin typeface="Gidole" panose="02000503000000000000" pitchFamily="50" charset="0"/>
-              </a:rPr>
-              <a:t>Access</a:t>
-            </a:r>
-          </a:p>
-          <a:p>
-            <a:pPr marL="721360" lvl="1" indent="-457200">
-              <a:lnSpc>
-                <a:spcPts val="3840"/>
-              </a:lnSpc>
-              <a:buFont typeface="Arial" panose="020B0604020202020204" pitchFamily="34" charset="0"/>
-              <a:buChar char="•"/>
-            </a:pPr>
-            <a:endParaRPr lang="en-US" sz="5400" spc="160" dirty="0">
-              <a:solidFill>
-                <a:srgbClr val="000000"/>
-              </a:solidFill>
-              <a:latin typeface="Gidole" panose="02000503000000000000" pitchFamily="50" charset="0"/>
-            </a:endParaRPr>
-          </a:p>
-          <a:p>
-            <a:pPr marL="721360" lvl="1" indent="-457200">
-              <a:lnSpc>
-                <a:spcPts val="3840"/>
-              </a:lnSpc>
-              <a:buFont typeface="Arial" panose="020B0604020202020204" pitchFamily="34" charset="0"/>
-              <a:buChar char="•"/>
-            </a:pPr>
-            <a:r>
-              <a:rPr lang="en-US" sz="5400" spc="160" dirty="0">
-                <a:solidFill>
-                  <a:srgbClr val="000000"/>
-                </a:solidFill>
-                <a:latin typeface="Gidole" panose="02000503000000000000" pitchFamily="50" charset="0"/>
-                <a:ea typeface="Roboto Mono" pitchFamily="2" charset="0"/>
-              </a:rPr>
-              <a:t>.txt</a:t>
-            </a:r>
-            <a:r>
-              <a:rPr lang="en-US" sz="5400" spc="160" dirty="0">
-                <a:solidFill>
-                  <a:srgbClr val="000000"/>
-                </a:solidFill>
-                <a:latin typeface="Gidole" panose="02000503000000000000" pitchFamily="50" charset="0"/>
-              </a:rPr>
-              <a:t> and </a:t>
-            </a:r>
-            <a:r>
-              <a:rPr lang="en-US" sz="5400" spc="160" dirty="0">
-                <a:solidFill>
-                  <a:srgbClr val="000000"/>
-                </a:solidFill>
-                <a:latin typeface="Gidole" panose="02000503000000000000" pitchFamily="50" charset="0"/>
-                <a:ea typeface="Roboto Mono" pitchFamily="2" charset="0"/>
-              </a:rPr>
-              <a:t>.csv</a:t>
-            </a:r>
-            <a:r>
-              <a:rPr lang="en-US" sz="5400" spc="160" dirty="0">
-                <a:solidFill>
-                  <a:srgbClr val="000000"/>
-                </a:solidFill>
-                <a:latin typeface="Gidole" panose="02000503000000000000" pitchFamily="50" charset="0"/>
-              </a:rPr>
-              <a:t> files</a:t>
-            </a:r>
-          </a:p>
-          <a:p>
-            <a:pPr marL="721360" lvl="1" indent="-457200">
-              <a:lnSpc>
-                <a:spcPts val="3840"/>
-              </a:lnSpc>
-              <a:buFont typeface="Arial" panose="020B0604020202020204" pitchFamily="34" charset="0"/>
-              <a:buChar char="•"/>
-            </a:pPr>
-            <a:endParaRPr lang="en-US" sz="5400" spc="160" dirty="0">
-              <a:solidFill>
-                <a:srgbClr val="000000"/>
-              </a:solidFill>
-              <a:latin typeface="Gidole" panose="02000503000000000000" pitchFamily="50" charset="0"/>
-            </a:endParaRPr>
-          </a:p>
-          <a:p>
-            <a:pPr marL="721360" lvl="1" indent="-457200">
-              <a:lnSpc>
-                <a:spcPts val="3840"/>
-              </a:lnSpc>
-              <a:buFont typeface="Arial" panose="020B0604020202020204" pitchFamily="34" charset="0"/>
-              <a:buChar char="•"/>
-            </a:pPr>
-            <a:r>
-              <a:rPr lang="en-US" sz="5400" spc="160" dirty="0">
-                <a:solidFill>
-                  <a:srgbClr val="000000"/>
-                </a:solidFill>
-                <a:latin typeface="Gidole" panose="02000503000000000000" pitchFamily="50" charset="0"/>
-              </a:rPr>
-              <a:t>SQL Server &amp; other relational databases</a:t>
-            </a:r>
-          </a:p>
-          <a:p>
-            <a:pPr marL="721360" lvl="1" indent="-457200">
-              <a:lnSpc>
-                <a:spcPts val="3840"/>
-              </a:lnSpc>
-              <a:buFont typeface="Arial" panose="020B0604020202020204" pitchFamily="34" charset="0"/>
-              <a:buChar char="•"/>
-            </a:pPr>
-            <a:endParaRPr lang="en-US" sz="5400" spc="160" dirty="0">
-              <a:solidFill>
-                <a:srgbClr val="000000"/>
-              </a:solidFill>
-              <a:latin typeface="Gidole" panose="02000503000000000000" pitchFamily="50" charset="0"/>
-            </a:endParaRPr>
-          </a:p>
-          <a:p>
-            <a:pPr marL="721360" lvl="1" indent="-457200">
-              <a:lnSpc>
-                <a:spcPts val="3840"/>
-              </a:lnSpc>
-              <a:buFont typeface="Arial" panose="020B0604020202020204" pitchFamily="34" charset="0"/>
-              <a:buChar char="•"/>
-            </a:pPr>
-            <a:r>
-              <a:rPr lang="en-US" sz="5400" spc="160" dirty="0">
-                <a:solidFill>
-                  <a:srgbClr val="000000"/>
-                </a:solidFill>
-                <a:latin typeface="Gidole" panose="02000503000000000000" pitchFamily="50" charset="0"/>
-              </a:rPr>
-              <a:t>XML, HTML &amp; Web data</a:t>
-            </a:r>
-            <a:br>
-              <a:rPr lang="en-US" sz="4000" spc="160" dirty="0">
-                <a:solidFill>
-                  <a:srgbClr val="000000"/>
-                </a:solidFill>
-                <a:latin typeface="Gidole" panose="02000503000000000000" pitchFamily="50" charset="0"/>
-              </a:rPr>
-            </a:br>
-            <a:endParaRPr lang="en-US" sz="4000" spc="160" dirty="0">
-              <a:solidFill>
-                <a:srgbClr val="000000"/>
-              </a:solidFill>
-              <a:latin typeface="Gidole" panose="02000503000000000000" pitchFamily="50" charset="0"/>
-            </a:endParaRPr>
-          </a:p>
-        </p:txBody>
-      </p:sp>
-      <p:grpSp>
-        <p:nvGrpSpPr>
-          <p:cNvPr id="5" name="Group 5"/>
-          <p:cNvGrpSpPr/>
-          <p:nvPr/>
-        </p:nvGrpSpPr>
-        <p:grpSpPr>
-          <a:xfrm rot="-5400000">
-            <a:off x="15388265" y="7387265"/>
-            <a:ext cx="2902057" cy="2897414"/>
-            <a:chOff x="0" y="0"/>
-            <a:chExt cx="6350000" cy="6339840"/>
-          </a:xfrm>
-        </p:grpSpPr>
-        <p:sp>
-          <p:nvSpPr>
-            <p:cNvPr id="6" name="Freeform 6"/>
-            <p:cNvSpPr/>
-            <p:nvPr/>
-          </p:nvSpPr>
-          <p:spPr>
-            <a:xfrm>
-              <a:off x="0" y="0"/>
-              <a:ext cx="6350000" cy="6339840"/>
-            </a:xfrm>
-            <a:custGeom>
-              <a:avLst/>
-              <a:gdLst/>
-              <a:ahLst/>
-              <a:cxnLst/>
-              <a:rect l="l" t="t" r="r" b="b"/>
-              <a:pathLst>
-                <a:path w="6350000" h="6339840">
-                  <a:moveTo>
-                    <a:pt x="6350000" y="6339840"/>
-                  </a:moveTo>
-                  <a:lnTo>
-                    <a:pt x="0" y="6339840"/>
-                  </a:lnTo>
-                  <a:lnTo>
-                    <a:pt x="0" y="0"/>
-                  </a:lnTo>
-                  <a:close/>
-                </a:path>
-              </a:pathLst>
-            </a:custGeom>
-            <a:solidFill>
-              <a:srgbClr val="CF3338"/>
-            </a:solidFill>
-          </p:spPr>
-        </p:sp>
-      </p:grpSp>
-      <p:pic>
-        <p:nvPicPr>
-          <p:cNvPr id="7" name="Picture 7"/>
-          <p:cNvPicPr>
-            <a:picLocks noChangeAspect="1"/>
-          </p:cNvPicPr>
-          <p:nvPr/>
-        </p:nvPicPr>
-        <p:blipFill>
-          <a:blip r:embed="rId3"/>
-          <a:srcRect/>
-          <a:stretch>
-            <a:fillRect/>
-          </a:stretch>
-        </p:blipFill>
-        <p:spPr>
-          <a:xfrm>
-            <a:off x="16100583" y="9258300"/>
-            <a:ext cx="2005783" cy="1470490"/>
-          </a:xfrm>
-          <a:prstGeom prst="rect">
-            <a:avLst/>
-          </a:prstGeom>
-        </p:spPr>
-      </p:pic>
-      <p:sp>
-        <p:nvSpPr>
-          <p:cNvPr id="12" name="TextBox 4">
-            <a:extLst>
-              <a:ext uri="{FF2B5EF4-FFF2-40B4-BE49-F238E27FC236}">
-                <a16:creationId xmlns:a16="http://schemas.microsoft.com/office/drawing/2014/main" id="{71BA053E-E136-4594-B75B-B9B532460B87}"/>
-              </a:ext>
-            </a:extLst>
-          </p:cNvPr>
-          <p:cNvSpPr txBox="1"/>
-          <p:nvPr/>
-        </p:nvSpPr>
-        <p:spPr>
-          <a:xfrm>
-            <a:off x="9144000" y="2705100"/>
-            <a:ext cx="8076237" cy="4385816"/>
-          </a:xfrm>
-          <a:prstGeom prst="rect">
-            <a:avLst/>
-          </a:prstGeom>
-        </p:spPr>
-        <p:txBody>
-          <a:bodyPr wrap="square" lIns="0" tIns="0" rIns="0" bIns="0" rtlCol="0" anchor="t">
-            <a:spAutoFit/>
-          </a:bodyPr>
-          <a:lstStyle/>
-          <a:p>
-            <a:pPr marL="721360" lvl="1" indent="-457200">
-              <a:lnSpc>
-                <a:spcPts val="3840"/>
-              </a:lnSpc>
-              <a:buFont typeface="Arial" panose="020B0604020202020204" pitchFamily="34" charset="0"/>
-              <a:buChar char="•"/>
-            </a:pPr>
-            <a:r>
-              <a:rPr lang="en-US" sz="5400" spc="160" dirty="0">
-                <a:solidFill>
-                  <a:srgbClr val="000000"/>
-                </a:solidFill>
-                <a:latin typeface="Gidole" panose="02000503000000000000" pitchFamily="50" charset="0"/>
-              </a:rPr>
-              <a:t>SharePoint</a:t>
-            </a:r>
-          </a:p>
-          <a:p>
-            <a:pPr marL="721360" lvl="1" indent="-457200">
-              <a:lnSpc>
-                <a:spcPts val="3840"/>
-              </a:lnSpc>
-              <a:buFont typeface="Arial" panose="020B0604020202020204" pitchFamily="34" charset="0"/>
-              <a:buChar char="•"/>
-            </a:pPr>
-            <a:endParaRPr lang="en-US" sz="5400" spc="160" dirty="0">
-              <a:solidFill>
-                <a:srgbClr val="000000"/>
-              </a:solidFill>
-              <a:latin typeface="Gidole" panose="02000503000000000000" pitchFamily="50" charset="0"/>
-            </a:endParaRPr>
-          </a:p>
-          <a:p>
-            <a:pPr marL="721360" lvl="1" indent="-457200">
-              <a:lnSpc>
-                <a:spcPts val="3840"/>
-              </a:lnSpc>
-              <a:buFont typeface="Arial" panose="020B0604020202020204" pitchFamily="34" charset="0"/>
-              <a:buChar char="•"/>
-            </a:pPr>
-            <a:r>
-              <a:rPr lang="en-US" sz="5400" spc="160" dirty="0">
-                <a:solidFill>
-                  <a:srgbClr val="000000"/>
-                </a:solidFill>
-                <a:latin typeface="Gidole" panose="02000503000000000000" pitchFamily="50" charset="0"/>
-              </a:rPr>
-              <a:t>Hadoop</a:t>
-            </a:r>
-          </a:p>
-          <a:p>
-            <a:pPr marL="721360" lvl="1" indent="-457200">
-              <a:lnSpc>
-                <a:spcPts val="3840"/>
-              </a:lnSpc>
-              <a:buFont typeface="Arial" panose="020B0604020202020204" pitchFamily="34" charset="0"/>
-              <a:buChar char="•"/>
-            </a:pPr>
-            <a:endParaRPr lang="en-US" sz="5400" spc="160" dirty="0">
-              <a:solidFill>
-                <a:srgbClr val="000000"/>
-              </a:solidFill>
-              <a:latin typeface="Gidole" panose="02000503000000000000" pitchFamily="50" charset="0"/>
-            </a:endParaRPr>
-          </a:p>
-          <a:p>
-            <a:pPr marL="721360" lvl="1" indent="-457200">
-              <a:lnSpc>
-                <a:spcPts val="3840"/>
-              </a:lnSpc>
-              <a:buFont typeface="Arial" panose="020B0604020202020204" pitchFamily="34" charset="0"/>
-              <a:buChar char="•"/>
-            </a:pPr>
-            <a:r>
-              <a:rPr lang="en-US" sz="5400" spc="160" dirty="0" err="1">
-                <a:solidFill>
-                  <a:srgbClr val="000000"/>
-                </a:solidFill>
-                <a:latin typeface="Gidole" panose="02000503000000000000" pitchFamily="50" charset="0"/>
-              </a:rPr>
-              <a:t>oData</a:t>
-            </a:r>
-            <a:endParaRPr lang="en-US" sz="5400" spc="160" dirty="0">
-              <a:solidFill>
-                <a:srgbClr val="000000"/>
-              </a:solidFill>
-              <a:latin typeface="Gidole" panose="02000503000000000000" pitchFamily="50" charset="0"/>
-            </a:endParaRPr>
-          </a:p>
-          <a:p>
-            <a:pPr marL="721360" lvl="1" indent="-457200">
-              <a:lnSpc>
-                <a:spcPts val="3840"/>
-              </a:lnSpc>
-              <a:buFont typeface="Arial" panose="020B0604020202020204" pitchFamily="34" charset="0"/>
-              <a:buChar char="•"/>
-            </a:pPr>
-            <a:endParaRPr lang="en-US" sz="5400" spc="160" dirty="0">
-              <a:solidFill>
-                <a:srgbClr val="000000"/>
-              </a:solidFill>
-              <a:latin typeface="Gidole" panose="02000503000000000000" pitchFamily="50" charset="0"/>
-            </a:endParaRPr>
-          </a:p>
-          <a:p>
-            <a:pPr marL="721360" lvl="1" indent="-457200">
-              <a:lnSpc>
-                <a:spcPts val="3840"/>
-              </a:lnSpc>
-              <a:buFont typeface="Arial" panose="020B0604020202020204" pitchFamily="34" charset="0"/>
-              <a:buChar char="•"/>
-            </a:pPr>
-            <a:r>
-              <a:rPr lang="en-US" sz="5400" i="1" spc="160" dirty="0">
-                <a:solidFill>
-                  <a:srgbClr val="000000"/>
-                </a:solidFill>
-                <a:latin typeface="Gidole" panose="02000503000000000000" pitchFamily="50" charset="0"/>
-              </a:rPr>
-              <a:t>Combinations of the above…</a:t>
-            </a:r>
-            <a:br>
-              <a:rPr lang="en-US" sz="4000" i="1" spc="160" dirty="0">
-                <a:solidFill>
-                  <a:srgbClr val="000000"/>
-                </a:solidFill>
-                <a:latin typeface="Gidole" panose="02000503000000000000" pitchFamily="50" charset="0"/>
-              </a:rPr>
-            </a:br>
-            <a:endParaRPr lang="en-US" sz="4000" i="1" spc="160" dirty="0">
-              <a:solidFill>
-                <a:srgbClr val="000000"/>
-              </a:solidFill>
-              <a:latin typeface="Gidole" panose="02000503000000000000" pitchFamily="50" charset="0"/>
-            </a:endParaRPr>
-          </a:p>
-        </p:txBody>
-      </p:sp>
-    </p:spTree>
-    <p:extLst>
-      <p:ext uri="{BB962C8B-B14F-4D97-AF65-F5344CB8AC3E}">
-        <p14:creationId xmlns:p14="http://schemas.microsoft.com/office/powerpoint/2010/main" val="3426836902"/>
       </p:ext>
     </p:extLst>
   </p:cSld>

--- a/pq-pdq.pptx
+++ b/pq-pdq.pptx
@@ -268,7 +268,7 @@
           <a:p>
             <a:fld id="{17A98A70-FA8C-4354-959C-C70678AC9BCF}" type="datetimeFigureOut">
               <a:rPr lang="en-US" smtClean="0"/>
-              <a:t>8/23/2022</a:t>
+              <a:t>8/24/2022</a:t>
             </a:fld>
             <a:endParaRPr lang="en-US"/>
           </a:p>
@@ -2647,7 +2647,7 @@
             <a:fld id="{1D8BD707-D9CF-40AE-B4C6-C98DA3205C09}" type="datetimeFigureOut">
               <a:rPr lang="en-US" smtClean="0"/>
               <a:pPr/>
-              <a:t>8/23/2022</a:t>
+              <a:t>8/24/2022</a:t>
             </a:fld>
             <a:endParaRPr lang="en-US"/>
           </a:p>
@@ -2812,7 +2812,7 @@
             <a:fld id="{1D8BD707-D9CF-40AE-B4C6-C98DA3205C09}" type="datetimeFigureOut">
               <a:rPr lang="en-US" smtClean="0"/>
               <a:pPr/>
-              <a:t>8/23/2022</a:t>
+              <a:t>8/24/2022</a:t>
             </a:fld>
             <a:endParaRPr lang="en-US"/>
           </a:p>
@@ -2987,7 +2987,7 @@
             <a:fld id="{1D8BD707-D9CF-40AE-B4C6-C98DA3205C09}" type="datetimeFigureOut">
               <a:rPr lang="en-US" smtClean="0"/>
               <a:pPr/>
-              <a:t>8/23/2022</a:t>
+              <a:t>8/24/2022</a:t>
             </a:fld>
             <a:endParaRPr lang="en-US"/>
           </a:p>
@@ -3152,7 +3152,7 @@
             <a:fld id="{1D8BD707-D9CF-40AE-B4C6-C98DA3205C09}" type="datetimeFigureOut">
               <a:rPr lang="en-US" smtClean="0"/>
               <a:pPr/>
-              <a:t>8/23/2022</a:t>
+              <a:t>8/24/2022</a:t>
             </a:fld>
             <a:endParaRPr lang="en-US"/>
           </a:p>
@@ -3394,7 +3394,7 @@
             <a:fld id="{1D8BD707-D9CF-40AE-B4C6-C98DA3205C09}" type="datetimeFigureOut">
               <a:rPr lang="en-US" smtClean="0"/>
               <a:pPr/>
-              <a:t>8/23/2022</a:t>
+              <a:t>8/24/2022</a:t>
             </a:fld>
             <a:endParaRPr lang="en-US"/>
           </a:p>
@@ -3676,7 +3676,7 @@
             <a:fld id="{1D8BD707-D9CF-40AE-B4C6-C98DA3205C09}" type="datetimeFigureOut">
               <a:rPr lang="en-US" smtClean="0"/>
               <a:pPr/>
-              <a:t>8/23/2022</a:t>
+              <a:t>8/24/2022</a:t>
             </a:fld>
             <a:endParaRPr lang="en-US"/>
           </a:p>
@@ -4092,7 +4092,7 @@
             <a:fld id="{1D8BD707-D9CF-40AE-B4C6-C98DA3205C09}" type="datetimeFigureOut">
               <a:rPr lang="en-US" smtClean="0"/>
               <a:pPr/>
-              <a:t>8/23/2022</a:t>
+              <a:t>8/24/2022</a:t>
             </a:fld>
             <a:endParaRPr lang="en-US"/>
           </a:p>
@@ -4206,7 +4206,7 @@
             <a:fld id="{1D8BD707-D9CF-40AE-B4C6-C98DA3205C09}" type="datetimeFigureOut">
               <a:rPr lang="en-US" smtClean="0"/>
               <a:pPr/>
-              <a:t>8/23/2022</a:t>
+              <a:t>8/24/2022</a:t>
             </a:fld>
             <a:endParaRPr lang="en-US"/>
           </a:p>
@@ -4298,7 +4298,7 @@
             <a:fld id="{1D8BD707-D9CF-40AE-B4C6-C98DA3205C09}" type="datetimeFigureOut">
               <a:rPr lang="en-US" smtClean="0"/>
               <a:pPr/>
-              <a:t>8/23/2022</a:t>
+              <a:t>8/24/2022</a:t>
             </a:fld>
             <a:endParaRPr lang="en-US"/>
           </a:p>
@@ -4570,7 +4570,7 @@
             <a:fld id="{1D8BD707-D9CF-40AE-B4C6-C98DA3205C09}" type="datetimeFigureOut">
               <a:rPr lang="en-US" smtClean="0"/>
               <a:pPr/>
-              <a:t>8/23/2022</a:t>
+              <a:t>8/24/2022</a:t>
             </a:fld>
             <a:endParaRPr lang="en-US"/>
           </a:p>
@@ -4819,7 +4819,7 @@
             <a:fld id="{1D8BD707-D9CF-40AE-B4C6-C98DA3205C09}" type="datetimeFigureOut">
               <a:rPr lang="en-US" smtClean="0"/>
               <a:pPr/>
-              <a:t>8/23/2022</a:t>
+              <a:t>8/24/2022</a:t>
             </a:fld>
             <a:endParaRPr lang="en-US"/>
           </a:p>
@@ -5032,7 +5032,7 @@
             <a:fld id="{1D8BD707-D9CF-40AE-B4C6-C98DA3205C09}" type="datetimeFigureOut">
               <a:rPr lang="en-US" smtClean="0"/>
               <a:pPr/>
-              <a:t>8/23/2022</a:t>
+              <a:t>8/24/2022</a:t>
             </a:fld>
             <a:endParaRPr lang="en-US"/>
           </a:p>
@@ -8964,7 +8964,7 @@
         </p:blipFill>
         <p:spPr bwMode="auto">
           <a:xfrm>
-            <a:off x="2027323" y="2721307"/>
+            <a:off x="3003330" y="2850156"/>
             <a:ext cx="5673334" cy="3776313"/>
           </a:xfrm>
           <a:prstGeom prst="rect">

--- a/pq-pdq.pptx
+++ b/pq-pdq.pptx
@@ -5,7 +5,7 @@
     <p:sldMasterId id="2147483648" r:id="rId1"/>
   </p:sldMasterIdLst>
   <p:notesMasterIdLst>
-    <p:notesMasterId r:id="rId23"/>
+    <p:notesMasterId r:id="rId17"/>
   </p:notesMasterIdLst>
   <p:sldIdLst>
     <p:sldId id="256" r:id="rId2"/>
@@ -14,50 +14,44 @@
     <p:sldId id="348" r:id="rId5"/>
     <p:sldId id="261" r:id="rId6"/>
     <p:sldId id="351" r:id="rId7"/>
-    <p:sldId id="262" r:id="rId8"/>
-    <p:sldId id="263" r:id="rId9"/>
-    <p:sldId id="352" r:id="rId10"/>
-    <p:sldId id="353" r:id="rId11"/>
-    <p:sldId id="354" r:id="rId12"/>
-    <p:sldId id="355" r:id="rId13"/>
-    <p:sldId id="282" r:id="rId14"/>
-    <p:sldId id="365" r:id="rId15"/>
-    <p:sldId id="368" r:id="rId16"/>
-    <p:sldId id="371" r:id="rId17"/>
-    <p:sldId id="305" r:id="rId18"/>
-    <p:sldId id="401" r:id="rId19"/>
-    <p:sldId id="390" r:id="rId20"/>
-    <p:sldId id="400" r:id="rId21"/>
-    <p:sldId id="402" r:id="rId22"/>
+    <p:sldId id="282" r:id="rId8"/>
+    <p:sldId id="365" r:id="rId9"/>
+    <p:sldId id="368" r:id="rId10"/>
+    <p:sldId id="371" r:id="rId11"/>
+    <p:sldId id="305" r:id="rId12"/>
+    <p:sldId id="390" r:id="rId13"/>
+    <p:sldId id="400" r:id="rId14"/>
+    <p:sldId id="404" r:id="rId15"/>
+    <p:sldId id="402" r:id="rId16"/>
   </p:sldIdLst>
   <p:sldSz cx="18288000" cy="10287000"/>
   <p:notesSz cx="6858000" cy="9144000"/>
   <p:embeddedFontLst>
     <p:embeddedFont>
       <p:font typeface="Calibri" panose="020F0502020204030204" pitchFamily="34" charset="0"/>
-      <p:regular r:id="rId24"/>
-      <p:bold r:id="rId25"/>
-      <p:italic r:id="rId26"/>
-      <p:boldItalic r:id="rId27"/>
+      <p:regular r:id="rId18"/>
+      <p:bold r:id="rId19"/>
+      <p:italic r:id="rId20"/>
+      <p:boldItalic r:id="rId21"/>
     </p:embeddedFont>
     <p:embeddedFont>
-      <p:font typeface="Gidole" panose="02000503000000000000" pitchFamily="2" charset="0"/>
-      <p:regular r:id="rId28"/>
+      <p:font typeface="Gidole" panose="020B0604020202020204" charset="0"/>
+      <p:regular r:id="rId22"/>
     </p:embeddedFont>
     <p:embeddedFont>
       <p:font typeface="League Spartan" panose="020B0604020202020204" charset="0"/>
-      <p:regular r:id="rId29"/>
+      <p:regular r:id="rId23"/>
     </p:embeddedFont>
     <p:embeddedFont>
       <p:font typeface="Open Sans Extra Bold" panose="020B0604020202020204" charset="0"/>
-      <p:regular r:id="rId30"/>
+      <p:regular r:id="rId24"/>
     </p:embeddedFont>
     <p:embeddedFont>
       <p:font typeface="Roboto Mono" panose="020B0604020202020204" charset="0"/>
-      <p:regular r:id="rId31"/>
-      <p:bold r:id="rId32"/>
-      <p:italic r:id="rId33"/>
-      <p:boldItalic r:id="rId34"/>
+      <p:regular r:id="rId25"/>
+      <p:bold r:id="rId26"/>
+      <p:italic r:id="rId27"/>
+      <p:boldItalic r:id="rId28"/>
     </p:embeddedFont>
   </p:embeddedFontLst>
   <p:defaultTextStyle>
@@ -579,7 +573,10 @@
           <a:bodyPr/>
           <a:lstStyle/>
           <a:p>
-            <a:endParaRPr lang="en-US" dirty="0"/>
+            <a:r>
+              <a:rPr lang="en-US"/>
+              <a:t>https://swiy.co/musopen</a:t>
+            </a:r>
           </a:p>
         </p:txBody>
       </p:sp>
@@ -600,7 +597,7 @@
           <a:p>
             <a:fld id="{FFB500C5-13F7-48FC-8160-C29AECF6C602}" type="slidenum">
               <a:rPr lang="en-US" smtClean="0"/>
-              <a:t>2</a:t>
+              <a:t>1</a:t>
             </a:fld>
             <a:endParaRPr lang="en-US"/>
           </a:p>
@@ -609,7 +606,7 @@
     </p:spTree>
     <p:extLst>
       <p:ext uri="{BB962C8B-B14F-4D97-AF65-F5344CB8AC3E}">
-        <p14:creationId xmlns:p14="http://schemas.microsoft.com/office/powerpoint/2010/main" val="1532573276"/>
+        <p14:creationId xmlns:p14="http://schemas.microsoft.com/office/powerpoint/2010/main" val="3168901316"/>
       </p:ext>
     </p:extLst>
   </p:cSld>
@@ -665,20 +662,22 @@
           <a:p>
             <a:r>
               <a:rPr lang="en-US" dirty="0"/>
-              <a:t>And that’s the last myth I want to bust here, is that Excel can’t handle large datasets. Now, with “classical Excel” this was probably true, that Excel just couldn’t handle some of those bigger datasets that a lot of data analysts are working with these days, but that’s just not true when you are using Power Query [example on next slide]</a:t>
-            </a:r>
-          </a:p>
-          <a:p>
-            <a:endParaRPr lang="en-US" dirty="0"/>
+              <a:t>Let’s practice on this</a:t>
+            </a:r>
           </a:p>
           <a:p>
             <a:r>
               <a:rPr lang="en-US" dirty="0"/>
-              <a:t>https://pixabay.com/photos/amphibian-turtle-animal-armor-blur-1850190/  </a:t>
-            </a:r>
-          </a:p>
-          <a:p>
-            <a:endParaRPr lang="en-US" dirty="0"/>
+              <a:t>Of course there is a LOT more you can do here, you can work on rows, multiple datasets </a:t>
+            </a:r>
+            <a:r>
+              <a:rPr lang="en-US" dirty="0" err="1"/>
+              <a:t>etc</a:t>
+            </a:r>
+            <a:r>
+              <a:rPr lang="en-US" dirty="0"/>
+              <a:t> but we’ll focus on the very beginning stuff here. </a:t>
+            </a:r>
           </a:p>
         </p:txBody>
       </p:sp>
@@ -699,7 +698,7 @@
           <a:p>
             <a:fld id="{FFB500C5-13F7-48FC-8160-C29AECF6C602}" type="slidenum">
               <a:rPr lang="en-US" smtClean="0"/>
-              <a:t>11</a:t>
+              <a:t>10</a:t>
             </a:fld>
             <a:endParaRPr lang="en-US"/>
           </a:p>
@@ -708,7 +707,7 @@
     </p:spTree>
     <p:extLst>
       <p:ext uri="{BB962C8B-B14F-4D97-AF65-F5344CB8AC3E}">
-        <p14:creationId xmlns:p14="http://schemas.microsoft.com/office/powerpoint/2010/main" val="2294406139"/>
+        <p14:creationId xmlns:p14="http://schemas.microsoft.com/office/powerpoint/2010/main" val="1531584346"/>
       </p:ext>
     </p:extLst>
   </p:cSld>
@@ -780,12 +779,17 @@
               <a:defRPr/>
             </a:pPr>
             <a:r>
-              <a:rPr lang="en-US" dirty="0"/>
-              <a:t>Here is an example of that, a blog post about analyzing 50 million records using Excel. 50 million is pretty significant for most anyone, and Excel could handle it, so dismissing Excel out of hand on account of performance is just not as true anymore with Power Query. </a:t>
-            </a:r>
-          </a:p>
-          <a:p>
-            <a:endParaRPr lang="en-US" dirty="0"/>
+              <a:rPr lang="en-US" sz="1200" kern="1200" dirty="0">
+                <a:solidFill>
+                  <a:schemeClr val="tx1"/>
+                </a:solidFill>
+                <a:effectLst/>
+                <a:latin typeface="+mn-lt"/>
+                <a:ea typeface="+mn-ea"/>
+                <a:cs typeface="+mn-cs"/>
+              </a:rPr>
+              <a:t>If you are looking to individually take a Power Query class I have a surprise here at the end… </a:t>
+            </a:r>
           </a:p>
         </p:txBody>
       </p:sp>
@@ -806,7 +810,7 @@
           <a:p>
             <a:fld id="{FFB500C5-13F7-48FC-8160-C29AECF6C602}" type="slidenum">
               <a:rPr lang="en-US" smtClean="0"/>
-              <a:t>12</a:t>
+              <a:t>11</a:t>
             </a:fld>
             <a:endParaRPr lang="en-US"/>
           </a:p>
@@ -815,7 +819,7 @@
     </p:spTree>
     <p:extLst>
       <p:ext uri="{BB962C8B-B14F-4D97-AF65-F5344CB8AC3E}">
-        <p14:creationId xmlns:p14="http://schemas.microsoft.com/office/powerpoint/2010/main" val="2689248062"/>
+        <p14:creationId xmlns:p14="http://schemas.microsoft.com/office/powerpoint/2010/main" val="3644834246"/>
       </p:ext>
     </p:extLst>
   </p:cSld>
@@ -871,7 +875,7 @@
           <a:p>
             <a:r>
               <a:rPr lang="en-US" dirty="0"/>
-              <a:t>Now you are hyped up Power Query, I think you are going to love it and it will be hard for you to remember the days when you didn’t have it. So let’s think about what we would do without Power Query. </a:t>
+              <a:t>Thanks for coming! Feel free to contact me anytime, find me on LinkedIn, I also write frequently on this stuff so check out my website too. </a:t>
             </a:r>
           </a:p>
         </p:txBody>
@@ -893,7 +897,7 @@
           <a:p>
             <a:fld id="{FFB500C5-13F7-48FC-8160-C29AECF6C602}" type="slidenum">
               <a:rPr lang="en-US" smtClean="0"/>
-              <a:t>13</a:t>
+              <a:t>12</a:t>
             </a:fld>
             <a:endParaRPr lang="en-US"/>
           </a:p>
@@ -902,7 +906,7 @@
     </p:spTree>
     <p:extLst>
       <p:ext uri="{BB962C8B-B14F-4D97-AF65-F5344CB8AC3E}">
-        <p14:creationId xmlns:p14="http://schemas.microsoft.com/office/powerpoint/2010/main" val="3535360720"/>
+        <p14:creationId xmlns:p14="http://schemas.microsoft.com/office/powerpoint/2010/main" val="2404527324"/>
       </p:ext>
     </p:extLst>
   </p:cSld>
@@ -956,7 +960,16 @@
           <a:bodyPr/>
           <a:lstStyle/>
           <a:p>
-            <a:endParaRPr lang="en-US" dirty="0"/>
+            <a:r>
+              <a:rPr lang="en-US" dirty="0"/>
+              <a:t>I’m a data analyst give me data on how I did</a:t>
+            </a:r>
+          </a:p>
+          <a:p>
+            <a:r>
+              <a:rPr lang="en-US" dirty="0"/>
+              <a:t>Testimonials also VERY helpful. </a:t>
+            </a:r>
           </a:p>
         </p:txBody>
       </p:sp>
@@ -977,7 +990,7 @@
           <a:p>
             <a:fld id="{FFB500C5-13F7-48FC-8160-C29AECF6C602}" type="slidenum">
               <a:rPr lang="en-US" smtClean="0"/>
-              <a:t>14</a:t>
+              <a:t>13</a:t>
             </a:fld>
             <a:endParaRPr lang="en-US"/>
           </a:p>
@@ -986,7 +999,7 @@
     </p:spTree>
     <p:extLst>
       <p:ext uri="{BB962C8B-B14F-4D97-AF65-F5344CB8AC3E}">
-        <p14:creationId xmlns:p14="http://schemas.microsoft.com/office/powerpoint/2010/main" val="3625376761"/>
+        <p14:creationId xmlns:p14="http://schemas.microsoft.com/office/powerpoint/2010/main" val="3125451817"/>
       </p:ext>
     </p:extLst>
   </p:cSld>
@@ -1042,13 +1055,8 @@
           <a:p>
             <a:r>
               <a:rPr lang="en-US" dirty="0"/>
-              <a:t>Open this file. We will get </a:t>
-            </a:r>
-            <a:r>
-              <a:rPr lang="en-US"/>
-              <a:t>into Power Query now. </a:t>
-            </a:r>
-            <a:endParaRPr lang="en-US" dirty="0"/>
+              <a:t>Any questions on descriptive statistics? </a:t>
+            </a:r>
           </a:p>
         </p:txBody>
       </p:sp>
@@ -1069,7 +1077,7 @@
           <a:p>
             <a:fld id="{FFB500C5-13F7-48FC-8160-C29AECF6C602}" type="slidenum">
               <a:rPr lang="en-US" smtClean="0"/>
-              <a:t>15</a:t>
+              <a:t>14</a:t>
             </a:fld>
             <a:endParaRPr lang="en-US"/>
           </a:p>
@@ -1078,7 +1086,7 @@
     </p:spTree>
     <p:extLst>
       <p:ext uri="{BB962C8B-B14F-4D97-AF65-F5344CB8AC3E}">
-        <p14:creationId xmlns:p14="http://schemas.microsoft.com/office/powerpoint/2010/main" val="3097664856"/>
+        <p14:creationId xmlns:p14="http://schemas.microsoft.com/office/powerpoint/2010/main" val="746477125"/>
       </p:ext>
     </p:extLst>
   </p:cSld>
@@ -1156,7 +1164,7 @@
           <a:p>
             <a:fld id="{FFB500C5-13F7-48FC-8160-C29AECF6C602}" type="slidenum">
               <a:rPr lang="en-US" smtClean="0"/>
-              <a:t>16</a:t>
+              <a:t>15</a:t>
             </a:fld>
             <a:endParaRPr lang="en-US"/>
           </a:p>
@@ -1165,405 +1173,7 @@
     </p:spTree>
     <p:extLst>
       <p:ext uri="{BB962C8B-B14F-4D97-AF65-F5344CB8AC3E}">
-        <p14:creationId xmlns:p14="http://schemas.microsoft.com/office/powerpoint/2010/main" val="1531584346"/>
-      </p:ext>
-    </p:extLst>
-  </p:cSld>
-  <p:clrMapOvr>
-    <a:masterClrMapping/>
-  </p:clrMapOvr>
-</p:notes>
-</file>
-
-<file path=ppt/notesSlides/notesSlide16.xml><?xml version="1.0" encoding="utf-8"?>
-<p:notes xmlns:a="http://schemas.openxmlformats.org/drawingml/2006/main" xmlns:r="http://schemas.openxmlformats.org/officeDocument/2006/relationships" xmlns:p="http://schemas.openxmlformats.org/presentationml/2006/main">
-  <p:cSld>
-    <p:spTree>
-      <p:nvGrpSpPr>
-        <p:cNvPr id="1" name=""/>
-        <p:cNvGrpSpPr/>
-        <p:nvPr/>
-      </p:nvGrpSpPr>
-      <p:grpSpPr>
-        <a:xfrm>
-          <a:off x="0" y="0"/>
-          <a:ext cx="0" cy="0"/>
-          <a:chOff x="0" y="0"/>
-          <a:chExt cx="0" cy="0"/>
-        </a:xfrm>
-      </p:grpSpPr>
-      <p:sp>
-        <p:nvSpPr>
-          <p:cNvPr id="2" name="Slide Image Placeholder 1"/>
-          <p:cNvSpPr>
-            <a:spLocks noGrp="1" noRot="1" noChangeAspect="1"/>
-          </p:cNvSpPr>
-          <p:nvPr>
-            <p:ph type="sldImg"/>
-          </p:nvPr>
-        </p:nvSpPr>
-        <p:spPr/>
-      </p:sp>
-      <p:sp>
-        <p:nvSpPr>
-          <p:cNvPr id="3" name="Notes Placeholder 2"/>
-          <p:cNvSpPr>
-            <a:spLocks noGrp="1"/>
-          </p:cNvSpPr>
-          <p:nvPr>
-            <p:ph type="body" idx="1"/>
-          </p:nvPr>
-        </p:nvSpPr>
-        <p:spPr/>
-        <p:txBody>
-          <a:bodyPr/>
-          <a:lstStyle/>
-          <a:p>
-            <a:pPr marL="0" marR="0" lvl="0" indent="0" algn="l" defTabSz="914400" rtl="0" eaLnBrk="1" fontAlgn="auto" latinLnBrk="0" hangingPunct="1">
-              <a:lnSpc>
-                <a:spcPct val="100000"/>
-              </a:lnSpc>
-              <a:spcBef>
-                <a:spcPts val="0"/>
-              </a:spcBef>
-              <a:spcAft>
-                <a:spcPts val="0"/>
-              </a:spcAft>
-              <a:buClrTx/>
-              <a:buSzTx/>
-              <a:buFontTx/>
-              <a:buNone/>
-              <a:tabLst/>
-              <a:defRPr/>
-            </a:pPr>
-            <a:r>
-              <a:rPr lang="en-US" sz="1200" kern="1200" dirty="0">
-                <a:solidFill>
-                  <a:schemeClr val="tx1"/>
-                </a:solidFill>
-                <a:effectLst/>
-                <a:latin typeface="+mn-lt"/>
-                <a:ea typeface="+mn-ea"/>
-                <a:cs typeface="+mn-cs"/>
-              </a:rPr>
-              <a:t>This one is a little more user friendly, it focuses on Excel and you will also learn about Power Pivot as well. </a:t>
-            </a:r>
-          </a:p>
-        </p:txBody>
-      </p:sp>
-      <p:sp>
-        <p:nvSpPr>
-          <p:cNvPr id="4" name="Slide Number Placeholder 3"/>
-          <p:cNvSpPr>
-            <a:spLocks noGrp="1"/>
-          </p:cNvSpPr>
-          <p:nvPr>
-            <p:ph type="sldNum" sz="quarter" idx="5"/>
-          </p:nvPr>
-        </p:nvSpPr>
-        <p:spPr/>
-        <p:txBody>
-          <a:bodyPr/>
-          <a:lstStyle/>
-          <a:p>
-            <a:fld id="{FFB500C5-13F7-48FC-8160-C29AECF6C602}" type="slidenum">
-              <a:rPr lang="en-US" smtClean="0"/>
-              <a:t>17</a:t>
-            </a:fld>
-            <a:endParaRPr lang="en-US"/>
-          </a:p>
-        </p:txBody>
-      </p:sp>
-    </p:spTree>
-    <p:extLst>
-      <p:ext uri="{BB962C8B-B14F-4D97-AF65-F5344CB8AC3E}">
-        <p14:creationId xmlns:p14="http://schemas.microsoft.com/office/powerpoint/2010/main" val="3644834246"/>
-      </p:ext>
-    </p:extLst>
-  </p:cSld>
-  <p:clrMapOvr>
-    <a:masterClrMapping/>
-  </p:clrMapOvr>
-</p:notes>
-</file>
-
-<file path=ppt/notesSlides/notesSlide17.xml><?xml version="1.0" encoding="utf-8"?>
-<p:notes xmlns:a="http://schemas.openxmlformats.org/drawingml/2006/main" xmlns:r="http://schemas.openxmlformats.org/officeDocument/2006/relationships" xmlns:p="http://schemas.openxmlformats.org/presentationml/2006/main">
-  <p:cSld>
-    <p:spTree>
-      <p:nvGrpSpPr>
-        <p:cNvPr id="1" name=""/>
-        <p:cNvGrpSpPr/>
-        <p:nvPr/>
-      </p:nvGrpSpPr>
-      <p:grpSpPr>
-        <a:xfrm>
-          <a:off x="0" y="0"/>
-          <a:ext cx="0" cy="0"/>
-          <a:chOff x="0" y="0"/>
-          <a:chExt cx="0" cy="0"/>
-        </a:xfrm>
-      </p:grpSpPr>
-      <p:sp>
-        <p:nvSpPr>
-          <p:cNvPr id="2" name="Slide Image Placeholder 1"/>
-          <p:cNvSpPr>
-            <a:spLocks noGrp="1" noRot="1" noChangeAspect="1"/>
-          </p:cNvSpPr>
-          <p:nvPr>
-            <p:ph type="sldImg"/>
-          </p:nvPr>
-        </p:nvSpPr>
-        <p:spPr/>
-      </p:sp>
-      <p:sp>
-        <p:nvSpPr>
-          <p:cNvPr id="3" name="Notes Placeholder 2"/>
-          <p:cNvSpPr>
-            <a:spLocks noGrp="1"/>
-          </p:cNvSpPr>
-          <p:nvPr>
-            <p:ph type="body" idx="1"/>
-          </p:nvPr>
-        </p:nvSpPr>
-        <p:spPr/>
-        <p:txBody>
-          <a:bodyPr/>
-          <a:lstStyle/>
-          <a:p>
-            <a:pPr marL="0" marR="0" lvl="0" indent="0" algn="l" defTabSz="914400" rtl="0" eaLnBrk="1" fontAlgn="auto" latinLnBrk="0" hangingPunct="1">
-              <a:lnSpc>
-                <a:spcPct val="100000"/>
-              </a:lnSpc>
-              <a:spcBef>
-                <a:spcPts val="0"/>
-              </a:spcBef>
-              <a:spcAft>
-                <a:spcPts val="0"/>
-              </a:spcAft>
-              <a:buClrTx/>
-              <a:buSzTx/>
-              <a:buFontTx/>
-              <a:buNone/>
-              <a:tabLst/>
-              <a:defRPr/>
-            </a:pPr>
-            <a:r>
-              <a:rPr lang="en-US" sz="1200" kern="1200" dirty="0">
-                <a:solidFill>
-                  <a:schemeClr val="tx1"/>
-                </a:solidFill>
-                <a:effectLst/>
-                <a:latin typeface="+mn-lt"/>
-                <a:ea typeface="+mn-ea"/>
-                <a:cs typeface="+mn-cs"/>
-              </a:rPr>
-              <a:t>This one is a little more user friendly, it focuses on Excel and you will also learn about Power Pivot as well. </a:t>
-            </a:r>
-          </a:p>
-        </p:txBody>
-      </p:sp>
-      <p:sp>
-        <p:nvSpPr>
-          <p:cNvPr id="4" name="Slide Number Placeholder 3"/>
-          <p:cNvSpPr>
-            <a:spLocks noGrp="1"/>
-          </p:cNvSpPr>
-          <p:nvPr>
-            <p:ph type="sldNum" sz="quarter" idx="5"/>
-          </p:nvPr>
-        </p:nvSpPr>
-        <p:spPr/>
-        <p:txBody>
-          <a:bodyPr/>
-          <a:lstStyle/>
-          <a:p>
-            <a:fld id="{FFB500C5-13F7-48FC-8160-C29AECF6C602}" type="slidenum">
-              <a:rPr lang="en-US" smtClean="0"/>
-              <a:t>18</a:t>
-            </a:fld>
-            <a:endParaRPr lang="en-US"/>
-          </a:p>
-        </p:txBody>
-      </p:sp>
-    </p:spTree>
-    <p:extLst>
-      <p:ext uri="{BB962C8B-B14F-4D97-AF65-F5344CB8AC3E}">
-        <p14:creationId xmlns:p14="http://schemas.microsoft.com/office/powerpoint/2010/main" val="1199767389"/>
-      </p:ext>
-    </p:extLst>
-  </p:cSld>
-  <p:clrMapOvr>
-    <a:masterClrMapping/>
-  </p:clrMapOvr>
-</p:notes>
-</file>
-
-<file path=ppt/notesSlides/notesSlide18.xml><?xml version="1.0" encoding="utf-8"?>
-<p:notes xmlns:a="http://schemas.openxmlformats.org/drawingml/2006/main" xmlns:r="http://schemas.openxmlformats.org/officeDocument/2006/relationships" xmlns:p="http://schemas.openxmlformats.org/presentationml/2006/main">
-  <p:cSld>
-    <p:spTree>
-      <p:nvGrpSpPr>
-        <p:cNvPr id="1" name=""/>
-        <p:cNvGrpSpPr/>
-        <p:nvPr/>
-      </p:nvGrpSpPr>
-      <p:grpSpPr>
-        <a:xfrm>
-          <a:off x="0" y="0"/>
-          <a:ext cx="0" cy="0"/>
-          <a:chOff x="0" y="0"/>
-          <a:chExt cx="0" cy="0"/>
-        </a:xfrm>
-      </p:grpSpPr>
-      <p:sp>
-        <p:nvSpPr>
-          <p:cNvPr id="2" name="Slide Image Placeholder 1"/>
-          <p:cNvSpPr>
-            <a:spLocks noGrp="1" noRot="1" noChangeAspect="1"/>
-          </p:cNvSpPr>
-          <p:nvPr>
-            <p:ph type="sldImg"/>
-          </p:nvPr>
-        </p:nvSpPr>
-        <p:spPr/>
-      </p:sp>
-      <p:sp>
-        <p:nvSpPr>
-          <p:cNvPr id="3" name="Notes Placeholder 2"/>
-          <p:cNvSpPr>
-            <a:spLocks noGrp="1"/>
-          </p:cNvSpPr>
-          <p:nvPr>
-            <p:ph type="body" idx="1"/>
-          </p:nvPr>
-        </p:nvSpPr>
-        <p:spPr/>
-        <p:txBody>
-          <a:bodyPr/>
-          <a:lstStyle/>
-          <a:p>
-            <a:r>
-              <a:rPr lang="en-US" dirty="0"/>
-              <a:t>Thanks for coming! Feel free to contact me anytime, find me on LinkedIn, I also write frequently on this stuff so check out my website too. </a:t>
-            </a:r>
-          </a:p>
-        </p:txBody>
-      </p:sp>
-      <p:sp>
-        <p:nvSpPr>
-          <p:cNvPr id="4" name="Slide Number Placeholder 3"/>
-          <p:cNvSpPr>
-            <a:spLocks noGrp="1"/>
-          </p:cNvSpPr>
-          <p:nvPr>
-            <p:ph type="sldNum" sz="quarter" idx="5"/>
-          </p:nvPr>
-        </p:nvSpPr>
-        <p:spPr/>
-        <p:txBody>
-          <a:bodyPr/>
-          <a:lstStyle/>
-          <a:p>
-            <a:fld id="{FFB500C5-13F7-48FC-8160-C29AECF6C602}" type="slidenum">
-              <a:rPr lang="en-US" smtClean="0"/>
-              <a:t>19</a:t>
-            </a:fld>
-            <a:endParaRPr lang="en-US"/>
-          </a:p>
-        </p:txBody>
-      </p:sp>
-    </p:spTree>
-    <p:extLst>
-      <p:ext uri="{BB962C8B-B14F-4D97-AF65-F5344CB8AC3E}">
-        <p14:creationId xmlns:p14="http://schemas.microsoft.com/office/powerpoint/2010/main" val="2404527324"/>
-      </p:ext>
-    </p:extLst>
-  </p:cSld>
-  <p:clrMapOvr>
-    <a:masterClrMapping/>
-  </p:clrMapOvr>
-</p:notes>
-</file>
-
-<file path=ppt/notesSlides/notesSlide19.xml><?xml version="1.0" encoding="utf-8"?>
-<p:notes xmlns:a="http://schemas.openxmlformats.org/drawingml/2006/main" xmlns:r="http://schemas.openxmlformats.org/officeDocument/2006/relationships" xmlns:p="http://schemas.openxmlformats.org/presentationml/2006/main">
-  <p:cSld>
-    <p:spTree>
-      <p:nvGrpSpPr>
-        <p:cNvPr id="1" name=""/>
-        <p:cNvGrpSpPr/>
-        <p:nvPr/>
-      </p:nvGrpSpPr>
-      <p:grpSpPr>
-        <a:xfrm>
-          <a:off x="0" y="0"/>
-          <a:ext cx="0" cy="0"/>
-          <a:chOff x="0" y="0"/>
-          <a:chExt cx="0" cy="0"/>
-        </a:xfrm>
-      </p:grpSpPr>
-      <p:sp>
-        <p:nvSpPr>
-          <p:cNvPr id="2" name="Slide Image Placeholder 1"/>
-          <p:cNvSpPr>
-            <a:spLocks noGrp="1" noRot="1" noChangeAspect="1"/>
-          </p:cNvSpPr>
-          <p:nvPr>
-            <p:ph type="sldImg"/>
-          </p:nvPr>
-        </p:nvSpPr>
-        <p:spPr/>
-      </p:sp>
-      <p:sp>
-        <p:nvSpPr>
-          <p:cNvPr id="3" name="Notes Placeholder 2"/>
-          <p:cNvSpPr>
-            <a:spLocks noGrp="1"/>
-          </p:cNvSpPr>
-          <p:nvPr>
-            <p:ph type="body" idx="1"/>
-          </p:nvPr>
-        </p:nvSpPr>
-        <p:spPr/>
-        <p:txBody>
-          <a:bodyPr/>
-          <a:lstStyle/>
-          <a:p>
-            <a:r>
-              <a:rPr lang="en-US" dirty="0"/>
-              <a:t>Any questions on descriptive statistics? </a:t>
-            </a:r>
-          </a:p>
-        </p:txBody>
-      </p:sp>
-      <p:sp>
-        <p:nvSpPr>
-          <p:cNvPr id="4" name="Slide Number Placeholder 3"/>
-          <p:cNvSpPr>
-            <a:spLocks noGrp="1"/>
-          </p:cNvSpPr>
-          <p:nvPr>
-            <p:ph type="sldNum" sz="quarter" idx="5"/>
-          </p:nvPr>
-        </p:nvSpPr>
-        <p:spPr/>
-        <p:txBody>
-          <a:bodyPr/>
-          <a:lstStyle/>
-          <a:p>
-            <a:fld id="{FFB500C5-13F7-48FC-8160-C29AECF6C602}" type="slidenum">
-              <a:rPr lang="en-US" smtClean="0"/>
-              <a:t>20</a:t>
-            </a:fld>
-            <a:endParaRPr lang="en-US"/>
-          </a:p>
-        </p:txBody>
-      </p:sp>
-    </p:spTree>
-    <p:extLst>
-      <p:ext uri="{BB962C8B-B14F-4D97-AF65-F5344CB8AC3E}">
-        <p14:creationId xmlns:p14="http://schemas.microsoft.com/office/powerpoint/2010/main" val="3125451817"/>
+        <p14:creationId xmlns:p14="http://schemas.microsoft.com/office/powerpoint/2010/main" val="3885250660"/>
       </p:ext>
     </p:extLst>
   </p:cSld>
@@ -1638,7 +1248,7 @@
           <a:p>
             <a:fld id="{FFB500C5-13F7-48FC-8160-C29AECF6C602}" type="slidenum">
               <a:rPr lang="en-US" smtClean="0"/>
-              <a:t>3</a:t>
+              <a:t>2</a:t>
             </a:fld>
             <a:endParaRPr lang="en-US"/>
           </a:p>
@@ -1647,94 +1257,7 @@
     </p:spTree>
     <p:extLst>
       <p:ext uri="{BB962C8B-B14F-4D97-AF65-F5344CB8AC3E}">
-        <p14:creationId xmlns:p14="http://schemas.microsoft.com/office/powerpoint/2010/main" val="425649686"/>
-      </p:ext>
-    </p:extLst>
-  </p:cSld>
-  <p:clrMapOvr>
-    <a:masterClrMapping/>
-  </p:clrMapOvr>
-</p:notes>
-</file>
-
-<file path=ppt/notesSlides/notesSlide20.xml><?xml version="1.0" encoding="utf-8"?>
-<p:notes xmlns:a="http://schemas.openxmlformats.org/drawingml/2006/main" xmlns:r="http://schemas.openxmlformats.org/officeDocument/2006/relationships" xmlns:p="http://schemas.openxmlformats.org/presentationml/2006/main">
-  <p:cSld>
-    <p:spTree>
-      <p:nvGrpSpPr>
-        <p:cNvPr id="1" name=""/>
-        <p:cNvGrpSpPr/>
-        <p:nvPr/>
-      </p:nvGrpSpPr>
-      <p:grpSpPr>
-        <a:xfrm>
-          <a:off x="0" y="0"/>
-          <a:ext cx="0" cy="0"/>
-          <a:chOff x="0" y="0"/>
-          <a:chExt cx="0" cy="0"/>
-        </a:xfrm>
-      </p:grpSpPr>
-      <p:sp>
-        <p:nvSpPr>
-          <p:cNvPr id="2" name="Slide Image Placeholder 1"/>
-          <p:cNvSpPr>
-            <a:spLocks noGrp="1" noRot="1" noChangeAspect="1"/>
-          </p:cNvSpPr>
-          <p:nvPr>
-            <p:ph type="sldImg"/>
-          </p:nvPr>
-        </p:nvSpPr>
-        <p:spPr/>
-      </p:sp>
-      <p:sp>
-        <p:nvSpPr>
-          <p:cNvPr id="3" name="Notes Placeholder 2"/>
-          <p:cNvSpPr>
-            <a:spLocks noGrp="1"/>
-          </p:cNvSpPr>
-          <p:nvPr>
-            <p:ph type="body" idx="1"/>
-          </p:nvPr>
-        </p:nvSpPr>
-        <p:spPr/>
-        <p:txBody>
-          <a:bodyPr/>
-          <a:lstStyle/>
-          <a:p>
-            <a:r>
-              <a:rPr lang="en-US" dirty="0"/>
-              <a:t>Any questions on descriptive statistics? </a:t>
-            </a:r>
-          </a:p>
-        </p:txBody>
-      </p:sp>
-      <p:sp>
-        <p:nvSpPr>
-          <p:cNvPr id="4" name="Slide Number Placeholder 3"/>
-          <p:cNvSpPr>
-            <a:spLocks noGrp="1"/>
-          </p:cNvSpPr>
-          <p:nvPr>
-            <p:ph type="sldNum" sz="quarter" idx="5"/>
-          </p:nvPr>
-        </p:nvSpPr>
-        <p:spPr/>
-        <p:txBody>
-          <a:bodyPr/>
-          <a:lstStyle/>
-          <a:p>
-            <a:fld id="{FFB500C5-13F7-48FC-8160-C29AECF6C602}" type="slidenum">
-              <a:rPr lang="en-US" smtClean="0"/>
-              <a:t>21</a:t>
-            </a:fld>
-            <a:endParaRPr lang="en-US"/>
-          </a:p>
-        </p:txBody>
-      </p:sp>
-    </p:spTree>
-    <p:extLst>
-      <p:ext uri="{BB962C8B-B14F-4D97-AF65-F5344CB8AC3E}">
-        <p14:creationId xmlns:p14="http://schemas.microsoft.com/office/powerpoint/2010/main" val="3885250660"/>
+        <p14:creationId xmlns:p14="http://schemas.microsoft.com/office/powerpoint/2010/main" val="1532573276"/>
       </p:ext>
     </p:extLst>
   </p:cSld>
@@ -1788,36 +1311,6 @@
           <a:bodyPr/>
           <a:lstStyle/>
           <a:p>
-            <a:r>
-              <a:rPr lang="en-US" dirty="0"/>
-              <a:t>This is an Excel class, so we won’t be looking at PowerPoint the whole time – to follow along, you will see that all assets are divided by section.</a:t>
-            </a:r>
-          </a:p>
-          <a:p>
-            <a:r>
-              <a:rPr lang="en-US" dirty="0"/>
-              <a:t>Some of our Excel time will be Demos – for this I will be walking through some procedure in Excel.</a:t>
-            </a:r>
-          </a:p>
-          <a:p>
-            <a:r>
-              <a:rPr lang="en-US" dirty="0"/>
-              <a:t>If you need any datasets they will be included in each sub-folder. </a:t>
-            </a:r>
-          </a:p>
-          <a:p>
-            <a:r>
-              <a:rPr lang="en-US" dirty="0"/>
-              <a:t>Then there may be a Drill where you will work on it for yourself during some specified period of time. </a:t>
-            </a:r>
-          </a:p>
-          <a:p>
-            <a:r>
-              <a:rPr lang="en-US" dirty="0"/>
-              <a:t>	I have provided written notes/instructions about the Demos which you can refer to while working on the Drills. </a:t>
-            </a:r>
-          </a:p>
-          <a:p>
             <a:endParaRPr lang="en-US" dirty="0"/>
           </a:p>
         </p:txBody>
@@ -1839,7 +1332,7 @@
           <a:p>
             <a:fld id="{FFB500C5-13F7-48FC-8160-C29AECF6C602}" type="slidenum">
               <a:rPr lang="en-US" smtClean="0"/>
-              <a:t>4</a:t>
+              <a:t>3</a:t>
             </a:fld>
             <a:endParaRPr lang="en-US"/>
           </a:p>
@@ -1848,7 +1341,7 @@
     </p:spTree>
     <p:extLst>
       <p:ext uri="{BB962C8B-B14F-4D97-AF65-F5344CB8AC3E}">
-        <p14:creationId xmlns:p14="http://schemas.microsoft.com/office/powerpoint/2010/main" val="949741743"/>
+        <p14:creationId xmlns:p14="http://schemas.microsoft.com/office/powerpoint/2010/main" val="425649686"/>
       </p:ext>
     </p:extLst>
   </p:cSld>
@@ -1904,8 +1397,35 @@
           <a:p>
             <a:r>
               <a:rPr lang="en-US" dirty="0"/>
-              <a:t>Now I’m going to be very scientific here and go to Wikipedia to explain how extract, transform, load or ETL methodologies work.</a:t>
-            </a:r>
+              <a:t>This is an Excel class, so we won’t be looking at PowerPoint the whole time – to follow along, you will see that all assets are divided by section.</a:t>
+            </a:r>
+          </a:p>
+          <a:p>
+            <a:r>
+              <a:rPr lang="en-US" dirty="0"/>
+              <a:t>Some of our Excel time will be Demos – for this I will be walking through some procedure in Excel.</a:t>
+            </a:r>
+          </a:p>
+          <a:p>
+            <a:r>
+              <a:rPr lang="en-US" dirty="0"/>
+              <a:t>If you need any datasets they will be included in each sub-folder. </a:t>
+            </a:r>
+          </a:p>
+          <a:p>
+            <a:r>
+              <a:rPr lang="en-US" dirty="0"/>
+              <a:t>Then there may be a Drill where you will work on it for yourself during some specified period of time. </a:t>
+            </a:r>
+          </a:p>
+          <a:p>
+            <a:r>
+              <a:rPr lang="en-US" dirty="0"/>
+              <a:t>	I have provided written notes/instructions about the Demos which you can refer to while working on the Drills. </a:t>
+            </a:r>
+          </a:p>
+          <a:p>
+            <a:endParaRPr lang="en-US" dirty="0"/>
           </a:p>
         </p:txBody>
       </p:sp>
@@ -1926,7 +1446,7 @@
           <a:p>
             <a:fld id="{FFB500C5-13F7-48FC-8160-C29AECF6C602}" type="slidenum">
               <a:rPr lang="en-US" smtClean="0"/>
-              <a:t>5</a:t>
+              <a:t>4</a:t>
             </a:fld>
             <a:endParaRPr lang="en-US"/>
           </a:p>
@@ -1935,7 +1455,7 @@
     </p:spTree>
     <p:extLst>
       <p:ext uri="{BB962C8B-B14F-4D97-AF65-F5344CB8AC3E}">
-        <p14:creationId xmlns:p14="http://schemas.microsoft.com/office/powerpoint/2010/main" val="1543694555"/>
+        <p14:creationId xmlns:p14="http://schemas.microsoft.com/office/powerpoint/2010/main" val="949741743"/>
       </p:ext>
     </p:extLst>
   </p:cSld>
@@ -1991,58 +1511,7 @@
           <a:p>
             <a:r>
               <a:rPr lang="en-US" dirty="0"/>
-              <a:t>So, you can see ETL achieves quite a few purposes, and as the name implies it works in three steps:</a:t>
-            </a:r>
-          </a:p>
-          <a:p>
-            <a:r>
-              <a:rPr lang="en-US" dirty="0"/>
-              <a:t>- First, you want to extract the information from some outside source, this can be anything from a database to a web page.</a:t>
-            </a:r>
-          </a:p>
-          <a:p>
-            <a:r>
-              <a:rPr lang="en-US" dirty="0"/>
-              <a:t>- Then, you want to transform it. This could be cleaning the data, filtering it, checking for assumptions, you get the idea.</a:t>
-            </a:r>
-          </a:p>
-          <a:p>
-            <a:r>
-              <a:rPr lang="en-US" dirty="0"/>
-              <a:t>- Finally, loading the data, this places it in a format that is accessible for end users to work with. </a:t>
-            </a:r>
-          </a:p>
-          <a:p>
-            <a:endParaRPr lang="en-US" dirty="0"/>
-          </a:p>
-          <a:p>
-            <a:endParaRPr lang="en-US" dirty="0"/>
-          </a:p>
-          <a:p>
-            <a:endParaRPr lang="en-US" dirty="0"/>
-          </a:p>
-          <a:p>
-            <a:r>
-              <a:rPr lang="en-US" dirty="0"/>
-              <a:t>https://unsplash.com/photos/QUHlPs4y8PQ  </a:t>
-            </a:r>
-          </a:p>
-          <a:p>
-            <a:r>
-              <a:rPr lang="en-US" dirty="0"/>
-              <a:t>https://pixabay.com/photos/tee-tea-bags-teas-drink-herbal-tea-1252397/  </a:t>
-            </a:r>
-          </a:p>
-          <a:p>
-            <a:r>
-              <a:rPr lang="en-US" dirty="0"/>
-              <a:t>https://pixabay.com/photos/construction-worker-welding-welder-1717893/  </a:t>
-            </a:r>
-          </a:p>
-          <a:p>
-            <a:r>
-              <a:rPr lang="en-US" dirty="0"/>
-              <a:t>https://pixabay.com/photos/gift-box-gifts-packaging-box-2458012/  </a:t>
+              <a:t>Now I’m going to be very scientific here and go to Wikipedia to explain how extract, transform, load or ETL methodologies work.</a:t>
             </a:r>
           </a:p>
         </p:txBody>
@@ -2064,7 +1533,7 @@
           <a:p>
             <a:fld id="{FFB500C5-13F7-48FC-8160-C29AECF6C602}" type="slidenum">
               <a:rPr lang="en-US" smtClean="0"/>
-              <a:t>6</a:t>
+              <a:t>5</a:t>
             </a:fld>
             <a:endParaRPr lang="en-US"/>
           </a:p>
@@ -2073,7 +1542,7 @@
     </p:spTree>
     <p:extLst>
       <p:ext uri="{BB962C8B-B14F-4D97-AF65-F5344CB8AC3E}">
-        <p14:creationId xmlns:p14="http://schemas.microsoft.com/office/powerpoint/2010/main" val="3195903179"/>
+        <p14:creationId xmlns:p14="http://schemas.microsoft.com/office/powerpoint/2010/main" val="1543694555"/>
       </p:ext>
     </p:extLst>
   </p:cSld>
@@ -2129,7 +1598,58 @@
           <a:p>
             <a:r>
               <a:rPr lang="en-US" dirty="0"/>
-              <a:t>As I mentioned, ETL is all over the IT landscape and is considered a best practice when you are working with large amounts of disparate data that need to be “fit for general office consumption.” It’s not just an Excel thing, and in fact this is a pretty disruptive tool to have in Excel, and it really busts a lot of the myths about what Excel can and can’t be which I would like to cover right now.</a:t>
+              <a:t>So, you can see ETL achieves quite a few purposes, and as the name implies it works in three steps:</a:t>
+            </a:r>
+          </a:p>
+          <a:p>
+            <a:r>
+              <a:rPr lang="en-US" dirty="0"/>
+              <a:t>- First, you want to extract the information from some outside source, this can be anything from a database to a web page.</a:t>
+            </a:r>
+          </a:p>
+          <a:p>
+            <a:r>
+              <a:rPr lang="en-US" dirty="0"/>
+              <a:t>- Then, you want to transform it. This could be cleaning the data, filtering it, checking for assumptions, you get the idea.</a:t>
+            </a:r>
+          </a:p>
+          <a:p>
+            <a:r>
+              <a:rPr lang="en-US" dirty="0"/>
+              <a:t>- Finally, loading the data, this places it in a format that is accessible for end users to work with. </a:t>
+            </a:r>
+          </a:p>
+          <a:p>
+            <a:endParaRPr lang="en-US" dirty="0"/>
+          </a:p>
+          <a:p>
+            <a:endParaRPr lang="en-US" dirty="0"/>
+          </a:p>
+          <a:p>
+            <a:endParaRPr lang="en-US" dirty="0"/>
+          </a:p>
+          <a:p>
+            <a:r>
+              <a:rPr lang="en-US" dirty="0"/>
+              <a:t>https://unsplash.com/photos/QUHlPs4y8PQ  </a:t>
+            </a:r>
+          </a:p>
+          <a:p>
+            <a:r>
+              <a:rPr lang="en-US" dirty="0"/>
+              <a:t>https://pixabay.com/photos/tee-tea-bags-teas-drink-herbal-tea-1252397/  </a:t>
+            </a:r>
+          </a:p>
+          <a:p>
+            <a:r>
+              <a:rPr lang="en-US" dirty="0"/>
+              <a:t>https://pixabay.com/photos/construction-worker-welding-welder-1717893/  </a:t>
+            </a:r>
+          </a:p>
+          <a:p>
+            <a:r>
+              <a:rPr lang="en-US" dirty="0"/>
+              <a:t>https://pixabay.com/photos/gift-box-gifts-packaging-box-2458012/  </a:t>
             </a:r>
           </a:p>
         </p:txBody>
@@ -2151,7 +1671,7 @@
           <a:p>
             <a:fld id="{FFB500C5-13F7-48FC-8160-C29AECF6C602}" type="slidenum">
               <a:rPr lang="en-US" smtClean="0"/>
-              <a:t>7</a:t>
+              <a:t>6</a:t>
             </a:fld>
             <a:endParaRPr lang="en-US"/>
           </a:p>
@@ -2160,7 +1680,7 @@
     </p:spTree>
     <p:extLst>
       <p:ext uri="{BB962C8B-B14F-4D97-AF65-F5344CB8AC3E}">
-        <p14:creationId xmlns:p14="http://schemas.microsoft.com/office/powerpoint/2010/main" val="3810581289"/>
+        <p14:creationId xmlns:p14="http://schemas.microsoft.com/office/powerpoint/2010/main" val="3195903179"/>
       </p:ext>
     </p:extLst>
   </p:cSld>
@@ -2216,29 +1736,8 @@
           <a:p>
             <a:r>
               <a:rPr lang="en-US" dirty="0"/>
-              <a:t>https://pixabay.com/photos/laboratory-analysis-chemistry-2815641/  </a:t>
-            </a:r>
-          </a:p>
-          <a:p>
-            <a:endParaRPr lang="en-US" dirty="0"/>
-          </a:p>
-          <a:p>
-            <a:r>
-              <a:rPr lang="en-US" dirty="0"/>
-              <a:t>Now, the idea of reproducibility is that, the process of getting to some output is fully transparent and it’s possible to walk through each step of the process and get the same result at the end. A lot of typical Excel reporting is not fully reproducible, for example consider a report that depends on you deleting columns A through C to work. Now, if I was going into that final report to understand how it was built, there would really be no way for me to know that, right? On the other hand, a fully reproducible report would show me that, and ideally I’d just click a button and it would do it for me.</a:t>
-            </a:r>
-          </a:p>
-          <a:p>
-            <a:endParaRPr lang="en-US" dirty="0"/>
-          </a:p>
-          <a:p>
-            <a:r>
-              <a:rPr lang="en-US" dirty="0"/>
-              <a:t>In data work, reproducibility is often achieved by powering an analysis with code, so that you can indeed run a script and watch the results emerge one line at a time. Now, the nice thing about Power Query is that it is a code-driven process, so it is reproducible. So does this mean you need to learn how to code in this class? Not necessarily right now. For everyday data cleaning processes, we can use menu-driven options, that will produce code in a Microsoft computer language called M, and now our data-cleaning steps are fully reproducible, in Excel, with no code needed. So that is really cool and a huge myth busted. </a:t>
-            </a:r>
-          </a:p>
-          <a:p>
-            <a:endParaRPr lang="en-US" dirty="0"/>
+              <a:t>Now you are hyped up Power Query, I think you are going to love it and it will be hard for you to remember the days when you didn’t have it. So let’s think about what we would do without Power Query. </a:t>
+            </a:r>
           </a:p>
         </p:txBody>
       </p:sp>
@@ -2259,7 +1758,7 @@
           <a:p>
             <a:fld id="{FFB500C5-13F7-48FC-8160-C29AECF6C602}" type="slidenum">
               <a:rPr lang="en-US" smtClean="0"/>
-              <a:t>8</a:t>
+              <a:t>7</a:t>
             </a:fld>
             <a:endParaRPr lang="en-US"/>
           </a:p>
@@ -2268,7 +1767,7 @@
     </p:spTree>
     <p:extLst>
       <p:ext uri="{BB962C8B-B14F-4D97-AF65-F5344CB8AC3E}">
-        <p14:creationId xmlns:p14="http://schemas.microsoft.com/office/powerpoint/2010/main" val="1487233448"/>
+        <p14:creationId xmlns:p14="http://schemas.microsoft.com/office/powerpoint/2010/main" val="3535360720"/>
       </p:ext>
     </p:extLst>
   </p:cSld>
@@ -2322,25 +1821,7 @@
           <a:bodyPr/>
           <a:lstStyle/>
           <a:p>
-            <a:r>
-              <a:rPr lang="en-US" dirty="0"/>
-              <a:t>https://pixabay.com/illustrations/grid-isolation-table-lamp-beetle-2088884/  </a:t>
-            </a:r>
-          </a:p>
-          <a:p>
-            <a:r>
-              <a:rPr lang="en-US" dirty="0"/>
-              <a:t>This is the type of data that in fairness we are more used to working with in classic Excel, data that comes in a nice rectangular shape, usually coming from an Excel workbook or csv file. If the data were in a so-called “unstructured” format, such as song lyrics or a website structure, good luck with using Excel for that.</a:t>
-            </a:r>
-          </a:p>
-          <a:p>
             <a:endParaRPr lang="en-US" dirty="0"/>
-          </a:p>
-          <a:p>
-            <a:r>
-              <a:rPr lang="en-US" dirty="0"/>
-              <a:t>Come over to Power Query and there is quite an expanded range of possibilities for where data can come from [list on the next page]</a:t>
-            </a:r>
           </a:p>
         </p:txBody>
       </p:sp>
@@ -2361,7 +1842,7 @@
           <a:p>
             <a:fld id="{FFB500C5-13F7-48FC-8160-C29AECF6C602}" type="slidenum">
               <a:rPr lang="en-US" smtClean="0"/>
-              <a:t>9</a:t>
+              <a:t>8</a:t>
             </a:fld>
             <a:endParaRPr lang="en-US"/>
           </a:p>
@@ -2370,7 +1851,7 @@
     </p:spTree>
     <p:extLst>
       <p:ext uri="{BB962C8B-B14F-4D97-AF65-F5344CB8AC3E}">
-        <p14:creationId xmlns:p14="http://schemas.microsoft.com/office/powerpoint/2010/main" val="3066094149"/>
+        <p14:creationId xmlns:p14="http://schemas.microsoft.com/office/powerpoint/2010/main" val="3625376761"/>
       </p:ext>
     </p:extLst>
   </p:cSld>
@@ -2426,7 +1907,7 @@
           <a:p>
             <a:r>
               <a:rPr lang="en-US" dirty="0"/>
-              <a:t>All these types of data and more are fair game to be loaded into Power Query. Where things get really interesting is you are able to combine data from these disparate sources into one consumable data source. </a:t>
+              <a:t>Now Power Query is more for data cleaning and transformation but of course we can’t clean unless we know what needs to be cleaned. So let’s look at some ways to do this. We will explore the data and see what we’re working with. </a:t>
             </a:r>
           </a:p>
         </p:txBody>
@@ -2448,7 +1929,7 @@
           <a:p>
             <a:fld id="{FFB500C5-13F7-48FC-8160-C29AECF6C602}" type="slidenum">
               <a:rPr lang="en-US" smtClean="0"/>
-              <a:t>10</a:t>
+              <a:t>9</a:t>
             </a:fld>
             <a:endParaRPr lang="en-US"/>
           </a:p>
@@ -2457,7 +1938,7 @@
     </p:spTree>
     <p:extLst>
       <p:ext uri="{BB962C8B-B14F-4D97-AF65-F5344CB8AC3E}">
-        <p14:creationId xmlns:p14="http://schemas.microsoft.com/office/powerpoint/2010/main" val="2508738023"/>
+        <p14:creationId xmlns:p14="http://schemas.microsoft.com/office/powerpoint/2010/main" val="3097664856"/>
       </p:ext>
     </p:extLst>
   </p:cSld>
@@ -5464,7 +4945,7 @@
           <p:nvPr/>
         </p:nvPicPr>
         <p:blipFill>
-          <a:blip r:embed="rId2"/>
+          <a:blip r:embed="rId3"/>
           <a:srcRect/>
           <a:stretch>
             <a:fillRect/>
@@ -5533,7 +5014,7 @@
           <p:nvPr/>
         </p:nvPicPr>
         <p:blipFill>
-          <a:blip r:embed="rId3">
+          <a:blip r:embed="rId4">
             <a:extLst>
               <a:ext uri="{28A0092B-C50C-407E-A947-70E740481C1C}">
                 <a14:useLocalDpi xmlns:a14="http://schemas.microsoft.com/office/drawing/2010/main" val="0"/>
@@ -5563,1298 +5044,6 @@
 </file>
 
 <file path=ppt/slides/slide10.xml><?xml version="1.0" encoding="utf-8"?>
-<p:sld xmlns:a="http://schemas.openxmlformats.org/drawingml/2006/main" xmlns:r="http://schemas.openxmlformats.org/officeDocument/2006/relationships" xmlns:p="http://schemas.openxmlformats.org/presentationml/2006/main">
-  <p:cSld>
-    <p:spTree>
-      <p:nvGrpSpPr>
-        <p:cNvPr id="1" name=""/>
-        <p:cNvGrpSpPr/>
-        <p:nvPr/>
-      </p:nvGrpSpPr>
-      <p:grpSpPr>
-        <a:xfrm>
-          <a:off x="0" y="0"/>
-          <a:ext cx="0" cy="0"/>
-          <a:chOff x="0" y="0"/>
-          <a:chExt cx="0" cy="0"/>
-        </a:xfrm>
-      </p:grpSpPr>
-      <p:grpSp>
-        <p:nvGrpSpPr>
-          <p:cNvPr id="2" name="Group 2"/>
-          <p:cNvGrpSpPr/>
-          <p:nvPr/>
-        </p:nvGrpSpPr>
-        <p:grpSpPr>
-          <a:xfrm rot="5400000">
-            <a:off x="-2322" y="2322"/>
-            <a:ext cx="2902170" cy="2897526"/>
-            <a:chOff x="0" y="0"/>
-            <a:chExt cx="6350000" cy="6339840"/>
-          </a:xfrm>
-        </p:grpSpPr>
-        <p:sp>
-          <p:nvSpPr>
-            <p:cNvPr id="3" name="Freeform 3"/>
-            <p:cNvSpPr/>
-            <p:nvPr/>
-          </p:nvSpPr>
-          <p:spPr>
-            <a:xfrm>
-              <a:off x="0" y="0"/>
-              <a:ext cx="6350000" cy="6339840"/>
-            </a:xfrm>
-            <a:custGeom>
-              <a:avLst/>
-              <a:gdLst/>
-              <a:ahLst/>
-              <a:cxnLst/>
-              <a:rect l="l" t="t" r="r" b="b"/>
-              <a:pathLst>
-                <a:path w="6350000" h="6339840">
-                  <a:moveTo>
-                    <a:pt x="6350000" y="6339840"/>
-                  </a:moveTo>
-                  <a:lnTo>
-                    <a:pt x="0" y="6339840"/>
-                  </a:lnTo>
-                  <a:lnTo>
-                    <a:pt x="0" y="0"/>
-                  </a:lnTo>
-                  <a:close/>
-                </a:path>
-              </a:pathLst>
-            </a:custGeom>
-            <a:solidFill>
-              <a:srgbClr val="CF3338"/>
-            </a:solidFill>
-          </p:spPr>
-        </p:sp>
-      </p:grpSp>
-      <p:sp>
-        <p:nvSpPr>
-          <p:cNvPr id="4" name="TextBox 4"/>
-          <p:cNvSpPr txBox="1"/>
-          <p:nvPr/>
-        </p:nvSpPr>
-        <p:spPr>
-          <a:xfrm>
-            <a:off x="1448763" y="2705100"/>
-            <a:ext cx="8076237" cy="4417876"/>
-          </a:xfrm>
-          <a:prstGeom prst="rect">
-            <a:avLst/>
-          </a:prstGeom>
-        </p:spPr>
-        <p:txBody>
-          <a:bodyPr wrap="square" lIns="0" tIns="0" rIns="0" bIns="0" rtlCol="0" anchor="t">
-            <a:spAutoFit/>
-          </a:bodyPr>
-          <a:lstStyle/>
-          <a:p>
-            <a:pPr marL="721360" lvl="1" indent="-457200">
-              <a:lnSpc>
-                <a:spcPts val="3840"/>
-              </a:lnSpc>
-              <a:buFont typeface="Arial" panose="020B0604020202020204" pitchFamily="34" charset="0"/>
-              <a:buChar char="•"/>
-            </a:pPr>
-            <a:r>
-              <a:rPr lang="en-US" sz="5400" spc="160" dirty="0">
-                <a:solidFill>
-                  <a:srgbClr val="000000"/>
-                </a:solidFill>
-                <a:latin typeface="Gidole" panose="02000503000000000000" pitchFamily="50" charset="0"/>
-              </a:rPr>
-              <a:t>Access</a:t>
-            </a:r>
-          </a:p>
-          <a:p>
-            <a:pPr marL="721360" lvl="1" indent="-457200">
-              <a:lnSpc>
-                <a:spcPts val="3840"/>
-              </a:lnSpc>
-              <a:buFont typeface="Arial" panose="020B0604020202020204" pitchFamily="34" charset="0"/>
-              <a:buChar char="•"/>
-            </a:pPr>
-            <a:endParaRPr lang="en-US" sz="5400" spc="160" dirty="0">
-              <a:solidFill>
-                <a:srgbClr val="000000"/>
-              </a:solidFill>
-              <a:latin typeface="Gidole" panose="02000503000000000000" pitchFamily="50" charset="0"/>
-            </a:endParaRPr>
-          </a:p>
-          <a:p>
-            <a:pPr marL="721360" lvl="1" indent="-457200">
-              <a:lnSpc>
-                <a:spcPts val="3840"/>
-              </a:lnSpc>
-              <a:buFont typeface="Arial" panose="020B0604020202020204" pitchFamily="34" charset="0"/>
-              <a:buChar char="•"/>
-            </a:pPr>
-            <a:r>
-              <a:rPr lang="en-US" sz="5400" spc="160" dirty="0">
-                <a:solidFill>
-                  <a:srgbClr val="000000"/>
-                </a:solidFill>
-                <a:latin typeface="Gidole" panose="02000503000000000000" pitchFamily="50" charset="0"/>
-                <a:ea typeface="Roboto Mono" pitchFamily="2" charset="0"/>
-              </a:rPr>
-              <a:t>.txt</a:t>
-            </a:r>
-            <a:r>
-              <a:rPr lang="en-US" sz="5400" spc="160" dirty="0">
-                <a:solidFill>
-                  <a:srgbClr val="000000"/>
-                </a:solidFill>
-                <a:latin typeface="Gidole" panose="02000503000000000000" pitchFamily="50" charset="0"/>
-              </a:rPr>
-              <a:t> and </a:t>
-            </a:r>
-            <a:r>
-              <a:rPr lang="en-US" sz="5400" spc="160" dirty="0">
-                <a:solidFill>
-                  <a:srgbClr val="000000"/>
-                </a:solidFill>
-                <a:latin typeface="Gidole" panose="02000503000000000000" pitchFamily="50" charset="0"/>
-                <a:ea typeface="Roboto Mono" pitchFamily="2" charset="0"/>
-              </a:rPr>
-              <a:t>.csv</a:t>
-            </a:r>
-            <a:r>
-              <a:rPr lang="en-US" sz="5400" spc="160" dirty="0">
-                <a:solidFill>
-                  <a:srgbClr val="000000"/>
-                </a:solidFill>
-                <a:latin typeface="Gidole" panose="02000503000000000000" pitchFamily="50" charset="0"/>
-              </a:rPr>
-              <a:t> files</a:t>
-            </a:r>
-          </a:p>
-          <a:p>
-            <a:pPr marL="721360" lvl="1" indent="-457200">
-              <a:lnSpc>
-                <a:spcPts val="3840"/>
-              </a:lnSpc>
-              <a:buFont typeface="Arial" panose="020B0604020202020204" pitchFamily="34" charset="0"/>
-              <a:buChar char="•"/>
-            </a:pPr>
-            <a:endParaRPr lang="en-US" sz="5400" spc="160" dirty="0">
-              <a:solidFill>
-                <a:srgbClr val="000000"/>
-              </a:solidFill>
-              <a:latin typeface="Gidole" panose="02000503000000000000" pitchFamily="50" charset="0"/>
-            </a:endParaRPr>
-          </a:p>
-          <a:p>
-            <a:pPr marL="721360" lvl="1" indent="-457200">
-              <a:lnSpc>
-                <a:spcPts val="3840"/>
-              </a:lnSpc>
-              <a:buFont typeface="Arial" panose="020B0604020202020204" pitchFamily="34" charset="0"/>
-              <a:buChar char="•"/>
-            </a:pPr>
-            <a:r>
-              <a:rPr lang="en-US" sz="5400" spc="160" dirty="0">
-                <a:solidFill>
-                  <a:srgbClr val="000000"/>
-                </a:solidFill>
-                <a:latin typeface="Gidole" panose="02000503000000000000" pitchFamily="50" charset="0"/>
-              </a:rPr>
-              <a:t>SQL Server &amp; other relational databases</a:t>
-            </a:r>
-          </a:p>
-          <a:p>
-            <a:pPr marL="721360" lvl="1" indent="-457200">
-              <a:lnSpc>
-                <a:spcPts val="3840"/>
-              </a:lnSpc>
-              <a:buFont typeface="Arial" panose="020B0604020202020204" pitchFamily="34" charset="0"/>
-              <a:buChar char="•"/>
-            </a:pPr>
-            <a:endParaRPr lang="en-US" sz="5400" spc="160" dirty="0">
-              <a:solidFill>
-                <a:srgbClr val="000000"/>
-              </a:solidFill>
-              <a:latin typeface="Gidole" panose="02000503000000000000" pitchFamily="50" charset="0"/>
-            </a:endParaRPr>
-          </a:p>
-          <a:p>
-            <a:pPr marL="721360" lvl="1" indent="-457200">
-              <a:lnSpc>
-                <a:spcPts val="3840"/>
-              </a:lnSpc>
-              <a:buFont typeface="Arial" panose="020B0604020202020204" pitchFamily="34" charset="0"/>
-              <a:buChar char="•"/>
-            </a:pPr>
-            <a:r>
-              <a:rPr lang="en-US" sz="5400" spc="160" dirty="0">
-                <a:solidFill>
-                  <a:srgbClr val="000000"/>
-                </a:solidFill>
-                <a:latin typeface="Gidole" panose="02000503000000000000" pitchFamily="50" charset="0"/>
-              </a:rPr>
-              <a:t>XML, HTML &amp; Web data</a:t>
-            </a:r>
-            <a:br>
-              <a:rPr lang="en-US" sz="4000" spc="160" dirty="0">
-                <a:solidFill>
-                  <a:srgbClr val="000000"/>
-                </a:solidFill>
-                <a:latin typeface="Gidole" panose="02000503000000000000" pitchFamily="50" charset="0"/>
-              </a:rPr>
-            </a:br>
-            <a:endParaRPr lang="en-US" sz="4000" spc="160" dirty="0">
-              <a:solidFill>
-                <a:srgbClr val="000000"/>
-              </a:solidFill>
-              <a:latin typeface="Gidole" panose="02000503000000000000" pitchFamily="50" charset="0"/>
-            </a:endParaRPr>
-          </a:p>
-        </p:txBody>
-      </p:sp>
-      <p:grpSp>
-        <p:nvGrpSpPr>
-          <p:cNvPr id="5" name="Group 5"/>
-          <p:cNvGrpSpPr/>
-          <p:nvPr/>
-        </p:nvGrpSpPr>
-        <p:grpSpPr>
-          <a:xfrm rot="-5400000">
-            <a:off x="15388265" y="7387265"/>
-            <a:ext cx="2902057" cy="2897414"/>
-            <a:chOff x="0" y="0"/>
-            <a:chExt cx="6350000" cy="6339840"/>
-          </a:xfrm>
-        </p:grpSpPr>
-        <p:sp>
-          <p:nvSpPr>
-            <p:cNvPr id="6" name="Freeform 6"/>
-            <p:cNvSpPr/>
-            <p:nvPr/>
-          </p:nvSpPr>
-          <p:spPr>
-            <a:xfrm>
-              <a:off x="0" y="0"/>
-              <a:ext cx="6350000" cy="6339840"/>
-            </a:xfrm>
-            <a:custGeom>
-              <a:avLst/>
-              <a:gdLst/>
-              <a:ahLst/>
-              <a:cxnLst/>
-              <a:rect l="l" t="t" r="r" b="b"/>
-              <a:pathLst>
-                <a:path w="6350000" h="6339840">
-                  <a:moveTo>
-                    <a:pt x="6350000" y="6339840"/>
-                  </a:moveTo>
-                  <a:lnTo>
-                    <a:pt x="0" y="6339840"/>
-                  </a:lnTo>
-                  <a:lnTo>
-                    <a:pt x="0" y="0"/>
-                  </a:lnTo>
-                  <a:close/>
-                </a:path>
-              </a:pathLst>
-            </a:custGeom>
-            <a:solidFill>
-              <a:srgbClr val="CF3338"/>
-            </a:solidFill>
-          </p:spPr>
-        </p:sp>
-      </p:grpSp>
-      <p:pic>
-        <p:nvPicPr>
-          <p:cNvPr id="7" name="Picture 7"/>
-          <p:cNvPicPr>
-            <a:picLocks noChangeAspect="1"/>
-          </p:cNvPicPr>
-          <p:nvPr/>
-        </p:nvPicPr>
-        <p:blipFill>
-          <a:blip r:embed="rId3"/>
-          <a:srcRect/>
-          <a:stretch>
-            <a:fillRect/>
-          </a:stretch>
-        </p:blipFill>
-        <p:spPr>
-          <a:xfrm>
-            <a:off x="16100583" y="9258300"/>
-            <a:ext cx="2005783" cy="1470490"/>
-          </a:xfrm>
-          <a:prstGeom prst="rect">
-            <a:avLst/>
-          </a:prstGeom>
-        </p:spPr>
-      </p:pic>
-      <p:sp>
-        <p:nvSpPr>
-          <p:cNvPr id="12" name="TextBox 4">
-            <a:extLst>
-              <a:ext uri="{FF2B5EF4-FFF2-40B4-BE49-F238E27FC236}">
-                <a16:creationId xmlns:a16="http://schemas.microsoft.com/office/drawing/2014/main" id="{71BA053E-E136-4594-B75B-B9B532460B87}"/>
-              </a:ext>
-            </a:extLst>
-          </p:cNvPr>
-          <p:cNvSpPr txBox="1"/>
-          <p:nvPr/>
-        </p:nvSpPr>
-        <p:spPr>
-          <a:xfrm>
-            <a:off x="9144000" y="2705100"/>
-            <a:ext cx="8076237" cy="4385816"/>
-          </a:xfrm>
-          <a:prstGeom prst="rect">
-            <a:avLst/>
-          </a:prstGeom>
-        </p:spPr>
-        <p:txBody>
-          <a:bodyPr wrap="square" lIns="0" tIns="0" rIns="0" bIns="0" rtlCol="0" anchor="t">
-            <a:spAutoFit/>
-          </a:bodyPr>
-          <a:lstStyle/>
-          <a:p>
-            <a:pPr marL="721360" lvl="1" indent="-457200">
-              <a:lnSpc>
-                <a:spcPts val="3840"/>
-              </a:lnSpc>
-              <a:buFont typeface="Arial" panose="020B0604020202020204" pitchFamily="34" charset="0"/>
-              <a:buChar char="•"/>
-            </a:pPr>
-            <a:r>
-              <a:rPr lang="en-US" sz="5400" spc="160" dirty="0">
-                <a:solidFill>
-                  <a:srgbClr val="000000"/>
-                </a:solidFill>
-                <a:latin typeface="Gidole" panose="02000503000000000000" pitchFamily="50" charset="0"/>
-              </a:rPr>
-              <a:t>SharePoint</a:t>
-            </a:r>
-          </a:p>
-          <a:p>
-            <a:pPr marL="721360" lvl="1" indent="-457200">
-              <a:lnSpc>
-                <a:spcPts val="3840"/>
-              </a:lnSpc>
-              <a:buFont typeface="Arial" panose="020B0604020202020204" pitchFamily="34" charset="0"/>
-              <a:buChar char="•"/>
-            </a:pPr>
-            <a:endParaRPr lang="en-US" sz="5400" spc="160" dirty="0">
-              <a:solidFill>
-                <a:srgbClr val="000000"/>
-              </a:solidFill>
-              <a:latin typeface="Gidole" panose="02000503000000000000" pitchFamily="50" charset="0"/>
-            </a:endParaRPr>
-          </a:p>
-          <a:p>
-            <a:pPr marL="721360" lvl="1" indent="-457200">
-              <a:lnSpc>
-                <a:spcPts val="3840"/>
-              </a:lnSpc>
-              <a:buFont typeface="Arial" panose="020B0604020202020204" pitchFamily="34" charset="0"/>
-              <a:buChar char="•"/>
-            </a:pPr>
-            <a:r>
-              <a:rPr lang="en-US" sz="5400" spc="160" dirty="0">
-                <a:solidFill>
-                  <a:srgbClr val="000000"/>
-                </a:solidFill>
-                <a:latin typeface="Gidole" panose="02000503000000000000" pitchFamily="50" charset="0"/>
-              </a:rPr>
-              <a:t>Hadoop</a:t>
-            </a:r>
-          </a:p>
-          <a:p>
-            <a:pPr marL="721360" lvl="1" indent="-457200">
-              <a:lnSpc>
-                <a:spcPts val="3840"/>
-              </a:lnSpc>
-              <a:buFont typeface="Arial" panose="020B0604020202020204" pitchFamily="34" charset="0"/>
-              <a:buChar char="•"/>
-            </a:pPr>
-            <a:endParaRPr lang="en-US" sz="5400" spc="160" dirty="0">
-              <a:solidFill>
-                <a:srgbClr val="000000"/>
-              </a:solidFill>
-              <a:latin typeface="Gidole" panose="02000503000000000000" pitchFamily="50" charset="0"/>
-            </a:endParaRPr>
-          </a:p>
-          <a:p>
-            <a:pPr marL="721360" lvl="1" indent="-457200">
-              <a:lnSpc>
-                <a:spcPts val="3840"/>
-              </a:lnSpc>
-              <a:buFont typeface="Arial" panose="020B0604020202020204" pitchFamily="34" charset="0"/>
-              <a:buChar char="•"/>
-            </a:pPr>
-            <a:r>
-              <a:rPr lang="en-US" sz="5400" spc="160" dirty="0" err="1">
-                <a:solidFill>
-                  <a:srgbClr val="000000"/>
-                </a:solidFill>
-                <a:latin typeface="Gidole" panose="02000503000000000000" pitchFamily="50" charset="0"/>
-              </a:rPr>
-              <a:t>oData</a:t>
-            </a:r>
-            <a:endParaRPr lang="en-US" sz="5400" spc="160" dirty="0">
-              <a:solidFill>
-                <a:srgbClr val="000000"/>
-              </a:solidFill>
-              <a:latin typeface="Gidole" panose="02000503000000000000" pitchFamily="50" charset="0"/>
-            </a:endParaRPr>
-          </a:p>
-          <a:p>
-            <a:pPr marL="721360" lvl="1" indent="-457200">
-              <a:lnSpc>
-                <a:spcPts val="3840"/>
-              </a:lnSpc>
-              <a:buFont typeface="Arial" panose="020B0604020202020204" pitchFamily="34" charset="0"/>
-              <a:buChar char="•"/>
-            </a:pPr>
-            <a:endParaRPr lang="en-US" sz="5400" spc="160" dirty="0">
-              <a:solidFill>
-                <a:srgbClr val="000000"/>
-              </a:solidFill>
-              <a:latin typeface="Gidole" panose="02000503000000000000" pitchFamily="50" charset="0"/>
-            </a:endParaRPr>
-          </a:p>
-          <a:p>
-            <a:pPr marL="721360" lvl="1" indent="-457200">
-              <a:lnSpc>
-                <a:spcPts val="3840"/>
-              </a:lnSpc>
-              <a:buFont typeface="Arial" panose="020B0604020202020204" pitchFamily="34" charset="0"/>
-              <a:buChar char="•"/>
-            </a:pPr>
-            <a:r>
-              <a:rPr lang="en-US" sz="5400" i="1" spc="160" dirty="0">
-                <a:solidFill>
-                  <a:srgbClr val="000000"/>
-                </a:solidFill>
-                <a:latin typeface="Gidole" panose="02000503000000000000" pitchFamily="50" charset="0"/>
-              </a:rPr>
-              <a:t>Combinations of the above…</a:t>
-            </a:r>
-            <a:br>
-              <a:rPr lang="en-US" sz="4000" i="1" spc="160" dirty="0">
-                <a:solidFill>
-                  <a:srgbClr val="000000"/>
-                </a:solidFill>
-                <a:latin typeface="Gidole" panose="02000503000000000000" pitchFamily="50" charset="0"/>
-              </a:rPr>
-            </a:br>
-            <a:endParaRPr lang="en-US" sz="4000" i="1" spc="160" dirty="0">
-              <a:solidFill>
-                <a:srgbClr val="000000"/>
-              </a:solidFill>
-              <a:latin typeface="Gidole" panose="02000503000000000000" pitchFamily="50" charset="0"/>
-            </a:endParaRPr>
-          </a:p>
-        </p:txBody>
-      </p:sp>
-    </p:spTree>
-    <p:extLst>
-      <p:ext uri="{BB962C8B-B14F-4D97-AF65-F5344CB8AC3E}">
-        <p14:creationId xmlns:p14="http://schemas.microsoft.com/office/powerpoint/2010/main" val="3426836902"/>
-      </p:ext>
-    </p:extLst>
-  </p:cSld>
-  <p:clrMapOvr>
-    <a:masterClrMapping/>
-  </p:clrMapOvr>
-</p:sld>
-</file>
-
-<file path=ppt/slides/slide11.xml><?xml version="1.0" encoding="utf-8"?>
-<p:sld xmlns:a="http://schemas.openxmlformats.org/drawingml/2006/main" xmlns:r="http://schemas.openxmlformats.org/officeDocument/2006/relationships" xmlns:p="http://schemas.openxmlformats.org/presentationml/2006/main">
-  <p:cSld>
-    <p:spTree>
-      <p:nvGrpSpPr>
-        <p:cNvPr id="1" name=""/>
-        <p:cNvGrpSpPr/>
-        <p:nvPr/>
-      </p:nvGrpSpPr>
-      <p:grpSpPr>
-        <a:xfrm>
-          <a:off x="0" y="0"/>
-          <a:ext cx="0" cy="0"/>
-          <a:chOff x="0" y="0"/>
-          <a:chExt cx="0" cy="0"/>
-        </a:xfrm>
-      </p:grpSpPr>
-      <p:sp>
-        <p:nvSpPr>
-          <p:cNvPr id="3" name="AutoShape 3"/>
-          <p:cNvSpPr/>
-          <p:nvPr/>
-        </p:nvSpPr>
-        <p:spPr>
-          <a:xfrm>
-            <a:off x="-171365" y="5129474"/>
-            <a:ext cx="18485333" cy="5157526"/>
-          </a:xfrm>
-          <a:prstGeom prst="rect">
-            <a:avLst/>
-          </a:prstGeom>
-          <a:solidFill>
-            <a:srgbClr val="CF3338"/>
-          </a:solidFill>
-        </p:spPr>
-      </p:sp>
-      <p:grpSp>
-        <p:nvGrpSpPr>
-          <p:cNvPr id="4" name="Group 4"/>
-          <p:cNvGrpSpPr/>
-          <p:nvPr/>
-        </p:nvGrpSpPr>
-        <p:grpSpPr>
-          <a:xfrm>
-            <a:off x="-188552" y="2733413"/>
-            <a:ext cx="7565692" cy="7553587"/>
-            <a:chOff x="0" y="0"/>
-            <a:chExt cx="6350000" cy="6339840"/>
-          </a:xfrm>
-        </p:grpSpPr>
-        <p:sp>
-          <p:nvSpPr>
-            <p:cNvPr id="5" name="Freeform 5"/>
-            <p:cNvSpPr/>
-            <p:nvPr/>
-          </p:nvSpPr>
-          <p:spPr>
-            <a:xfrm>
-              <a:off x="0" y="0"/>
-              <a:ext cx="6350000" cy="6339840"/>
-            </a:xfrm>
-            <a:custGeom>
-              <a:avLst/>
-              <a:gdLst/>
-              <a:ahLst/>
-              <a:cxnLst/>
-              <a:rect l="l" t="t" r="r" b="b"/>
-              <a:pathLst>
-                <a:path w="6350000" h="6339840">
-                  <a:moveTo>
-                    <a:pt x="6350000" y="6339840"/>
-                  </a:moveTo>
-                  <a:lnTo>
-                    <a:pt x="0" y="6339840"/>
-                  </a:lnTo>
-                  <a:lnTo>
-                    <a:pt x="0" y="0"/>
-                  </a:lnTo>
-                  <a:close/>
-                </a:path>
-              </a:pathLst>
-            </a:custGeom>
-            <a:solidFill>
-              <a:srgbClr val="3D3935"/>
-            </a:solidFill>
-          </p:spPr>
-        </p:sp>
-      </p:grpSp>
-      <p:grpSp>
-        <p:nvGrpSpPr>
-          <p:cNvPr id="6" name="Group 6"/>
-          <p:cNvGrpSpPr/>
-          <p:nvPr/>
-        </p:nvGrpSpPr>
-        <p:grpSpPr>
-          <a:xfrm rot="-10800000">
-            <a:off x="-3031757" y="5143500"/>
-            <a:ext cx="6063514" cy="5251003"/>
-            <a:chOff x="0" y="0"/>
-            <a:chExt cx="6350000" cy="5499100"/>
-          </a:xfrm>
-        </p:grpSpPr>
-        <p:sp>
-          <p:nvSpPr>
-            <p:cNvPr id="7" name="Freeform 7"/>
-            <p:cNvSpPr/>
-            <p:nvPr/>
-          </p:nvSpPr>
-          <p:spPr>
-            <a:xfrm>
-              <a:off x="0" y="0"/>
-              <a:ext cx="6350000" cy="5499100"/>
-            </a:xfrm>
-            <a:custGeom>
-              <a:avLst/>
-              <a:gdLst/>
-              <a:ahLst/>
-              <a:cxnLst/>
-              <a:rect l="l" t="t" r="r" b="b"/>
-              <a:pathLst>
-                <a:path w="6350000" h="5499100">
-                  <a:moveTo>
-                    <a:pt x="0" y="5499100"/>
-                  </a:moveTo>
-                  <a:lnTo>
-                    <a:pt x="3175000" y="0"/>
-                  </a:lnTo>
-                  <a:lnTo>
-                    <a:pt x="6350000" y="5499100"/>
-                  </a:lnTo>
-                  <a:close/>
-                </a:path>
-              </a:pathLst>
-            </a:custGeom>
-            <a:solidFill>
-              <a:srgbClr val="FFFFFF">
-                <a:alpha val="34901"/>
-              </a:srgbClr>
-            </a:solidFill>
-          </p:spPr>
-        </p:sp>
-      </p:grpSp>
-      <p:pic>
-        <p:nvPicPr>
-          <p:cNvPr id="8" name="Picture 8"/>
-          <p:cNvPicPr>
-            <a:picLocks noChangeAspect="1"/>
-          </p:cNvPicPr>
-          <p:nvPr/>
-        </p:nvPicPr>
-        <p:blipFill>
-          <a:blip r:embed="rId3"/>
-          <a:srcRect/>
-          <a:stretch>
-            <a:fillRect/>
-          </a:stretch>
-        </p:blipFill>
-        <p:spPr>
-          <a:xfrm>
-            <a:off x="16100583" y="9258300"/>
-            <a:ext cx="2005783" cy="1470490"/>
-          </a:xfrm>
-          <a:prstGeom prst="rect">
-            <a:avLst/>
-          </a:prstGeom>
-        </p:spPr>
-      </p:pic>
-      <p:sp>
-        <p:nvSpPr>
-          <p:cNvPr id="9" name="TextBox 9"/>
-          <p:cNvSpPr txBox="1"/>
-          <p:nvPr/>
-        </p:nvSpPr>
-        <p:spPr>
-          <a:xfrm>
-            <a:off x="8077200" y="264557"/>
-            <a:ext cx="9905999" cy="3462486"/>
-          </a:xfrm>
-          <a:prstGeom prst="rect">
-            <a:avLst/>
-          </a:prstGeom>
-        </p:spPr>
-        <p:txBody>
-          <a:bodyPr wrap="square" lIns="0" tIns="0" rIns="0" bIns="0" rtlCol="0" anchor="t">
-            <a:spAutoFit/>
-          </a:bodyPr>
-          <a:lstStyle/>
-          <a:p>
-            <a:pPr algn="r">
-              <a:lnSpc>
-                <a:spcPts val="9000"/>
-              </a:lnSpc>
-            </a:pPr>
-            <a:r>
-              <a:rPr lang="en-US" sz="7500" spc="375" dirty="0">
-                <a:solidFill>
-                  <a:srgbClr val="000000"/>
-                </a:solidFill>
-                <a:latin typeface="League Spartan Bold"/>
-              </a:rPr>
-              <a:t>3. “EXCEL CAN’T HANDLE LARGE DATASETS”</a:t>
-            </a:r>
-          </a:p>
-        </p:txBody>
-      </p:sp>
-      <p:pic>
-        <p:nvPicPr>
-          <p:cNvPr id="5122" name="Picture 2" descr="Amphibian, Turtle, Animal, Armor, Blur, Close-Up">
-            <a:extLst>
-              <a:ext uri="{FF2B5EF4-FFF2-40B4-BE49-F238E27FC236}">
-                <a16:creationId xmlns:a16="http://schemas.microsoft.com/office/drawing/2014/main" id="{A0B77E2E-EC01-4ADF-B86C-0B3D144BC008}"/>
-              </a:ext>
-            </a:extLst>
-          </p:cNvPr>
-          <p:cNvPicPr>
-            <a:picLocks noChangeAspect="1" noChangeArrowheads="1"/>
-          </p:cNvPicPr>
-          <p:nvPr/>
-        </p:nvPicPr>
-        <p:blipFill>
-          <a:blip r:embed="rId4">
-            <a:extLst>
-              <a:ext uri="{28A0092B-C50C-407E-A947-70E740481C1C}">
-                <a14:useLocalDpi xmlns:a14="http://schemas.microsoft.com/office/drawing/2010/main" val="0"/>
-              </a:ext>
-            </a:extLst>
-          </a:blip>
-          <a:srcRect/>
-          <a:stretch>
-            <a:fillRect/>
-          </a:stretch>
-        </p:blipFill>
-        <p:spPr bwMode="auto">
-          <a:xfrm>
-            <a:off x="19050" y="0"/>
-            <a:ext cx="7787387" cy="5175368"/>
-          </a:xfrm>
-          <a:prstGeom prst="rect">
-            <a:avLst/>
-          </a:prstGeom>
-          <a:noFill/>
-          <a:extLst>
-            <a:ext uri="{909E8E84-426E-40DD-AFC4-6F175D3DCCD1}">
-              <a14:hiddenFill xmlns:a14="http://schemas.microsoft.com/office/drawing/2010/main">
-                <a:solidFill>
-                  <a:srgbClr val="FFFFFF"/>
-                </a:solidFill>
-              </a14:hiddenFill>
-            </a:ext>
-          </a:extLst>
-        </p:spPr>
-      </p:pic>
-    </p:spTree>
-    <p:extLst>
-      <p:ext uri="{BB962C8B-B14F-4D97-AF65-F5344CB8AC3E}">
-        <p14:creationId xmlns:p14="http://schemas.microsoft.com/office/powerpoint/2010/main" val="3829386680"/>
-      </p:ext>
-    </p:extLst>
-  </p:cSld>
-  <p:clrMapOvr>
-    <a:masterClrMapping/>
-  </p:clrMapOvr>
-</p:sld>
-</file>
-
-<file path=ppt/slides/slide12.xml><?xml version="1.0" encoding="utf-8"?>
-<p:sld xmlns:a="http://schemas.openxmlformats.org/drawingml/2006/main" xmlns:r="http://schemas.openxmlformats.org/officeDocument/2006/relationships" xmlns:p="http://schemas.openxmlformats.org/presentationml/2006/main">
-  <p:cSld>
-    <p:spTree>
-      <p:nvGrpSpPr>
-        <p:cNvPr id="1" name=""/>
-        <p:cNvGrpSpPr/>
-        <p:nvPr/>
-      </p:nvGrpSpPr>
-      <p:grpSpPr>
-        <a:xfrm>
-          <a:off x="0" y="0"/>
-          <a:ext cx="0" cy="0"/>
-          <a:chOff x="0" y="0"/>
-          <a:chExt cx="0" cy="0"/>
-        </a:xfrm>
-      </p:grpSpPr>
-      <p:grpSp>
-        <p:nvGrpSpPr>
-          <p:cNvPr id="2" name="Group 2"/>
-          <p:cNvGrpSpPr/>
-          <p:nvPr/>
-        </p:nvGrpSpPr>
-        <p:grpSpPr>
-          <a:xfrm rot="5400000">
-            <a:off x="-2322" y="2322"/>
-            <a:ext cx="2902170" cy="2897526"/>
-            <a:chOff x="0" y="0"/>
-            <a:chExt cx="6350000" cy="6339840"/>
-          </a:xfrm>
-        </p:grpSpPr>
-        <p:sp>
-          <p:nvSpPr>
-            <p:cNvPr id="3" name="Freeform 3"/>
-            <p:cNvSpPr/>
-            <p:nvPr/>
-          </p:nvSpPr>
-          <p:spPr>
-            <a:xfrm>
-              <a:off x="0" y="0"/>
-              <a:ext cx="6350000" cy="6339840"/>
-            </a:xfrm>
-            <a:custGeom>
-              <a:avLst/>
-              <a:gdLst/>
-              <a:ahLst/>
-              <a:cxnLst/>
-              <a:rect l="l" t="t" r="r" b="b"/>
-              <a:pathLst>
-                <a:path w="6350000" h="6339840">
-                  <a:moveTo>
-                    <a:pt x="6350000" y="6339840"/>
-                  </a:moveTo>
-                  <a:lnTo>
-                    <a:pt x="0" y="6339840"/>
-                  </a:lnTo>
-                  <a:lnTo>
-                    <a:pt x="0" y="0"/>
-                  </a:lnTo>
-                  <a:close/>
-                </a:path>
-              </a:pathLst>
-            </a:custGeom>
-            <a:solidFill>
-              <a:srgbClr val="CF3338"/>
-            </a:solidFill>
-          </p:spPr>
-        </p:sp>
-      </p:grpSp>
-      <p:grpSp>
-        <p:nvGrpSpPr>
-          <p:cNvPr id="5" name="Group 5"/>
-          <p:cNvGrpSpPr/>
-          <p:nvPr/>
-        </p:nvGrpSpPr>
-        <p:grpSpPr>
-          <a:xfrm rot="-5400000">
-            <a:off x="15388265" y="7387265"/>
-            <a:ext cx="2902057" cy="2897414"/>
-            <a:chOff x="0" y="0"/>
-            <a:chExt cx="6350000" cy="6339840"/>
-          </a:xfrm>
-        </p:grpSpPr>
-        <p:sp>
-          <p:nvSpPr>
-            <p:cNvPr id="6" name="Freeform 6"/>
-            <p:cNvSpPr/>
-            <p:nvPr/>
-          </p:nvSpPr>
-          <p:spPr>
-            <a:xfrm>
-              <a:off x="0" y="0"/>
-              <a:ext cx="6350000" cy="6339840"/>
-            </a:xfrm>
-            <a:custGeom>
-              <a:avLst/>
-              <a:gdLst/>
-              <a:ahLst/>
-              <a:cxnLst/>
-              <a:rect l="l" t="t" r="r" b="b"/>
-              <a:pathLst>
-                <a:path w="6350000" h="6339840">
-                  <a:moveTo>
-                    <a:pt x="6350000" y="6339840"/>
-                  </a:moveTo>
-                  <a:lnTo>
-                    <a:pt x="0" y="6339840"/>
-                  </a:lnTo>
-                  <a:lnTo>
-                    <a:pt x="0" y="0"/>
-                  </a:lnTo>
-                  <a:close/>
-                </a:path>
-              </a:pathLst>
-            </a:custGeom>
-            <a:solidFill>
-              <a:srgbClr val="CF3338"/>
-            </a:solidFill>
-          </p:spPr>
-        </p:sp>
-      </p:grpSp>
-      <p:pic>
-        <p:nvPicPr>
-          <p:cNvPr id="7" name="Picture 7"/>
-          <p:cNvPicPr>
-            <a:picLocks noChangeAspect="1"/>
-          </p:cNvPicPr>
-          <p:nvPr/>
-        </p:nvPicPr>
-        <p:blipFill>
-          <a:blip r:embed="rId3"/>
-          <a:srcRect/>
-          <a:stretch>
-            <a:fillRect/>
-          </a:stretch>
-        </p:blipFill>
-        <p:spPr>
-          <a:xfrm>
-            <a:off x="16100583" y="9258300"/>
-            <a:ext cx="2005783" cy="1470490"/>
-          </a:xfrm>
-          <a:prstGeom prst="rect">
-            <a:avLst/>
-          </a:prstGeom>
-        </p:spPr>
-      </p:pic>
-      <p:pic>
-        <p:nvPicPr>
-          <p:cNvPr id="8" name="Picture 7">
-            <a:extLst>
-              <a:ext uri="{FF2B5EF4-FFF2-40B4-BE49-F238E27FC236}">
-                <a16:creationId xmlns:a16="http://schemas.microsoft.com/office/drawing/2014/main" id="{0F435F35-A152-4656-865B-6E8676432827}"/>
-              </a:ext>
-            </a:extLst>
-          </p:cNvPr>
-          <p:cNvPicPr>
-            <a:picLocks noChangeAspect="1"/>
-          </p:cNvPicPr>
-          <p:nvPr/>
-        </p:nvPicPr>
-        <p:blipFill>
-          <a:blip r:embed="rId4"/>
-          <a:stretch>
-            <a:fillRect/>
-          </a:stretch>
-        </p:blipFill>
-        <p:spPr>
-          <a:xfrm>
-            <a:off x="2922926" y="719997"/>
-            <a:ext cx="12954000" cy="8066881"/>
-          </a:xfrm>
-          <a:prstGeom prst="rect">
-            <a:avLst/>
-          </a:prstGeom>
-        </p:spPr>
-      </p:pic>
-      <p:sp>
-        <p:nvSpPr>
-          <p:cNvPr id="9" name="TextBox 8">
-            <a:extLst>
-              <a:ext uri="{FF2B5EF4-FFF2-40B4-BE49-F238E27FC236}">
-                <a16:creationId xmlns:a16="http://schemas.microsoft.com/office/drawing/2014/main" id="{A32A0BB2-F210-420B-8812-66FFB80B7279}"/>
-              </a:ext>
-            </a:extLst>
-          </p:cNvPr>
-          <p:cNvSpPr txBox="1"/>
-          <p:nvPr/>
-        </p:nvSpPr>
-        <p:spPr>
-          <a:xfrm>
-            <a:off x="2897526" y="9258300"/>
-            <a:ext cx="10515600" cy="461665"/>
-          </a:xfrm>
-          <a:prstGeom prst="rect">
-            <a:avLst/>
-          </a:prstGeom>
-          <a:noFill/>
-        </p:spPr>
-        <p:txBody>
-          <a:bodyPr wrap="square" rtlCol="0">
-            <a:spAutoFit/>
-          </a:bodyPr>
-          <a:lstStyle/>
-          <a:p>
-            <a:r>
-              <a:rPr lang="en-US" sz="2400" dirty="0">
-                <a:latin typeface="Gidole" panose="02000503000000000000" pitchFamily="50" charset="0"/>
-                <a:hlinkClick r:id="rId5"/>
-              </a:rPr>
-              <a:t>https://www.masterdataanalysis.com/ms-excel/analyzing-50-million-records-excel/</a:t>
-            </a:r>
-            <a:r>
-              <a:rPr lang="en-US" sz="2400" dirty="0">
-                <a:latin typeface="Gidole" panose="02000503000000000000" pitchFamily="50" charset="0"/>
-              </a:rPr>
-              <a:t>  </a:t>
-            </a:r>
-          </a:p>
-        </p:txBody>
-      </p:sp>
-    </p:spTree>
-    <p:extLst>
-      <p:ext uri="{BB962C8B-B14F-4D97-AF65-F5344CB8AC3E}">
-        <p14:creationId xmlns:p14="http://schemas.microsoft.com/office/powerpoint/2010/main" val="570882445"/>
-      </p:ext>
-    </p:extLst>
-  </p:cSld>
-  <p:clrMapOvr>
-    <a:masterClrMapping/>
-  </p:clrMapOvr>
-</p:sld>
-</file>
-
-<file path=ppt/slides/slide13.xml><?xml version="1.0" encoding="utf-8"?>
-<p:sld xmlns:a="http://schemas.openxmlformats.org/drawingml/2006/main" xmlns:r="http://schemas.openxmlformats.org/officeDocument/2006/relationships" xmlns:p="http://schemas.openxmlformats.org/presentationml/2006/main">
-  <p:cSld>
-    <p:spTree>
-      <p:nvGrpSpPr>
-        <p:cNvPr id="1" name=""/>
-        <p:cNvGrpSpPr/>
-        <p:nvPr/>
-      </p:nvGrpSpPr>
-      <p:grpSpPr>
-        <a:xfrm>
-          <a:off x="0" y="0"/>
-          <a:ext cx="0" cy="0"/>
-          <a:chOff x="0" y="0"/>
-          <a:chExt cx="0" cy="0"/>
-        </a:xfrm>
-      </p:grpSpPr>
-      <p:sp>
-        <p:nvSpPr>
-          <p:cNvPr id="2" name="AutoShape 2"/>
-          <p:cNvSpPr/>
-          <p:nvPr/>
-        </p:nvSpPr>
-        <p:spPr>
-          <a:xfrm>
-            <a:off x="-225517" y="0"/>
-            <a:ext cx="18513517" cy="3466476"/>
-          </a:xfrm>
-          <a:prstGeom prst="rect">
-            <a:avLst/>
-          </a:prstGeom>
-          <a:solidFill>
-            <a:srgbClr val="3D3935"/>
-          </a:solidFill>
-        </p:spPr>
-      </p:sp>
-      <p:grpSp>
-        <p:nvGrpSpPr>
-          <p:cNvPr id="3" name="Group 3"/>
-          <p:cNvGrpSpPr/>
-          <p:nvPr/>
-        </p:nvGrpSpPr>
-        <p:grpSpPr>
-          <a:xfrm>
-            <a:off x="0" y="52709"/>
-            <a:ext cx="3419237" cy="3413767"/>
-            <a:chOff x="0" y="0"/>
-            <a:chExt cx="6350000" cy="6339840"/>
-          </a:xfrm>
-        </p:grpSpPr>
-        <p:sp>
-          <p:nvSpPr>
-            <p:cNvPr id="4" name="Freeform 4"/>
-            <p:cNvSpPr/>
-            <p:nvPr/>
-          </p:nvSpPr>
-          <p:spPr>
-            <a:xfrm>
-              <a:off x="0" y="0"/>
-              <a:ext cx="6350000" cy="6339840"/>
-            </a:xfrm>
-            <a:custGeom>
-              <a:avLst/>
-              <a:gdLst/>
-              <a:ahLst/>
-              <a:cxnLst/>
-              <a:rect l="l" t="t" r="r" b="b"/>
-              <a:pathLst>
-                <a:path w="6350000" h="6339840">
-                  <a:moveTo>
-                    <a:pt x="6350000" y="6339840"/>
-                  </a:moveTo>
-                  <a:lnTo>
-                    <a:pt x="0" y="6339840"/>
-                  </a:lnTo>
-                  <a:lnTo>
-                    <a:pt x="0" y="0"/>
-                  </a:lnTo>
-                  <a:close/>
-                </a:path>
-              </a:pathLst>
-            </a:custGeom>
-            <a:solidFill>
-              <a:srgbClr val="F2F0F4">
-                <a:alpha val="84705"/>
-              </a:srgbClr>
-            </a:solidFill>
-          </p:spPr>
-        </p:sp>
-      </p:grpSp>
-      <p:grpSp>
-        <p:nvGrpSpPr>
-          <p:cNvPr id="5" name="Group 5"/>
-          <p:cNvGrpSpPr/>
-          <p:nvPr/>
-        </p:nvGrpSpPr>
-        <p:grpSpPr>
-          <a:xfrm rot="-10800000">
-            <a:off x="-2110659" y="-189185"/>
-            <a:ext cx="4221318" cy="3655661"/>
-            <a:chOff x="0" y="0"/>
-            <a:chExt cx="6350000" cy="5499100"/>
-          </a:xfrm>
-        </p:grpSpPr>
-        <p:sp>
-          <p:nvSpPr>
-            <p:cNvPr id="6" name="Freeform 6"/>
-            <p:cNvSpPr/>
-            <p:nvPr/>
-          </p:nvSpPr>
-          <p:spPr>
-            <a:xfrm>
-              <a:off x="0" y="0"/>
-              <a:ext cx="6350000" cy="5499100"/>
-            </a:xfrm>
-            <a:custGeom>
-              <a:avLst/>
-              <a:gdLst/>
-              <a:ahLst/>
-              <a:cxnLst/>
-              <a:rect l="l" t="t" r="r" b="b"/>
-              <a:pathLst>
-                <a:path w="6350000" h="5499100">
-                  <a:moveTo>
-                    <a:pt x="0" y="5499100"/>
-                  </a:moveTo>
-                  <a:lnTo>
-                    <a:pt x="3175000" y="0"/>
-                  </a:lnTo>
-                  <a:lnTo>
-                    <a:pt x="6350000" y="5499100"/>
-                  </a:lnTo>
-                  <a:close/>
-                </a:path>
-              </a:pathLst>
-            </a:custGeom>
-            <a:solidFill>
-              <a:srgbClr val="CF3338"/>
-            </a:solidFill>
-          </p:spPr>
-        </p:sp>
-      </p:grpSp>
-      <p:sp>
-        <p:nvSpPr>
-          <p:cNvPr id="7" name="TextBox 7"/>
-          <p:cNvSpPr txBox="1"/>
-          <p:nvPr/>
-        </p:nvSpPr>
-        <p:spPr>
-          <a:xfrm>
-            <a:off x="2110659" y="435320"/>
-            <a:ext cx="15772737" cy="1095300"/>
-          </a:xfrm>
-          <a:prstGeom prst="rect">
-            <a:avLst/>
-          </a:prstGeom>
-        </p:spPr>
-        <p:txBody>
-          <a:bodyPr lIns="0" tIns="0" rIns="0" bIns="0" rtlCol="0" anchor="t">
-            <a:spAutoFit/>
-          </a:bodyPr>
-          <a:lstStyle/>
-          <a:p>
-            <a:pPr algn="r">
-              <a:lnSpc>
-                <a:spcPts val="9100"/>
-              </a:lnSpc>
-            </a:pPr>
-            <a:r>
-              <a:rPr lang="en-US" sz="6500" b="1" spc="195" dirty="0">
-                <a:solidFill>
-                  <a:srgbClr val="F2F0F4"/>
-                </a:solidFill>
-                <a:latin typeface="League Spartan Italics"/>
-              </a:rPr>
-              <a:t>What did we do before Power Query?</a:t>
-            </a:r>
-          </a:p>
-        </p:txBody>
-      </p:sp>
-      <p:pic>
-        <p:nvPicPr>
-          <p:cNvPr id="8" name="Picture 8"/>
-          <p:cNvPicPr>
-            <a:picLocks noChangeAspect="1"/>
-          </p:cNvPicPr>
-          <p:nvPr/>
-        </p:nvPicPr>
-        <p:blipFill>
-          <a:blip r:embed="rId3"/>
-          <a:srcRect b="44190"/>
-          <a:stretch>
-            <a:fillRect/>
-          </a:stretch>
-        </p:blipFill>
-        <p:spPr>
-          <a:xfrm>
-            <a:off x="16095120" y="9265255"/>
-            <a:ext cx="2013122" cy="823680"/>
-          </a:xfrm>
-          <a:prstGeom prst="rect">
-            <a:avLst/>
-          </a:prstGeom>
-        </p:spPr>
-      </p:pic>
-      <p:sp>
-        <p:nvSpPr>
-          <p:cNvPr id="9" name="TextBox 8">
-            <a:extLst>
-              <a:ext uri="{FF2B5EF4-FFF2-40B4-BE49-F238E27FC236}">
-                <a16:creationId xmlns:a16="http://schemas.microsoft.com/office/drawing/2014/main" id="{70F8E36B-5389-41E7-BBDB-BE061BE6D012}"/>
-              </a:ext>
-            </a:extLst>
-          </p:cNvPr>
-          <p:cNvSpPr txBox="1"/>
-          <p:nvPr/>
-        </p:nvSpPr>
-        <p:spPr>
-          <a:xfrm>
-            <a:off x="228600" y="3848100"/>
-            <a:ext cx="11353800" cy="1754326"/>
-          </a:xfrm>
-          <a:prstGeom prst="rect">
-            <a:avLst/>
-          </a:prstGeom>
-          <a:noFill/>
-        </p:spPr>
-        <p:txBody>
-          <a:bodyPr wrap="square" rtlCol="0">
-            <a:spAutoFit/>
-          </a:bodyPr>
-          <a:lstStyle/>
-          <a:p>
-            <a:pPr marL="571500" indent="-571500">
-              <a:buFont typeface="Arial" panose="020B0604020202020204" pitchFamily="34" charset="0"/>
-              <a:buChar char="•"/>
-            </a:pPr>
-            <a:r>
-              <a:rPr lang="en-US" sz="3600" dirty="0">
-                <a:latin typeface="Gidole" panose="020B0604020202020204" charset="0"/>
-              </a:rPr>
-              <a:t>File: </a:t>
-            </a:r>
-            <a:r>
-              <a:rPr lang="en-US" sz="3600" dirty="0">
-                <a:latin typeface="Roboto Mono" pitchFamily="2" charset="0"/>
-                <a:ea typeface="Roboto Mono" pitchFamily="2" charset="0"/>
-              </a:rPr>
-              <a:t>wholesale-customers.xlsx</a:t>
-            </a:r>
-          </a:p>
-          <a:p>
-            <a:pPr marL="571500" indent="-571500">
-              <a:buFont typeface="Arial" panose="020B0604020202020204" pitchFamily="34" charset="0"/>
-              <a:buChar char="•"/>
-            </a:pPr>
-            <a:r>
-              <a:rPr lang="en-US" sz="3600" dirty="0">
-                <a:latin typeface="Gidole" panose="02000503000000000000" pitchFamily="50" charset="0"/>
-                <a:ea typeface="Roboto Mono" pitchFamily="2" charset="0"/>
-              </a:rPr>
-              <a:t>How would you make this data “PivotTable-ready?”</a:t>
-            </a:r>
-          </a:p>
-          <a:p>
-            <a:pPr marL="571500" indent="-571500">
-              <a:buFont typeface="Arial" panose="020B0604020202020204" pitchFamily="34" charset="0"/>
-              <a:buChar char="•"/>
-            </a:pPr>
-            <a:endParaRPr lang="en-US" sz="3600" dirty="0">
-              <a:latin typeface="Gidole" panose="020B0604020202020204" charset="0"/>
-            </a:endParaRPr>
-          </a:p>
-        </p:txBody>
-      </p:sp>
-    </p:spTree>
-    <p:extLst>
-      <p:ext uri="{BB962C8B-B14F-4D97-AF65-F5344CB8AC3E}">
-        <p14:creationId xmlns:p14="http://schemas.microsoft.com/office/powerpoint/2010/main" val="3385359437"/>
-      </p:ext>
-    </p:extLst>
-  </p:cSld>
-  <p:clrMapOvr>
-    <a:masterClrMapping/>
-  </p:clrMapOvr>
-</p:sld>
-</file>
-
-<file path=ppt/slides/slide14.xml><?xml version="1.0" encoding="utf-8"?>
 <p:sld xmlns:a="http://schemas.openxmlformats.org/drawingml/2006/main" xmlns:r="http://schemas.openxmlformats.org/officeDocument/2006/relationships" xmlns:p="http://schemas.openxmlformats.org/presentationml/2006/main">
   <p:cSld>
     <p:spTree>
@@ -6932,7 +5121,7 @@
                 </a:solidFill>
                 <a:latin typeface="Open Sans Extra Bold"/>
               </a:rPr>
-              <a:t>QUESTIONS?</a:t>
+              <a:t>DEMO: MANIPULATING ROWS</a:t>
             </a:r>
           </a:p>
         </p:txBody>
@@ -6968,347 +5157,6 @@
           </a:prstGeom>
         </p:spPr>
       </p:pic>
-    </p:spTree>
-    <p:extLst>
-      <p:ext uri="{BB962C8B-B14F-4D97-AF65-F5344CB8AC3E}">
-        <p14:creationId xmlns:p14="http://schemas.microsoft.com/office/powerpoint/2010/main" val="2269851195"/>
-      </p:ext>
-    </p:extLst>
-  </p:cSld>
-  <p:clrMapOvr>
-    <a:masterClrMapping/>
-  </p:clrMapOvr>
-</p:sld>
-</file>
-
-<file path=ppt/slides/slide15.xml><?xml version="1.0" encoding="utf-8"?>
-<p:sld xmlns:a="http://schemas.openxmlformats.org/drawingml/2006/main" xmlns:r="http://schemas.openxmlformats.org/officeDocument/2006/relationships" xmlns:p="http://schemas.openxmlformats.org/presentationml/2006/main">
-  <p:cSld>
-    <p:spTree>
-      <p:nvGrpSpPr>
-        <p:cNvPr id="1" name=""/>
-        <p:cNvGrpSpPr/>
-        <p:nvPr/>
-      </p:nvGrpSpPr>
-      <p:grpSpPr>
-        <a:xfrm>
-          <a:off x="0" y="0"/>
-          <a:ext cx="0" cy="0"/>
-          <a:chOff x="0" y="0"/>
-          <a:chExt cx="0" cy="0"/>
-        </a:xfrm>
-      </p:grpSpPr>
-      <p:pic>
-        <p:nvPicPr>
-          <p:cNvPr id="8" name="Picture 8"/>
-          <p:cNvPicPr>
-            <a:picLocks noChangeAspect="1"/>
-          </p:cNvPicPr>
-          <p:nvPr/>
-        </p:nvPicPr>
-        <p:blipFill>
-          <a:blip r:embed="rId3"/>
-          <a:srcRect/>
-          <a:stretch>
-            <a:fillRect/>
-          </a:stretch>
-        </p:blipFill>
-        <p:spPr>
-          <a:xfrm>
-            <a:off x="16459200" y="-99077"/>
-            <a:ext cx="2005783" cy="1470490"/>
-          </a:xfrm>
-          <a:prstGeom prst="rect">
-            <a:avLst/>
-          </a:prstGeom>
-        </p:spPr>
-      </p:pic>
-      <p:sp>
-        <p:nvSpPr>
-          <p:cNvPr id="9" name="TextBox 9"/>
-          <p:cNvSpPr txBox="1"/>
-          <p:nvPr/>
-        </p:nvSpPr>
-        <p:spPr>
-          <a:xfrm>
-            <a:off x="838200" y="617118"/>
-            <a:ext cx="15631206" cy="1209818"/>
-          </a:xfrm>
-          <a:prstGeom prst="rect">
-            <a:avLst/>
-          </a:prstGeom>
-        </p:spPr>
-        <p:txBody>
-          <a:bodyPr wrap="square" lIns="0" tIns="0" rIns="0" bIns="0" rtlCol="0" anchor="t">
-            <a:spAutoFit/>
-          </a:bodyPr>
-          <a:lstStyle/>
-          <a:p>
-            <a:pPr>
-              <a:lnSpc>
-                <a:spcPts val="10080"/>
-              </a:lnSpc>
-              <a:spcBef>
-                <a:spcPct val="0"/>
-              </a:spcBef>
-            </a:pPr>
-            <a:r>
-              <a:rPr lang="en-US" sz="7200" dirty="0">
-                <a:solidFill>
-                  <a:srgbClr val="000000"/>
-                </a:solidFill>
-                <a:latin typeface="Open Sans Extra Bold"/>
-              </a:rPr>
-              <a:t>DEMO: PROFILING DATA</a:t>
-            </a:r>
-          </a:p>
-        </p:txBody>
-      </p:sp>
-      <p:pic>
-        <p:nvPicPr>
-          <p:cNvPr id="5" name="Picture 6">
-            <a:extLst>
-              <a:ext uri="{FF2B5EF4-FFF2-40B4-BE49-F238E27FC236}">
-                <a16:creationId xmlns:a16="http://schemas.microsoft.com/office/drawing/2014/main" id="{01C401A0-8EBC-47CA-B2DE-F204DE6EEF54}"/>
-              </a:ext>
-            </a:extLst>
-          </p:cNvPr>
-          <p:cNvPicPr>
-            <a:picLocks noChangeAspect="1"/>
-          </p:cNvPicPr>
-          <p:nvPr/>
-        </p:nvPicPr>
-        <p:blipFill>
-          <a:blip r:embed="rId4"/>
-          <a:srcRect b="44190"/>
-          <a:stretch>
-            <a:fillRect/>
-          </a:stretch>
-        </p:blipFill>
-        <p:spPr>
-          <a:xfrm>
-            <a:off x="16095120" y="9265255"/>
-            <a:ext cx="2013122" cy="823680"/>
-          </a:xfrm>
-          <a:prstGeom prst="rect">
-            <a:avLst/>
-          </a:prstGeom>
-        </p:spPr>
-      </p:pic>
-      <p:sp>
-        <p:nvSpPr>
-          <p:cNvPr id="2" name="TextBox 1">
-            <a:extLst>
-              <a:ext uri="{FF2B5EF4-FFF2-40B4-BE49-F238E27FC236}">
-                <a16:creationId xmlns:a16="http://schemas.microsoft.com/office/drawing/2014/main" id="{DA7E4D39-AF17-46FE-A0C7-071D1DD526E8}"/>
-              </a:ext>
-            </a:extLst>
-          </p:cNvPr>
-          <p:cNvSpPr txBox="1"/>
-          <p:nvPr/>
-        </p:nvSpPr>
-        <p:spPr>
-          <a:xfrm>
-            <a:off x="857250" y="1943100"/>
-            <a:ext cx="12877800" cy="2554545"/>
-          </a:xfrm>
-          <a:prstGeom prst="rect">
-            <a:avLst/>
-          </a:prstGeom>
-          <a:noFill/>
-        </p:spPr>
-        <p:txBody>
-          <a:bodyPr wrap="square" rtlCol="0">
-            <a:spAutoFit/>
-          </a:bodyPr>
-          <a:lstStyle/>
-          <a:p>
-            <a:pPr marL="571500" indent="-571500">
-              <a:buFont typeface="Arial" panose="020B0604020202020204" pitchFamily="34" charset="0"/>
-              <a:buChar char="•"/>
-            </a:pPr>
-            <a:r>
-              <a:rPr lang="en-US" sz="4000" dirty="0">
-                <a:latin typeface="Gidole" panose="02000503000000000000" pitchFamily="50" charset="0"/>
-              </a:rPr>
-              <a:t>File: </a:t>
-            </a:r>
-            <a:r>
-              <a:rPr lang="en-US" sz="4000" dirty="0">
-                <a:latin typeface="Roboto Mono" pitchFamily="2" charset="0"/>
-                <a:ea typeface="Roboto Mono" pitchFamily="2" charset="0"/>
-              </a:rPr>
-              <a:t>star.xlsx</a:t>
-            </a:r>
-          </a:p>
-          <a:p>
-            <a:pPr marL="571500" indent="-571500">
-              <a:buFont typeface="Arial" panose="020B0604020202020204" pitchFamily="34" charset="0"/>
-              <a:buChar char="•"/>
-            </a:pPr>
-            <a:r>
-              <a:rPr lang="en-US" sz="4000" dirty="0">
-                <a:latin typeface="Gidole" panose="02000503000000000000" pitchFamily="50" charset="0"/>
-                <a:ea typeface="Roboto Mono" pitchFamily="2" charset="0"/>
-              </a:rPr>
-              <a:t>Load into Power Query</a:t>
-            </a:r>
-          </a:p>
-          <a:p>
-            <a:pPr marL="571500" indent="-571500">
-              <a:buFont typeface="Arial" panose="020B0604020202020204" pitchFamily="34" charset="0"/>
-              <a:buChar char="•"/>
-            </a:pPr>
-            <a:r>
-              <a:rPr lang="en-US" sz="4000" dirty="0">
-                <a:latin typeface="Gidole" panose="02000503000000000000" pitchFamily="50" charset="0"/>
-                <a:ea typeface="Roboto Mono" pitchFamily="2" charset="0"/>
-              </a:rPr>
-              <a:t>Explore via Data Preview</a:t>
-            </a:r>
-          </a:p>
-          <a:p>
-            <a:pPr marL="571500" indent="-571500">
-              <a:buFont typeface="Arial" panose="020B0604020202020204" pitchFamily="34" charset="0"/>
-              <a:buChar char="•"/>
-            </a:pPr>
-            <a:r>
-              <a:rPr lang="en-US" sz="4000" i="1" dirty="0">
-                <a:latin typeface="Gidole" panose="02000503000000000000" pitchFamily="50" charset="0"/>
-                <a:ea typeface="Roboto Mono" pitchFamily="2" charset="0"/>
-              </a:rPr>
-              <a:t>Refer to demo notes</a:t>
-            </a:r>
-          </a:p>
-        </p:txBody>
-      </p:sp>
-    </p:spTree>
-    <p:extLst>
-      <p:ext uri="{BB962C8B-B14F-4D97-AF65-F5344CB8AC3E}">
-        <p14:creationId xmlns:p14="http://schemas.microsoft.com/office/powerpoint/2010/main" val="1901009749"/>
-      </p:ext>
-    </p:extLst>
-  </p:cSld>
-  <p:clrMapOvr>
-    <a:masterClrMapping/>
-  </p:clrMapOvr>
-</p:sld>
-</file>
-
-<file path=ppt/slides/slide16.xml><?xml version="1.0" encoding="utf-8"?>
-<p:sld xmlns:a="http://schemas.openxmlformats.org/drawingml/2006/main" xmlns:r="http://schemas.openxmlformats.org/officeDocument/2006/relationships" xmlns:p="http://schemas.openxmlformats.org/presentationml/2006/main">
-  <p:cSld>
-    <p:spTree>
-      <p:nvGrpSpPr>
-        <p:cNvPr id="1" name=""/>
-        <p:cNvGrpSpPr/>
-        <p:nvPr/>
-      </p:nvGrpSpPr>
-      <p:grpSpPr>
-        <a:xfrm>
-          <a:off x="0" y="0"/>
-          <a:ext cx="0" cy="0"/>
-          <a:chOff x="0" y="0"/>
-          <a:chExt cx="0" cy="0"/>
-        </a:xfrm>
-      </p:grpSpPr>
-      <p:pic>
-        <p:nvPicPr>
-          <p:cNvPr id="8" name="Picture 8"/>
-          <p:cNvPicPr>
-            <a:picLocks noChangeAspect="1"/>
-          </p:cNvPicPr>
-          <p:nvPr/>
-        </p:nvPicPr>
-        <p:blipFill>
-          <a:blip r:embed="rId3"/>
-          <a:srcRect/>
-          <a:stretch>
-            <a:fillRect/>
-          </a:stretch>
-        </p:blipFill>
-        <p:spPr>
-          <a:xfrm>
-            <a:off x="16459200" y="-99077"/>
-            <a:ext cx="2005783" cy="1470490"/>
-          </a:xfrm>
-          <a:prstGeom prst="rect">
-            <a:avLst/>
-          </a:prstGeom>
-        </p:spPr>
-      </p:pic>
-      <p:sp>
-        <p:nvSpPr>
-          <p:cNvPr id="9" name="TextBox 9"/>
-          <p:cNvSpPr txBox="1"/>
-          <p:nvPr/>
-        </p:nvSpPr>
-        <p:spPr>
-          <a:xfrm>
-            <a:off x="838200" y="617118"/>
-            <a:ext cx="15631206" cy="1209818"/>
-          </a:xfrm>
-          <a:prstGeom prst="rect">
-            <a:avLst/>
-          </a:prstGeom>
-        </p:spPr>
-        <p:txBody>
-          <a:bodyPr wrap="square" lIns="0" tIns="0" rIns="0" bIns="0" rtlCol="0" anchor="t">
-            <a:spAutoFit/>
-          </a:bodyPr>
-          <a:lstStyle/>
-          <a:p>
-            <a:pPr>
-              <a:lnSpc>
-                <a:spcPts val="10080"/>
-              </a:lnSpc>
-              <a:spcBef>
-                <a:spcPct val="0"/>
-              </a:spcBef>
-            </a:pPr>
-            <a:r>
-              <a:rPr lang="en-US" sz="7200" dirty="0">
-                <a:solidFill>
-                  <a:srgbClr val="000000"/>
-                </a:solidFill>
-                <a:latin typeface="Open Sans Extra Bold"/>
-              </a:rPr>
-              <a:t>DEMO: MANIPULATING ROWS</a:t>
-            </a:r>
-          </a:p>
-        </p:txBody>
-      </p:sp>
-      <p:pic>
-        <p:nvPicPr>
-          <p:cNvPr id="5" name="Picture 6">
-            <a:extLst>
-              <a:ext uri="{FF2B5EF4-FFF2-40B4-BE49-F238E27FC236}">
-                <a16:creationId xmlns:a16="http://schemas.microsoft.com/office/drawing/2014/main" id="{01C401A0-8EBC-47CA-B2DE-F204DE6EEF54}"/>
-              </a:ext>
-            </a:extLst>
-          </p:cNvPr>
-          <p:cNvPicPr>
-            <a:picLocks noChangeAspect="1"/>
-          </p:cNvPicPr>
-          <p:nvPr/>
-        </p:nvPicPr>
-        <p:blipFill>
-          <a:blip r:embed="rId4"/>
-          <a:srcRect b="44190"/>
-          <a:stretch>
-            <a:fillRect/>
-          </a:stretch>
-        </p:blipFill>
-        <p:spPr>
-          <a:xfrm>
-            <a:off x="16095120" y="9265255"/>
-            <a:ext cx="2013122" cy="823680"/>
-          </a:xfrm>
-          <a:prstGeom prst="rect">
-            <a:avLst/>
-          </a:prstGeom>
-        </p:spPr>
-      </p:pic>
       <p:sp>
         <p:nvSpPr>
           <p:cNvPr id="2" name="TextBox 1">
@@ -7370,7 +5218,7 @@
 </p:sld>
 </file>
 
-<file path=ppt/slides/slide17.xml><?xml version="1.0" encoding="utf-8"?>
+<file path=ppt/slides/slide11.xml><?xml version="1.0" encoding="utf-8"?>
 <p:sld xmlns:a="http://schemas.openxmlformats.org/drawingml/2006/main" xmlns:r="http://schemas.openxmlformats.org/officeDocument/2006/relationships" xmlns:p="http://schemas.openxmlformats.org/presentationml/2006/main">
   <p:cSld>
     <p:spTree>
@@ -7511,26 +5359,14 @@
                   </a:extLst>
                 </a:hlinkClick>
               </a:rPr>
-              <a:t>https://stringfestanalytics.com/click-and-clean-pq-workshop/</a:t>
-            </a:r>
-            <a:r>
-              <a:rPr lang="en-US" sz="3400" spc="340" dirty="0">
-                <a:solidFill>
-                  <a:schemeClr val="bg1"/>
-                </a:solidFill>
-                <a:latin typeface="Gidole"/>
-              </a:rPr>
-              <a:t> </a:t>
-            </a:r>
-            <a:r>
-              <a:rPr lang="en-US" sz="3400" spc="340" dirty="0">
-                <a:solidFill>
-                  <a:srgbClr val="F2F0F4"/>
-                </a:solidFill>
-                <a:latin typeface="Gidole"/>
-              </a:rPr>
-              <a:t> </a:t>
-            </a:r>
+              <a:t>https://social.stringfestanalytics.com/pq-workshops </a:t>
+            </a:r>
+            <a:endParaRPr lang="en-US" sz="3400" spc="340" dirty="0">
+              <a:solidFill>
+                <a:schemeClr val="bg1"/>
+              </a:solidFill>
+              <a:latin typeface="Gidole"/>
+            </a:endParaRPr>
           </a:p>
         </p:txBody>
       </p:sp>
@@ -7674,6 +5510,42 @@
           </a:prstGeom>
         </p:spPr>
       </p:pic>
+      <p:pic>
+        <p:nvPicPr>
+          <p:cNvPr id="11" name="Picture 10" descr="Qr code&#10;&#10;Description automatically generated">
+            <a:extLst>
+              <a:ext uri="{FF2B5EF4-FFF2-40B4-BE49-F238E27FC236}">
+                <a16:creationId xmlns:a16="http://schemas.microsoft.com/office/drawing/2014/main" id="{745137F5-7D9B-7863-8E4A-8A625B048E74}"/>
+              </a:ext>
+            </a:extLst>
+          </p:cNvPr>
+          <p:cNvPicPr>
+            <a:picLocks noChangeAspect="1"/>
+          </p:cNvPicPr>
+          <p:nvPr/>
+        </p:nvPicPr>
+        <p:blipFill>
+          <a:blip r:embed="rId6" cstate="print">
+            <a:extLst>
+              <a:ext uri="{28A0092B-C50C-407E-A947-70E740481C1C}">
+                <a14:useLocalDpi xmlns:a14="http://schemas.microsoft.com/office/drawing/2010/main" val="0"/>
+              </a:ext>
+            </a:extLst>
+          </a:blip>
+          <a:stretch>
+            <a:fillRect/>
+          </a:stretch>
+        </p:blipFill>
+        <p:spPr>
+          <a:xfrm>
+            <a:off x="533400" y="6819900"/>
+            <a:ext cx="2895600" cy="2895600"/>
+          </a:xfrm>
+          <a:prstGeom prst="rect">
+            <a:avLst/>
+          </a:prstGeom>
+        </p:spPr>
+      </p:pic>
     </p:spTree>
     <p:extLst>
       <p:ext uri="{BB962C8B-B14F-4D97-AF65-F5344CB8AC3E}">
@@ -7687,364 +5559,7 @@
 </p:sld>
 </file>
 
-<file path=ppt/slides/slide18.xml><?xml version="1.0" encoding="utf-8"?>
-<p:sld xmlns:a="http://schemas.openxmlformats.org/drawingml/2006/main" xmlns:r="http://schemas.openxmlformats.org/officeDocument/2006/relationships" xmlns:p="http://schemas.openxmlformats.org/presentationml/2006/main">
-  <p:cSld>
-    <p:spTree>
-      <p:nvGrpSpPr>
-        <p:cNvPr id="1" name=""/>
-        <p:cNvGrpSpPr/>
-        <p:nvPr/>
-      </p:nvGrpSpPr>
-      <p:grpSpPr>
-        <a:xfrm>
-          <a:off x="0" y="0"/>
-          <a:ext cx="0" cy="0"/>
-          <a:chOff x="0" y="0"/>
-          <a:chExt cx="0" cy="0"/>
-        </a:xfrm>
-      </p:grpSpPr>
-      <p:sp>
-        <p:nvSpPr>
-          <p:cNvPr id="2" name="AutoShape 2"/>
-          <p:cNvSpPr/>
-          <p:nvPr/>
-        </p:nvSpPr>
-        <p:spPr>
-          <a:xfrm>
-            <a:off x="0" y="-56390"/>
-            <a:ext cx="10283741" cy="10399781"/>
-          </a:xfrm>
-          <a:prstGeom prst="rect">
-            <a:avLst/>
-          </a:prstGeom>
-          <a:solidFill>
-            <a:srgbClr val="CF3338"/>
-          </a:solidFill>
-        </p:spPr>
-      </p:sp>
-      <p:grpSp>
-        <p:nvGrpSpPr>
-          <p:cNvPr id="3" name="Group 3"/>
-          <p:cNvGrpSpPr/>
-          <p:nvPr/>
-        </p:nvGrpSpPr>
-        <p:grpSpPr>
-          <a:xfrm rot="5400000">
-            <a:off x="9957" y="-9957"/>
-            <a:ext cx="10263828" cy="10283741"/>
-            <a:chOff x="0" y="0"/>
-            <a:chExt cx="6350000" cy="6339840"/>
-          </a:xfrm>
-        </p:grpSpPr>
-        <p:sp>
-          <p:nvSpPr>
-            <p:cNvPr id="4" name="Freeform 4"/>
-            <p:cNvSpPr/>
-            <p:nvPr/>
-          </p:nvSpPr>
-          <p:spPr>
-            <a:xfrm>
-              <a:off x="0" y="0"/>
-              <a:ext cx="6350000" cy="6339840"/>
-            </a:xfrm>
-            <a:custGeom>
-              <a:avLst/>
-              <a:gdLst/>
-              <a:ahLst/>
-              <a:cxnLst/>
-              <a:rect l="l" t="t" r="r" b="b"/>
-              <a:pathLst>
-                <a:path w="6350000" h="6339840">
-                  <a:moveTo>
-                    <a:pt x="6350000" y="6339840"/>
-                  </a:moveTo>
-                  <a:lnTo>
-                    <a:pt x="0" y="6339840"/>
-                  </a:lnTo>
-                  <a:lnTo>
-                    <a:pt x="0" y="0"/>
-                  </a:lnTo>
-                  <a:close/>
-                </a:path>
-              </a:pathLst>
-            </a:custGeom>
-            <a:solidFill>
-              <a:srgbClr val="3D3935">
-                <a:alpha val="19607"/>
-              </a:srgbClr>
-            </a:solidFill>
-          </p:spPr>
-        </p:sp>
-      </p:grpSp>
-      <p:sp>
-        <p:nvSpPr>
-          <p:cNvPr id="5" name="TextBox 5"/>
-          <p:cNvSpPr txBox="1"/>
-          <p:nvPr/>
-        </p:nvSpPr>
-        <p:spPr>
-          <a:xfrm>
-            <a:off x="1329711" y="2678451"/>
-            <a:ext cx="7624318" cy="1113703"/>
-          </a:xfrm>
-          <a:prstGeom prst="rect">
-            <a:avLst/>
-          </a:prstGeom>
-        </p:spPr>
-        <p:txBody>
-          <a:bodyPr lIns="0" tIns="0" rIns="0" bIns="0" rtlCol="0" anchor="t">
-            <a:spAutoFit/>
-          </a:bodyPr>
-          <a:lstStyle/>
-          <a:p>
-            <a:pPr marL="457200" indent="-457200">
-              <a:lnSpc>
-                <a:spcPts val="4522"/>
-              </a:lnSpc>
-              <a:buFont typeface="Arial" panose="020B0604020202020204" pitchFamily="34" charset="0"/>
-              <a:buChar char="•"/>
-            </a:pPr>
-            <a:r>
-              <a:rPr lang="en-US" sz="3400" spc="340" dirty="0">
-                <a:solidFill>
-                  <a:srgbClr val="F2F0F4"/>
-                </a:solidFill>
-                <a:latin typeface="Gidole"/>
-              </a:rPr>
-              <a:t>Download: </a:t>
-            </a:r>
-          </a:p>
-          <a:p>
-            <a:pPr marL="457200" indent="-457200">
-              <a:lnSpc>
-                <a:spcPts val="4522"/>
-              </a:lnSpc>
-              <a:buFont typeface="Arial" panose="020B0604020202020204" pitchFamily="34" charset="0"/>
-              <a:buChar char="•"/>
-            </a:pPr>
-            <a:r>
-              <a:rPr lang="en-US" sz="3400" spc="340" dirty="0">
-                <a:solidFill>
-                  <a:srgbClr val="F2F0F4"/>
-                </a:solidFill>
-                <a:latin typeface="Gidole"/>
-              </a:rPr>
-              <a:t>20% off with promocode PDQ</a:t>
-            </a:r>
-          </a:p>
-        </p:txBody>
-      </p:sp>
-      <p:sp>
-        <p:nvSpPr>
-          <p:cNvPr id="6" name="TextBox 6"/>
-          <p:cNvSpPr txBox="1"/>
-          <p:nvPr/>
-        </p:nvSpPr>
-        <p:spPr>
-          <a:xfrm rot="5400000">
-            <a:off x="15031804" y="6973654"/>
-            <a:ext cx="3734903" cy="834390"/>
-          </a:xfrm>
-          <a:prstGeom prst="rect">
-            <a:avLst/>
-          </a:prstGeom>
-        </p:spPr>
-        <p:txBody>
-          <a:bodyPr lIns="0" tIns="0" rIns="0" bIns="0" rtlCol="0" anchor="t">
-            <a:spAutoFit/>
-          </a:bodyPr>
-          <a:lstStyle/>
-          <a:p>
-            <a:pPr algn="r">
-              <a:lnSpc>
-                <a:spcPts val="3359"/>
-              </a:lnSpc>
-            </a:pPr>
-            <a:r>
-              <a:rPr lang="en-US" sz="2400" spc="192">
-                <a:solidFill>
-                  <a:srgbClr val="F2F0F4"/>
-                </a:solidFill>
-                <a:latin typeface="Gidole"/>
-              </a:rPr>
-              <a:t>Human Centered Design • MDLS 2020</a:t>
-            </a:r>
-          </a:p>
-        </p:txBody>
-      </p:sp>
-      <p:pic>
-        <p:nvPicPr>
-          <p:cNvPr id="7" name="Picture 7"/>
-          <p:cNvPicPr>
-            <a:picLocks noChangeAspect="1"/>
-          </p:cNvPicPr>
-          <p:nvPr/>
-        </p:nvPicPr>
-        <p:blipFill>
-          <a:blip r:embed="rId3"/>
-          <a:srcRect/>
-          <a:stretch>
-            <a:fillRect/>
-          </a:stretch>
-        </p:blipFill>
-        <p:spPr>
-          <a:xfrm>
-            <a:off x="16100583" y="9258300"/>
-            <a:ext cx="2005783" cy="1470490"/>
-          </a:xfrm>
-          <a:prstGeom prst="rect">
-            <a:avLst/>
-          </a:prstGeom>
-        </p:spPr>
-      </p:pic>
-      <p:sp>
-        <p:nvSpPr>
-          <p:cNvPr id="9" name="TextBox 9"/>
-          <p:cNvSpPr txBox="1"/>
-          <p:nvPr/>
-        </p:nvSpPr>
-        <p:spPr>
-          <a:xfrm>
-            <a:off x="657572" y="942975"/>
-            <a:ext cx="8486428" cy="1485663"/>
-          </a:xfrm>
-          <a:prstGeom prst="rect">
-            <a:avLst/>
-          </a:prstGeom>
-        </p:spPr>
-        <p:txBody>
-          <a:bodyPr lIns="0" tIns="0" rIns="0" bIns="0" rtlCol="0" anchor="t">
-            <a:spAutoFit/>
-          </a:bodyPr>
-          <a:lstStyle/>
-          <a:p>
-            <a:pPr>
-              <a:lnSpc>
-                <a:spcPts val="5880"/>
-              </a:lnSpc>
-              <a:spcBef>
-                <a:spcPct val="0"/>
-              </a:spcBef>
-            </a:pPr>
-            <a:r>
-              <a:rPr lang="en-US" sz="4200" dirty="0">
-                <a:solidFill>
-                  <a:srgbClr val="FFFFFF"/>
-                </a:solidFill>
-                <a:latin typeface="League Spartan"/>
-              </a:rPr>
-              <a:t>Power Query on-demand training</a:t>
-            </a:r>
-          </a:p>
-        </p:txBody>
-      </p:sp>
-      <p:sp>
-        <p:nvSpPr>
-          <p:cNvPr id="8" name="AutoShape 2">
-            <a:extLst>
-              <a:ext uri="{FF2B5EF4-FFF2-40B4-BE49-F238E27FC236}">
-                <a16:creationId xmlns:a16="http://schemas.microsoft.com/office/drawing/2014/main" id="{078BE841-5B19-4E46-ABD2-6B5306E071BD}"/>
-              </a:ext>
-            </a:extLst>
-          </p:cNvPr>
-          <p:cNvSpPr>
-            <a:spLocks noChangeAspect="1" noChangeArrowheads="1"/>
-          </p:cNvSpPr>
-          <p:nvPr/>
-        </p:nvSpPr>
-        <p:spPr bwMode="auto">
-          <a:xfrm>
-            <a:off x="8991600" y="4991100"/>
-            <a:ext cx="304800" cy="304800"/>
-          </a:xfrm>
-          <a:prstGeom prst="rect">
-            <a:avLst/>
-          </a:prstGeom>
-          <a:noFill/>
-          <a:extLst>
-            <a:ext uri="{909E8E84-426E-40DD-AFC4-6F175D3DCCD1}">
-              <a14:hiddenFill xmlns:a14="http://schemas.microsoft.com/office/drawing/2010/main">
-                <a:solidFill>
-                  <a:srgbClr val="FFFFFF"/>
-                </a:solidFill>
-              </a14:hiddenFill>
-            </a:ext>
-          </a:extLst>
-        </p:spPr>
-        <p:txBody>
-          <a:bodyPr vert="horz" wrap="square" lIns="91440" tIns="45720" rIns="91440" bIns="45720" numCol="1" anchor="t" anchorCtr="0" compatLnSpc="1">
-            <a:prstTxWarp prst="textNoShape">
-              <a:avLst/>
-            </a:prstTxWarp>
-          </a:bodyPr>
-          <a:lstStyle/>
-          <a:p>
-            <a:endParaRPr lang="en-US"/>
-          </a:p>
-        </p:txBody>
-      </p:sp>
-      <p:pic>
-        <p:nvPicPr>
-          <p:cNvPr id="1026" name="Picture 2">
-            <a:extLst>
-              <a:ext uri="{FF2B5EF4-FFF2-40B4-BE49-F238E27FC236}">
-                <a16:creationId xmlns:a16="http://schemas.microsoft.com/office/drawing/2014/main" id="{8E09213A-AB87-F0C6-CFA8-14817A8A4F32}"/>
-              </a:ext>
-            </a:extLst>
-          </p:cNvPr>
-          <p:cNvPicPr>
-            <a:picLocks noChangeAspect="1" noChangeArrowheads="1"/>
-          </p:cNvPicPr>
-          <p:nvPr/>
-        </p:nvPicPr>
-        <p:blipFill>
-          <a:blip r:embed="rId4">
-            <a:extLst>
-              <a:ext uri="{28A0092B-C50C-407E-A947-70E740481C1C}">
-                <a14:useLocalDpi xmlns:a14="http://schemas.microsoft.com/office/drawing/2010/main" val="0"/>
-              </a:ext>
-            </a:extLst>
-          </a:blip>
-          <a:srcRect/>
-          <a:stretch>
-            <a:fillRect/>
-          </a:stretch>
-        </p:blipFill>
-        <p:spPr bwMode="auto">
-          <a:xfrm>
-            <a:off x="10520304" y="942975"/>
-            <a:ext cx="7110124" cy="7110124"/>
-          </a:xfrm>
-          <a:prstGeom prst="rect">
-            <a:avLst/>
-          </a:prstGeom>
-          <a:noFill/>
-          <a:extLst>
-            <a:ext uri="{909E8E84-426E-40DD-AFC4-6F175D3DCCD1}">
-              <a14:hiddenFill xmlns:a14="http://schemas.microsoft.com/office/drawing/2010/main">
-                <a:solidFill>
-                  <a:srgbClr val="FFFFFF"/>
-                </a:solidFill>
-              </a14:hiddenFill>
-            </a:ext>
-          </a:extLst>
-        </p:spPr>
-      </p:pic>
-    </p:spTree>
-    <p:extLst>
-      <p:ext uri="{BB962C8B-B14F-4D97-AF65-F5344CB8AC3E}">
-        <p14:creationId xmlns:p14="http://schemas.microsoft.com/office/powerpoint/2010/main" val="1161432128"/>
-      </p:ext>
-    </p:extLst>
-  </p:cSld>
-  <p:clrMapOvr>
-    <a:masterClrMapping/>
-  </p:clrMapOvr>
-</p:sld>
-</file>
-
-<file path=ppt/slides/slide19.xml><?xml version="1.0" encoding="utf-8"?>
+<file path=ppt/slides/slide12.xml><?xml version="1.0" encoding="utf-8"?>
 <p:sld xmlns:a="http://schemas.openxmlformats.org/drawingml/2006/main" xmlns:r="http://schemas.openxmlformats.org/officeDocument/2006/relationships" xmlns:p="http://schemas.openxmlformats.org/presentationml/2006/main">
   <p:cSld>
     <p:bg>
@@ -8258,7 +5773,7 @@
                 </a:solidFill>
                 <a:latin typeface="League Spartan Bold"/>
               </a:rPr>
-              <a:t>LET'S TALK</a:t>
+              <a:t>THANK YOU</a:t>
             </a:r>
           </a:p>
         </p:txBody>
@@ -8500,7 +6015,7 @@
         <p:spPr>
           <a:xfrm>
             <a:off x="1028700" y="8337238"/>
-            <a:ext cx="7624318" cy="525850"/>
+            <a:ext cx="7624318" cy="536622"/>
           </a:xfrm>
           <a:prstGeom prst="rect">
             <a:avLst/>
@@ -8524,7 +6039,7 @@
                 </a:solidFill>
                 <a:latin typeface="Gidole"/>
               </a:rPr>
-              <a:t>GITHUB</a:t>
+              <a:t>TWITTER</a:t>
             </a:r>
           </a:p>
         </p:txBody>
@@ -8538,7 +6053,7 @@
         <p:spPr>
           <a:xfrm>
             <a:off x="1028700" y="8924925"/>
-            <a:ext cx="7624318" cy="514885"/>
+            <a:ext cx="7624318" cy="524439"/>
           </a:xfrm>
           <a:prstGeom prst="rect">
             <a:avLst/>
@@ -8562,8 +6077,23 @@
                 </a:solidFill>
                 <a:latin typeface="Gidole"/>
               </a:rPr>
-              <a:t>github.com/summerofgeorge</a:t>
-            </a:r>
+              <a:t>twitter.com/</a:t>
+            </a:r>
+            <a:r>
+              <a:rPr lang="en-US" sz="3000" spc="30" dirty="0" err="1">
+                <a:solidFill>
+                  <a:srgbClr val="F2F0F4"/>
+                </a:solidFill>
+                <a:latin typeface="Gidole"/>
+              </a:rPr>
+              <a:t>gjmount</a:t>
+            </a:r>
+            <a:endParaRPr lang="en-US" sz="3000" spc="30" dirty="0">
+              <a:solidFill>
+                <a:srgbClr val="F2F0F4"/>
+              </a:solidFill>
+              <a:latin typeface="Gidole"/>
+            </a:endParaRPr>
           </a:p>
         </p:txBody>
       </p:sp>
@@ -8593,6 +6123,716 @@
         </p:spPr>
       </p:pic>
     </p:spTree>
+  </p:cSld>
+  <p:clrMapOvr>
+    <a:masterClrMapping/>
+  </p:clrMapOvr>
+</p:sld>
+</file>
+
+<file path=ppt/slides/slide13.xml><?xml version="1.0" encoding="utf-8"?>
+<p:sld xmlns:a="http://schemas.openxmlformats.org/drawingml/2006/main" xmlns:r="http://schemas.openxmlformats.org/officeDocument/2006/relationships" xmlns:p="http://schemas.openxmlformats.org/presentationml/2006/main">
+  <p:cSld>
+    <p:spTree>
+      <p:nvGrpSpPr>
+        <p:cNvPr id="1" name=""/>
+        <p:cNvGrpSpPr/>
+        <p:nvPr/>
+      </p:nvGrpSpPr>
+      <p:grpSpPr>
+        <a:xfrm>
+          <a:off x="0" y="0"/>
+          <a:ext cx="0" cy="0"/>
+          <a:chOff x="0" y="0"/>
+          <a:chExt cx="0" cy="0"/>
+        </a:xfrm>
+      </p:grpSpPr>
+      <p:pic>
+        <p:nvPicPr>
+          <p:cNvPr id="8" name="Picture 8"/>
+          <p:cNvPicPr>
+            <a:picLocks noChangeAspect="1"/>
+          </p:cNvPicPr>
+          <p:nvPr/>
+        </p:nvPicPr>
+        <p:blipFill>
+          <a:blip r:embed="rId3"/>
+          <a:srcRect/>
+          <a:stretch>
+            <a:fillRect/>
+          </a:stretch>
+        </p:blipFill>
+        <p:spPr>
+          <a:xfrm>
+            <a:off x="16459200" y="-99077"/>
+            <a:ext cx="2005783" cy="1470490"/>
+          </a:xfrm>
+          <a:prstGeom prst="rect">
+            <a:avLst/>
+          </a:prstGeom>
+        </p:spPr>
+      </p:pic>
+      <p:sp>
+        <p:nvSpPr>
+          <p:cNvPr id="9" name="TextBox 9"/>
+          <p:cNvSpPr txBox="1"/>
+          <p:nvPr/>
+        </p:nvSpPr>
+        <p:spPr>
+          <a:xfrm>
+            <a:off x="838200" y="617118"/>
+            <a:ext cx="15631206" cy="1209818"/>
+          </a:xfrm>
+          <a:prstGeom prst="rect">
+            <a:avLst/>
+          </a:prstGeom>
+        </p:spPr>
+        <p:txBody>
+          <a:bodyPr wrap="square" lIns="0" tIns="0" rIns="0" bIns="0" rtlCol="0" anchor="t">
+            <a:spAutoFit/>
+          </a:bodyPr>
+          <a:lstStyle/>
+          <a:p>
+            <a:pPr>
+              <a:lnSpc>
+                <a:spcPts val="10080"/>
+              </a:lnSpc>
+              <a:spcBef>
+                <a:spcPct val="0"/>
+              </a:spcBef>
+            </a:pPr>
+            <a:r>
+              <a:rPr lang="en-US" sz="7200" dirty="0">
+                <a:solidFill>
+                  <a:srgbClr val="000000"/>
+                </a:solidFill>
+                <a:latin typeface="Open Sans Extra Bold"/>
+              </a:rPr>
+              <a:t>TAKE THE SURVEY</a:t>
+            </a:r>
+          </a:p>
+        </p:txBody>
+      </p:sp>
+      <p:pic>
+        <p:nvPicPr>
+          <p:cNvPr id="5" name="Picture 6">
+            <a:extLst>
+              <a:ext uri="{FF2B5EF4-FFF2-40B4-BE49-F238E27FC236}">
+                <a16:creationId xmlns:a16="http://schemas.microsoft.com/office/drawing/2014/main" id="{01C401A0-8EBC-47CA-B2DE-F204DE6EEF54}"/>
+              </a:ext>
+            </a:extLst>
+          </p:cNvPr>
+          <p:cNvPicPr>
+            <a:picLocks noChangeAspect="1"/>
+          </p:cNvPicPr>
+          <p:nvPr/>
+        </p:nvPicPr>
+        <p:blipFill>
+          <a:blip r:embed="rId4"/>
+          <a:srcRect b="44190"/>
+          <a:stretch>
+            <a:fillRect/>
+          </a:stretch>
+        </p:blipFill>
+        <p:spPr>
+          <a:xfrm>
+            <a:off x="16095120" y="9265255"/>
+            <a:ext cx="2013122" cy="823680"/>
+          </a:xfrm>
+          <a:prstGeom prst="rect">
+            <a:avLst/>
+          </a:prstGeom>
+        </p:spPr>
+      </p:pic>
+      <p:sp>
+        <p:nvSpPr>
+          <p:cNvPr id="6" name="TextBox 5">
+            <a:extLst>
+              <a:ext uri="{FF2B5EF4-FFF2-40B4-BE49-F238E27FC236}">
+                <a16:creationId xmlns:a16="http://schemas.microsoft.com/office/drawing/2014/main" id="{B72B56F1-579F-4CEC-BF86-0455EEB5C6F1}"/>
+              </a:ext>
+            </a:extLst>
+          </p:cNvPr>
+          <p:cNvSpPr txBox="1"/>
+          <p:nvPr/>
+        </p:nvSpPr>
+        <p:spPr>
+          <a:xfrm>
+            <a:off x="857250" y="1943100"/>
+            <a:ext cx="8727030" cy="5232202"/>
+          </a:xfrm>
+          <a:prstGeom prst="rect">
+            <a:avLst/>
+          </a:prstGeom>
+          <a:noFill/>
+        </p:spPr>
+        <p:txBody>
+          <a:bodyPr wrap="square" rtlCol="0">
+            <a:spAutoFit/>
+          </a:bodyPr>
+          <a:lstStyle/>
+          <a:p>
+            <a:r>
+              <a:rPr lang="en-US" sz="4800" dirty="0">
+                <a:latin typeface="Gidole" panose="02000503000000000000" pitchFamily="2" charset="0"/>
+                <a:ea typeface="Roboto Mono" pitchFamily="2" charset="0"/>
+              </a:rPr>
+              <a:t>How did I do today? Testimonials or other data welcome!</a:t>
+            </a:r>
+          </a:p>
+          <a:p>
+            <a:endParaRPr lang="en-US" sz="4000" dirty="0">
+              <a:latin typeface="Gidole" panose="02000503000000000000" pitchFamily="2" charset="0"/>
+              <a:ea typeface="Roboto Mono" pitchFamily="2" charset="0"/>
+            </a:endParaRPr>
+          </a:p>
+          <a:p>
+            <a:r>
+              <a:rPr lang="en-US" sz="6600" dirty="0">
+                <a:latin typeface="Gidole" panose="02000503000000000000" pitchFamily="2" charset="0"/>
+                <a:ea typeface="Roboto Mono" pitchFamily="2" charset="0"/>
+                <a:hlinkClick r:id="rId5"/>
+              </a:rPr>
+              <a:t>https://social.stringfestanalytics.com/event-feedback</a:t>
+            </a:r>
+            <a:r>
+              <a:rPr lang="en-US" sz="6600" dirty="0">
+                <a:latin typeface="Gidole" panose="02000503000000000000" pitchFamily="2" charset="0"/>
+                <a:ea typeface="Roboto Mono" pitchFamily="2" charset="0"/>
+              </a:rPr>
+              <a:t>  </a:t>
+            </a:r>
+          </a:p>
+        </p:txBody>
+      </p:sp>
+      <p:pic>
+        <p:nvPicPr>
+          <p:cNvPr id="3" name="Picture 2" descr="Shape&#10;&#10;Description automatically generated with low confidence">
+            <a:extLst>
+              <a:ext uri="{FF2B5EF4-FFF2-40B4-BE49-F238E27FC236}">
+                <a16:creationId xmlns:a16="http://schemas.microsoft.com/office/drawing/2014/main" id="{42F3175D-B642-4C36-959D-6981F5B7F69C}"/>
+              </a:ext>
+            </a:extLst>
+          </p:cNvPr>
+          <p:cNvPicPr>
+            <a:picLocks noChangeAspect="1"/>
+          </p:cNvPicPr>
+          <p:nvPr/>
+        </p:nvPicPr>
+        <p:blipFill>
+          <a:blip r:embed="rId6">
+            <a:extLst>
+              <a:ext uri="{28A0092B-C50C-407E-A947-70E740481C1C}">
+                <a14:useLocalDpi xmlns:a14="http://schemas.microsoft.com/office/drawing/2010/main" val="0"/>
+              </a:ext>
+            </a:extLst>
+          </a:blip>
+          <a:stretch>
+            <a:fillRect/>
+          </a:stretch>
+        </p:blipFill>
+        <p:spPr>
+          <a:xfrm>
+            <a:off x="10210800" y="4836284"/>
+            <a:ext cx="5257800" cy="5257800"/>
+          </a:xfrm>
+          <a:prstGeom prst="rect">
+            <a:avLst/>
+          </a:prstGeom>
+        </p:spPr>
+      </p:pic>
+    </p:spTree>
+    <p:extLst>
+      <p:ext uri="{BB962C8B-B14F-4D97-AF65-F5344CB8AC3E}">
+        <p14:creationId xmlns:p14="http://schemas.microsoft.com/office/powerpoint/2010/main" val="3032095955"/>
+      </p:ext>
+    </p:extLst>
+  </p:cSld>
+  <p:clrMapOvr>
+    <a:masterClrMapping/>
+  </p:clrMapOvr>
+</p:sld>
+</file>
+
+<file path=ppt/slides/slide14.xml><?xml version="1.0" encoding="utf-8"?>
+<p:sld xmlns:a="http://schemas.openxmlformats.org/drawingml/2006/main" xmlns:r="http://schemas.openxmlformats.org/officeDocument/2006/relationships" xmlns:p="http://schemas.openxmlformats.org/presentationml/2006/main">
+  <p:cSld>
+    <p:spTree>
+      <p:nvGrpSpPr>
+        <p:cNvPr id="1" name=""/>
+        <p:cNvGrpSpPr/>
+        <p:nvPr/>
+      </p:nvGrpSpPr>
+      <p:grpSpPr>
+        <a:xfrm>
+          <a:off x="0" y="0"/>
+          <a:ext cx="0" cy="0"/>
+          <a:chOff x="0" y="0"/>
+          <a:chExt cx="0" cy="0"/>
+        </a:xfrm>
+      </p:grpSpPr>
+      <p:pic>
+        <p:nvPicPr>
+          <p:cNvPr id="8" name="Picture 8"/>
+          <p:cNvPicPr>
+            <a:picLocks noChangeAspect="1"/>
+          </p:cNvPicPr>
+          <p:nvPr/>
+        </p:nvPicPr>
+        <p:blipFill>
+          <a:blip r:embed="rId3"/>
+          <a:srcRect/>
+          <a:stretch>
+            <a:fillRect/>
+          </a:stretch>
+        </p:blipFill>
+        <p:spPr>
+          <a:xfrm>
+            <a:off x="16459200" y="-99077"/>
+            <a:ext cx="2005783" cy="1470490"/>
+          </a:xfrm>
+          <a:prstGeom prst="rect">
+            <a:avLst/>
+          </a:prstGeom>
+        </p:spPr>
+      </p:pic>
+      <p:sp>
+        <p:nvSpPr>
+          <p:cNvPr id="9" name="TextBox 9"/>
+          <p:cNvSpPr txBox="1"/>
+          <p:nvPr/>
+        </p:nvSpPr>
+        <p:spPr>
+          <a:xfrm>
+            <a:off x="838200" y="617118"/>
+            <a:ext cx="15631206" cy="1209818"/>
+          </a:xfrm>
+          <a:prstGeom prst="rect">
+            <a:avLst/>
+          </a:prstGeom>
+        </p:spPr>
+        <p:txBody>
+          <a:bodyPr wrap="square" lIns="0" tIns="0" rIns="0" bIns="0" rtlCol="0" anchor="t">
+            <a:spAutoFit/>
+          </a:bodyPr>
+          <a:lstStyle/>
+          <a:p>
+            <a:pPr>
+              <a:lnSpc>
+                <a:spcPts val="10080"/>
+              </a:lnSpc>
+              <a:spcBef>
+                <a:spcPct val="0"/>
+              </a:spcBef>
+            </a:pPr>
+            <a:r>
+              <a:rPr lang="en-US" sz="7200" dirty="0">
+                <a:solidFill>
+                  <a:srgbClr val="000000"/>
+                </a:solidFill>
+                <a:latin typeface="Open Sans Extra Bold"/>
+              </a:rPr>
+              <a:t>FINAL QUESTIONS?</a:t>
+            </a:r>
+          </a:p>
+        </p:txBody>
+      </p:sp>
+      <p:pic>
+        <p:nvPicPr>
+          <p:cNvPr id="5" name="Picture 6">
+            <a:extLst>
+              <a:ext uri="{FF2B5EF4-FFF2-40B4-BE49-F238E27FC236}">
+                <a16:creationId xmlns:a16="http://schemas.microsoft.com/office/drawing/2014/main" id="{01C401A0-8EBC-47CA-B2DE-F204DE6EEF54}"/>
+              </a:ext>
+            </a:extLst>
+          </p:cNvPr>
+          <p:cNvPicPr>
+            <a:picLocks noChangeAspect="1"/>
+          </p:cNvPicPr>
+          <p:nvPr/>
+        </p:nvPicPr>
+        <p:blipFill>
+          <a:blip r:embed="rId4"/>
+          <a:srcRect b="44190"/>
+          <a:stretch>
+            <a:fillRect/>
+          </a:stretch>
+        </p:blipFill>
+        <p:spPr>
+          <a:xfrm>
+            <a:off x="16095120" y="9265255"/>
+            <a:ext cx="2013122" cy="823680"/>
+          </a:xfrm>
+          <a:prstGeom prst="rect">
+            <a:avLst/>
+          </a:prstGeom>
+        </p:spPr>
+      </p:pic>
+      <p:sp>
+        <p:nvSpPr>
+          <p:cNvPr id="6" name="TextBox 5">
+            <a:extLst>
+              <a:ext uri="{FF2B5EF4-FFF2-40B4-BE49-F238E27FC236}">
+                <a16:creationId xmlns:a16="http://schemas.microsoft.com/office/drawing/2014/main" id="{B72B56F1-579F-4CEC-BF86-0455EEB5C6F1}"/>
+              </a:ext>
+            </a:extLst>
+          </p:cNvPr>
+          <p:cNvSpPr txBox="1"/>
+          <p:nvPr/>
+        </p:nvSpPr>
+        <p:spPr>
+          <a:xfrm>
+            <a:off x="857250" y="1943100"/>
+            <a:ext cx="12877800" cy="3785652"/>
+          </a:xfrm>
+          <a:prstGeom prst="rect">
+            <a:avLst/>
+          </a:prstGeom>
+          <a:noFill/>
+        </p:spPr>
+        <p:txBody>
+          <a:bodyPr wrap="square" rtlCol="0">
+            <a:spAutoFit/>
+          </a:bodyPr>
+          <a:lstStyle/>
+          <a:p>
+            <a:r>
+              <a:rPr lang="en-US" sz="4000" dirty="0">
+                <a:latin typeface="Gidole" panose="02000503000000000000" pitchFamily="2" charset="0"/>
+                <a:ea typeface="Roboto Mono" pitchFamily="2" charset="0"/>
+              </a:rPr>
+              <a:t>Thanks for joining! </a:t>
+            </a:r>
+          </a:p>
+          <a:p>
+            <a:endParaRPr lang="en-US" sz="4000" dirty="0">
+              <a:latin typeface="Gidole" panose="02000503000000000000" pitchFamily="2" charset="0"/>
+              <a:ea typeface="Roboto Mono" pitchFamily="2" charset="0"/>
+            </a:endParaRPr>
+          </a:p>
+          <a:p>
+            <a:r>
+              <a:rPr lang="en-US" sz="4000" dirty="0">
+                <a:latin typeface="Gidole" panose="02000503000000000000" pitchFamily="2" charset="0"/>
+                <a:ea typeface="Roboto Mono" pitchFamily="2" charset="0"/>
+              </a:rPr>
+              <a:t>A recap email with recording, survey and more will be coming…</a:t>
+            </a:r>
+          </a:p>
+          <a:p>
+            <a:endParaRPr lang="en-US" sz="4000" dirty="0">
+              <a:latin typeface="Gidole" panose="02000503000000000000" pitchFamily="2" charset="0"/>
+              <a:ea typeface="Roboto Mono" pitchFamily="2" charset="0"/>
+            </a:endParaRPr>
+          </a:p>
+          <a:p>
+            <a:r>
+              <a:rPr lang="en-US" sz="4000" dirty="0">
+                <a:latin typeface="Gidole" panose="02000503000000000000" pitchFamily="2" charset="0"/>
+                <a:ea typeface="Roboto Mono" pitchFamily="2" charset="0"/>
+              </a:rPr>
+              <a:t>The recording stays up </a:t>
+            </a:r>
+            <a:r>
+              <a:rPr lang="en-US" sz="4000">
+                <a:latin typeface="Gidole" panose="02000503000000000000" pitchFamily="2" charset="0"/>
+                <a:ea typeface="Roboto Mono" pitchFamily="2" charset="0"/>
+              </a:rPr>
+              <a:t>for seven days!</a:t>
+            </a:r>
+            <a:endParaRPr lang="en-US" sz="4000" dirty="0">
+              <a:latin typeface="Gidole" panose="02000503000000000000" pitchFamily="2" charset="0"/>
+              <a:ea typeface="Roboto Mono" pitchFamily="2" charset="0"/>
+            </a:endParaRPr>
+          </a:p>
+        </p:txBody>
+      </p:sp>
+    </p:spTree>
+    <p:extLst>
+      <p:ext uri="{BB962C8B-B14F-4D97-AF65-F5344CB8AC3E}">
+        <p14:creationId xmlns:p14="http://schemas.microsoft.com/office/powerpoint/2010/main" val="956393270"/>
+      </p:ext>
+    </p:extLst>
+  </p:cSld>
+  <p:clrMapOvr>
+    <a:masterClrMapping/>
+  </p:clrMapOvr>
+</p:sld>
+</file>
+
+<file path=ppt/slides/slide15.xml><?xml version="1.0" encoding="utf-8"?>
+<p:sld xmlns:a="http://schemas.openxmlformats.org/drawingml/2006/main" xmlns:r="http://schemas.openxmlformats.org/officeDocument/2006/relationships" xmlns:p="http://schemas.openxmlformats.org/presentationml/2006/main">
+  <p:cSld>
+    <p:spTree>
+      <p:nvGrpSpPr>
+        <p:cNvPr id="1" name=""/>
+        <p:cNvGrpSpPr/>
+        <p:nvPr/>
+      </p:nvGrpSpPr>
+      <p:grpSpPr>
+        <a:xfrm>
+          <a:off x="0" y="0"/>
+          <a:ext cx="0" cy="0"/>
+          <a:chOff x="0" y="0"/>
+          <a:chExt cx="0" cy="0"/>
+        </a:xfrm>
+      </p:grpSpPr>
+      <p:pic>
+        <p:nvPicPr>
+          <p:cNvPr id="8" name="Picture 8"/>
+          <p:cNvPicPr>
+            <a:picLocks noChangeAspect="1"/>
+          </p:cNvPicPr>
+          <p:nvPr/>
+        </p:nvPicPr>
+        <p:blipFill>
+          <a:blip r:embed="rId3"/>
+          <a:srcRect/>
+          <a:stretch>
+            <a:fillRect/>
+          </a:stretch>
+        </p:blipFill>
+        <p:spPr>
+          <a:xfrm>
+            <a:off x="16459200" y="-99077"/>
+            <a:ext cx="2005783" cy="1470490"/>
+          </a:xfrm>
+          <a:prstGeom prst="rect">
+            <a:avLst/>
+          </a:prstGeom>
+        </p:spPr>
+      </p:pic>
+      <p:sp>
+        <p:nvSpPr>
+          <p:cNvPr id="9" name="TextBox 9"/>
+          <p:cNvSpPr txBox="1"/>
+          <p:nvPr/>
+        </p:nvSpPr>
+        <p:spPr>
+          <a:xfrm>
+            <a:off x="838200" y="617118"/>
+            <a:ext cx="15631206" cy="1209818"/>
+          </a:xfrm>
+          <a:prstGeom prst="rect">
+            <a:avLst/>
+          </a:prstGeom>
+        </p:spPr>
+        <p:txBody>
+          <a:bodyPr wrap="square" lIns="0" tIns="0" rIns="0" bIns="0" rtlCol="0" anchor="t">
+            <a:spAutoFit/>
+          </a:bodyPr>
+          <a:lstStyle/>
+          <a:p>
+            <a:pPr>
+              <a:lnSpc>
+                <a:spcPts val="10080"/>
+              </a:lnSpc>
+              <a:spcBef>
+                <a:spcPct val="0"/>
+              </a:spcBef>
+            </a:pPr>
+            <a:r>
+              <a:rPr lang="en-US" sz="7200" dirty="0">
+                <a:solidFill>
+                  <a:srgbClr val="000000"/>
+                </a:solidFill>
+                <a:latin typeface="Open Sans Extra Bold"/>
+              </a:rPr>
+              <a:t>BUT WAIT THERE’S MORE</a:t>
+            </a:r>
+          </a:p>
+        </p:txBody>
+      </p:sp>
+      <p:pic>
+        <p:nvPicPr>
+          <p:cNvPr id="5" name="Picture 6">
+            <a:extLst>
+              <a:ext uri="{FF2B5EF4-FFF2-40B4-BE49-F238E27FC236}">
+                <a16:creationId xmlns:a16="http://schemas.microsoft.com/office/drawing/2014/main" id="{01C401A0-8EBC-47CA-B2DE-F204DE6EEF54}"/>
+              </a:ext>
+            </a:extLst>
+          </p:cNvPr>
+          <p:cNvPicPr>
+            <a:picLocks noChangeAspect="1"/>
+          </p:cNvPicPr>
+          <p:nvPr/>
+        </p:nvPicPr>
+        <p:blipFill>
+          <a:blip r:embed="rId4"/>
+          <a:srcRect b="44190"/>
+          <a:stretch>
+            <a:fillRect/>
+          </a:stretch>
+        </p:blipFill>
+        <p:spPr>
+          <a:xfrm>
+            <a:off x="16095120" y="9265255"/>
+            <a:ext cx="2013122" cy="823680"/>
+          </a:xfrm>
+          <a:prstGeom prst="rect">
+            <a:avLst/>
+          </a:prstGeom>
+        </p:spPr>
+      </p:pic>
+      <p:sp>
+        <p:nvSpPr>
+          <p:cNvPr id="6" name="TextBox 5">
+            <a:extLst>
+              <a:ext uri="{FF2B5EF4-FFF2-40B4-BE49-F238E27FC236}">
+                <a16:creationId xmlns:a16="http://schemas.microsoft.com/office/drawing/2014/main" id="{B72B56F1-579F-4CEC-BF86-0455EEB5C6F1}"/>
+              </a:ext>
+            </a:extLst>
+          </p:cNvPr>
+          <p:cNvSpPr txBox="1"/>
+          <p:nvPr/>
+        </p:nvSpPr>
+        <p:spPr>
+          <a:xfrm>
+            <a:off x="857250" y="1943100"/>
+            <a:ext cx="12877800" cy="3046988"/>
+          </a:xfrm>
+          <a:prstGeom prst="rect">
+            <a:avLst/>
+          </a:prstGeom>
+          <a:noFill/>
+        </p:spPr>
+        <p:txBody>
+          <a:bodyPr wrap="square" rtlCol="0">
+            <a:spAutoFit/>
+          </a:bodyPr>
+          <a:lstStyle/>
+          <a:p>
+            <a:r>
+              <a:rPr lang="en-US" sz="4400" dirty="0">
+                <a:latin typeface="Gidole" panose="02000503000000000000" pitchFamily="2" charset="0"/>
+                <a:ea typeface="Roboto Mono" pitchFamily="2" charset="0"/>
+              </a:rPr>
+              <a:t>50% OFF MY POWER QUERY COURSE THIS WEEK</a:t>
+            </a:r>
+          </a:p>
+          <a:p>
+            <a:r>
+              <a:rPr lang="en-US" sz="4800" b="1" dirty="0">
+                <a:latin typeface="Gidole" panose="02000503000000000000" pitchFamily="2" charset="0"/>
+                <a:ea typeface="Roboto Mono" pitchFamily="2" charset="0"/>
+              </a:rPr>
+              <a:t>PROMOCODE NOHARDCODES</a:t>
+            </a:r>
+          </a:p>
+          <a:p>
+            <a:endParaRPr lang="en-US" sz="4000" dirty="0">
+              <a:latin typeface="Gidole" panose="02000503000000000000" pitchFamily="2" charset="0"/>
+              <a:ea typeface="Roboto Mono" pitchFamily="2" charset="0"/>
+            </a:endParaRPr>
+          </a:p>
+          <a:p>
+            <a:r>
+              <a:rPr lang="en-US" sz="6000" dirty="0">
+                <a:latin typeface="Gidole" panose="02000503000000000000" pitchFamily="2" charset="0"/>
+                <a:ea typeface="Roboto Mono" pitchFamily="2" charset="0"/>
+                <a:hlinkClick r:id="rId5"/>
+              </a:rPr>
+              <a:t>https://swiy.co/learn-pq</a:t>
+            </a:r>
+            <a:r>
+              <a:rPr lang="en-US" sz="6000" dirty="0">
+                <a:latin typeface="Gidole" panose="02000503000000000000" pitchFamily="2" charset="0"/>
+                <a:ea typeface="Roboto Mono" pitchFamily="2" charset="0"/>
+              </a:rPr>
+              <a:t> </a:t>
+            </a:r>
+          </a:p>
+        </p:txBody>
+      </p:sp>
+      <p:pic>
+        <p:nvPicPr>
+          <p:cNvPr id="1026" name="Picture 2">
+            <a:extLst>
+              <a:ext uri="{FF2B5EF4-FFF2-40B4-BE49-F238E27FC236}">
+                <a16:creationId xmlns:a16="http://schemas.microsoft.com/office/drawing/2014/main" id="{B2C410DE-B01C-44C6-A709-1F75782D035B}"/>
+              </a:ext>
+            </a:extLst>
+          </p:cNvPr>
+          <p:cNvPicPr>
+            <a:picLocks noChangeAspect="1" noChangeArrowheads="1"/>
+          </p:cNvPicPr>
+          <p:nvPr/>
+        </p:nvPicPr>
+        <p:blipFill>
+          <a:blip r:embed="rId6">
+            <a:extLst>
+              <a:ext uri="{28A0092B-C50C-407E-A947-70E740481C1C}">
+                <a14:useLocalDpi xmlns:a14="http://schemas.microsoft.com/office/drawing/2010/main" val="0"/>
+              </a:ext>
+            </a:extLst>
+          </a:blip>
+          <a:srcRect/>
+          <a:stretch>
+            <a:fillRect/>
+          </a:stretch>
+        </p:blipFill>
+        <p:spPr bwMode="auto">
+          <a:xfrm>
+            <a:off x="9372600" y="5106252"/>
+            <a:ext cx="8546691" cy="4807514"/>
+          </a:xfrm>
+          <a:prstGeom prst="rect">
+            <a:avLst/>
+          </a:prstGeom>
+          <a:noFill/>
+          <a:extLst>
+            <a:ext uri="{909E8E84-426E-40DD-AFC4-6F175D3DCCD1}">
+              <a14:hiddenFill xmlns:a14="http://schemas.microsoft.com/office/drawing/2010/main">
+                <a:solidFill>
+                  <a:srgbClr val="FFFFFF"/>
+                </a:solidFill>
+              </a14:hiddenFill>
+            </a:ext>
+          </a:extLst>
+        </p:spPr>
+      </p:pic>
+      <p:pic>
+        <p:nvPicPr>
+          <p:cNvPr id="4" name="Picture 3" descr="Shape&#10;&#10;Description automatically generated with low confidence">
+            <a:extLst>
+              <a:ext uri="{FF2B5EF4-FFF2-40B4-BE49-F238E27FC236}">
+                <a16:creationId xmlns:a16="http://schemas.microsoft.com/office/drawing/2014/main" id="{D73CBB4E-5DFC-455A-821A-20E365597395}"/>
+              </a:ext>
+            </a:extLst>
+          </p:cNvPr>
+          <p:cNvPicPr>
+            <a:picLocks noChangeAspect="1"/>
+          </p:cNvPicPr>
+          <p:nvPr/>
+        </p:nvPicPr>
+        <p:blipFill>
+          <a:blip r:embed="rId7" cstate="print">
+            <a:extLst>
+              <a:ext uri="{28A0092B-C50C-407E-A947-70E740481C1C}">
+                <a14:useLocalDpi xmlns:a14="http://schemas.microsoft.com/office/drawing/2010/main" val="0"/>
+              </a:ext>
+            </a:extLst>
+          </a:blip>
+          <a:stretch>
+            <a:fillRect/>
+          </a:stretch>
+        </p:blipFill>
+        <p:spPr>
+          <a:xfrm>
+            <a:off x="1143000" y="5448300"/>
+            <a:ext cx="3962400" cy="3962400"/>
+          </a:xfrm>
+          <a:prstGeom prst="rect">
+            <a:avLst/>
+          </a:prstGeom>
+        </p:spPr>
+      </p:pic>
+    </p:spTree>
+    <p:extLst>
+      <p:ext uri="{BB962C8B-B14F-4D97-AF65-F5344CB8AC3E}">
+        <p14:creationId xmlns:p14="http://schemas.microsoft.com/office/powerpoint/2010/main" val="685776287"/>
+      </p:ext>
+    </p:extLst>
   </p:cSld>
   <p:clrMapOvr>
     <a:masterClrMapping/>
@@ -8983,492 +7223,6 @@
         </p:spPr>
       </p:pic>
     </p:spTree>
-  </p:cSld>
-  <p:clrMapOvr>
-    <a:masterClrMapping/>
-  </p:clrMapOvr>
-</p:sld>
-</file>
-
-<file path=ppt/slides/slide20.xml><?xml version="1.0" encoding="utf-8"?>
-<p:sld xmlns:a="http://schemas.openxmlformats.org/drawingml/2006/main" xmlns:r="http://schemas.openxmlformats.org/officeDocument/2006/relationships" xmlns:p="http://schemas.openxmlformats.org/presentationml/2006/main">
-  <p:cSld>
-    <p:spTree>
-      <p:nvGrpSpPr>
-        <p:cNvPr id="1" name=""/>
-        <p:cNvGrpSpPr/>
-        <p:nvPr/>
-      </p:nvGrpSpPr>
-      <p:grpSpPr>
-        <a:xfrm>
-          <a:off x="0" y="0"/>
-          <a:ext cx="0" cy="0"/>
-          <a:chOff x="0" y="0"/>
-          <a:chExt cx="0" cy="0"/>
-        </a:xfrm>
-      </p:grpSpPr>
-      <p:pic>
-        <p:nvPicPr>
-          <p:cNvPr id="8" name="Picture 8"/>
-          <p:cNvPicPr>
-            <a:picLocks noChangeAspect="1"/>
-          </p:cNvPicPr>
-          <p:nvPr/>
-        </p:nvPicPr>
-        <p:blipFill>
-          <a:blip r:embed="rId3"/>
-          <a:srcRect/>
-          <a:stretch>
-            <a:fillRect/>
-          </a:stretch>
-        </p:blipFill>
-        <p:spPr>
-          <a:xfrm>
-            <a:off x="16459200" y="-99077"/>
-            <a:ext cx="2005783" cy="1470490"/>
-          </a:xfrm>
-          <a:prstGeom prst="rect">
-            <a:avLst/>
-          </a:prstGeom>
-        </p:spPr>
-      </p:pic>
-      <p:sp>
-        <p:nvSpPr>
-          <p:cNvPr id="9" name="TextBox 9"/>
-          <p:cNvSpPr txBox="1"/>
-          <p:nvPr/>
-        </p:nvSpPr>
-        <p:spPr>
-          <a:xfrm>
-            <a:off x="838200" y="617118"/>
-            <a:ext cx="15631206" cy="1209818"/>
-          </a:xfrm>
-          <a:prstGeom prst="rect">
-            <a:avLst/>
-          </a:prstGeom>
-        </p:spPr>
-        <p:txBody>
-          <a:bodyPr wrap="square" lIns="0" tIns="0" rIns="0" bIns="0" rtlCol="0" anchor="t">
-            <a:spAutoFit/>
-          </a:bodyPr>
-          <a:lstStyle/>
-          <a:p>
-            <a:pPr>
-              <a:lnSpc>
-                <a:spcPts val="10080"/>
-              </a:lnSpc>
-              <a:spcBef>
-                <a:spcPct val="0"/>
-              </a:spcBef>
-            </a:pPr>
-            <a:r>
-              <a:rPr lang="en-US" sz="7200" dirty="0">
-                <a:solidFill>
-                  <a:srgbClr val="000000"/>
-                </a:solidFill>
-                <a:latin typeface="Open Sans Extra Bold"/>
-              </a:rPr>
-              <a:t>QUESTIONS?</a:t>
-            </a:r>
-          </a:p>
-        </p:txBody>
-      </p:sp>
-      <p:pic>
-        <p:nvPicPr>
-          <p:cNvPr id="5" name="Picture 6">
-            <a:extLst>
-              <a:ext uri="{FF2B5EF4-FFF2-40B4-BE49-F238E27FC236}">
-                <a16:creationId xmlns:a16="http://schemas.microsoft.com/office/drawing/2014/main" id="{01C401A0-8EBC-47CA-B2DE-F204DE6EEF54}"/>
-              </a:ext>
-            </a:extLst>
-          </p:cNvPr>
-          <p:cNvPicPr>
-            <a:picLocks noChangeAspect="1"/>
-          </p:cNvPicPr>
-          <p:nvPr/>
-        </p:nvPicPr>
-        <p:blipFill>
-          <a:blip r:embed="rId4"/>
-          <a:srcRect b="44190"/>
-          <a:stretch>
-            <a:fillRect/>
-          </a:stretch>
-        </p:blipFill>
-        <p:spPr>
-          <a:xfrm>
-            <a:off x="16095120" y="9265255"/>
-            <a:ext cx="2013122" cy="823680"/>
-          </a:xfrm>
-          <a:prstGeom prst="rect">
-            <a:avLst/>
-          </a:prstGeom>
-        </p:spPr>
-      </p:pic>
-      <p:sp>
-        <p:nvSpPr>
-          <p:cNvPr id="6" name="TextBox 5">
-            <a:extLst>
-              <a:ext uri="{FF2B5EF4-FFF2-40B4-BE49-F238E27FC236}">
-                <a16:creationId xmlns:a16="http://schemas.microsoft.com/office/drawing/2014/main" id="{B72B56F1-579F-4CEC-BF86-0455EEB5C6F1}"/>
-              </a:ext>
-            </a:extLst>
-          </p:cNvPr>
-          <p:cNvSpPr txBox="1"/>
-          <p:nvPr/>
-        </p:nvSpPr>
-        <p:spPr>
-          <a:xfrm>
-            <a:off x="857250" y="1943100"/>
-            <a:ext cx="12877800" cy="3785652"/>
-          </a:xfrm>
-          <a:prstGeom prst="rect">
-            <a:avLst/>
-          </a:prstGeom>
-          <a:noFill/>
-        </p:spPr>
-        <p:txBody>
-          <a:bodyPr wrap="square" rtlCol="0">
-            <a:spAutoFit/>
-          </a:bodyPr>
-          <a:lstStyle/>
-          <a:p>
-            <a:r>
-              <a:rPr lang="en-US" sz="4000" dirty="0">
-                <a:latin typeface="Gidole" panose="02000503000000000000" pitchFamily="2" charset="0"/>
-                <a:ea typeface="Roboto Mono" pitchFamily="2" charset="0"/>
-              </a:rPr>
-              <a:t>Thanks for joining! </a:t>
-            </a:r>
-          </a:p>
-          <a:p>
-            <a:endParaRPr lang="en-US" sz="4000" dirty="0">
-              <a:latin typeface="Gidole" panose="02000503000000000000" pitchFamily="2" charset="0"/>
-              <a:ea typeface="Roboto Mono" pitchFamily="2" charset="0"/>
-            </a:endParaRPr>
-          </a:p>
-          <a:p>
-            <a:r>
-              <a:rPr lang="en-US" sz="4000" dirty="0">
-                <a:latin typeface="Gidole" panose="02000503000000000000" pitchFamily="2" charset="0"/>
-                <a:ea typeface="Roboto Mono" pitchFamily="2" charset="0"/>
-              </a:rPr>
-              <a:t>A recap email with recording, survey and more will be coming…</a:t>
-            </a:r>
-          </a:p>
-          <a:p>
-            <a:endParaRPr lang="en-US" sz="4000" dirty="0">
-              <a:latin typeface="Gidole" panose="02000503000000000000" pitchFamily="2" charset="0"/>
-              <a:ea typeface="Roboto Mono" pitchFamily="2" charset="0"/>
-            </a:endParaRPr>
-          </a:p>
-          <a:p>
-            <a:r>
-              <a:rPr lang="en-US" sz="4000" dirty="0">
-                <a:latin typeface="Gidole" panose="02000503000000000000" pitchFamily="2" charset="0"/>
-                <a:ea typeface="Roboto Mono" pitchFamily="2" charset="0"/>
-              </a:rPr>
-              <a:t>The recording stays up </a:t>
-            </a:r>
-            <a:r>
-              <a:rPr lang="en-US" sz="4000">
-                <a:latin typeface="Gidole" panose="02000503000000000000" pitchFamily="2" charset="0"/>
-                <a:ea typeface="Roboto Mono" pitchFamily="2" charset="0"/>
-              </a:rPr>
-              <a:t>for seven days!</a:t>
-            </a:r>
-            <a:endParaRPr lang="en-US" sz="4000" dirty="0">
-              <a:latin typeface="Gidole" panose="02000503000000000000" pitchFamily="2" charset="0"/>
-              <a:ea typeface="Roboto Mono" pitchFamily="2" charset="0"/>
-            </a:endParaRPr>
-          </a:p>
-        </p:txBody>
-      </p:sp>
-    </p:spTree>
-    <p:extLst>
-      <p:ext uri="{BB962C8B-B14F-4D97-AF65-F5344CB8AC3E}">
-        <p14:creationId xmlns:p14="http://schemas.microsoft.com/office/powerpoint/2010/main" val="3032095955"/>
-      </p:ext>
-    </p:extLst>
-  </p:cSld>
-  <p:clrMapOvr>
-    <a:masterClrMapping/>
-  </p:clrMapOvr>
-</p:sld>
-</file>
-
-<file path=ppt/slides/slide21.xml><?xml version="1.0" encoding="utf-8"?>
-<p:sld xmlns:a="http://schemas.openxmlformats.org/drawingml/2006/main" xmlns:r="http://schemas.openxmlformats.org/officeDocument/2006/relationships" xmlns:p="http://schemas.openxmlformats.org/presentationml/2006/main">
-  <p:cSld>
-    <p:spTree>
-      <p:nvGrpSpPr>
-        <p:cNvPr id="1" name=""/>
-        <p:cNvGrpSpPr/>
-        <p:nvPr/>
-      </p:nvGrpSpPr>
-      <p:grpSpPr>
-        <a:xfrm>
-          <a:off x="0" y="0"/>
-          <a:ext cx="0" cy="0"/>
-          <a:chOff x="0" y="0"/>
-          <a:chExt cx="0" cy="0"/>
-        </a:xfrm>
-      </p:grpSpPr>
-      <p:pic>
-        <p:nvPicPr>
-          <p:cNvPr id="8" name="Picture 8"/>
-          <p:cNvPicPr>
-            <a:picLocks noChangeAspect="1"/>
-          </p:cNvPicPr>
-          <p:nvPr/>
-        </p:nvPicPr>
-        <p:blipFill>
-          <a:blip r:embed="rId3"/>
-          <a:srcRect/>
-          <a:stretch>
-            <a:fillRect/>
-          </a:stretch>
-        </p:blipFill>
-        <p:spPr>
-          <a:xfrm>
-            <a:off x="16459200" y="-99077"/>
-            <a:ext cx="2005783" cy="1470490"/>
-          </a:xfrm>
-          <a:prstGeom prst="rect">
-            <a:avLst/>
-          </a:prstGeom>
-        </p:spPr>
-      </p:pic>
-      <p:sp>
-        <p:nvSpPr>
-          <p:cNvPr id="9" name="TextBox 9"/>
-          <p:cNvSpPr txBox="1"/>
-          <p:nvPr/>
-        </p:nvSpPr>
-        <p:spPr>
-          <a:xfrm>
-            <a:off x="838200" y="617118"/>
-            <a:ext cx="15631206" cy="1209818"/>
-          </a:xfrm>
-          <a:prstGeom prst="rect">
-            <a:avLst/>
-          </a:prstGeom>
-        </p:spPr>
-        <p:txBody>
-          <a:bodyPr wrap="square" lIns="0" tIns="0" rIns="0" bIns="0" rtlCol="0" anchor="t">
-            <a:spAutoFit/>
-          </a:bodyPr>
-          <a:lstStyle/>
-          <a:p>
-            <a:pPr>
-              <a:lnSpc>
-                <a:spcPts val="10080"/>
-              </a:lnSpc>
-              <a:spcBef>
-                <a:spcPct val="0"/>
-              </a:spcBef>
-            </a:pPr>
-            <a:r>
-              <a:rPr lang="en-US" sz="7200" dirty="0">
-                <a:solidFill>
-                  <a:srgbClr val="000000"/>
-                </a:solidFill>
-                <a:latin typeface="Open Sans Extra Bold"/>
-              </a:rPr>
-              <a:t>BUT WAIT THERE’S MORE</a:t>
-            </a:r>
-          </a:p>
-        </p:txBody>
-      </p:sp>
-      <p:pic>
-        <p:nvPicPr>
-          <p:cNvPr id="5" name="Picture 6">
-            <a:extLst>
-              <a:ext uri="{FF2B5EF4-FFF2-40B4-BE49-F238E27FC236}">
-                <a16:creationId xmlns:a16="http://schemas.microsoft.com/office/drawing/2014/main" id="{01C401A0-8EBC-47CA-B2DE-F204DE6EEF54}"/>
-              </a:ext>
-            </a:extLst>
-          </p:cNvPr>
-          <p:cNvPicPr>
-            <a:picLocks noChangeAspect="1"/>
-          </p:cNvPicPr>
-          <p:nvPr/>
-        </p:nvPicPr>
-        <p:blipFill>
-          <a:blip r:embed="rId4"/>
-          <a:srcRect b="44190"/>
-          <a:stretch>
-            <a:fillRect/>
-          </a:stretch>
-        </p:blipFill>
-        <p:spPr>
-          <a:xfrm>
-            <a:off x="16095120" y="9265255"/>
-            <a:ext cx="2013122" cy="823680"/>
-          </a:xfrm>
-          <a:prstGeom prst="rect">
-            <a:avLst/>
-          </a:prstGeom>
-        </p:spPr>
-      </p:pic>
-      <p:sp>
-        <p:nvSpPr>
-          <p:cNvPr id="6" name="TextBox 5">
-            <a:extLst>
-              <a:ext uri="{FF2B5EF4-FFF2-40B4-BE49-F238E27FC236}">
-                <a16:creationId xmlns:a16="http://schemas.microsoft.com/office/drawing/2014/main" id="{B72B56F1-579F-4CEC-BF86-0455EEB5C6F1}"/>
-              </a:ext>
-            </a:extLst>
-          </p:cNvPr>
-          <p:cNvSpPr txBox="1"/>
-          <p:nvPr/>
-        </p:nvSpPr>
-        <p:spPr>
-          <a:xfrm>
-            <a:off x="857250" y="1943100"/>
-            <a:ext cx="12877800" cy="2862322"/>
-          </a:xfrm>
-          <a:prstGeom prst="rect">
-            <a:avLst/>
-          </a:prstGeom>
-          <a:noFill/>
-        </p:spPr>
-        <p:txBody>
-          <a:bodyPr wrap="square" rtlCol="0">
-            <a:spAutoFit/>
-          </a:bodyPr>
-          <a:lstStyle/>
-          <a:p>
-            <a:r>
-              <a:rPr lang="en-US" sz="4400" dirty="0">
-                <a:latin typeface="Gidole" panose="02000503000000000000" pitchFamily="2" charset="0"/>
-                <a:ea typeface="Roboto Mono" pitchFamily="2" charset="0"/>
-              </a:rPr>
-              <a:t>50% OFF MY POWER QUERY COURSE THIS WEEK</a:t>
-            </a:r>
-          </a:p>
-          <a:p>
-            <a:r>
-              <a:rPr lang="en-US" sz="4800" b="1" dirty="0">
-                <a:latin typeface="Gidole" panose="02000503000000000000" pitchFamily="2" charset="0"/>
-                <a:ea typeface="Roboto Mono" pitchFamily="2" charset="0"/>
-              </a:rPr>
-              <a:t>PROMOCODE NOHARDCODES</a:t>
-            </a:r>
-          </a:p>
-          <a:p>
-            <a:endParaRPr lang="en-US" sz="4000" dirty="0">
-              <a:latin typeface="Gidole" panose="02000503000000000000" pitchFamily="2" charset="0"/>
-              <a:ea typeface="Roboto Mono" pitchFamily="2" charset="0"/>
-            </a:endParaRPr>
-          </a:p>
-          <a:p>
-            <a:r>
-              <a:rPr lang="en-US" sz="4800" dirty="0">
-                <a:latin typeface="Gidole" panose="02000503000000000000" pitchFamily="2" charset="0"/>
-                <a:ea typeface="Roboto Mono" pitchFamily="2" charset="0"/>
-                <a:hlinkClick r:id="rId5"/>
-              </a:rPr>
-              <a:t>https://swiy.co/learn-pq</a:t>
-            </a:r>
-            <a:r>
-              <a:rPr lang="en-US" sz="4800" dirty="0">
-                <a:latin typeface="Gidole" panose="02000503000000000000" pitchFamily="2" charset="0"/>
-                <a:ea typeface="Roboto Mono" pitchFamily="2" charset="0"/>
-              </a:rPr>
-              <a:t> </a:t>
-            </a:r>
-          </a:p>
-        </p:txBody>
-      </p:sp>
-      <p:pic>
-        <p:nvPicPr>
-          <p:cNvPr id="1026" name="Picture 2">
-            <a:extLst>
-              <a:ext uri="{FF2B5EF4-FFF2-40B4-BE49-F238E27FC236}">
-                <a16:creationId xmlns:a16="http://schemas.microsoft.com/office/drawing/2014/main" id="{B2C410DE-B01C-44C6-A709-1F75782D035B}"/>
-              </a:ext>
-            </a:extLst>
-          </p:cNvPr>
-          <p:cNvPicPr>
-            <a:picLocks noChangeAspect="1" noChangeArrowheads="1"/>
-          </p:cNvPicPr>
-          <p:nvPr/>
-        </p:nvPicPr>
-        <p:blipFill>
-          <a:blip r:embed="rId6">
-            <a:extLst>
-              <a:ext uri="{28A0092B-C50C-407E-A947-70E740481C1C}">
-                <a14:useLocalDpi xmlns:a14="http://schemas.microsoft.com/office/drawing/2010/main" val="0"/>
-              </a:ext>
-            </a:extLst>
-          </a:blip>
-          <a:srcRect/>
-          <a:stretch>
-            <a:fillRect/>
-          </a:stretch>
-        </p:blipFill>
-        <p:spPr bwMode="auto">
-          <a:xfrm>
-            <a:off x="7302012" y="3873599"/>
-            <a:ext cx="10299291" cy="5793352"/>
-          </a:xfrm>
-          <a:prstGeom prst="rect">
-            <a:avLst/>
-          </a:prstGeom>
-          <a:noFill/>
-          <a:extLst>
-            <a:ext uri="{909E8E84-426E-40DD-AFC4-6F175D3DCCD1}">
-              <a14:hiddenFill xmlns:a14="http://schemas.microsoft.com/office/drawing/2010/main">
-                <a:solidFill>
-                  <a:srgbClr val="FFFFFF"/>
-                </a:solidFill>
-              </a14:hiddenFill>
-            </a:ext>
-          </a:extLst>
-        </p:spPr>
-      </p:pic>
-      <p:pic>
-        <p:nvPicPr>
-          <p:cNvPr id="4" name="Picture 3" descr="Shape&#10;&#10;Description automatically generated with low confidence">
-            <a:extLst>
-              <a:ext uri="{FF2B5EF4-FFF2-40B4-BE49-F238E27FC236}">
-                <a16:creationId xmlns:a16="http://schemas.microsoft.com/office/drawing/2014/main" id="{D73CBB4E-5DFC-455A-821A-20E365597395}"/>
-              </a:ext>
-            </a:extLst>
-          </p:cNvPr>
-          <p:cNvPicPr>
-            <a:picLocks noChangeAspect="1"/>
-          </p:cNvPicPr>
-          <p:nvPr/>
-        </p:nvPicPr>
-        <p:blipFill>
-          <a:blip r:embed="rId7" cstate="print">
-            <a:extLst>
-              <a:ext uri="{28A0092B-C50C-407E-A947-70E740481C1C}">
-                <a14:useLocalDpi xmlns:a14="http://schemas.microsoft.com/office/drawing/2010/main" val="0"/>
-              </a:ext>
-            </a:extLst>
-          </a:blip>
-          <a:stretch>
-            <a:fillRect/>
-          </a:stretch>
-        </p:blipFill>
-        <p:spPr>
-          <a:xfrm>
-            <a:off x="2133600" y="5691554"/>
-            <a:ext cx="2667000" cy="2667000"/>
-          </a:xfrm>
-          <a:prstGeom prst="rect">
-            <a:avLst/>
-          </a:prstGeom>
-        </p:spPr>
-      </p:pic>
-    </p:spTree>
-    <p:extLst>
-      <p:ext uri="{BB962C8B-B14F-4D97-AF65-F5344CB8AC3E}">
-        <p14:creationId xmlns:p14="http://schemas.microsoft.com/office/powerpoint/2010/main" val="685776287"/>
-      </p:ext>
-    </p:extLst>
   </p:cSld>
   <p:clrMapOvr>
     <a:masterClrMapping/>
@@ -11357,9 +9111,47 @@
           </p:spPr>
         </p:sp>
       </p:grpSp>
+      <p:sp>
+        <p:nvSpPr>
+          <p:cNvPr id="7" name="TextBox 7"/>
+          <p:cNvSpPr txBox="1"/>
+          <p:nvPr/>
+        </p:nvSpPr>
+        <p:spPr>
+          <a:xfrm>
+            <a:off x="2110659" y="435320"/>
+            <a:ext cx="15772737" cy="1095300"/>
+          </a:xfrm>
+          <a:prstGeom prst="rect">
+            <a:avLst/>
+          </a:prstGeom>
+        </p:spPr>
+        <p:txBody>
+          <a:bodyPr lIns="0" tIns="0" rIns="0" bIns="0" rtlCol="0" anchor="t">
+            <a:spAutoFit/>
+          </a:bodyPr>
+          <a:lstStyle/>
+          <a:p>
+            <a:pPr algn="r">
+              <a:lnSpc>
+                <a:spcPts val="9100"/>
+              </a:lnSpc>
+            </a:pPr>
+            <a:r>
+              <a:rPr lang="en-US" sz="6500" b="1" spc="195" dirty="0">
+                <a:solidFill>
+                  <a:srgbClr val="F2F0F4"/>
+                </a:solidFill>
+                <a:latin typeface="League Spartan Italics"/>
+              </a:rPr>
+              <a:t>What did we do before Power Query?</a:t>
+            </a:r>
+          </a:p>
+        </p:txBody>
+      </p:sp>
       <p:pic>
         <p:nvPicPr>
-          <p:cNvPr id="7" name="Picture 7"/>
+          <p:cNvPr id="8" name="Picture 8"/>
           <p:cNvPicPr>
             <a:picLocks noChangeAspect="1"/>
           </p:cNvPicPr>
@@ -11384,48 +9176,10 @@
       </p:pic>
       <p:sp>
         <p:nvSpPr>
-          <p:cNvPr id="9" name="TextBox 9"/>
-          <p:cNvSpPr txBox="1"/>
-          <p:nvPr/>
-        </p:nvSpPr>
-        <p:spPr>
-          <a:xfrm>
-            <a:off x="2110659" y="1011583"/>
-            <a:ext cx="15772737" cy="1120775"/>
-          </a:xfrm>
-          <a:prstGeom prst="rect">
-            <a:avLst/>
-          </a:prstGeom>
-        </p:spPr>
-        <p:txBody>
-          <a:bodyPr lIns="0" tIns="0" rIns="0" bIns="0" rtlCol="0" anchor="t">
-            <a:spAutoFit/>
-          </a:bodyPr>
-          <a:lstStyle/>
-          <a:p>
-            <a:pPr algn="r">
-              <a:lnSpc>
-                <a:spcPts val="9100"/>
-              </a:lnSpc>
-            </a:pPr>
-            <a:r>
-              <a:rPr lang="en-US" sz="6500" b="1" spc="195" dirty="0">
-                <a:solidFill>
-                  <a:srgbClr val="F2F0F4"/>
-                </a:solidFill>
-                <a:latin typeface="League Spartan Italics"/>
-              </a:rPr>
-              <a:t>Power Query &amp; Excel Myth-busting</a:t>
-            </a:r>
-          </a:p>
-        </p:txBody>
-      </p:sp>
-      <p:sp>
-        <p:nvSpPr>
-          <p:cNvPr id="10" name="TextBox 9">
+          <p:cNvPr id="9" name="TextBox 8">
             <a:extLst>
               <a:ext uri="{FF2B5EF4-FFF2-40B4-BE49-F238E27FC236}">
-                <a16:creationId xmlns:a16="http://schemas.microsoft.com/office/drawing/2014/main" id="{449716C3-280E-4377-BD60-380B8FF48366}"/>
+                <a16:creationId xmlns:a16="http://schemas.microsoft.com/office/drawing/2014/main" id="{70F8E36B-5389-41E7-BBDB-BE061BE6D012}"/>
               </a:ext>
             </a:extLst>
           </p:cNvPr>
@@ -11434,8 +9188,8 @@
         </p:nvSpPr>
         <p:spPr>
           <a:xfrm>
-            <a:off x="0" y="9603815"/>
-            <a:ext cx="8153400" cy="523220"/>
+            <a:off x="228600" y="3848100"/>
+            <a:ext cx="11353800" cy="1754326"/>
           </a:xfrm>
           <a:prstGeom prst="rect">
             <a:avLst/>
@@ -11448,59 +9202,54 @@
           </a:bodyPr>
           <a:lstStyle/>
           <a:p>
-            <a:r>
-              <a:rPr lang="en-US" sz="2800" dirty="0">
-                <a:latin typeface="Gidole" panose="020B0604020202020204" charset="0"/>
-                <a:hlinkClick r:id="rId4"/>
-              </a:rPr>
-              <a:t>https://giphy.com/gifs/mythbusters-gif-qVuWpc7MxvGz6</a:t>
-            </a:r>
-            <a:r>
-              <a:rPr lang="en-US" sz="2800" dirty="0">
+            <a:pPr marL="571500" indent="-571500">
+              <a:buFont typeface="Arial" panose="020B0604020202020204" pitchFamily="34" charset="0"/>
+              <a:buChar char="•"/>
+            </a:pPr>
+            <a:r>
+              <a:rPr lang="en-US" sz="3600" dirty="0">
                 <a:latin typeface="Gidole" panose="020B0604020202020204" charset="0"/>
               </a:rPr>
-              <a:t>  </a:t>
-            </a:r>
-          </a:p>
-        </p:txBody>
-      </p:sp>
-      <p:pic>
-        <p:nvPicPr>
-          <p:cNvPr id="12" name="Picture 11" descr="A person wearing a hat&#10;&#10;Description automatically generated">
-            <a:extLst>
-              <a:ext uri="{FF2B5EF4-FFF2-40B4-BE49-F238E27FC236}">
-                <a16:creationId xmlns:a16="http://schemas.microsoft.com/office/drawing/2014/main" id="{22E3B044-9B28-411A-8DC7-330EA89D471A}"/>
-              </a:ext>
-            </a:extLst>
-          </p:cNvPr>
-          <p:cNvPicPr>
-            <a:picLocks noChangeAspect="1"/>
-          </p:cNvPicPr>
-          <p:nvPr/>
-        </p:nvPicPr>
-        <p:blipFill>
-          <a:blip r:embed="rId5">
-            <a:extLst>
-              <a:ext uri="{28A0092B-C50C-407E-A947-70E740481C1C}">
-                <a14:useLocalDpi xmlns:a14="http://schemas.microsoft.com/office/drawing/2010/main" val="0"/>
-              </a:ext>
-            </a:extLst>
-          </a:blip>
-          <a:stretch>
-            <a:fillRect/>
-          </a:stretch>
-        </p:blipFill>
-        <p:spPr>
-          <a:xfrm>
-            <a:off x="3886200" y="3717694"/>
-            <a:ext cx="9982200" cy="5622627"/>
-          </a:xfrm>
-          <a:prstGeom prst="rect">
-            <a:avLst/>
-          </a:prstGeom>
-        </p:spPr>
-      </p:pic>
+              <a:t>File: </a:t>
+            </a:r>
+            <a:r>
+              <a:rPr lang="en-US" sz="3600" dirty="0">
+                <a:latin typeface="Roboto Mono" pitchFamily="2" charset="0"/>
+                <a:ea typeface="Roboto Mono" pitchFamily="2" charset="0"/>
+              </a:rPr>
+              <a:t>wholesale-customers.xlsx</a:t>
+            </a:r>
+          </a:p>
+          <a:p>
+            <a:pPr marL="571500" indent="-571500">
+              <a:buFont typeface="Arial" panose="020B0604020202020204" pitchFamily="34" charset="0"/>
+              <a:buChar char="•"/>
+            </a:pPr>
+            <a:r>
+              <a:rPr lang="en-US" sz="3600" dirty="0">
+                <a:latin typeface="Gidole" panose="02000503000000000000" pitchFamily="50" charset="0"/>
+                <a:ea typeface="Roboto Mono" pitchFamily="2" charset="0"/>
+              </a:rPr>
+              <a:t>How would you make this data “PivotTable-ready?”</a:t>
+            </a:r>
+          </a:p>
+          <a:p>
+            <a:pPr marL="571500" indent="-571500">
+              <a:buFont typeface="Arial" panose="020B0604020202020204" pitchFamily="34" charset="0"/>
+              <a:buChar char="•"/>
+            </a:pPr>
+            <a:endParaRPr lang="en-US" sz="3600" dirty="0">
+              <a:latin typeface="Gidole" panose="020B0604020202020204" charset="0"/>
+            </a:endParaRPr>
+          </a:p>
+        </p:txBody>
+      </p:sp>
     </p:spTree>
+    <p:extLst>
+      <p:ext uri="{BB962C8B-B14F-4D97-AF65-F5344CB8AC3E}">
+        <p14:creationId xmlns:p14="http://schemas.microsoft.com/office/powerpoint/2010/main" val="3385359437"/>
+      </p:ext>
+    </p:extLst>
   </p:cSld>
   <p:clrMapOvr>
     <a:masterClrMapping/>
@@ -11525,131 +9274,6 @@
           <a:chExt cx="0" cy="0"/>
         </a:xfrm>
       </p:grpSpPr>
-      <p:sp>
-        <p:nvSpPr>
-          <p:cNvPr id="3" name="AutoShape 3"/>
-          <p:cNvSpPr/>
-          <p:nvPr/>
-        </p:nvSpPr>
-        <p:spPr>
-          <a:xfrm>
-            <a:off x="-100401" y="5129474"/>
-            <a:ext cx="18485333" cy="5157526"/>
-          </a:xfrm>
-          <a:prstGeom prst="rect">
-            <a:avLst/>
-          </a:prstGeom>
-          <a:solidFill>
-            <a:srgbClr val="CF3338"/>
-          </a:solidFill>
-        </p:spPr>
-      </p:sp>
-      <p:grpSp>
-        <p:nvGrpSpPr>
-          <p:cNvPr id="4" name="Group 4"/>
-          <p:cNvGrpSpPr/>
-          <p:nvPr/>
-        </p:nvGrpSpPr>
-        <p:grpSpPr>
-          <a:xfrm>
-            <a:off x="0" y="2733413"/>
-            <a:ext cx="7565692" cy="7553587"/>
-            <a:chOff x="0" y="0"/>
-            <a:chExt cx="6350000" cy="6339840"/>
-          </a:xfrm>
-        </p:grpSpPr>
-        <p:sp>
-          <p:nvSpPr>
-            <p:cNvPr id="5" name="Freeform 5"/>
-            <p:cNvSpPr/>
-            <p:nvPr/>
-          </p:nvSpPr>
-          <p:spPr>
-            <a:xfrm>
-              <a:off x="0" y="0"/>
-              <a:ext cx="6350000" cy="6339840"/>
-            </a:xfrm>
-            <a:custGeom>
-              <a:avLst/>
-              <a:gdLst/>
-              <a:ahLst/>
-              <a:cxnLst/>
-              <a:rect l="l" t="t" r="r" b="b"/>
-              <a:pathLst>
-                <a:path w="6350000" h="6339840">
-                  <a:moveTo>
-                    <a:pt x="6350000" y="6339840"/>
-                  </a:moveTo>
-                  <a:lnTo>
-                    <a:pt x="0" y="6339840"/>
-                  </a:lnTo>
-                  <a:lnTo>
-                    <a:pt x="0" y="0"/>
-                  </a:lnTo>
-                  <a:close/>
-                </a:path>
-              </a:pathLst>
-            </a:custGeom>
-            <a:solidFill>
-              <a:srgbClr val="3D3935"/>
-            </a:solidFill>
-          </p:spPr>
-        </p:sp>
-      </p:grpSp>
-      <p:grpSp>
-        <p:nvGrpSpPr>
-          <p:cNvPr id="6" name="Group 6"/>
-          <p:cNvGrpSpPr/>
-          <p:nvPr/>
-        </p:nvGrpSpPr>
-        <p:grpSpPr>
-          <a:xfrm rot="-10800000">
-            <a:off x="-3031757" y="5143500"/>
-            <a:ext cx="6063514" cy="5251003"/>
-            <a:chOff x="0" y="0"/>
-            <a:chExt cx="6350000" cy="5499100"/>
-          </a:xfrm>
-        </p:grpSpPr>
-        <p:sp>
-          <p:nvSpPr>
-            <p:cNvPr id="7" name="Freeform 7"/>
-            <p:cNvSpPr/>
-            <p:nvPr/>
-          </p:nvSpPr>
-          <p:spPr>
-            <a:xfrm>
-              <a:off x="0" y="0"/>
-              <a:ext cx="6350000" cy="5499100"/>
-            </a:xfrm>
-            <a:custGeom>
-              <a:avLst/>
-              <a:gdLst/>
-              <a:ahLst/>
-              <a:cxnLst/>
-              <a:rect l="l" t="t" r="r" b="b"/>
-              <a:pathLst>
-                <a:path w="6350000" h="5499100">
-                  <a:moveTo>
-                    <a:pt x="0" y="5499100"/>
-                  </a:moveTo>
-                  <a:lnTo>
-                    <a:pt x="3175000" y="0"/>
-                  </a:lnTo>
-                  <a:lnTo>
-                    <a:pt x="6350000" y="5499100"/>
-                  </a:lnTo>
-                  <a:close/>
-                </a:path>
-              </a:pathLst>
-            </a:custGeom>
-            <a:solidFill>
-              <a:srgbClr val="FFFFFF">
-                <a:alpha val="34901"/>
-              </a:srgbClr>
-            </a:solidFill>
-          </p:spPr>
-        </p:sp>
-      </p:grpSp>
       <p:pic>
         <p:nvPicPr>
           <p:cNvPr id="8" name="Picture 8"/>
@@ -11667,7 +9291,7 @@
         </p:blipFill>
         <p:spPr>
           <a:xfrm>
-            <a:off x="16100583" y="9258300"/>
+            <a:off x="16459200" y="-99077"/>
             <a:ext cx="2005783" cy="1470490"/>
           </a:xfrm>
           <a:prstGeom prst="rect">
@@ -11683,8 +9307,8 @@
         </p:nvSpPr>
         <p:spPr>
           <a:xfrm>
-            <a:off x="9071302" y="264557"/>
-            <a:ext cx="8911898" cy="3462486"/>
+            <a:off x="838200" y="617118"/>
+            <a:ext cx="15631206" cy="1209818"/>
           </a:xfrm>
           <a:prstGeom prst="rect">
             <a:avLst/>
@@ -11696,71 +9320,63 @@
           </a:bodyPr>
           <a:lstStyle/>
           <a:p>
-            <a:pPr algn="r">
+            <a:pPr>
               <a:lnSpc>
-                <a:spcPts val="9000"/>
+                <a:spcPts val="10080"/>
               </a:lnSpc>
+              <a:spcBef>
+                <a:spcPct val="0"/>
+              </a:spcBef>
             </a:pPr>
             <a:r>
-              <a:rPr lang="en-US" sz="7500" spc="375" dirty="0">
+              <a:rPr lang="en-US" sz="7200" dirty="0">
                 <a:solidFill>
                   <a:srgbClr val="000000"/>
                 </a:solidFill>
-                <a:latin typeface="League Spartan Bold"/>
+                <a:latin typeface="Open Sans Extra Bold"/>
               </a:rPr>
-              <a:t>1. “EXCEL IS NOT REPRODUCIBLE”</a:t>
+              <a:t>QUESTIONS?</a:t>
             </a:r>
           </a:p>
         </p:txBody>
       </p:sp>
       <p:pic>
         <p:nvPicPr>
-          <p:cNvPr id="3074" name="Picture 2" descr="Laboratory, Analysis, Chemistry, Research, Chemist, Lab">
+          <p:cNvPr id="5" name="Picture 6">
             <a:extLst>
               <a:ext uri="{FF2B5EF4-FFF2-40B4-BE49-F238E27FC236}">
-                <a16:creationId xmlns:a16="http://schemas.microsoft.com/office/drawing/2014/main" id="{78F5FC68-5FE9-407F-9506-457BA198CB23}"/>
+                <a16:creationId xmlns:a16="http://schemas.microsoft.com/office/drawing/2014/main" id="{01C401A0-8EBC-47CA-B2DE-F204DE6EEF54}"/>
               </a:ext>
             </a:extLst>
           </p:cNvPr>
           <p:cNvPicPr>
-            <a:picLocks noChangeAspect="1" noChangeArrowheads="1"/>
+            <a:picLocks noChangeAspect="1"/>
           </p:cNvPicPr>
           <p:nvPr/>
         </p:nvPicPr>
         <p:blipFill>
-          <a:blip r:embed="rId4">
-            <a:extLst>
-              <a:ext uri="{28A0092B-C50C-407E-A947-70E740481C1C}">
-                <a14:useLocalDpi xmlns:a14="http://schemas.microsoft.com/office/drawing/2010/main" val="0"/>
-              </a:ext>
-            </a:extLst>
-          </a:blip>
-          <a:srcRect/>
+          <a:blip r:embed="rId4"/>
+          <a:srcRect b="44190"/>
           <a:stretch>
             <a:fillRect/>
           </a:stretch>
         </p:blipFill>
-        <p:spPr bwMode="auto">
-          <a:xfrm>
-            <a:off x="19050" y="0"/>
-            <a:ext cx="7736288" cy="5157526"/>
+        <p:spPr>
+          <a:xfrm>
+            <a:off x="16095120" y="9265255"/>
+            <a:ext cx="2013122" cy="823680"/>
           </a:xfrm>
           <a:prstGeom prst="rect">
             <a:avLst/>
           </a:prstGeom>
-          <a:noFill/>
-          <a:extLst>
-            <a:ext uri="{909E8E84-426E-40DD-AFC4-6F175D3DCCD1}">
-              <a14:hiddenFill xmlns:a14="http://schemas.microsoft.com/office/drawing/2010/main">
-                <a:solidFill>
-                  <a:srgbClr val="FFFFFF"/>
-                </a:solidFill>
-              </a14:hiddenFill>
-            </a:ext>
-          </a:extLst>
         </p:spPr>
       </p:pic>
     </p:spTree>
+    <p:extLst>
+      <p:ext uri="{BB962C8B-B14F-4D97-AF65-F5344CB8AC3E}">
+        <p14:creationId xmlns:p14="http://schemas.microsoft.com/office/powerpoint/2010/main" val="2269851195"/>
+      </p:ext>
+    </p:extLst>
   </p:cSld>
   <p:clrMapOvr>
     <a:masterClrMapping/>
@@ -11785,131 +9401,6 @@
           <a:chExt cx="0" cy="0"/>
         </a:xfrm>
       </p:grpSpPr>
-      <p:sp>
-        <p:nvSpPr>
-          <p:cNvPr id="3" name="AutoShape 3"/>
-          <p:cNvSpPr/>
-          <p:nvPr/>
-        </p:nvSpPr>
-        <p:spPr>
-          <a:xfrm>
-            <a:off x="-171365" y="5129474"/>
-            <a:ext cx="18485333" cy="5157526"/>
-          </a:xfrm>
-          <a:prstGeom prst="rect">
-            <a:avLst/>
-          </a:prstGeom>
-          <a:solidFill>
-            <a:srgbClr val="CF3338"/>
-          </a:solidFill>
-        </p:spPr>
-      </p:sp>
-      <p:grpSp>
-        <p:nvGrpSpPr>
-          <p:cNvPr id="4" name="Group 4"/>
-          <p:cNvGrpSpPr/>
-          <p:nvPr/>
-        </p:nvGrpSpPr>
-        <p:grpSpPr>
-          <a:xfrm>
-            <a:off x="-190670" y="2733413"/>
-            <a:ext cx="7565692" cy="7553587"/>
-            <a:chOff x="0" y="0"/>
-            <a:chExt cx="6350000" cy="6339840"/>
-          </a:xfrm>
-        </p:grpSpPr>
-        <p:sp>
-          <p:nvSpPr>
-            <p:cNvPr id="5" name="Freeform 5"/>
-            <p:cNvSpPr/>
-            <p:nvPr/>
-          </p:nvSpPr>
-          <p:spPr>
-            <a:xfrm>
-              <a:off x="0" y="0"/>
-              <a:ext cx="6350000" cy="6339840"/>
-            </a:xfrm>
-            <a:custGeom>
-              <a:avLst/>
-              <a:gdLst/>
-              <a:ahLst/>
-              <a:cxnLst/>
-              <a:rect l="l" t="t" r="r" b="b"/>
-              <a:pathLst>
-                <a:path w="6350000" h="6339840">
-                  <a:moveTo>
-                    <a:pt x="6350000" y="6339840"/>
-                  </a:moveTo>
-                  <a:lnTo>
-                    <a:pt x="0" y="6339840"/>
-                  </a:lnTo>
-                  <a:lnTo>
-                    <a:pt x="0" y="0"/>
-                  </a:lnTo>
-                  <a:close/>
-                </a:path>
-              </a:pathLst>
-            </a:custGeom>
-            <a:solidFill>
-              <a:srgbClr val="3D3935"/>
-            </a:solidFill>
-          </p:spPr>
-        </p:sp>
-      </p:grpSp>
-      <p:grpSp>
-        <p:nvGrpSpPr>
-          <p:cNvPr id="6" name="Group 6"/>
-          <p:cNvGrpSpPr/>
-          <p:nvPr/>
-        </p:nvGrpSpPr>
-        <p:grpSpPr>
-          <a:xfrm rot="-10800000">
-            <a:off x="-3031757" y="5143500"/>
-            <a:ext cx="6063514" cy="5251003"/>
-            <a:chOff x="0" y="0"/>
-            <a:chExt cx="6350000" cy="5499100"/>
-          </a:xfrm>
-        </p:grpSpPr>
-        <p:sp>
-          <p:nvSpPr>
-            <p:cNvPr id="7" name="Freeform 7"/>
-            <p:cNvSpPr/>
-            <p:nvPr/>
-          </p:nvSpPr>
-          <p:spPr>
-            <a:xfrm>
-              <a:off x="0" y="0"/>
-              <a:ext cx="6350000" cy="5499100"/>
-            </a:xfrm>
-            <a:custGeom>
-              <a:avLst/>
-              <a:gdLst/>
-              <a:ahLst/>
-              <a:cxnLst/>
-              <a:rect l="l" t="t" r="r" b="b"/>
-              <a:pathLst>
-                <a:path w="6350000" h="5499100">
-                  <a:moveTo>
-                    <a:pt x="0" y="5499100"/>
-                  </a:moveTo>
-                  <a:lnTo>
-                    <a:pt x="3175000" y="0"/>
-                  </a:lnTo>
-                  <a:lnTo>
-                    <a:pt x="6350000" y="5499100"/>
-                  </a:lnTo>
-                  <a:close/>
-                </a:path>
-              </a:pathLst>
-            </a:custGeom>
-            <a:solidFill>
-              <a:srgbClr val="FFFFFF">
-                <a:alpha val="34901"/>
-              </a:srgbClr>
-            </a:solidFill>
-          </p:spPr>
-        </p:sp>
-      </p:grpSp>
       <p:pic>
         <p:nvPicPr>
           <p:cNvPr id="8" name="Picture 8"/>
@@ -11927,7 +9418,7 @@
         </p:blipFill>
         <p:spPr>
           <a:xfrm>
-            <a:off x="16100583" y="9258300"/>
+            <a:off x="16459200" y="-99077"/>
             <a:ext cx="2005783" cy="1470490"/>
           </a:xfrm>
           <a:prstGeom prst="rect">
@@ -11943,8 +9434,8 @@
         </p:nvSpPr>
         <p:spPr>
           <a:xfrm>
-            <a:off x="10195812" y="264557"/>
-            <a:ext cx="7787387" cy="4616648"/>
+            <a:off x="838200" y="617118"/>
+            <a:ext cx="15631206" cy="1209818"/>
           </a:xfrm>
           <a:prstGeom prst="rect">
             <a:avLst/>
@@ -11956,74 +9447,148 @@
           </a:bodyPr>
           <a:lstStyle/>
           <a:p>
-            <a:pPr algn="r">
+            <a:pPr>
               <a:lnSpc>
-                <a:spcPts val="9000"/>
+                <a:spcPts val="10080"/>
               </a:lnSpc>
+              <a:spcBef>
+                <a:spcPct val="0"/>
+              </a:spcBef>
             </a:pPr>
             <a:r>
-              <a:rPr lang="en-US" sz="7500" spc="375" dirty="0">
+              <a:rPr lang="en-US" sz="7200" dirty="0">
                 <a:solidFill>
                   <a:srgbClr val="000000"/>
                 </a:solidFill>
-                <a:latin typeface="League Spartan Bold"/>
+                <a:latin typeface="Open Sans Extra Bold"/>
               </a:rPr>
-              <a:t>2. “EXCEL ONLY DOES STRUCTURED DATA”</a:t>
+              <a:t>DEMO: PROFILING DATA</a:t>
             </a:r>
           </a:p>
         </p:txBody>
       </p:sp>
       <p:pic>
         <p:nvPicPr>
-          <p:cNvPr id="4098" name="Picture 2" descr="Grid, Isolation, Table, Lamp, Beetle, Ladybug, Window">
+          <p:cNvPr id="5" name="Picture 6">
             <a:extLst>
               <a:ext uri="{FF2B5EF4-FFF2-40B4-BE49-F238E27FC236}">
-                <a16:creationId xmlns:a16="http://schemas.microsoft.com/office/drawing/2014/main" id="{44AE2A13-EBA4-4F07-8D67-3B76D0A846AC}"/>
+                <a16:creationId xmlns:a16="http://schemas.microsoft.com/office/drawing/2014/main" id="{01C401A0-8EBC-47CA-B2DE-F204DE6EEF54}"/>
               </a:ext>
             </a:extLst>
           </p:cNvPr>
           <p:cNvPicPr>
-            <a:picLocks noChangeAspect="1" noChangeArrowheads="1"/>
+            <a:picLocks noChangeAspect="1"/>
           </p:cNvPicPr>
           <p:nvPr/>
         </p:nvPicPr>
         <p:blipFill>
-          <a:blip r:embed="rId4">
-            <a:extLst>
-              <a:ext uri="{28A0092B-C50C-407E-A947-70E740481C1C}">
-                <a14:useLocalDpi xmlns:a14="http://schemas.microsoft.com/office/drawing/2010/main" val="0"/>
-              </a:ext>
-            </a:extLst>
-          </a:blip>
-          <a:srcRect/>
+          <a:blip r:embed="rId4"/>
+          <a:srcRect b="44190"/>
           <a:stretch>
             <a:fillRect/>
           </a:stretch>
         </p:blipFill>
-        <p:spPr bwMode="auto">
-          <a:xfrm>
-            <a:off x="-1" y="-46241"/>
-            <a:ext cx="10024449" cy="5189741"/>
+        <p:spPr>
+          <a:xfrm>
+            <a:off x="16095120" y="9265255"/>
+            <a:ext cx="2013122" cy="823680"/>
+          </a:xfrm>
+          <a:prstGeom prst="rect">
+            <a:avLst/>
+          </a:prstGeom>
+        </p:spPr>
+      </p:pic>
+      <p:sp>
+        <p:nvSpPr>
+          <p:cNvPr id="2" name="TextBox 1">
+            <a:extLst>
+              <a:ext uri="{FF2B5EF4-FFF2-40B4-BE49-F238E27FC236}">
+                <a16:creationId xmlns:a16="http://schemas.microsoft.com/office/drawing/2014/main" id="{DA7E4D39-AF17-46FE-A0C7-071D1DD526E8}"/>
+              </a:ext>
+            </a:extLst>
+          </p:cNvPr>
+          <p:cNvSpPr txBox="1"/>
+          <p:nvPr/>
+        </p:nvSpPr>
+        <p:spPr>
+          <a:xfrm>
+            <a:off x="857250" y="1943100"/>
+            <a:ext cx="12877800" cy="2554545"/>
           </a:xfrm>
           <a:prstGeom prst="rect">
             <a:avLst/>
           </a:prstGeom>
           <a:noFill/>
-          <a:extLst>
-            <a:ext uri="{909E8E84-426E-40DD-AFC4-6F175D3DCCD1}">
-              <a14:hiddenFill xmlns:a14="http://schemas.microsoft.com/office/drawing/2010/main">
-                <a:solidFill>
-                  <a:srgbClr val="FFFFFF"/>
-                </a:solidFill>
-              </a14:hiddenFill>
-            </a:ext>
-          </a:extLst>
-        </p:spPr>
-      </p:pic>
+        </p:spPr>
+        <p:txBody>
+          <a:bodyPr wrap="square" rtlCol="0">
+            <a:spAutoFit/>
+          </a:bodyPr>
+          <a:lstStyle/>
+          <a:p>
+            <a:pPr marL="571500" indent="-571500">
+              <a:buFont typeface="Arial" panose="020B0604020202020204" pitchFamily="34" charset="0"/>
+              <a:buChar char="•"/>
+            </a:pPr>
+            <a:r>
+              <a:rPr lang="en-US" sz="4000" dirty="0">
+                <a:latin typeface="Gidole" panose="02000503000000000000" pitchFamily="50" charset="0"/>
+              </a:rPr>
+              <a:t>File: </a:t>
+            </a:r>
+            <a:r>
+              <a:rPr lang="en-US" sz="4000" dirty="0">
+                <a:latin typeface="Roboto Mono" pitchFamily="2" charset="0"/>
+                <a:ea typeface="Roboto Mono" pitchFamily="2" charset="0"/>
+              </a:rPr>
+              <a:t>star.xlsx</a:t>
+            </a:r>
+          </a:p>
+          <a:p>
+            <a:pPr marL="571500" indent="-571500">
+              <a:buFont typeface="Arial" panose="020B0604020202020204" pitchFamily="34" charset="0"/>
+              <a:buChar char="•"/>
+            </a:pPr>
+            <a:r>
+              <a:rPr lang="en-US" sz="4000" dirty="0">
+                <a:latin typeface="Gidole" panose="02000503000000000000" pitchFamily="50" charset="0"/>
+                <a:ea typeface="Roboto Mono" pitchFamily="2" charset="0"/>
+              </a:rPr>
+              <a:t>Load into Power Query</a:t>
+            </a:r>
+          </a:p>
+          <a:p>
+            <a:pPr marL="571500" indent="-571500">
+              <a:buFont typeface="Arial" panose="020B0604020202020204" pitchFamily="34" charset="0"/>
+              <a:buChar char="•"/>
+            </a:pPr>
+            <a:r>
+              <a:rPr lang="en-US" sz="4000" dirty="0">
+                <a:latin typeface="Gidole" panose="02000503000000000000" pitchFamily="50" charset="0"/>
+                <a:ea typeface="Roboto Mono" pitchFamily="2" charset="0"/>
+              </a:rPr>
+              <a:t>Explore via Data Preview</a:t>
+            </a:r>
+          </a:p>
+          <a:p>
+            <a:pPr marL="571500" indent="-571500">
+              <a:buFont typeface="Arial" panose="020B0604020202020204" pitchFamily="34" charset="0"/>
+              <a:buChar char="•"/>
+            </a:pPr>
+            <a:r>
+              <a:rPr lang="en-US" sz="4000" i="1" dirty="0">
+                <a:latin typeface="Gidole" panose="02000503000000000000" pitchFamily="50" charset="0"/>
+                <a:ea typeface="Roboto Mono" pitchFamily="2" charset="0"/>
+              </a:rPr>
+              <a:t>Refer to demo notes</a:t>
+            </a:r>
+          </a:p>
+        </p:txBody>
+      </p:sp>
     </p:spTree>
     <p:extLst>
       <p:ext uri="{BB962C8B-B14F-4D97-AF65-F5344CB8AC3E}">
-        <p14:creationId xmlns:p14="http://schemas.microsoft.com/office/powerpoint/2010/main" val="20249381"/>
+        <p14:creationId xmlns:p14="http://schemas.microsoft.com/office/powerpoint/2010/main" val="1901009749"/>
       </p:ext>
     </p:extLst>
   </p:cSld>

--- a/pq-pdq.pptx
+++ b/pq-pdq.pptx
@@ -5,7 +5,7 @@
     <p:sldMasterId id="2147483648" r:id="rId1"/>
   </p:sldMasterIdLst>
   <p:notesMasterIdLst>
-    <p:notesMasterId r:id="rId17"/>
+    <p:notesMasterId r:id="rId16"/>
   </p:notesMasterIdLst>
   <p:sldIdLst>
     <p:sldId id="256" r:id="rId2"/>
@@ -22,36 +22,35 @@
     <p:sldId id="390" r:id="rId13"/>
     <p:sldId id="400" r:id="rId14"/>
     <p:sldId id="404" r:id="rId15"/>
-    <p:sldId id="402" r:id="rId16"/>
   </p:sldIdLst>
   <p:sldSz cx="18288000" cy="10287000"/>
   <p:notesSz cx="6858000" cy="9144000"/>
   <p:embeddedFontLst>
     <p:embeddedFont>
       <p:font typeface="Calibri" panose="020F0502020204030204" pitchFamily="34" charset="0"/>
-      <p:regular r:id="rId18"/>
-      <p:bold r:id="rId19"/>
-      <p:italic r:id="rId20"/>
-      <p:boldItalic r:id="rId21"/>
+      <p:regular r:id="rId17"/>
+      <p:bold r:id="rId18"/>
+      <p:italic r:id="rId19"/>
+      <p:boldItalic r:id="rId20"/>
     </p:embeddedFont>
     <p:embeddedFont>
       <p:font typeface="Gidole" panose="020B0604020202020204" charset="0"/>
+      <p:regular r:id="rId21"/>
+    </p:embeddedFont>
+    <p:embeddedFont>
+      <p:font typeface="League Spartan" panose="020B0604020202020204" charset="0"/>
       <p:regular r:id="rId22"/>
     </p:embeddedFont>
     <p:embeddedFont>
-      <p:font typeface="League Spartan" panose="020B0604020202020204" charset="0"/>
+      <p:font typeface="Open Sans Extra Bold" panose="020B0604020202020204" charset="0"/>
       <p:regular r:id="rId23"/>
     </p:embeddedFont>
     <p:embeddedFont>
-      <p:font typeface="Open Sans Extra Bold" panose="020B0604020202020204" charset="0"/>
+      <p:font typeface="Roboto Mono" panose="00000009000000000000" pitchFamily="49" charset="0"/>
       <p:regular r:id="rId24"/>
-    </p:embeddedFont>
-    <p:embeddedFont>
-      <p:font typeface="Roboto Mono" panose="020B0604020202020204" charset="0"/>
-      <p:regular r:id="rId25"/>
-      <p:bold r:id="rId26"/>
-      <p:italic r:id="rId27"/>
-      <p:boldItalic r:id="rId28"/>
+      <p:bold r:id="rId25"/>
+      <p:italic r:id="rId26"/>
+      <p:boldItalic r:id="rId27"/>
     </p:embeddedFont>
   </p:embeddedFontLst>
   <p:defaultTextStyle>
@@ -262,7 +261,7 @@
           <a:p>
             <a:fld id="{17A98A70-FA8C-4354-959C-C70678AC9BCF}" type="datetimeFigureOut">
               <a:rPr lang="en-US" smtClean="0"/>
-              <a:t>8/24/2022</a:t>
+              <a:t>8/16/2023</a:t>
             </a:fld>
             <a:endParaRPr lang="en-US"/>
           </a:p>
@@ -574,7 +573,7 @@
           <a:lstStyle/>
           <a:p>
             <a:r>
-              <a:rPr lang="en-US"/>
+              <a:rPr lang="en-US" dirty="0"/>
               <a:t>https://swiy.co/musopen</a:t>
             </a:r>
           </a:p>
@@ -1087,93 +1086,6 @@
     <p:extLst>
       <p:ext uri="{BB962C8B-B14F-4D97-AF65-F5344CB8AC3E}">
         <p14:creationId xmlns:p14="http://schemas.microsoft.com/office/powerpoint/2010/main" val="746477125"/>
-      </p:ext>
-    </p:extLst>
-  </p:cSld>
-  <p:clrMapOvr>
-    <a:masterClrMapping/>
-  </p:clrMapOvr>
-</p:notes>
-</file>
-
-<file path=ppt/notesSlides/notesSlide15.xml><?xml version="1.0" encoding="utf-8"?>
-<p:notes xmlns:a="http://schemas.openxmlformats.org/drawingml/2006/main" xmlns:r="http://schemas.openxmlformats.org/officeDocument/2006/relationships" xmlns:p="http://schemas.openxmlformats.org/presentationml/2006/main">
-  <p:cSld>
-    <p:spTree>
-      <p:nvGrpSpPr>
-        <p:cNvPr id="1" name=""/>
-        <p:cNvGrpSpPr/>
-        <p:nvPr/>
-      </p:nvGrpSpPr>
-      <p:grpSpPr>
-        <a:xfrm>
-          <a:off x="0" y="0"/>
-          <a:ext cx="0" cy="0"/>
-          <a:chOff x="0" y="0"/>
-          <a:chExt cx="0" cy="0"/>
-        </a:xfrm>
-      </p:grpSpPr>
-      <p:sp>
-        <p:nvSpPr>
-          <p:cNvPr id="2" name="Slide Image Placeholder 1"/>
-          <p:cNvSpPr>
-            <a:spLocks noGrp="1" noRot="1" noChangeAspect="1"/>
-          </p:cNvSpPr>
-          <p:nvPr>
-            <p:ph type="sldImg"/>
-          </p:nvPr>
-        </p:nvSpPr>
-        <p:spPr/>
-      </p:sp>
-      <p:sp>
-        <p:nvSpPr>
-          <p:cNvPr id="3" name="Notes Placeholder 2"/>
-          <p:cNvSpPr>
-            <a:spLocks noGrp="1"/>
-          </p:cNvSpPr>
-          <p:nvPr>
-            <p:ph type="body" idx="1"/>
-          </p:nvPr>
-        </p:nvSpPr>
-        <p:spPr/>
-        <p:txBody>
-          <a:bodyPr/>
-          <a:lstStyle/>
-          <a:p>
-            <a:r>
-              <a:rPr lang="en-US" dirty="0"/>
-              <a:t>Any questions on descriptive statistics? </a:t>
-            </a:r>
-          </a:p>
-        </p:txBody>
-      </p:sp>
-      <p:sp>
-        <p:nvSpPr>
-          <p:cNvPr id="4" name="Slide Number Placeholder 3"/>
-          <p:cNvSpPr>
-            <a:spLocks noGrp="1"/>
-          </p:cNvSpPr>
-          <p:nvPr>
-            <p:ph type="sldNum" sz="quarter" idx="5"/>
-          </p:nvPr>
-        </p:nvSpPr>
-        <p:spPr/>
-        <p:txBody>
-          <a:bodyPr/>
-          <a:lstStyle/>
-          <a:p>
-            <a:fld id="{FFB500C5-13F7-48FC-8160-C29AECF6C602}" type="slidenum">
-              <a:rPr lang="en-US" smtClean="0"/>
-              <a:t>15</a:t>
-            </a:fld>
-            <a:endParaRPr lang="en-US"/>
-          </a:p>
-        </p:txBody>
-      </p:sp>
-    </p:spTree>
-    <p:extLst>
-      <p:ext uri="{BB962C8B-B14F-4D97-AF65-F5344CB8AC3E}">
-        <p14:creationId xmlns:p14="http://schemas.microsoft.com/office/powerpoint/2010/main" val="3885250660"/>
       </p:ext>
     </p:extLst>
   </p:cSld>
@@ -2128,7 +2040,7 @@
             <a:fld id="{1D8BD707-D9CF-40AE-B4C6-C98DA3205C09}" type="datetimeFigureOut">
               <a:rPr lang="en-US" smtClean="0"/>
               <a:pPr/>
-              <a:t>8/24/2022</a:t>
+              <a:t>8/16/2023</a:t>
             </a:fld>
             <a:endParaRPr lang="en-US"/>
           </a:p>
@@ -2293,7 +2205,7 @@
             <a:fld id="{1D8BD707-D9CF-40AE-B4C6-C98DA3205C09}" type="datetimeFigureOut">
               <a:rPr lang="en-US" smtClean="0"/>
               <a:pPr/>
-              <a:t>8/24/2022</a:t>
+              <a:t>8/16/2023</a:t>
             </a:fld>
             <a:endParaRPr lang="en-US"/>
           </a:p>
@@ -2468,7 +2380,7 @@
             <a:fld id="{1D8BD707-D9CF-40AE-B4C6-C98DA3205C09}" type="datetimeFigureOut">
               <a:rPr lang="en-US" smtClean="0"/>
               <a:pPr/>
-              <a:t>8/24/2022</a:t>
+              <a:t>8/16/2023</a:t>
             </a:fld>
             <a:endParaRPr lang="en-US"/>
           </a:p>
@@ -2633,7 +2545,7 @@
             <a:fld id="{1D8BD707-D9CF-40AE-B4C6-C98DA3205C09}" type="datetimeFigureOut">
               <a:rPr lang="en-US" smtClean="0"/>
               <a:pPr/>
-              <a:t>8/24/2022</a:t>
+              <a:t>8/16/2023</a:t>
             </a:fld>
             <a:endParaRPr lang="en-US"/>
           </a:p>
@@ -2875,7 +2787,7 @@
             <a:fld id="{1D8BD707-D9CF-40AE-B4C6-C98DA3205C09}" type="datetimeFigureOut">
               <a:rPr lang="en-US" smtClean="0"/>
               <a:pPr/>
-              <a:t>8/24/2022</a:t>
+              <a:t>8/16/2023</a:t>
             </a:fld>
             <a:endParaRPr lang="en-US"/>
           </a:p>
@@ -3157,7 +3069,7 @@
             <a:fld id="{1D8BD707-D9CF-40AE-B4C6-C98DA3205C09}" type="datetimeFigureOut">
               <a:rPr lang="en-US" smtClean="0"/>
               <a:pPr/>
-              <a:t>8/24/2022</a:t>
+              <a:t>8/16/2023</a:t>
             </a:fld>
             <a:endParaRPr lang="en-US"/>
           </a:p>
@@ -3573,7 +3485,7 @@
             <a:fld id="{1D8BD707-D9CF-40AE-B4C6-C98DA3205C09}" type="datetimeFigureOut">
               <a:rPr lang="en-US" smtClean="0"/>
               <a:pPr/>
-              <a:t>8/24/2022</a:t>
+              <a:t>8/16/2023</a:t>
             </a:fld>
             <a:endParaRPr lang="en-US"/>
           </a:p>
@@ -3687,7 +3599,7 @@
             <a:fld id="{1D8BD707-D9CF-40AE-B4C6-C98DA3205C09}" type="datetimeFigureOut">
               <a:rPr lang="en-US" smtClean="0"/>
               <a:pPr/>
-              <a:t>8/24/2022</a:t>
+              <a:t>8/16/2023</a:t>
             </a:fld>
             <a:endParaRPr lang="en-US"/>
           </a:p>
@@ -3779,7 +3691,7 @@
             <a:fld id="{1D8BD707-D9CF-40AE-B4C6-C98DA3205C09}" type="datetimeFigureOut">
               <a:rPr lang="en-US" smtClean="0"/>
               <a:pPr/>
-              <a:t>8/24/2022</a:t>
+              <a:t>8/16/2023</a:t>
             </a:fld>
             <a:endParaRPr lang="en-US"/>
           </a:p>
@@ -4051,7 +3963,7 @@
             <a:fld id="{1D8BD707-D9CF-40AE-B4C6-C98DA3205C09}" type="datetimeFigureOut">
               <a:rPr lang="en-US" smtClean="0"/>
               <a:pPr/>
-              <a:t>8/24/2022</a:t>
+              <a:t>8/16/2023</a:t>
             </a:fld>
             <a:endParaRPr lang="en-US"/>
           </a:p>
@@ -4300,7 +4212,7 @@
             <a:fld id="{1D8BD707-D9CF-40AE-B4C6-C98DA3205C09}" type="datetimeFigureOut">
               <a:rPr lang="en-US" smtClean="0"/>
               <a:pPr/>
-              <a:t>8/24/2022</a:t>
+              <a:t>8/16/2023</a:t>
             </a:fld>
             <a:endParaRPr lang="en-US"/>
           </a:p>
@@ -4513,7 +4425,7 @@
             <a:fld id="{1D8BD707-D9CF-40AE-B4C6-C98DA3205C09}" type="datetimeFigureOut">
               <a:rPr lang="en-US" smtClean="0"/>
               <a:pPr/>
-              <a:t>8/24/2022</a:t>
+              <a:t>8/16/2023</a:t>
             </a:fld>
             <a:endParaRPr lang="en-US"/>
           </a:p>
@@ -4934,6 +4846,13 @@
               <a:srgbClr val="CF3338"/>
             </a:solidFill>
           </p:spPr>
+          <p:txBody>
+            <a:bodyPr/>
+            <a:lstStyle/>
+            <a:p>
+              <a:endParaRPr lang="en-US"/>
+            </a:p>
+          </p:txBody>
         </p:sp>
       </p:grpSp>
       <p:pic>
@@ -5253,6 +5172,13 @@
             <a:srgbClr val="CF3338"/>
           </a:solidFill>
         </p:spPr>
+        <p:txBody>
+          <a:bodyPr/>
+          <a:lstStyle/>
+          <a:p>
+            <a:endParaRPr lang="en-US"/>
+          </a:p>
+        </p:txBody>
       </p:sp>
       <p:grpSp>
         <p:nvGrpSpPr>
@@ -5306,6 +5232,13 @@
               </a:srgbClr>
             </a:solidFill>
           </p:spPr>
+          <p:txBody>
+            <a:bodyPr/>
+            <a:lstStyle/>
+            <a:p>
+              <a:endParaRPr lang="en-US"/>
+            </a:p>
+          </p:txBody>
         </p:sp>
       </p:grpSp>
       <p:sp>
@@ -5605,6 +5538,13 @@
             <a:srgbClr val="CF3338"/>
           </a:solidFill>
         </p:spPr>
+        <p:txBody>
+          <a:bodyPr/>
+          <a:lstStyle/>
+          <a:p>
+            <a:endParaRPr lang="en-US"/>
+          </a:p>
+        </p:txBody>
       </p:sp>
       <p:grpSp>
         <p:nvGrpSpPr>
@@ -5658,6 +5598,13 @@
               </a:srgbClr>
             </a:solidFill>
           </p:spPr>
+          <p:txBody>
+            <a:bodyPr/>
+            <a:lstStyle/>
+            <a:p>
+              <a:endParaRPr lang="en-US"/>
+            </a:p>
+          </p:txBody>
         </p:sp>
       </p:grpSp>
       <p:grpSp>
@@ -5713,6 +5660,13 @@
               <a:srgbClr val="F2F0F4"/>
             </a:solidFill>
           </p:spPr>
+          <p:txBody>
+            <a:bodyPr/>
+            <a:lstStyle/>
+            <a:p>
+              <a:endParaRPr lang="en-US"/>
+            </a:p>
+          </p:txBody>
         </p:sp>
       </p:grpSp>
       <p:pic>
@@ -6483,7 +6437,7 @@
         <p:spPr>
           <a:xfrm>
             <a:off x="857250" y="1943100"/>
-            <a:ext cx="12877800" cy="3785652"/>
+            <a:ext cx="12877800" cy="4401205"/>
           </a:xfrm>
           <a:prstGeom prst="rect">
             <a:avLst/>
@@ -6531,14 +6485,29 @@
                 <a:latin typeface="Gidole" panose="02000503000000000000" pitchFamily="2" charset="0"/>
                 <a:ea typeface="Roboto Mono" pitchFamily="2" charset="0"/>
               </a:rPr>
-              <a:t>The recording stays up </a:t>
+              <a:t>The recording stays up for seven days, then gets moved </a:t>
             </a:r>
             <a:r>
               <a:rPr lang="en-US" sz="4000">
                 <a:latin typeface="Gidole" panose="02000503000000000000" pitchFamily="2" charset="0"/>
                 <a:ea typeface="Roboto Mono" pitchFamily="2" charset="0"/>
               </a:rPr>
-              <a:t>for seven days!</a:t>
+              <a:t>to Patreon: </a:t>
+            </a:r>
+            <a:r>
+              <a:rPr lang="en-US" sz="4000">
+                <a:latin typeface="Gidole" panose="02000503000000000000" pitchFamily="2" charset="0"/>
+                <a:ea typeface="Roboto Mono" pitchFamily="2" charset="0"/>
+                <a:hlinkClick r:id="rId5"/>
+              </a:rPr>
+              <a:t>https://social.stringfestanalytics.com/patreon</a:t>
+            </a:r>
+            <a:r>
+              <a:rPr lang="en-US" sz="4000">
+                <a:latin typeface="Gidole" panose="02000503000000000000" pitchFamily="2" charset="0"/>
+                <a:ea typeface="Roboto Mono" pitchFamily="2" charset="0"/>
+              </a:rPr>
+              <a:t>  </a:t>
             </a:r>
             <a:endParaRPr lang="en-US" sz="4000" dirty="0">
               <a:latin typeface="Gidole" panose="02000503000000000000" pitchFamily="2" charset="0"/>
@@ -6551,286 +6520,6 @@
     <p:extLst>
       <p:ext uri="{BB962C8B-B14F-4D97-AF65-F5344CB8AC3E}">
         <p14:creationId xmlns:p14="http://schemas.microsoft.com/office/powerpoint/2010/main" val="956393270"/>
-      </p:ext>
-    </p:extLst>
-  </p:cSld>
-  <p:clrMapOvr>
-    <a:masterClrMapping/>
-  </p:clrMapOvr>
-</p:sld>
-</file>
-
-<file path=ppt/slides/slide15.xml><?xml version="1.0" encoding="utf-8"?>
-<p:sld xmlns:a="http://schemas.openxmlformats.org/drawingml/2006/main" xmlns:r="http://schemas.openxmlformats.org/officeDocument/2006/relationships" xmlns:p="http://schemas.openxmlformats.org/presentationml/2006/main">
-  <p:cSld>
-    <p:spTree>
-      <p:nvGrpSpPr>
-        <p:cNvPr id="1" name=""/>
-        <p:cNvGrpSpPr/>
-        <p:nvPr/>
-      </p:nvGrpSpPr>
-      <p:grpSpPr>
-        <a:xfrm>
-          <a:off x="0" y="0"/>
-          <a:ext cx="0" cy="0"/>
-          <a:chOff x="0" y="0"/>
-          <a:chExt cx="0" cy="0"/>
-        </a:xfrm>
-      </p:grpSpPr>
-      <p:pic>
-        <p:nvPicPr>
-          <p:cNvPr id="8" name="Picture 8"/>
-          <p:cNvPicPr>
-            <a:picLocks noChangeAspect="1"/>
-          </p:cNvPicPr>
-          <p:nvPr/>
-        </p:nvPicPr>
-        <p:blipFill>
-          <a:blip r:embed="rId3"/>
-          <a:srcRect/>
-          <a:stretch>
-            <a:fillRect/>
-          </a:stretch>
-        </p:blipFill>
-        <p:spPr>
-          <a:xfrm>
-            <a:off x="16459200" y="-99077"/>
-            <a:ext cx="2005783" cy="1470490"/>
-          </a:xfrm>
-          <a:prstGeom prst="rect">
-            <a:avLst/>
-          </a:prstGeom>
-        </p:spPr>
-      </p:pic>
-      <p:sp>
-        <p:nvSpPr>
-          <p:cNvPr id="9" name="TextBox 9"/>
-          <p:cNvSpPr txBox="1"/>
-          <p:nvPr/>
-        </p:nvSpPr>
-        <p:spPr>
-          <a:xfrm>
-            <a:off x="838200" y="617118"/>
-            <a:ext cx="15631206" cy="1209818"/>
-          </a:xfrm>
-          <a:prstGeom prst="rect">
-            <a:avLst/>
-          </a:prstGeom>
-        </p:spPr>
-        <p:txBody>
-          <a:bodyPr wrap="square" lIns="0" tIns="0" rIns="0" bIns="0" rtlCol="0" anchor="t">
-            <a:spAutoFit/>
-          </a:bodyPr>
-          <a:lstStyle/>
-          <a:p>
-            <a:pPr>
-              <a:lnSpc>
-                <a:spcPts val="10080"/>
-              </a:lnSpc>
-              <a:spcBef>
-                <a:spcPct val="0"/>
-              </a:spcBef>
-            </a:pPr>
-            <a:r>
-              <a:rPr lang="en-US" sz="7200" dirty="0">
-                <a:solidFill>
-                  <a:srgbClr val="000000"/>
-                </a:solidFill>
-                <a:latin typeface="Open Sans Extra Bold"/>
-              </a:rPr>
-              <a:t>BUT WAIT THERE’S MORE</a:t>
-            </a:r>
-          </a:p>
-        </p:txBody>
-      </p:sp>
-      <p:pic>
-        <p:nvPicPr>
-          <p:cNvPr id="5" name="Picture 6">
-            <a:extLst>
-              <a:ext uri="{FF2B5EF4-FFF2-40B4-BE49-F238E27FC236}">
-                <a16:creationId xmlns:a16="http://schemas.microsoft.com/office/drawing/2014/main" id="{01C401A0-8EBC-47CA-B2DE-F204DE6EEF54}"/>
-              </a:ext>
-            </a:extLst>
-          </p:cNvPr>
-          <p:cNvPicPr>
-            <a:picLocks noChangeAspect="1"/>
-          </p:cNvPicPr>
-          <p:nvPr/>
-        </p:nvPicPr>
-        <p:blipFill>
-          <a:blip r:embed="rId4"/>
-          <a:srcRect b="44190"/>
-          <a:stretch>
-            <a:fillRect/>
-          </a:stretch>
-        </p:blipFill>
-        <p:spPr>
-          <a:xfrm>
-            <a:off x="16095120" y="9265255"/>
-            <a:ext cx="2013122" cy="823680"/>
-          </a:xfrm>
-          <a:prstGeom prst="rect">
-            <a:avLst/>
-          </a:prstGeom>
-        </p:spPr>
-      </p:pic>
-      <p:sp>
-        <p:nvSpPr>
-          <p:cNvPr id="6" name="TextBox 5">
-            <a:extLst>
-              <a:ext uri="{FF2B5EF4-FFF2-40B4-BE49-F238E27FC236}">
-                <a16:creationId xmlns:a16="http://schemas.microsoft.com/office/drawing/2014/main" id="{B72B56F1-579F-4CEC-BF86-0455EEB5C6F1}"/>
-              </a:ext>
-            </a:extLst>
-          </p:cNvPr>
-          <p:cNvSpPr txBox="1"/>
-          <p:nvPr/>
-        </p:nvSpPr>
-        <p:spPr>
-          <a:xfrm>
-            <a:off x="857250" y="1943100"/>
-            <a:ext cx="12877800" cy="3046988"/>
-          </a:xfrm>
-          <a:prstGeom prst="rect">
-            <a:avLst/>
-          </a:prstGeom>
-          <a:noFill/>
-        </p:spPr>
-        <p:txBody>
-          <a:bodyPr wrap="square" rtlCol="0">
-            <a:spAutoFit/>
-          </a:bodyPr>
-          <a:lstStyle/>
-          <a:p>
-            <a:r>
-              <a:rPr lang="en-US" sz="4400" dirty="0">
-                <a:latin typeface="Gidole" panose="02000503000000000000" pitchFamily="2" charset="0"/>
-                <a:ea typeface="Roboto Mono" pitchFamily="2" charset="0"/>
-              </a:rPr>
-              <a:t>50% OFF MY POWER QUERY COURSE THIS WEEK</a:t>
-            </a:r>
-          </a:p>
-          <a:p>
-            <a:r>
-              <a:rPr lang="en-US" sz="4800" b="1" dirty="0">
-                <a:latin typeface="Gidole" panose="02000503000000000000" pitchFamily="2" charset="0"/>
-                <a:ea typeface="Roboto Mono" pitchFamily="2" charset="0"/>
-              </a:rPr>
-              <a:t>PROMOCODE NOHARDCODES</a:t>
-            </a:r>
-          </a:p>
-          <a:p>
-            <a:endParaRPr lang="en-US" sz="4000" dirty="0">
-              <a:latin typeface="Gidole" panose="02000503000000000000" pitchFamily="2" charset="0"/>
-              <a:ea typeface="Roboto Mono" pitchFamily="2" charset="0"/>
-            </a:endParaRPr>
-          </a:p>
-          <a:p>
-            <a:r>
-              <a:rPr lang="en-US" sz="6000" dirty="0">
-                <a:latin typeface="Gidole" panose="02000503000000000000" pitchFamily="2" charset="0"/>
-                <a:ea typeface="Roboto Mono" pitchFamily="2" charset="0"/>
-                <a:hlinkClick r:id="rId5"/>
-              </a:rPr>
-              <a:t>https://swiy.co/learn-pq</a:t>
-            </a:r>
-            <a:r>
-              <a:rPr lang="en-US" sz="6000" dirty="0">
-                <a:latin typeface="Gidole" panose="02000503000000000000" pitchFamily="2" charset="0"/>
-                <a:ea typeface="Roboto Mono" pitchFamily="2" charset="0"/>
-              </a:rPr>
-              <a:t> </a:t>
-            </a:r>
-          </a:p>
-        </p:txBody>
-      </p:sp>
-      <p:pic>
-        <p:nvPicPr>
-          <p:cNvPr id="1026" name="Picture 2">
-            <a:extLst>
-              <a:ext uri="{FF2B5EF4-FFF2-40B4-BE49-F238E27FC236}">
-                <a16:creationId xmlns:a16="http://schemas.microsoft.com/office/drawing/2014/main" id="{B2C410DE-B01C-44C6-A709-1F75782D035B}"/>
-              </a:ext>
-            </a:extLst>
-          </p:cNvPr>
-          <p:cNvPicPr>
-            <a:picLocks noChangeAspect="1" noChangeArrowheads="1"/>
-          </p:cNvPicPr>
-          <p:nvPr/>
-        </p:nvPicPr>
-        <p:blipFill>
-          <a:blip r:embed="rId6">
-            <a:extLst>
-              <a:ext uri="{28A0092B-C50C-407E-A947-70E740481C1C}">
-                <a14:useLocalDpi xmlns:a14="http://schemas.microsoft.com/office/drawing/2010/main" val="0"/>
-              </a:ext>
-            </a:extLst>
-          </a:blip>
-          <a:srcRect/>
-          <a:stretch>
-            <a:fillRect/>
-          </a:stretch>
-        </p:blipFill>
-        <p:spPr bwMode="auto">
-          <a:xfrm>
-            <a:off x="9372600" y="5106252"/>
-            <a:ext cx="8546691" cy="4807514"/>
-          </a:xfrm>
-          <a:prstGeom prst="rect">
-            <a:avLst/>
-          </a:prstGeom>
-          <a:noFill/>
-          <a:extLst>
-            <a:ext uri="{909E8E84-426E-40DD-AFC4-6F175D3DCCD1}">
-              <a14:hiddenFill xmlns:a14="http://schemas.microsoft.com/office/drawing/2010/main">
-                <a:solidFill>
-                  <a:srgbClr val="FFFFFF"/>
-                </a:solidFill>
-              </a14:hiddenFill>
-            </a:ext>
-          </a:extLst>
-        </p:spPr>
-      </p:pic>
-      <p:pic>
-        <p:nvPicPr>
-          <p:cNvPr id="4" name="Picture 3" descr="Shape&#10;&#10;Description automatically generated with low confidence">
-            <a:extLst>
-              <a:ext uri="{FF2B5EF4-FFF2-40B4-BE49-F238E27FC236}">
-                <a16:creationId xmlns:a16="http://schemas.microsoft.com/office/drawing/2014/main" id="{D73CBB4E-5DFC-455A-821A-20E365597395}"/>
-              </a:ext>
-            </a:extLst>
-          </p:cNvPr>
-          <p:cNvPicPr>
-            <a:picLocks noChangeAspect="1"/>
-          </p:cNvPicPr>
-          <p:nvPr/>
-        </p:nvPicPr>
-        <p:blipFill>
-          <a:blip r:embed="rId7" cstate="print">
-            <a:extLst>
-              <a:ext uri="{28A0092B-C50C-407E-A947-70E740481C1C}">
-                <a14:useLocalDpi xmlns:a14="http://schemas.microsoft.com/office/drawing/2010/main" val="0"/>
-              </a:ext>
-            </a:extLst>
-          </a:blip>
-          <a:stretch>
-            <a:fillRect/>
-          </a:stretch>
-        </p:blipFill>
-        <p:spPr>
-          <a:xfrm>
-            <a:off x="1143000" y="5448300"/>
-            <a:ext cx="3962400" cy="3962400"/>
-          </a:xfrm>
-          <a:prstGeom prst="rect">
-            <a:avLst/>
-          </a:prstGeom>
-        </p:spPr>
-      </p:pic>
-    </p:spTree>
-    <p:extLst>
-      <p:ext uri="{BB962C8B-B14F-4D97-AF65-F5344CB8AC3E}">
-        <p14:creationId xmlns:p14="http://schemas.microsoft.com/office/powerpoint/2010/main" val="685776287"/>
       </p:ext>
     </p:extLst>
   </p:cSld>
@@ -6907,6 +6596,13 @@
               <a:srgbClr val="CF3338"/>
             </a:solidFill>
           </p:spPr>
+          <p:txBody>
+            <a:bodyPr/>
+            <a:lstStyle/>
+            <a:p>
+              <a:endParaRPr lang="en-US"/>
+            </a:p>
+          </p:txBody>
         </p:sp>
       </p:grpSp>
       <p:grpSp>
@@ -6959,6 +6655,13 @@
               <a:srgbClr val="3D3935"/>
             </a:solidFill>
           </p:spPr>
+          <p:txBody>
+            <a:bodyPr/>
+            <a:lstStyle/>
+            <a:p>
+              <a:endParaRPr lang="en-US"/>
+            </a:p>
+          </p:txBody>
         </p:sp>
       </p:grpSp>
       <p:sp>
@@ -6979,6 +6682,13 @@
             <a:srgbClr val="000000"/>
           </a:solidFill>
         </p:spPr>
+        <p:txBody>
+          <a:bodyPr/>
+          <a:lstStyle/>
+          <a:p>
+            <a:endParaRPr lang="en-US"/>
+          </a:p>
+        </p:txBody>
       </p:sp>
       <p:pic>
         <p:nvPicPr>
@@ -7297,6 +7007,13 @@
               <a:srgbClr val="CF3338"/>
             </a:solidFill>
           </p:spPr>
+          <p:txBody>
+            <a:bodyPr/>
+            <a:lstStyle/>
+            <a:p>
+              <a:endParaRPr lang="en-US"/>
+            </a:p>
+          </p:txBody>
         </p:sp>
       </p:grpSp>
       <p:grpSp>
@@ -7349,6 +7066,13 @@
               <a:srgbClr val="3D3935"/>
             </a:solidFill>
           </p:spPr>
+          <p:txBody>
+            <a:bodyPr/>
+            <a:lstStyle/>
+            <a:p>
+              <a:endParaRPr lang="en-US"/>
+            </a:p>
+          </p:txBody>
         </p:sp>
       </p:grpSp>
       <p:sp>
@@ -7369,6 +7093,13 @@
             <a:srgbClr val="000000"/>
           </a:solidFill>
         </p:spPr>
+        <p:txBody>
+          <a:bodyPr/>
+          <a:lstStyle/>
+          <a:p>
+            <a:endParaRPr lang="en-US"/>
+          </a:p>
+        </p:txBody>
       </p:sp>
       <p:pic>
         <p:nvPicPr>
@@ -7733,6 +7464,13 @@
               <a:srgbClr val="CF3338"/>
             </a:solidFill>
           </p:spPr>
+          <p:txBody>
+            <a:bodyPr/>
+            <a:lstStyle/>
+            <a:p>
+              <a:endParaRPr lang="en-US"/>
+            </a:p>
+          </p:txBody>
         </p:sp>
       </p:grpSp>
       <p:grpSp>
@@ -7785,6 +7523,13 @@
               <a:srgbClr val="3D3935"/>
             </a:solidFill>
           </p:spPr>
+          <p:txBody>
+            <a:bodyPr/>
+            <a:lstStyle/>
+            <a:p>
+              <a:endParaRPr lang="en-US"/>
+            </a:p>
+          </p:txBody>
         </p:sp>
       </p:grpSp>
       <p:sp>
@@ -7805,6 +7550,13 @@
             <a:srgbClr val="000000"/>
           </a:solidFill>
         </p:spPr>
+        <p:txBody>
+          <a:bodyPr/>
+          <a:lstStyle/>
+          <a:p>
+            <a:endParaRPr lang="en-US"/>
+          </a:p>
+        </p:txBody>
       </p:sp>
       <p:pic>
         <p:nvPicPr>
@@ -7916,7 +7668,7 @@
         <p:spPr>
           <a:xfrm>
             <a:off x="2112471" y="3337024"/>
-            <a:ext cx="6943162" cy="8371523"/>
+            <a:ext cx="6943162" cy="7571303"/>
           </a:xfrm>
           <a:prstGeom prst="rect">
             <a:avLst/>
@@ -7935,7 +7687,7 @@
                 </a:solidFill>
                 <a:latin typeface="Gidole"/>
               </a:rPr>
-              <a:t>Download resources with link or QR code:</a:t>
+              <a:t>Download resources:</a:t>
             </a:r>
           </a:p>
           <a:p>
@@ -7986,42 +7738,6 @@
           </a:p>
         </p:txBody>
       </p:sp>
-      <p:pic>
-        <p:nvPicPr>
-          <p:cNvPr id="12" name="Picture 11" descr="Shape&#10;&#10;Description automatically generated with low confidence">
-            <a:extLst>
-              <a:ext uri="{FF2B5EF4-FFF2-40B4-BE49-F238E27FC236}">
-                <a16:creationId xmlns:a16="http://schemas.microsoft.com/office/drawing/2014/main" id="{8683169C-5C13-042C-F338-A104DC324D89}"/>
-              </a:ext>
-            </a:extLst>
-          </p:cNvPr>
-          <p:cNvPicPr>
-            <a:picLocks noChangeAspect="1"/>
-          </p:cNvPicPr>
-          <p:nvPr/>
-        </p:nvPicPr>
-        <p:blipFill>
-          <a:blip r:embed="rId5" cstate="print">
-            <a:extLst>
-              <a:ext uri="{28A0092B-C50C-407E-A947-70E740481C1C}">
-                <a14:useLocalDpi xmlns:a14="http://schemas.microsoft.com/office/drawing/2010/main" val="0"/>
-              </a:ext>
-            </a:extLst>
-          </a:blip>
-          <a:stretch>
-            <a:fillRect/>
-          </a:stretch>
-        </p:blipFill>
-        <p:spPr>
-          <a:xfrm>
-            <a:off x="9529252" y="2476500"/>
-            <a:ext cx="3962400" cy="3962400"/>
-          </a:xfrm>
-          <a:prstGeom prst="rect">
-            <a:avLst/>
-          </a:prstGeom>
-        </p:spPr>
-      </p:pic>
     </p:spTree>
     <p:extLst>
       <p:ext uri="{BB962C8B-B14F-4D97-AF65-F5344CB8AC3E}">
@@ -8070,6 +7786,13 @@
             <a:srgbClr val="3D3935"/>
           </a:solidFill>
         </p:spPr>
+        <p:txBody>
+          <a:bodyPr/>
+          <a:lstStyle/>
+          <a:p>
+            <a:endParaRPr lang="en-US"/>
+          </a:p>
+        </p:txBody>
       </p:sp>
       <p:grpSp>
         <p:nvGrpSpPr>
@@ -8123,6 +7846,13 @@
               </a:srgbClr>
             </a:solidFill>
           </p:spPr>
+          <p:txBody>
+            <a:bodyPr/>
+            <a:lstStyle/>
+            <a:p>
+              <a:endParaRPr lang="en-US"/>
+            </a:p>
+          </p:txBody>
         </p:sp>
       </p:grpSp>
       <p:grpSp>
@@ -8175,6 +7905,13 @@
               <a:srgbClr val="CF3338"/>
             </a:solidFill>
           </p:spPr>
+          <p:txBody>
+            <a:bodyPr/>
+            <a:lstStyle/>
+            <a:p>
+              <a:endParaRPr lang="en-US"/>
+            </a:p>
+          </p:txBody>
         </p:sp>
       </p:grpSp>
       <p:sp>
@@ -8399,6 +8136,13 @@
               </a:srgbClr>
             </a:solidFill>
           </p:spPr>
+          <p:txBody>
+            <a:bodyPr/>
+            <a:lstStyle/>
+            <a:p>
+              <a:endParaRPr lang="en-US"/>
+            </a:p>
+          </p:txBody>
         </p:sp>
       </p:grpSp>
       <p:grpSp>
@@ -8451,6 +8195,13 @@
               <a:srgbClr val="CF3338"/>
             </a:solidFill>
           </p:spPr>
+          <p:txBody>
+            <a:bodyPr/>
+            <a:lstStyle/>
+            <a:p>
+              <a:endParaRPr lang="en-US"/>
+            </a:p>
+          </p:txBody>
         </p:sp>
       </p:grpSp>
       <p:pic>
@@ -9004,6 +8755,13 @@
             <a:srgbClr val="3D3935"/>
           </a:solidFill>
         </p:spPr>
+        <p:txBody>
+          <a:bodyPr/>
+          <a:lstStyle/>
+          <a:p>
+            <a:endParaRPr lang="en-US"/>
+          </a:p>
+        </p:txBody>
       </p:sp>
       <p:grpSp>
         <p:nvGrpSpPr>
@@ -9057,6 +8815,13 @@
               </a:srgbClr>
             </a:solidFill>
           </p:spPr>
+          <p:txBody>
+            <a:bodyPr/>
+            <a:lstStyle/>
+            <a:p>
+              <a:endParaRPr lang="en-US"/>
+            </a:p>
+          </p:txBody>
         </p:sp>
       </p:grpSp>
       <p:grpSp>
@@ -9109,6 +8874,13 @@
               <a:srgbClr val="CF3338"/>
             </a:solidFill>
           </p:spPr>
+          <p:txBody>
+            <a:bodyPr/>
+            <a:lstStyle/>
+            <a:p>
+              <a:endParaRPr lang="en-US"/>
+            </a:p>
+          </p:txBody>
         </p:sp>
       </p:grpSp>
       <p:sp>

--- a/pq-pdq.pptx
+++ b/pq-pdq.pptx
@@ -5,52 +5,54 @@
     <p:sldMasterId id="2147483648" r:id="rId1"/>
   </p:sldMasterIdLst>
   <p:notesMasterIdLst>
-    <p:notesMasterId r:id="rId16"/>
+    <p:notesMasterId r:id="rId18"/>
   </p:notesMasterIdLst>
   <p:sldIdLst>
     <p:sldId id="256" r:id="rId2"/>
     <p:sldId id="258" r:id="rId3"/>
     <p:sldId id="403" r:id="rId4"/>
     <p:sldId id="348" r:id="rId5"/>
-    <p:sldId id="261" r:id="rId6"/>
-    <p:sldId id="351" r:id="rId7"/>
-    <p:sldId id="282" r:id="rId8"/>
-    <p:sldId id="365" r:id="rId9"/>
-    <p:sldId id="368" r:id="rId10"/>
-    <p:sldId id="371" r:id="rId11"/>
-    <p:sldId id="305" r:id="rId12"/>
-    <p:sldId id="390" r:id="rId13"/>
-    <p:sldId id="400" r:id="rId14"/>
-    <p:sldId id="404" r:id="rId15"/>
+    <p:sldId id="364" r:id="rId6"/>
+    <p:sldId id="261" r:id="rId7"/>
+    <p:sldId id="351" r:id="rId8"/>
+    <p:sldId id="282" r:id="rId9"/>
+    <p:sldId id="365" r:id="rId10"/>
+    <p:sldId id="368" r:id="rId11"/>
+    <p:sldId id="371" r:id="rId12"/>
+    <p:sldId id="428" r:id="rId13"/>
+    <p:sldId id="305" r:id="rId14"/>
+    <p:sldId id="390" r:id="rId15"/>
+    <p:sldId id="400" r:id="rId16"/>
+    <p:sldId id="404" r:id="rId17"/>
   </p:sldIdLst>
   <p:sldSz cx="18288000" cy="10287000"/>
   <p:notesSz cx="6858000" cy="9144000"/>
   <p:embeddedFontLst>
     <p:embeddedFont>
       <p:font typeface="Calibri" panose="020F0502020204030204" pitchFamily="34" charset="0"/>
-      <p:regular r:id="rId17"/>
-      <p:bold r:id="rId18"/>
-      <p:italic r:id="rId19"/>
-      <p:boldItalic r:id="rId20"/>
+      <p:regular r:id="rId19"/>
+      <p:bold r:id="rId20"/>
+      <p:italic r:id="rId21"/>
+      <p:boldItalic r:id="rId22"/>
     </p:embeddedFont>
     <p:embeddedFont>
       <p:font typeface="Gidole" panose="020B0604020202020204" charset="0"/>
-      <p:regular r:id="rId21"/>
+      <p:regular r:id="rId23"/>
     </p:embeddedFont>
     <p:embeddedFont>
       <p:font typeface="League Spartan" panose="020B0604020202020204" charset="0"/>
-      <p:regular r:id="rId22"/>
+      <p:regular r:id="rId24"/>
     </p:embeddedFont>
     <p:embeddedFont>
       <p:font typeface="Open Sans Extra Bold" panose="020B0604020202020204" charset="0"/>
-      <p:regular r:id="rId23"/>
+      <p:regular r:id="rId25"/>
     </p:embeddedFont>
     <p:embeddedFont>
       <p:font typeface="Roboto Mono" panose="00000009000000000000" pitchFamily="49" charset="0"/>
-      <p:regular r:id="rId24"/>
-      <p:bold r:id="rId25"/>
-      <p:italic r:id="rId26"/>
-      <p:boldItalic r:id="rId27"/>
+      <p:regular r:id="rId26"/>
+      <p:bold r:id="rId27"/>
+      <p:italic r:id="rId28"/>
+      <p:boldItalic r:id="rId29"/>
     </p:embeddedFont>
   </p:embeddedFontLst>
   <p:defaultTextStyle>
@@ -661,21 +663,7 @@
           <a:p>
             <a:r>
               <a:rPr lang="en-US" dirty="0"/>
-              <a:t>Let’s practice on this</a:t>
-            </a:r>
-          </a:p>
-          <a:p>
-            <a:r>
-              <a:rPr lang="en-US" dirty="0"/>
-              <a:t>Of course there is a LOT more you can do here, you can work on rows, multiple datasets </a:t>
-            </a:r>
-            <a:r>
-              <a:rPr lang="en-US" dirty="0" err="1"/>
-              <a:t>etc</a:t>
-            </a:r>
-            <a:r>
-              <a:rPr lang="en-US" dirty="0"/>
-              <a:t> but we’ll focus on the very beginning stuff here. </a:t>
+              <a:t>Now Power Query is more for data cleaning and transformation but of course we can’t clean unless we know what needs to be cleaned. So let’s look at some ways to do this. We will explore the data and see what we’re working with. </a:t>
             </a:r>
           </a:p>
         </p:txBody>
@@ -706,7 +694,7 @@
     </p:spTree>
     <p:extLst>
       <p:ext uri="{BB962C8B-B14F-4D97-AF65-F5344CB8AC3E}">
-        <p14:creationId xmlns:p14="http://schemas.microsoft.com/office/powerpoint/2010/main" val="1531584346"/>
+        <p14:creationId xmlns:p14="http://schemas.microsoft.com/office/powerpoint/2010/main" val="3097664856"/>
       </p:ext>
     </p:extLst>
   </p:cSld>
@@ -760,34 +748,23 @@
           <a:bodyPr/>
           <a:lstStyle/>
           <a:p>
-            <a:pPr marL="0" marR="0" lvl="0" indent="0" algn="l" defTabSz="914400" rtl="0" eaLnBrk="1" fontAlgn="auto" latinLnBrk="0" hangingPunct="1">
-              <a:lnSpc>
-                <a:spcPct val="100000"/>
-              </a:lnSpc>
-              <a:spcBef>
-                <a:spcPts val="0"/>
-              </a:spcBef>
-              <a:spcAft>
-                <a:spcPts val="0"/>
-              </a:spcAft>
-              <a:buClrTx/>
-              <a:buSzTx/>
-              <a:buFontTx/>
-              <a:buNone/>
-              <a:tabLst/>
-              <a:defRPr/>
-            </a:pPr>
-            <a:r>
-              <a:rPr lang="en-US" sz="1200" kern="1200" dirty="0">
-                <a:solidFill>
-                  <a:schemeClr val="tx1"/>
-                </a:solidFill>
-                <a:effectLst/>
-                <a:latin typeface="+mn-lt"/>
-                <a:ea typeface="+mn-ea"/>
-                <a:cs typeface="+mn-cs"/>
-              </a:rPr>
-              <a:t>If you are looking to individually take a Power Query class I have a surprise here at the end… </a:t>
+            <a:r>
+              <a:rPr lang="en-US" dirty="0"/>
+              <a:t>Let’s practice on this</a:t>
+            </a:r>
+          </a:p>
+          <a:p>
+            <a:r>
+              <a:rPr lang="en-US" dirty="0"/>
+              <a:t>Of course there is a LOT more you can do here, you can work on rows, multiple datasets </a:t>
+            </a:r>
+            <a:r>
+              <a:rPr lang="en-US" dirty="0" err="1"/>
+              <a:t>etc</a:t>
+            </a:r>
+            <a:r>
+              <a:rPr lang="en-US" dirty="0"/>
+              <a:t> but we’ll focus on the very beginning stuff here. </a:t>
             </a:r>
           </a:p>
         </p:txBody>
@@ -818,7 +795,7 @@
     </p:spTree>
     <p:extLst>
       <p:ext uri="{BB962C8B-B14F-4D97-AF65-F5344CB8AC3E}">
-        <p14:creationId xmlns:p14="http://schemas.microsoft.com/office/powerpoint/2010/main" val="3644834246"/>
+        <p14:creationId xmlns:p14="http://schemas.microsoft.com/office/powerpoint/2010/main" val="1531584346"/>
       </p:ext>
     </p:extLst>
   </p:cSld>
@@ -872,9 +849,34 @@
           <a:bodyPr/>
           <a:lstStyle/>
           <a:p>
-            <a:r>
-              <a:rPr lang="en-US" dirty="0"/>
-              <a:t>Thanks for coming! Feel free to contact me anytime, find me on LinkedIn, I also write frequently on this stuff so check out my website too. </a:t>
+            <a:pPr marL="0" marR="0" lvl="0" indent="0" algn="l" defTabSz="914400" rtl="0" eaLnBrk="1" fontAlgn="auto" latinLnBrk="0" hangingPunct="1">
+              <a:lnSpc>
+                <a:spcPct val="100000"/>
+              </a:lnSpc>
+              <a:spcBef>
+                <a:spcPts val="0"/>
+              </a:spcBef>
+              <a:spcAft>
+                <a:spcPts val="0"/>
+              </a:spcAft>
+              <a:buClrTx/>
+              <a:buSzTx/>
+              <a:buFontTx/>
+              <a:buNone/>
+              <a:tabLst/>
+              <a:defRPr/>
+            </a:pPr>
+            <a:r>
+              <a:rPr lang="en-US" sz="1200" kern="1200" dirty="0">
+                <a:solidFill>
+                  <a:schemeClr val="tx1"/>
+                </a:solidFill>
+                <a:effectLst/>
+                <a:latin typeface="+mn-lt"/>
+                <a:ea typeface="+mn-ea"/>
+                <a:cs typeface="+mn-cs"/>
+              </a:rPr>
+              <a:t>If you are looking to individually take a Power Query class I have a surprise here at the end… </a:t>
             </a:r>
           </a:p>
         </p:txBody>
@@ -896,7 +898,7 @@
           <a:p>
             <a:fld id="{FFB500C5-13F7-48FC-8160-C29AECF6C602}" type="slidenum">
               <a:rPr lang="en-US" smtClean="0"/>
-              <a:t>12</a:t>
+              <a:t>13</a:t>
             </a:fld>
             <a:endParaRPr lang="en-US"/>
           </a:p>
@@ -905,7 +907,7 @@
     </p:spTree>
     <p:extLst>
       <p:ext uri="{BB962C8B-B14F-4D97-AF65-F5344CB8AC3E}">
-        <p14:creationId xmlns:p14="http://schemas.microsoft.com/office/powerpoint/2010/main" val="2404527324"/>
+        <p14:creationId xmlns:p14="http://schemas.microsoft.com/office/powerpoint/2010/main" val="3644834246"/>
       </p:ext>
     </p:extLst>
   </p:cSld>
@@ -961,13 +963,7 @@
           <a:p>
             <a:r>
               <a:rPr lang="en-US" dirty="0"/>
-              <a:t>I’m a data analyst give me data on how I did</a:t>
-            </a:r>
-          </a:p>
-          <a:p>
-            <a:r>
-              <a:rPr lang="en-US" dirty="0"/>
-              <a:t>Testimonials also VERY helpful. </a:t>
+              <a:t>Thanks for coming! Feel free to contact me anytime, find me on LinkedIn, I also write frequently on this stuff so check out my website too. </a:t>
             </a:r>
           </a:p>
         </p:txBody>
@@ -989,7 +985,7 @@
           <a:p>
             <a:fld id="{FFB500C5-13F7-48FC-8160-C29AECF6C602}" type="slidenum">
               <a:rPr lang="en-US" smtClean="0"/>
-              <a:t>13</a:t>
+              <a:t>14</a:t>
             </a:fld>
             <a:endParaRPr lang="en-US"/>
           </a:p>
@@ -998,7 +994,7 @@
     </p:spTree>
     <p:extLst>
       <p:ext uri="{BB962C8B-B14F-4D97-AF65-F5344CB8AC3E}">
-        <p14:creationId xmlns:p14="http://schemas.microsoft.com/office/powerpoint/2010/main" val="3125451817"/>
+        <p14:creationId xmlns:p14="http://schemas.microsoft.com/office/powerpoint/2010/main" val="2404527324"/>
       </p:ext>
     </p:extLst>
   </p:cSld>
@@ -1054,7 +1050,13 @@
           <a:p>
             <a:r>
               <a:rPr lang="en-US" dirty="0"/>
-              <a:t>Any questions on descriptive statistics? </a:t>
+              <a:t>I’m a data analyst give me data on how I did</a:t>
+            </a:r>
+          </a:p>
+          <a:p>
+            <a:r>
+              <a:rPr lang="en-US" dirty="0"/>
+              <a:t>Testimonials also VERY helpful. </a:t>
             </a:r>
           </a:p>
         </p:txBody>
@@ -1076,7 +1078,94 @@
           <a:p>
             <a:fld id="{FFB500C5-13F7-48FC-8160-C29AECF6C602}" type="slidenum">
               <a:rPr lang="en-US" smtClean="0"/>
-              <a:t>14</a:t>
+              <a:t>15</a:t>
+            </a:fld>
+            <a:endParaRPr lang="en-US"/>
+          </a:p>
+        </p:txBody>
+      </p:sp>
+    </p:spTree>
+    <p:extLst>
+      <p:ext uri="{BB962C8B-B14F-4D97-AF65-F5344CB8AC3E}">
+        <p14:creationId xmlns:p14="http://schemas.microsoft.com/office/powerpoint/2010/main" val="3125451817"/>
+      </p:ext>
+    </p:extLst>
+  </p:cSld>
+  <p:clrMapOvr>
+    <a:masterClrMapping/>
+  </p:clrMapOvr>
+</p:notes>
+</file>
+
+<file path=ppt/notesSlides/notesSlide15.xml><?xml version="1.0" encoding="utf-8"?>
+<p:notes xmlns:a="http://schemas.openxmlformats.org/drawingml/2006/main" xmlns:r="http://schemas.openxmlformats.org/officeDocument/2006/relationships" xmlns:p="http://schemas.openxmlformats.org/presentationml/2006/main">
+  <p:cSld>
+    <p:spTree>
+      <p:nvGrpSpPr>
+        <p:cNvPr id="1" name=""/>
+        <p:cNvGrpSpPr/>
+        <p:nvPr/>
+      </p:nvGrpSpPr>
+      <p:grpSpPr>
+        <a:xfrm>
+          <a:off x="0" y="0"/>
+          <a:ext cx="0" cy="0"/>
+          <a:chOff x="0" y="0"/>
+          <a:chExt cx="0" cy="0"/>
+        </a:xfrm>
+      </p:grpSpPr>
+      <p:sp>
+        <p:nvSpPr>
+          <p:cNvPr id="2" name="Slide Image Placeholder 1"/>
+          <p:cNvSpPr>
+            <a:spLocks noGrp="1" noRot="1" noChangeAspect="1"/>
+          </p:cNvSpPr>
+          <p:nvPr>
+            <p:ph type="sldImg"/>
+          </p:nvPr>
+        </p:nvSpPr>
+        <p:spPr/>
+      </p:sp>
+      <p:sp>
+        <p:nvSpPr>
+          <p:cNvPr id="3" name="Notes Placeholder 2"/>
+          <p:cNvSpPr>
+            <a:spLocks noGrp="1"/>
+          </p:cNvSpPr>
+          <p:nvPr>
+            <p:ph type="body" idx="1"/>
+          </p:nvPr>
+        </p:nvSpPr>
+        <p:spPr/>
+        <p:txBody>
+          <a:bodyPr/>
+          <a:lstStyle/>
+          <a:p>
+            <a:r>
+              <a:rPr lang="en-US" dirty="0"/>
+              <a:t>Any questions on descriptive statistics? </a:t>
+            </a:r>
+          </a:p>
+        </p:txBody>
+      </p:sp>
+      <p:sp>
+        <p:nvSpPr>
+          <p:cNvPr id="4" name="Slide Number Placeholder 3"/>
+          <p:cNvSpPr>
+            <a:spLocks noGrp="1"/>
+          </p:cNvSpPr>
+          <p:nvPr>
+            <p:ph type="sldNum" sz="quarter" idx="5"/>
+          </p:nvPr>
+        </p:nvSpPr>
+        <p:spPr/>
+        <p:txBody>
+          <a:bodyPr/>
+          <a:lstStyle/>
+          <a:p>
+            <a:fld id="{FFB500C5-13F7-48FC-8160-C29AECF6C602}" type="slidenum">
+              <a:rPr lang="en-US" smtClean="0"/>
+              <a:t>16</a:t>
             </a:fld>
             <a:endParaRPr lang="en-US"/>
           </a:p>
@@ -1421,10 +1510,7 @@
           <a:bodyPr/>
           <a:lstStyle/>
           <a:p>
-            <a:r>
-              <a:rPr lang="en-US" dirty="0"/>
-              <a:t>Now I’m going to be very scientific here and go to Wikipedia to explain how extract, transform, load or ETL methodologies work.</a:t>
-            </a:r>
+            <a:endParaRPr lang="en-US" dirty="0"/>
           </a:p>
         </p:txBody>
       </p:sp>
@@ -1443,7 +1529,7 @@
           <a:bodyPr/>
           <a:lstStyle/>
           <a:p>
-            <a:fld id="{FFB500C5-13F7-48FC-8160-C29AECF6C602}" type="slidenum">
+            <a:fld id="{3BB66621-ADCC-4EF8-8003-B9D3E881DCD2}" type="slidenum">
               <a:rPr lang="en-US" smtClean="0"/>
               <a:t>5</a:t>
             </a:fld>
@@ -1454,7 +1540,7 @@
     </p:spTree>
     <p:extLst>
       <p:ext uri="{BB962C8B-B14F-4D97-AF65-F5344CB8AC3E}">
-        <p14:creationId xmlns:p14="http://schemas.microsoft.com/office/powerpoint/2010/main" val="1543694555"/>
+        <p14:creationId xmlns:p14="http://schemas.microsoft.com/office/powerpoint/2010/main" val="2537275168"/>
       </p:ext>
     </p:extLst>
   </p:cSld>
@@ -1510,58 +1596,7 @@
           <a:p>
             <a:r>
               <a:rPr lang="en-US" dirty="0"/>
-              <a:t>So, you can see ETL achieves quite a few purposes, and as the name implies it works in three steps:</a:t>
-            </a:r>
-          </a:p>
-          <a:p>
-            <a:r>
-              <a:rPr lang="en-US" dirty="0"/>
-              <a:t>- First, you want to extract the information from some outside source, this can be anything from a database to a web page.</a:t>
-            </a:r>
-          </a:p>
-          <a:p>
-            <a:r>
-              <a:rPr lang="en-US" dirty="0"/>
-              <a:t>- Then, you want to transform it. This could be cleaning the data, filtering it, checking for assumptions, you get the idea.</a:t>
-            </a:r>
-          </a:p>
-          <a:p>
-            <a:r>
-              <a:rPr lang="en-US" dirty="0"/>
-              <a:t>- Finally, loading the data, this places it in a format that is accessible for end users to work with. </a:t>
-            </a:r>
-          </a:p>
-          <a:p>
-            <a:endParaRPr lang="en-US" dirty="0"/>
-          </a:p>
-          <a:p>
-            <a:endParaRPr lang="en-US" dirty="0"/>
-          </a:p>
-          <a:p>
-            <a:endParaRPr lang="en-US" dirty="0"/>
-          </a:p>
-          <a:p>
-            <a:r>
-              <a:rPr lang="en-US" dirty="0"/>
-              <a:t>https://unsplash.com/photos/QUHlPs4y8PQ  </a:t>
-            </a:r>
-          </a:p>
-          <a:p>
-            <a:r>
-              <a:rPr lang="en-US" dirty="0"/>
-              <a:t>https://pixabay.com/photos/tee-tea-bags-teas-drink-herbal-tea-1252397/  </a:t>
-            </a:r>
-          </a:p>
-          <a:p>
-            <a:r>
-              <a:rPr lang="en-US" dirty="0"/>
-              <a:t>https://pixabay.com/photos/construction-worker-welding-welder-1717893/  </a:t>
-            </a:r>
-          </a:p>
-          <a:p>
-            <a:r>
-              <a:rPr lang="en-US" dirty="0"/>
-              <a:t>https://pixabay.com/photos/gift-box-gifts-packaging-box-2458012/  </a:t>
+              <a:t>Now I’m going to be very scientific here and go to Wikipedia to explain how extract, transform, load or ETL methodologies work.</a:t>
             </a:r>
           </a:p>
         </p:txBody>
@@ -1592,7 +1627,7 @@
     </p:spTree>
     <p:extLst>
       <p:ext uri="{BB962C8B-B14F-4D97-AF65-F5344CB8AC3E}">
-        <p14:creationId xmlns:p14="http://schemas.microsoft.com/office/powerpoint/2010/main" val="3195903179"/>
+        <p14:creationId xmlns:p14="http://schemas.microsoft.com/office/powerpoint/2010/main" val="1543694555"/>
       </p:ext>
     </p:extLst>
   </p:cSld>
@@ -1648,7 +1683,58 @@
           <a:p>
             <a:r>
               <a:rPr lang="en-US" dirty="0"/>
-              <a:t>Now you are hyped up Power Query, I think you are going to love it and it will be hard for you to remember the days when you didn’t have it. So let’s think about what we would do without Power Query. </a:t>
+              <a:t>So, you can see ETL achieves quite a few purposes, and as the name implies it works in three steps:</a:t>
+            </a:r>
+          </a:p>
+          <a:p>
+            <a:r>
+              <a:rPr lang="en-US" dirty="0"/>
+              <a:t>- First, you want to extract the information from some outside source, this can be anything from a database to a web page.</a:t>
+            </a:r>
+          </a:p>
+          <a:p>
+            <a:r>
+              <a:rPr lang="en-US" dirty="0"/>
+              <a:t>- Then, you want to transform it. This could be cleaning the data, filtering it, checking for assumptions, you get the idea.</a:t>
+            </a:r>
+          </a:p>
+          <a:p>
+            <a:r>
+              <a:rPr lang="en-US" dirty="0"/>
+              <a:t>- Finally, loading the data, this places it in a format that is accessible for end users to work with. </a:t>
+            </a:r>
+          </a:p>
+          <a:p>
+            <a:endParaRPr lang="en-US" dirty="0"/>
+          </a:p>
+          <a:p>
+            <a:endParaRPr lang="en-US" dirty="0"/>
+          </a:p>
+          <a:p>
+            <a:endParaRPr lang="en-US" dirty="0"/>
+          </a:p>
+          <a:p>
+            <a:r>
+              <a:rPr lang="en-US" dirty="0"/>
+              <a:t>https://unsplash.com/photos/QUHlPs4y8PQ  </a:t>
+            </a:r>
+          </a:p>
+          <a:p>
+            <a:r>
+              <a:rPr lang="en-US" dirty="0"/>
+              <a:t>https://pixabay.com/photos/tee-tea-bags-teas-drink-herbal-tea-1252397/  </a:t>
+            </a:r>
+          </a:p>
+          <a:p>
+            <a:r>
+              <a:rPr lang="en-US" dirty="0"/>
+              <a:t>https://pixabay.com/photos/construction-worker-welding-welder-1717893/  </a:t>
+            </a:r>
+          </a:p>
+          <a:p>
+            <a:r>
+              <a:rPr lang="en-US" dirty="0"/>
+              <a:t>https://pixabay.com/photos/gift-box-gifts-packaging-box-2458012/  </a:t>
             </a:r>
           </a:p>
         </p:txBody>
@@ -1679,7 +1765,7 @@
     </p:spTree>
     <p:extLst>
       <p:ext uri="{BB962C8B-B14F-4D97-AF65-F5344CB8AC3E}">
-        <p14:creationId xmlns:p14="http://schemas.microsoft.com/office/powerpoint/2010/main" val="3535360720"/>
+        <p14:creationId xmlns:p14="http://schemas.microsoft.com/office/powerpoint/2010/main" val="3195903179"/>
       </p:ext>
     </p:extLst>
   </p:cSld>
@@ -1733,7 +1819,10 @@
           <a:bodyPr/>
           <a:lstStyle/>
           <a:p>
-            <a:endParaRPr lang="en-US" dirty="0"/>
+            <a:r>
+              <a:rPr lang="en-US" dirty="0"/>
+              <a:t>Now you are hyped up Power Query, I think you are going to love it and it will be hard for you to remember the days when you didn’t have it. So let’s think about what we would do without Power Query. </a:t>
+            </a:r>
           </a:p>
         </p:txBody>
       </p:sp>
@@ -1763,7 +1852,7 @@
     </p:spTree>
     <p:extLst>
       <p:ext uri="{BB962C8B-B14F-4D97-AF65-F5344CB8AC3E}">
-        <p14:creationId xmlns:p14="http://schemas.microsoft.com/office/powerpoint/2010/main" val="3625376761"/>
+        <p14:creationId xmlns:p14="http://schemas.microsoft.com/office/powerpoint/2010/main" val="3535360720"/>
       </p:ext>
     </p:extLst>
   </p:cSld>
@@ -1817,10 +1906,7 @@
           <a:bodyPr/>
           <a:lstStyle/>
           <a:p>
-            <a:r>
-              <a:rPr lang="en-US" dirty="0"/>
-              <a:t>Now Power Query is more for data cleaning and transformation but of course we can’t clean unless we know what needs to be cleaned. So let’s look at some ways to do this. We will explore the data and see what we’re working with. </a:t>
-            </a:r>
+            <a:endParaRPr lang="en-US" dirty="0"/>
           </a:p>
         </p:txBody>
       </p:sp>
@@ -1850,7 +1936,7 @@
     </p:spTree>
     <p:extLst>
       <p:ext uri="{BB962C8B-B14F-4D97-AF65-F5344CB8AC3E}">
-        <p14:creationId xmlns:p14="http://schemas.microsoft.com/office/powerpoint/2010/main" val="3097664856"/>
+        <p14:creationId xmlns:p14="http://schemas.microsoft.com/office/powerpoint/2010/main" val="3625376761"/>
       </p:ext>
     </p:extLst>
   </p:cSld>
@@ -5040,7 +5126,7 @@
                 </a:solidFill>
                 <a:latin typeface="Open Sans Extra Bold"/>
               </a:rPr>
-              <a:t>DEMO: MANIPULATING ROWS</a:t>
+              <a:t>DEMO: PROFILING DATA</a:t>
             </a:r>
           </a:p>
         </p:txBody>
@@ -5091,6 +5177,220 @@
         <p:spPr>
           <a:xfrm>
             <a:off x="857250" y="1943100"/>
+            <a:ext cx="12877800" cy="2554545"/>
+          </a:xfrm>
+          <a:prstGeom prst="rect">
+            <a:avLst/>
+          </a:prstGeom>
+          <a:noFill/>
+        </p:spPr>
+        <p:txBody>
+          <a:bodyPr wrap="square" rtlCol="0">
+            <a:spAutoFit/>
+          </a:bodyPr>
+          <a:lstStyle/>
+          <a:p>
+            <a:pPr marL="571500" indent="-571500">
+              <a:buFont typeface="Arial" panose="020B0604020202020204" pitchFamily="34" charset="0"/>
+              <a:buChar char="•"/>
+            </a:pPr>
+            <a:r>
+              <a:rPr lang="en-US" sz="4000" dirty="0">
+                <a:latin typeface="Gidole" panose="02000503000000000000" pitchFamily="50" charset="0"/>
+              </a:rPr>
+              <a:t>File: </a:t>
+            </a:r>
+            <a:r>
+              <a:rPr lang="en-US" sz="4000" dirty="0">
+                <a:latin typeface="Roboto Mono" pitchFamily="2" charset="0"/>
+                <a:ea typeface="Roboto Mono" pitchFamily="2" charset="0"/>
+              </a:rPr>
+              <a:t>star.xlsx</a:t>
+            </a:r>
+          </a:p>
+          <a:p>
+            <a:pPr marL="571500" indent="-571500">
+              <a:buFont typeface="Arial" panose="020B0604020202020204" pitchFamily="34" charset="0"/>
+              <a:buChar char="•"/>
+            </a:pPr>
+            <a:r>
+              <a:rPr lang="en-US" sz="4000" dirty="0">
+                <a:latin typeface="Gidole" panose="02000503000000000000" pitchFamily="50" charset="0"/>
+                <a:ea typeface="Roboto Mono" pitchFamily="2" charset="0"/>
+              </a:rPr>
+              <a:t>Load into Power Query</a:t>
+            </a:r>
+          </a:p>
+          <a:p>
+            <a:pPr marL="571500" indent="-571500">
+              <a:buFont typeface="Arial" panose="020B0604020202020204" pitchFamily="34" charset="0"/>
+              <a:buChar char="•"/>
+            </a:pPr>
+            <a:r>
+              <a:rPr lang="en-US" sz="4000" dirty="0">
+                <a:latin typeface="Gidole" panose="02000503000000000000" pitchFamily="50" charset="0"/>
+                <a:ea typeface="Roboto Mono" pitchFamily="2" charset="0"/>
+              </a:rPr>
+              <a:t>Explore via Data Preview</a:t>
+            </a:r>
+          </a:p>
+          <a:p>
+            <a:pPr marL="571500" indent="-571500">
+              <a:buFont typeface="Arial" panose="020B0604020202020204" pitchFamily="34" charset="0"/>
+              <a:buChar char="•"/>
+            </a:pPr>
+            <a:r>
+              <a:rPr lang="en-US" sz="4000" i="1" dirty="0">
+                <a:latin typeface="Gidole" panose="02000503000000000000" pitchFamily="50" charset="0"/>
+                <a:ea typeface="Roboto Mono" pitchFamily="2" charset="0"/>
+              </a:rPr>
+              <a:t>Refer to demo notes</a:t>
+            </a:r>
+          </a:p>
+        </p:txBody>
+      </p:sp>
+    </p:spTree>
+    <p:extLst>
+      <p:ext uri="{BB962C8B-B14F-4D97-AF65-F5344CB8AC3E}">
+        <p14:creationId xmlns:p14="http://schemas.microsoft.com/office/powerpoint/2010/main" val="1901009749"/>
+      </p:ext>
+    </p:extLst>
+  </p:cSld>
+  <p:clrMapOvr>
+    <a:masterClrMapping/>
+  </p:clrMapOvr>
+</p:sld>
+</file>
+
+<file path=ppt/slides/slide11.xml><?xml version="1.0" encoding="utf-8"?>
+<p:sld xmlns:a="http://schemas.openxmlformats.org/drawingml/2006/main" xmlns:r="http://schemas.openxmlformats.org/officeDocument/2006/relationships" xmlns:p="http://schemas.openxmlformats.org/presentationml/2006/main">
+  <p:cSld>
+    <p:spTree>
+      <p:nvGrpSpPr>
+        <p:cNvPr id="1" name=""/>
+        <p:cNvGrpSpPr/>
+        <p:nvPr/>
+      </p:nvGrpSpPr>
+      <p:grpSpPr>
+        <a:xfrm>
+          <a:off x="0" y="0"/>
+          <a:ext cx="0" cy="0"/>
+          <a:chOff x="0" y="0"/>
+          <a:chExt cx="0" cy="0"/>
+        </a:xfrm>
+      </p:grpSpPr>
+      <p:pic>
+        <p:nvPicPr>
+          <p:cNvPr id="8" name="Picture 8"/>
+          <p:cNvPicPr>
+            <a:picLocks noChangeAspect="1"/>
+          </p:cNvPicPr>
+          <p:nvPr/>
+        </p:nvPicPr>
+        <p:blipFill>
+          <a:blip r:embed="rId3"/>
+          <a:srcRect/>
+          <a:stretch>
+            <a:fillRect/>
+          </a:stretch>
+        </p:blipFill>
+        <p:spPr>
+          <a:xfrm>
+            <a:off x="16459200" y="-99077"/>
+            <a:ext cx="2005783" cy="1470490"/>
+          </a:xfrm>
+          <a:prstGeom prst="rect">
+            <a:avLst/>
+          </a:prstGeom>
+        </p:spPr>
+      </p:pic>
+      <p:sp>
+        <p:nvSpPr>
+          <p:cNvPr id="9" name="TextBox 9"/>
+          <p:cNvSpPr txBox="1"/>
+          <p:nvPr/>
+        </p:nvSpPr>
+        <p:spPr>
+          <a:xfrm>
+            <a:off x="838200" y="617118"/>
+            <a:ext cx="15631206" cy="1209818"/>
+          </a:xfrm>
+          <a:prstGeom prst="rect">
+            <a:avLst/>
+          </a:prstGeom>
+        </p:spPr>
+        <p:txBody>
+          <a:bodyPr wrap="square" lIns="0" tIns="0" rIns="0" bIns="0" rtlCol="0" anchor="t">
+            <a:spAutoFit/>
+          </a:bodyPr>
+          <a:lstStyle/>
+          <a:p>
+            <a:pPr>
+              <a:lnSpc>
+                <a:spcPts val="10080"/>
+              </a:lnSpc>
+              <a:spcBef>
+                <a:spcPct val="0"/>
+              </a:spcBef>
+            </a:pPr>
+            <a:r>
+              <a:rPr lang="en-US" sz="7200" dirty="0">
+                <a:solidFill>
+                  <a:srgbClr val="000000"/>
+                </a:solidFill>
+                <a:latin typeface="Open Sans Extra Bold"/>
+              </a:rPr>
+              <a:t>DEMO: MANIPULATING ROWS</a:t>
+            </a:r>
+          </a:p>
+        </p:txBody>
+      </p:sp>
+      <p:pic>
+        <p:nvPicPr>
+          <p:cNvPr id="5" name="Picture 6">
+            <a:extLst>
+              <a:ext uri="{FF2B5EF4-FFF2-40B4-BE49-F238E27FC236}">
+                <a16:creationId xmlns:a16="http://schemas.microsoft.com/office/drawing/2014/main" id="{01C401A0-8EBC-47CA-B2DE-F204DE6EEF54}"/>
+              </a:ext>
+            </a:extLst>
+          </p:cNvPr>
+          <p:cNvPicPr>
+            <a:picLocks noChangeAspect="1"/>
+          </p:cNvPicPr>
+          <p:nvPr/>
+        </p:nvPicPr>
+        <p:blipFill>
+          <a:blip r:embed="rId4"/>
+          <a:srcRect b="44190"/>
+          <a:stretch>
+            <a:fillRect/>
+          </a:stretch>
+        </p:blipFill>
+        <p:spPr>
+          <a:xfrm>
+            <a:off x="16095120" y="9265255"/>
+            <a:ext cx="2013122" cy="823680"/>
+          </a:xfrm>
+          <a:prstGeom prst="rect">
+            <a:avLst/>
+          </a:prstGeom>
+        </p:spPr>
+      </p:pic>
+      <p:sp>
+        <p:nvSpPr>
+          <p:cNvPr id="2" name="TextBox 1">
+            <a:extLst>
+              <a:ext uri="{FF2B5EF4-FFF2-40B4-BE49-F238E27FC236}">
+                <a16:creationId xmlns:a16="http://schemas.microsoft.com/office/drawing/2014/main" id="{DA7E4D39-AF17-46FE-A0C7-071D1DD526E8}"/>
+              </a:ext>
+            </a:extLst>
+          </p:cNvPr>
+          <p:cNvSpPr txBox="1"/>
+          <p:nvPr/>
+        </p:nvSpPr>
+        <p:spPr>
+          <a:xfrm>
+            <a:off x="857250" y="1943100"/>
             <a:ext cx="12877800" cy="707886"/>
           </a:xfrm>
           <a:prstGeom prst="rect">
@@ -5137,7 +5437,247 @@
 </p:sld>
 </file>
 
-<file path=ppt/slides/slide11.xml><?xml version="1.0" encoding="utf-8"?>
+<file path=ppt/slides/slide12.xml><?xml version="1.0" encoding="utf-8"?>
+<p:sld xmlns:a="http://schemas.openxmlformats.org/drawingml/2006/main" xmlns:r="http://schemas.openxmlformats.org/officeDocument/2006/relationships" xmlns:p="http://schemas.openxmlformats.org/presentationml/2006/main">
+  <p:cSld>
+    <p:spTree>
+      <p:nvGrpSpPr>
+        <p:cNvPr id="1" name=""/>
+        <p:cNvGrpSpPr/>
+        <p:nvPr/>
+      </p:nvGrpSpPr>
+      <p:grpSpPr>
+        <a:xfrm>
+          <a:off x="0" y="0"/>
+          <a:ext cx="0" cy="0"/>
+          <a:chOff x="0" y="0"/>
+          <a:chExt cx="0" cy="0"/>
+        </a:xfrm>
+      </p:grpSpPr>
+      <p:sp>
+        <p:nvSpPr>
+          <p:cNvPr id="4" name="Rectangle 3"/>
+          <p:cNvSpPr/>
+          <p:nvPr/>
+        </p:nvSpPr>
+        <p:spPr>
+          <a:xfrm>
+            <a:off x="9861630" y="0"/>
+            <a:ext cx="8426370" cy="10287000"/>
+          </a:xfrm>
+          <a:prstGeom prst="rect">
+            <a:avLst/>
+          </a:prstGeom>
+          <a:solidFill>
+            <a:srgbClr val="CF3338"/>
+          </a:solidFill>
+          <a:ln>
+            <a:noFill/>
+          </a:ln>
+        </p:spPr>
+        <p:style>
+          <a:lnRef idx="2">
+            <a:schemeClr val="accent1">
+              <a:shade val="50000"/>
+            </a:schemeClr>
+          </a:lnRef>
+          <a:fillRef idx="1">
+            <a:schemeClr val="accent1"/>
+          </a:fillRef>
+          <a:effectRef idx="0">
+            <a:schemeClr val="accent1"/>
+          </a:effectRef>
+          <a:fontRef idx="minor">
+            <a:schemeClr val="lt1"/>
+          </a:fontRef>
+        </p:style>
+        <p:txBody>
+          <a:bodyPr rtlCol="0" anchor="ctr"/>
+          <a:lstStyle/>
+          <a:p>
+            <a:pPr algn="ctr"/>
+            <a:endParaRPr lang="en-US" sz="2700"/>
+          </a:p>
+        </p:txBody>
+      </p:sp>
+      <p:pic>
+        <p:nvPicPr>
+          <p:cNvPr id="2" name="Picture 1"/>
+          <p:cNvPicPr>
+            <a:picLocks noChangeAspect="1"/>
+          </p:cNvPicPr>
+          <p:nvPr/>
+        </p:nvPicPr>
+        <p:blipFill rotWithShape="1">
+          <a:blip r:embed="rId2">
+            <a:extLst>
+              <a:ext uri="{28A0092B-C50C-407E-A947-70E740481C1C}">
+                <a14:useLocalDpi xmlns:a14="http://schemas.microsoft.com/office/drawing/2010/main" val="0"/>
+              </a:ext>
+            </a:extLst>
+          </a:blip>
+          <a:srcRect l="69227" t="33418" r="20112" b="50548"/>
+          <a:stretch/>
+        </p:blipFill>
+        <p:spPr>
+          <a:xfrm>
+            <a:off x="15579524" y="7544693"/>
+            <a:ext cx="2708477" cy="2987579"/>
+          </a:xfrm>
+          <a:prstGeom prst="rect">
+            <a:avLst/>
+          </a:prstGeom>
+        </p:spPr>
+      </p:pic>
+      <p:sp>
+        <p:nvSpPr>
+          <p:cNvPr id="3" name="TextBox 2"/>
+          <p:cNvSpPr txBox="1"/>
+          <p:nvPr/>
+        </p:nvSpPr>
+        <p:spPr>
+          <a:xfrm>
+            <a:off x="260431" y="329879"/>
+            <a:ext cx="9432824" cy="5724644"/>
+          </a:xfrm>
+          <a:prstGeom prst="rect">
+            <a:avLst/>
+          </a:prstGeom>
+          <a:noFill/>
+        </p:spPr>
+        <p:txBody>
+          <a:bodyPr wrap="square" rtlCol="0">
+            <a:spAutoFit/>
+          </a:bodyPr>
+          <a:lstStyle/>
+          <a:p>
+            <a:r>
+              <a:rPr lang="en-US" sz="6000" b="1" i="1" dirty="0">
+                <a:solidFill>
+                  <a:srgbClr val="CF3338"/>
+                </a:solidFill>
+                <a:latin typeface="Pragmatica" panose="020B0403040502020204" pitchFamily="34" charset="0"/>
+              </a:rPr>
+              <a:t>Modern Data Analytics in Excel</a:t>
+            </a:r>
+          </a:p>
+          <a:p>
+            <a:endParaRPr lang="en-US" sz="6000" b="1" i="1" dirty="0">
+              <a:solidFill>
+                <a:srgbClr val="CF3338"/>
+              </a:solidFill>
+              <a:latin typeface="Pragmatica" panose="020B0403040502020204" pitchFamily="34" charset="0"/>
+            </a:endParaRPr>
+          </a:p>
+          <a:p>
+            <a:r>
+              <a:rPr lang="en-US" sz="6000" dirty="0">
+                <a:solidFill>
+                  <a:srgbClr val="CF3338"/>
+                </a:solidFill>
+                <a:latin typeface="Pragmatica" panose="020B0403040502020204" pitchFamily="34" charset="0"/>
+              </a:rPr>
+              <a:t>Available in early release: </a:t>
+            </a:r>
+            <a:r>
+              <a:rPr lang="en-US" sz="4200" dirty="0">
+                <a:latin typeface="Pragmatica" panose="020B0403040502020204" pitchFamily="34" charset="0"/>
+                <a:hlinkClick r:id="rId3">
+                  <a:extLst>
+                    <a:ext uri="{A12FA001-AC4F-418D-AE19-62706E023703}">
+                      <ahyp:hlinkClr xmlns:ahyp="http://schemas.microsoft.com/office/drawing/2018/hyperlinkcolor" val="tx"/>
+                    </a:ext>
+                  </a:extLst>
+                </a:hlinkClick>
+              </a:rPr>
+              <a:t>https://stringfestanalytics.com/maxl/</a:t>
+            </a:r>
+            <a:r>
+              <a:rPr lang="en-US" sz="4200" dirty="0">
+                <a:latin typeface="Pragmatica" panose="020B0403040502020204" pitchFamily="34" charset="0"/>
+              </a:rPr>
+              <a:t>  </a:t>
+            </a:r>
+          </a:p>
+          <a:p>
+            <a:endParaRPr lang="en-US" sz="4200" dirty="0">
+              <a:latin typeface="Pragmatica" panose="020B0403040502020204" pitchFamily="34" charset="0"/>
+            </a:endParaRPr>
+          </a:p>
+          <a:p>
+            <a:r>
+              <a:rPr lang="en-US" sz="4200" b="1" dirty="0">
+                <a:latin typeface="Pragmatica" panose="020B0403040502020204" pitchFamily="34" charset="0"/>
+              </a:rPr>
+              <a:t>Please leave a review! </a:t>
+            </a:r>
+            <a:endParaRPr lang="en-US" sz="6000" b="1" dirty="0">
+              <a:latin typeface="Pragmatica" panose="020B0403040502020204" pitchFamily="34" charset="0"/>
+            </a:endParaRPr>
+          </a:p>
+        </p:txBody>
+      </p:sp>
+      <p:pic>
+        <p:nvPicPr>
+          <p:cNvPr id="1026" name="Picture 2" descr="Modern analytics in Excel cover ">
+            <a:extLst>
+              <a:ext uri="{FF2B5EF4-FFF2-40B4-BE49-F238E27FC236}">
+                <a16:creationId xmlns:a16="http://schemas.microsoft.com/office/drawing/2014/main" id="{A5A802EA-8E14-7D50-3D79-28EFA72A604E}"/>
+              </a:ext>
+            </a:extLst>
+          </p:cNvPr>
+          <p:cNvPicPr>
+            <a:picLocks noChangeAspect="1" noChangeArrowheads="1"/>
+          </p:cNvPicPr>
+          <p:nvPr/>
+        </p:nvPicPr>
+        <p:blipFill>
+          <a:blip r:embed="rId4">
+            <a:extLst>
+              <a:ext uri="{28A0092B-C50C-407E-A947-70E740481C1C}">
+                <a14:useLocalDpi xmlns:a14="http://schemas.microsoft.com/office/drawing/2010/main" val="0"/>
+              </a:ext>
+            </a:extLst>
+          </a:blip>
+          <a:srcRect/>
+          <a:stretch>
+            <a:fillRect/>
+          </a:stretch>
+        </p:blipFill>
+        <p:spPr bwMode="auto">
+          <a:xfrm>
+            <a:off x="10769516" y="923560"/>
+            <a:ext cx="5715000" cy="7500938"/>
+          </a:xfrm>
+          <a:prstGeom prst="rect">
+            <a:avLst/>
+          </a:prstGeom>
+          <a:noFill/>
+          <a:extLst>
+            <a:ext uri="{909E8E84-426E-40DD-AFC4-6F175D3DCCD1}">
+              <a14:hiddenFill xmlns:a14="http://schemas.microsoft.com/office/drawing/2010/main">
+                <a:solidFill>
+                  <a:srgbClr val="FFFFFF"/>
+                </a:solidFill>
+              </a14:hiddenFill>
+            </a:ext>
+          </a:extLst>
+        </p:spPr>
+      </p:pic>
+    </p:spTree>
+    <p:extLst>
+      <p:ext uri="{BB962C8B-B14F-4D97-AF65-F5344CB8AC3E}">
+        <p14:creationId xmlns:p14="http://schemas.microsoft.com/office/powerpoint/2010/main" val="3588636196"/>
+      </p:ext>
+    </p:extLst>
+  </p:cSld>
+  <p:clrMapOvr>
+    <a:masterClrMapping/>
+  </p:clrMapOvr>
+</p:sld>
+</file>
+
+<file path=ppt/slides/slide13.xml><?xml version="1.0" encoding="utf-8"?>
 <p:sld xmlns:a="http://schemas.openxmlformats.org/drawingml/2006/main" xmlns:r="http://schemas.openxmlformats.org/officeDocument/2006/relationships" xmlns:p="http://schemas.openxmlformats.org/presentationml/2006/main">
   <p:cSld>
     <p:spTree>
@@ -5492,7 +6032,7 @@
 </p:sld>
 </file>
 
-<file path=ppt/slides/slide12.xml><?xml version="1.0" encoding="utf-8"?>
+<file path=ppt/slides/slide14.xml><?xml version="1.0" encoding="utf-8"?>
 <p:sld xmlns:a="http://schemas.openxmlformats.org/drawingml/2006/main" xmlns:r="http://schemas.openxmlformats.org/officeDocument/2006/relationships" xmlns:p="http://schemas.openxmlformats.org/presentationml/2006/main">
   <p:cSld>
     <p:bg>
@@ -6084,7 +6624,7 @@
 </p:sld>
 </file>
 
-<file path=ppt/slides/slide13.xml><?xml version="1.0" encoding="utf-8"?>
+<file path=ppt/slides/slide15.xml><?xml version="1.0" encoding="utf-8"?>
 <p:sld xmlns:a="http://schemas.openxmlformats.org/drawingml/2006/main" xmlns:r="http://schemas.openxmlformats.org/officeDocument/2006/relationships" xmlns:p="http://schemas.openxmlformats.org/presentationml/2006/main">
   <p:cSld>
     <p:spTree>
@@ -6308,7 +6848,7 @@
 </p:sld>
 </file>
 
-<file path=ppt/slides/slide14.xml><?xml version="1.0" encoding="utf-8"?>
+<file path=ppt/slides/slide16.xml><?xml version="1.0" encoding="utf-8"?>
 <p:sld xmlns:a="http://schemas.openxmlformats.org/drawingml/2006/main" xmlns:r="http://schemas.openxmlformats.org/officeDocument/2006/relationships" xmlns:p="http://schemas.openxmlformats.org/presentationml/2006/main">
   <p:cSld>
     <p:spTree>
@@ -7752,6 +8292,276 @@
 </file>
 
 <file path=ppt/slides/slide5.xml><?xml version="1.0" encoding="utf-8"?>
+<p:sld xmlns:a="http://schemas.openxmlformats.org/drawingml/2006/main" xmlns:r="http://schemas.openxmlformats.org/officeDocument/2006/relationships" xmlns:p="http://schemas.openxmlformats.org/presentationml/2006/main">
+  <p:cSld>
+    <p:spTree>
+      <p:nvGrpSpPr>
+        <p:cNvPr id="1" name=""/>
+        <p:cNvGrpSpPr/>
+        <p:nvPr/>
+      </p:nvGrpSpPr>
+      <p:grpSpPr>
+        <a:xfrm>
+          <a:off x="0" y="0"/>
+          <a:ext cx="0" cy="0"/>
+          <a:chOff x="0" y="0"/>
+          <a:chExt cx="0" cy="0"/>
+        </a:xfrm>
+      </p:grpSpPr>
+      <p:pic>
+        <p:nvPicPr>
+          <p:cNvPr id="10" name="Picture 9"/>
+          <p:cNvPicPr>
+            <a:picLocks noChangeAspect="1"/>
+          </p:cNvPicPr>
+          <p:nvPr/>
+        </p:nvPicPr>
+        <p:blipFill rotWithShape="1">
+          <a:blip r:embed="rId3">
+            <a:extLst>
+              <a:ext uri="{28A0092B-C50C-407E-A947-70E740481C1C}">
+                <a14:useLocalDpi xmlns:a14="http://schemas.microsoft.com/office/drawing/2010/main" val="0"/>
+              </a:ext>
+            </a:extLst>
+          </a:blip>
+          <a:srcRect l="50728" t="56371"/>
+          <a:stretch/>
+        </p:blipFill>
+        <p:spPr>
+          <a:xfrm>
+            <a:off x="16341037" y="8055980"/>
+            <a:ext cx="1946963" cy="2231022"/>
+          </a:xfrm>
+          <a:prstGeom prst="rect">
+            <a:avLst/>
+          </a:prstGeom>
+        </p:spPr>
+      </p:pic>
+      <p:sp>
+        <p:nvSpPr>
+          <p:cNvPr id="11" name="TextBox 10"/>
+          <p:cNvSpPr txBox="1"/>
+          <p:nvPr/>
+        </p:nvSpPr>
+        <p:spPr>
+          <a:xfrm>
+            <a:off x="520861" y="170082"/>
+            <a:ext cx="14699906" cy="1477328"/>
+          </a:xfrm>
+          <a:prstGeom prst="rect">
+            <a:avLst/>
+          </a:prstGeom>
+          <a:noFill/>
+        </p:spPr>
+        <p:txBody>
+          <a:bodyPr wrap="square" rtlCol="0">
+            <a:spAutoFit/>
+          </a:bodyPr>
+          <a:lstStyle/>
+          <a:p>
+            <a:r>
+              <a:rPr lang="en-US" sz="9000" dirty="0">
+                <a:latin typeface="Aliens &amp; cows" panose="00000500000000000000" pitchFamily="2" charset="0"/>
+              </a:rPr>
+              <a:t>Terms of engagement</a:t>
+            </a:r>
+          </a:p>
+        </p:txBody>
+      </p:sp>
+      <p:sp>
+        <p:nvSpPr>
+          <p:cNvPr id="3" name="TextBox 2"/>
+          <p:cNvSpPr txBox="1"/>
+          <p:nvPr/>
+        </p:nvSpPr>
+        <p:spPr>
+          <a:xfrm>
+            <a:off x="694481" y="2048720"/>
+            <a:ext cx="14393120" cy="6504409"/>
+          </a:xfrm>
+          <a:prstGeom prst="rect">
+            <a:avLst/>
+          </a:prstGeom>
+          <a:noFill/>
+        </p:spPr>
+        <p:txBody>
+          <a:bodyPr wrap="square" rtlCol="0">
+            <a:spAutoFit/>
+          </a:bodyPr>
+          <a:lstStyle/>
+          <a:p>
+            <a:pPr marL="685800" indent="-685800">
+              <a:lnSpc>
+                <a:spcPts val="5625"/>
+              </a:lnSpc>
+              <a:buFont typeface="Arial" panose="020B0604020202020204" pitchFamily="34" charset="0"/>
+              <a:buChar char="•"/>
+            </a:pPr>
+            <a:r>
+              <a:rPr lang="en-US" sz="4200" spc="45" dirty="0">
+                <a:solidFill>
+                  <a:srgbClr val="000000"/>
+                </a:solidFill>
+                <a:latin typeface="Gidole"/>
+              </a:rPr>
+              <a:t>Feel free to share the download link with latecomers </a:t>
+            </a:r>
+            <a:r>
+              <a:rPr lang="en-US" sz="4200" spc="45" dirty="0">
+                <a:solidFill>
+                  <a:srgbClr val="000000"/>
+                </a:solidFill>
+                <a:latin typeface="Gidole"/>
+                <a:sym typeface="Wingdings" panose="05000000000000000000" pitchFamily="2" charset="2"/>
+              </a:rPr>
+              <a:t> </a:t>
+            </a:r>
+            <a:br>
+              <a:rPr lang="en-US" sz="4200" spc="45" dirty="0">
+                <a:solidFill>
+                  <a:srgbClr val="000000"/>
+                </a:solidFill>
+                <a:latin typeface="Gidole"/>
+                <a:sym typeface="Wingdings" panose="05000000000000000000" pitchFamily="2" charset="2"/>
+              </a:rPr>
+            </a:br>
+            <a:endParaRPr lang="en-US" sz="4200" spc="45" dirty="0">
+              <a:solidFill>
+                <a:srgbClr val="000000"/>
+              </a:solidFill>
+              <a:latin typeface="Gidole"/>
+            </a:endParaRPr>
+          </a:p>
+          <a:p>
+            <a:pPr marL="685800" indent="-685800">
+              <a:lnSpc>
+                <a:spcPts val="5625"/>
+              </a:lnSpc>
+              <a:buFont typeface="Arial" panose="020B0604020202020204" pitchFamily="34" charset="0"/>
+              <a:buChar char="•"/>
+            </a:pPr>
+            <a:r>
+              <a:rPr lang="en-US" sz="4200" spc="45" dirty="0">
+                <a:solidFill>
+                  <a:srgbClr val="000000"/>
+                </a:solidFill>
+                <a:latin typeface="Gidole"/>
+              </a:rPr>
+              <a:t>Participation is welcome via the chat/unmute</a:t>
+            </a:r>
+            <a:br>
+              <a:rPr lang="en-US" sz="4200" spc="45" dirty="0">
+                <a:solidFill>
+                  <a:srgbClr val="000000"/>
+                </a:solidFill>
+                <a:latin typeface="Gidole"/>
+              </a:rPr>
+            </a:br>
+            <a:endParaRPr lang="en-US" sz="4200" spc="45" dirty="0">
+              <a:solidFill>
+                <a:srgbClr val="000000"/>
+              </a:solidFill>
+              <a:latin typeface="Gidole"/>
+            </a:endParaRPr>
+          </a:p>
+          <a:p>
+            <a:pPr marL="685800" indent="-685800">
+              <a:lnSpc>
+                <a:spcPts val="5625"/>
+              </a:lnSpc>
+              <a:buFont typeface="Arial" panose="020B0604020202020204" pitchFamily="34" charset="0"/>
+              <a:buChar char="•"/>
+            </a:pPr>
+            <a:r>
+              <a:rPr lang="en-US" sz="4200" spc="45" dirty="0">
+                <a:solidFill>
+                  <a:srgbClr val="000000"/>
+                </a:solidFill>
+                <a:latin typeface="Gidole"/>
+              </a:rPr>
+              <a:t>Demos work best with 365 for PC</a:t>
+            </a:r>
+            <a:br>
+              <a:rPr lang="en-US" sz="4200" spc="45" dirty="0">
+                <a:solidFill>
+                  <a:srgbClr val="000000"/>
+                </a:solidFill>
+                <a:latin typeface="Gidole"/>
+              </a:rPr>
+            </a:br>
+            <a:endParaRPr lang="en-US" sz="4200" spc="45" dirty="0">
+              <a:solidFill>
+                <a:srgbClr val="000000"/>
+              </a:solidFill>
+              <a:latin typeface="Gidole"/>
+            </a:endParaRPr>
+          </a:p>
+          <a:p>
+            <a:pPr marL="685800" indent="-685800">
+              <a:lnSpc>
+                <a:spcPts val="5625"/>
+              </a:lnSpc>
+              <a:buFont typeface="Arial" panose="020B0604020202020204" pitchFamily="34" charset="0"/>
+              <a:buChar char="•"/>
+            </a:pPr>
+            <a:r>
+              <a:rPr lang="en-US" sz="4200" spc="45" dirty="0">
+                <a:solidFill>
+                  <a:srgbClr val="000000"/>
+                </a:solidFill>
+                <a:latin typeface="Gidole"/>
+              </a:rPr>
+              <a:t>Recording goes out later today and is up for one week</a:t>
+            </a:r>
+            <a:br>
+              <a:rPr lang="en-US" sz="4200" spc="45" dirty="0">
+                <a:solidFill>
+                  <a:srgbClr val="000000"/>
+                </a:solidFill>
+                <a:latin typeface="Gidole"/>
+              </a:rPr>
+            </a:br>
+            <a:endParaRPr lang="en-US" sz="4200" spc="45" dirty="0">
+              <a:solidFill>
+                <a:srgbClr val="000000"/>
+              </a:solidFill>
+              <a:latin typeface="Gidole"/>
+            </a:endParaRPr>
+          </a:p>
+          <a:p>
+            <a:pPr marL="685800" indent="-685800">
+              <a:lnSpc>
+                <a:spcPts val="5625"/>
+              </a:lnSpc>
+              <a:buFont typeface="Arial" panose="020B0604020202020204" pitchFamily="34" charset="0"/>
+              <a:buChar char="•"/>
+            </a:pPr>
+            <a:r>
+              <a:rPr lang="en-US" sz="4200" spc="45" dirty="0">
+                <a:solidFill>
+                  <a:srgbClr val="000000"/>
+                </a:solidFill>
+                <a:latin typeface="Gidole"/>
+              </a:rPr>
+              <a:t>I will do my best to answer your questions</a:t>
+            </a:r>
+          </a:p>
+        </p:txBody>
+      </p:sp>
+    </p:spTree>
+    <p:extLst>
+      <p:ext uri="{BB962C8B-B14F-4D97-AF65-F5344CB8AC3E}">
+        <p14:creationId xmlns:p14="http://schemas.microsoft.com/office/powerpoint/2010/main" val="735416566"/>
+      </p:ext>
+    </p:extLst>
+  </p:cSld>
+  <p:clrMapOvr>
+    <a:masterClrMapping/>
+  </p:clrMapOvr>
+</p:sld>
+</file>
+
+<file path=ppt/slides/slide6.xml><?xml version="1.0" encoding="utf-8"?>
 <p:sld xmlns:a="http://schemas.openxmlformats.org/drawingml/2006/main" xmlns:r="http://schemas.openxmlformats.org/officeDocument/2006/relationships" xmlns:p="http://schemas.openxmlformats.org/presentationml/2006/main">
   <p:cSld>
     <p:spTree>
@@ -8067,7 +8877,7 @@
 </p:sld>
 </file>
 
-<file path=ppt/slides/slide6.xml><?xml version="1.0" encoding="utf-8"?>
+<file path=ppt/slides/slide7.xml><?xml version="1.0" encoding="utf-8"?>
 <p:sld xmlns:a="http://schemas.openxmlformats.org/drawingml/2006/main" xmlns:r="http://schemas.openxmlformats.org/officeDocument/2006/relationships" xmlns:p="http://schemas.openxmlformats.org/presentationml/2006/main">
   <p:cSld>
     <p:spTree>
@@ -8720,7 +9530,7 @@
 </p:sld>
 </file>
 
-<file path=ppt/slides/slide7.xml><?xml version="1.0" encoding="utf-8"?>
+<file path=ppt/slides/slide8.xml><?xml version="1.0" encoding="utf-8"?>
 <p:sld xmlns:a="http://schemas.openxmlformats.org/drawingml/2006/main" xmlns:r="http://schemas.openxmlformats.org/officeDocument/2006/relationships" xmlns:p="http://schemas.openxmlformats.org/presentationml/2006/main">
   <p:cSld>
     <p:spTree>
@@ -9029,133 +9839,6 @@
 </p:sld>
 </file>
 
-<file path=ppt/slides/slide8.xml><?xml version="1.0" encoding="utf-8"?>
-<p:sld xmlns:a="http://schemas.openxmlformats.org/drawingml/2006/main" xmlns:r="http://schemas.openxmlformats.org/officeDocument/2006/relationships" xmlns:p="http://schemas.openxmlformats.org/presentationml/2006/main">
-  <p:cSld>
-    <p:spTree>
-      <p:nvGrpSpPr>
-        <p:cNvPr id="1" name=""/>
-        <p:cNvGrpSpPr/>
-        <p:nvPr/>
-      </p:nvGrpSpPr>
-      <p:grpSpPr>
-        <a:xfrm>
-          <a:off x="0" y="0"/>
-          <a:ext cx="0" cy="0"/>
-          <a:chOff x="0" y="0"/>
-          <a:chExt cx="0" cy="0"/>
-        </a:xfrm>
-      </p:grpSpPr>
-      <p:pic>
-        <p:nvPicPr>
-          <p:cNvPr id="8" name="Picture 8"/>
-          <p:cNvPicPr>
-            <a:picLocks noChangeAspect="1"/>
-          </p:cNvPicPr>
-          <p:nvPr/>
-        </p:nvPicPr>
-        <p:blipFill>
-          <a:blip r:embed="rId3"/>
-          <a:srcRect/>
-          <a:stretch>
-            <a:fillRect/>
-          </a:stretch>
-        </p:blipFill>
-        <p:spPr>
-          <a:xfrm>
-            <a:off x="16459200" y="-99077"/>
-            <a:ext cx="2005783" cy="1470490"/>
-          </a:xfrm>
-          <a:prstGeom prst="rect">
-            <a:avLst/>
-          </a:prstGeom>
-        </p:spPr>
-      </p:pic>
-      <p:sp>
-        <p:nvSpPr>
-          <p:cNvPr id="9" name="TextBox 9"/>
-          <p:cNvSpPr txBox="1"/>
-          <p:nvPr/>
-        </p:nvSpPr>
-        <p:spPr>
-          <a:xfrm>
-            <a:off x="838200" y="617118"/>
-            <a:ext cx="15631206" cy="1209818"/>
-          </a:xfrm>
-          <a:prstGeom prst="rect">
-            <a:avLst/>
-          </a:prstGeom>
-        </p:spPr>
-        <p:txBody>
-          <a:bodyPr wrap="square" lIns="0" tIns="0" rIns="0" bIns="0" rtlCol="0" anchor="t">
-            <a:spAutoFit/>
-          </a:bodyPr>
-          <a:lstStyle/>
-          <a:p>
-            <a:pPr>
-              <a:lnSpc>
-                <a:spcPts val="10080"/>
-              </a:lnSpc>
-              <a:spcBef>
-                <a:spcPct val="0"/>
-              </a:spcBef>
-            </a:pPr>
-            <a:r>
-              <a:rPr lang="en-US" sz="7200" dirty="0">
-                <a:solidFill>
-                  <a:srgbClr val="000000"/>
-                </a:solidFill>
-                <a:latin typeface="Open Sans Extra Bold"/>
-              </a:rPr>
-              <a:t>QUESTIONS?</a:t>
-            </a:r>
-          </a:p>
-        </p:txBody>
-      </p:sp>
-      <p:pic>
-        <p:nvPicPr>
-          <p:cNvPr id="5" name="Picture 6">
-            <a:extLst>
-              <a:ext uri="{FF2B5EF4-FFF2-40B4-BE49-F238E27FC236}">
-                <a16:creationId xmlns:a16="http://schemas.microsoft.com/office/drawing/2014/main" id="{01C401A0-8EBC-47CA-B2DE-F204DE6EEF54}"/>
-              </a:ext>
-            </a:extLst>
-          </p:cNvPr>
-          <p:cNvPicPr>
-            <a:picLocks noChangeAspect="1"/>
-          </p:cNvPicPr>
-          <p:nvPr/>
-        </p:nvPicPr>
-        <p:blipFill>
-          <a:blip r:embed="rId4"/>
-          <a:srcRect b="44190"/>
-          <a:stretch>
-            <a:fillRect/>
-          </a:stretch>
-        </p:blipFill>
-        <p:spPr>
-          <a:xfrm>
-            <a:off x="16095120" y="9265255"/>
-            <a:ext cx="2013122" cy="823680"/>
-          </a:xfrm>
-          <a:prstGeom prst="rect">
-            <a:avLst/>
-          </a:prstGeom>
-        </p:spPr>
-      </p:pic>
-    </p:spTree>
-    <p:extLst>
-      <p:ext uri="{BB962C8B-B14F-4D97-AF65-F5344CB8AC3E}">
-        <p14:creationId xmlns:p14="http://schemas.microsoft.com/office/powerpoint/2010/main" val="2269851195"/>
-      </p:ext>
-    </p:extLst>
-  </p:cSld>
-  <p:clrMapOvr>
-    <a:masterClrMapping/>
-  </p:clrMapOvr>
-</p:sld>
-</file>
-
 <file path=ppt/slides/slide9.xml><?xml version="1.0" encoding="utf-8"?>
 <p:sld xmlns:a="http://schemas.openxmlformats.org/drawingml/2006/main" xmlns:r="http://schemas.openxmlformats.org/officeDocument/2006/relationships" xmlns:p="http://schemas.openxmlformats.org/presentationml/2006/main">
   <p:cSld>
@@ -9234,7 +9917,7 @@
                 </a:solidFill>
                 <a:latin typeface="Open Sans Extra Bold"/>
               </a:rPr>
-              <a:t>DEMO: PROFILING DATA</a:t>
+              <a:t>QUESTIONS?</a:t>
             </a:r>
           </a:p>
         </p:txBody>
@@ -9270,97 +9953,10 @@
           </a:prstGeom>
         </p:spPr>
       </p:pic>
-      <p:sp>
-        <p:nvSpPr>
-          <p:cNvPr id="2" name="TextBox 1">
-            <a:extLst>
-              <a:ext uri="{FF2B5EF4-FFF2-40B4-BE49-F238E27FC236}">
-                <a16:creationId xmlns:a16="http://schemas.microsoft.com/office/drawing/2014/main" id="{DA7E4D39-AF17-46FE-A0C7-071D1DD526E8}"/>
-              </a:ext>
-            </a:extLst>
-          </p:cNvPr>
-          <p:cNvSpPr txBox="1"/>
-          <p:nvPr/>
-        </p:nvSpPr>
-        <p:spPr>
-          <a:xfrm>
-            <a:off x="857250" y="1943100"/>
-            <a:ext cx="12877800" cy="2554545"/>
-          </a:xfrm>
-          <a:prstGeom prst="rect">
-            <a:avLst/>
-          </a:prstGeom>
-          <a:noFill/>
-        </p:spPr>
-        <p:txBody>
-          <a:bodyPr wrap="square" rtlCol="0">
-            <a:spAutoFit/>
-          </a:bodyPr>
-          <a:lstStyle/>
-          <a:p>
-            <a:pPr marL="571500" indent="-571500">
-              <a:buFont typeface="Arial" panose="020B0604020202020204" pitchFamily="34" charset="0"/>
-              <a:buChar char="•"/>
-            </a:pPr>
-            <a:r>
-              <a:rPr lang="en-US" sz="4000" dirty="0">
-                <a:latin typeface="Gidole" panose="02000503000000000000" pitchFamily="50" charset="0"/>
-              </a:rPr>
-              <a:t>File: </a:t>
-            </a:r>
-            <a:r>
-              <a:rPr lang="en-US" sz="4000" dirty="0">
-                <a:latin typeface="Roboto Mono" pitchFamily="2" charset="0"/>
-                <a:ea typeface="Roboto Mono" pitchFamily="2" charset="0"/>
-              </a:rPr>
-              <a:t>star.xlsx</a:t>
-            </a:r>
-          </a:p>
-          <a:p>
-            <a:pPr marL="571500" indent="-571500">
-              <a:buFont typeface="Arial" panose="020B0604020202020204" pitchFamily="34" charset="0"/>
-              <a:buChar char="•"/>
-            </a:pPr>
-            <a:r>
-              <a:rPr lang="en-US" sz="4000" dirty="0">
-                <a:latin typeface="Gidole" panose="02000503000000000000" pitchFamily="50" charset="0"/>
-                <a:ea typeface="Roboto Mono" pitchFamily="2" charset="0"/>
-              </a:rPr>
-              <a:t>Load into Power Query</a:t>
-            </a:r>
-          </a:p>
-          <a:p>
-            <a:pPr marL="571500" indent="-571500">
-              <a:buFont typeface="Arial" panose="020B0604020202020204" pitchFamily="34" charset="0"/>
-              <a:buChar char="•"/>
-            </a:pPr>
-            <a:r>
-              <a:rPr lang="en-US" sz="4000" dirty="0">
-                <a:latin typeface="Gidole" panose="02000503000000000000" pitchFamily="50" charset="0"/>
-                <a:ea typeface="Roboto Mono" pitchFamily="2" charset="0"/>
-              </a:rPr>
-              <a:t>Explore via Data Preview</a:t>
-            </a:r>
-          </a:p>
-          <a:p>
-            <a:pPr marL="571500" indent="-571500">
-              <a:buFont typeface="Arial" panose="020B0604020202020204" pitchFamily="34" charset="0"/>
-              <a:buChar char="•"/>
-            </a:pPr>
-            <a:r>
-              <a:rPr lang="en-US" sz="4000" i="1" dirty="0">
-                <a:latin typeface="Gidole" panose="02000503000000000000" pitchFamily="50" charset="0"/>
-                <a:ea typeface="Roboto Mono" pitchFamily="2" charset="0"/>
-              </a:rPr>
-              <a:t>Refer to demo notes</a:t>
-            </a:r>
-          </a:p>
-        </p:txBody>
-      </p:sp>
     </p:spTree>
     <p:extLst>
       <p:ext uri="{BB962C8B-B14F-4D97-AF65-F5344CB8AC3E}">
-        <p14:creationId xmlns:p14="http://schemas.microsoft.com/office/powerpoint/2010/main" val="1901009749"/>
+        <p14:creationId xmlns:p14="http://schemas.microsoft.com/office/powerpoint/2010/main" val="2269851195"/>
       </p:ext>
     </p:extLst>
   </p:cSld>
